--- a/pptx/PureScript- JS.la presentation.pptx
+++ b/pptx/PureScript- JS.la presentation.pptx
@@ -1,38 +1,33 @@
 
 <file path=ppt/presentation.xml><?xml version="1.0" encoding="utf-8"?>
-<p:presentation xmlns:a="http://schemas.openxmlformats.org/drawingml/2006/main" xmlns:r="http://schemas.openxmlformats.org/officeDocument/2006/relationships" xmlns:mc="http://schemas.openxmlformats.org/markup-compatibility/2006" xmlns:mv="urn:schemas-microsoft-com:mac:vml" xmlns:p="http://schemas.openxmlformats.org/presentationml/2006/main" xmlns:c="http://schemas.openxmlformats.org/drawingml/2006/chart" xmlns:dgm="http://schemas.openxmlformats.org/drawingml/2006/diagram" xmlns:o="urn:schemas-microsoft-com:office:office" xmlns:v="urn:schemas-microsoft-com:vml" xmlns:pvml="urn:schemas-microsoft-com:office:powerpoint" xmlns:com="http://schemas.openxmlformats.org/drawingml/2006/compatibility" xmlns:p14="http://schemas.microsoft.com/office/powerpoint/2010/main" autoCompressPictures="0" embedTrueTypeFonts="1" strictFirstAndLastChars="0" saveSubsetFonts="1">
+<p:presentation xmlns:a="http://schemas.openxmlformats.org/drawingml/2006/main" xmlns:r="http://schemas.openxmlformats.org/officeDocument/2006/relationships" xmlns:p="http://schemas.openxmlformats.org/presentationml/2006/main" strictFirstAndLastChars="0" saveSubsetFonts="1" autoCompressPictures="0">
   <p:sldMasterIdLst>
-    <p:sldMasterId id="2147483659" r:id="rId3"/>
+    <p:sldMasterId id="2147483659" r:id="rId1"/>
   </p:sldMasterIdLst>
   <p:notesMasterIdLst>
-    <p:notesMasterId r:id="rId4"/>
+    <p:notesMasterId r:id="rId17"/>
   </p:notesMasterIdLst>
   <p:sldIdLst>
-    <p:sldId id="256" r:id="rId5"/>
-    <p:sldId id="257" r:id="rId6"/>
-    <p:sldId id="258" r:id="rId7"/>
-    <p:sldId id="259" r:id="rId8"/>
-    <p:sldId id="260" r:id="rId9"/>
-    <p:sldId id="261" r:id="rId10"/>
-    <p:sldId id="262" r:id="rId11"/>
-    <p:sldId id="263" r:id="rId12"/>
-    <p:sldId id="264" r:id="rId13"/>
-    <p:sldId id="265" r:id="rId14"/>
-    <p:sldId id="266" r:id="rId15"/>
+    <p:sldId id="256" r:id="rId2"/>
+    <p:sldId id="257" r:id="rId3"/>
+    <p:sldId id="267" r:id="rId4"/>
+    <p:sldId id="268" r:id="rId5"/>
+    <p:sldId id="269" r:id="rId6"/>
+    <p:sldId id="270" r:id="rId7"/>
+    <p:sldId id="258" r:id="rId8"/>
+    <p:sldId id="259" r:id="rId9"/>
+    <p:sldId id="260" r:id="rId10"/>
+    <p:sldId id="261" r:id="rId11"/>
+    <p:sldId id="262" r:id="rId12"/>
+    <p:sldId id="263" r:id="rId13"/>
+    <p:sldId id="264" r:id="rId14"/>
+    <p:sldId id="265" r:id="rId15"/>
+    <p:sldId id="266" r:id="rId16"/>
   </p:sldIdLst>
-  <p:sldSz cy="5143500" cx="9144000"/>
+  <p:sldSz cx="9144000" cy="5143500" type="screen16x9"/>
   <p:notesSz cx="6858000" cy="9144000"/>
-  <p:embeddedFontLst>
-    <p:embeddedFont>
-      <p:font typeface="Proxima Nova"/>
-      <p:regular r:id="rId16"/>
-      <p:bold r:id="rId17"/>
-      <p:italic r:id="rId18"/>
-      <p:boldItalic r:id="rId19"/>
-    </p:embeddedFont>
-  </p:embeddedFontLst>
   <p:defaultTextStyle>
-    <a:defPPr lvl="0" marR="0" rtl="0" algn="l">
+    <a:defPPr marR="0" lvl="0" algn="l" rtl="0">
       <a:lnSpc>
         <a:spcPct val="100000"/>
       </a:lnSpc>
@@ -43,7 +38,7 @@
         <a:spcPts val="0"/>
       </a:spcAft>
     </a:defPPr>
-    <a:lvl1pPr lvl="0" marR="0" rtl="0" algn="l">
+    <a:lvl1pPr marR="0" lvl="0" algn="l" rtl="0">
       <a:lnSpc>
         <a:spcPct val="100000"/>
       </a:lnSpc>
@@ -54,7 +49,7 @@
         <a:spcPts val="0"/>
       </a:spcAft>
       <a:buNone/>
-      <a:defRPr b="0" i="0" sz="1400" u="none" cap="none" strike="noStrike">
+      <a:defRPr sz="1400" b="0" i="0" u="none" strike="noStrike" cap="none">
         <a:solidFill>
           <a:srgbClr val="000000"/>
         </a:solidFill>
@@ -64,7 +59,7 @@
         <a:sym typeface="Arial"/>
       </a:defRPr>
     </a:lvl1pPr>
-    <a:lvl2pPr lvl="1" marR="0" rtl="0" algn="l">
+    <a:lvl2pPr marR="0" lvl="1" algn="l" rtl="0">
       <a:lnSpc>
         <a:spcPct val="100000"/>
       </a:lnSpc>
@@ -75,7 +70,7 @@
         <a:spcPts val="0"/>
       </a:spcAft>
       <a:buNone/>
-      <a:defRPr b="0" i="0" sz="1400" u="none" cap="none" strike="noStrike">
+      <a:defRPr sz="1400" b="0" i="0" u="none" strike="noStrike" cap="none">
         <a:solidFill>
           <a:srgbClr val="000000"/>
         </a:solidFill>
@@ -85,7 +80,7 @@
         <a:sym typeface="Arial"/>
       </a:defRPr>
     </a:lvl2pPr>
-    <a:lvl3pPr lvl="2" marR="0" rtl="0" algn="l">
+    <a:lvl3pPr marR="0" lvl="2" algn="l" rtl="0">
       <a:lnSpc>
         <a:spcPct val="100000"/>
       </a:lnSpc>
@@ -96,7 +91,7 @@
         <a:spcPts val="0"/>
       </a:spcAft>
       <a:buNone/>
-      <a:defRPr b="0" i="0" sz="1400" u="none" cap="none" strike="noStrike">
+      <a:defRPr sz="1400" b="0" i="0" u="none" strike="noStrike" cap="none">
         <a:solidFill>
           <a:srgbClr val="000000"/>
         </a:solidFill>
@@ -106,7 +101,7 @@
         <a:sym typeface="Arial"/>
       </a:defRPr>
     </a:lvl3pPr>
-    <a:lvl4pPr lvl="3" marR="0" rtl="0" algn="l">
+    <a:lvl4pPr marR="0" lvl="3" algn="l" rtl="0">
       <a:lnSpc>
         <a:spcPct val="100000"/>
       </a:lnSpc>
@@ -117,7 +112,7 @@
         <a:spcPts val="0"/>
       </a:spcAft>
       <a:buNone/>
-      <a:defRPr b="0" i="0" sz="1400" u="none" cap="none" strike="noStrike">
+      <a:defRPr sz="1400" b="0" i="0" u="none" strike="noStrike" cap="none">
         <a:solidFill>
           <a:srgbClr val="000000"/>
         </a:solidFill>
@@ -127,7 +122,7 @@
         <a:sym typeface="Arial"/>
       </a:defRPr>
     </a:lvl4pPr>
-    <a:lvl5pPr lvl="4" marR="0" rtl="0" algn="l">
+    <a:lvl5pPr marR="0" lvl="4" algn="l" rtl="0">
       <a:lnSpc>
         <a:spcPct val="100000"/>
       </a:lnSpc>
@@ -138,7 +133,7 @@
         <a:spcPts val="0"/>
       </a:spcAft>
       <a:buNone/>
-      <a:defRPr b="0" i="0" sz="1400" u="none" cap="none" strike="noStrike">
+      <a:defRPr sz="1400" b="0" i="0" u="none" strike="noStrike" cap="none">
         <a:solidFill>
           <a:srgbClr val="000000"/>
         </a:solidFill>
@@ -148,7 +143,7 @@
         <a:sym typeface="Arial"/>
       </a:defRPr>
     </a:lvl5pPr>
-    <a:lvl6pPr lvl="5" marR="0" rtl="0" algn="l">
+    <a:lvl6pPr marR="0" lvl="5" algn="l" rtl="0">
       <a:lnSpc>
         <a:spcPct val="100000"/>
       </a:lnSpc>
@@ -159,7 +154,7 @@
         <a:spcPts val="0"/>
       </a:spcAft>
       <a:buNone/>
-      <a:defRPr b="0" i="0" sz="1400" u="none" cap="none" strike="noStrike">
+      <a:defRPr sz="1400" b="0" i="0" u="none" strike="noStrike" cap="none">
         <a:solidFill>
           <a:srgbClr val="000000"/>
         </a:solidFill>
@@ -169,7 +164,7 @@
         <a:sym typeface="Arial"/>
       </a:defRPr>
     </a:lvl6pPr>
-    <a:lvl7pPr lvl="6" marR="0" rtl="0" algn="l">
+    <a:lvl7pPr marR="0" lvl="6" algn="l" rtl="0">
       <a:lnSpc>
         <a:spcPct val="100000"/>
       </a:lnSpc>
@@ -180,7 +175,7 @@
         <a:spcPts val="0"/>
       </a:spcAft>
       <a:buNone/>
-      <a:defRPr b="0" i="0" sz="1400" u="none" cap="none" strike="noStrike">
+      <a:defRPr sz="1400" b="0" i="0" u="none" strike="noStrike" cap="none">
         <a:solidFill>
           <a:srgbClr val="000000"/>
         </a:solidFill>
@@ -190,7 +185,7 @@
         <a:sym typeface="Arial"/>
       </a:defRPr>
     </a:lvl7pPr>
-    <a:lvl8pPr lvl="7" marR="0" rtl="0" algn="l">
+    <a:lvl8pPr marR="0" lvl="7" algn="l" rtl="0">
       <a:lnSpc>
         <a:spcPct val="100000"/>
       </a:lnSpc>
@@ -201,7 +196,7 @@
         <a:spcPts val="0"/>
       </a:spcAft>
       <a:buNone/>
-      <a:defRPr b="0" i="0" sz="1400" u="none" cap="none" strike="noStrike">
+      <a:defRPr sz="1400" b="0" i="0" u="none" strike="noStrike" cap="none">
         <a:solidFill>
           <a:srgbClr val="000000"/>
         </a:solidFill>
@@ -211,7 +206,7 @@
         <a:sym typeface="Arial"/>
       </a:defRPr>
     </a:lvl8pPr>
-    <a:lvl9pPr lvl="8" marR="0" rtl="0" algn="l">
+    <a:lvl9pPr marR="0" lvl="8" algn="l" rtl="0">
       <a:lnSpc>
         <a:spcPct val="100000"/>
       </a:lnSpc>
@@ -222,7 +217,7 @@
         <a:spcPts val="0"/>
       </a:spcAft>
       <a:buNone/>
-      <a:defRPr b="0" i="0" sz="1400" u="none" cap="none" strike="noStrike">
+      <a:defRPr sz="1400" b="0" i="0" u="none" strike="noStrike" cap="none">
         <a:solidFill>
           <a:srgbClr val="000000"/>
         </a:solidFill>
@@ -237,11 +232,16 @@
 </file>
 
 <file path=ppt/notesMasters/notesMaster1.xml><?xml version="1.0" encoding="utf-8"?>
-<p:notesMaster xmlns:a="http://schemas.openxmlformats.org/drawingml/2006/main" xmlns:r="http://schemas.openxmlformats.org/officeDocument/2006/relationships" xmlns:mc="http://schemas.openxmlformats.org/markup-compatibility/2006" xmlns:mv="urn:schemas-microsoft-com:mac:vml" xmlns:p="http://schemas.openxmlformats.org/presentationml/2006/main" xmlns:c="http://schemas.openxmlformats.org/drawingml/2006/chart" xmlns:dgm="http://schemas.openxmlformats.org/drawingml/2006/diagram" xmlns:o="urn:schemas-microsoft-com:office:office" xmlns:v="urn:schemas-microsoft-com:vml" xmlns:pvml="urn:schemas-microsoft-com:office:powerpoint" xmlns:com="http://schemas.openxmlformats.org/drawingml/2006/compatibility" xmlns:p14="http://schemas.microsoft.com/office/powerpoint/2010/main">
+<p:notesMaster xmlns:a="http://schemas.openxmlformats.org/drawingml/2006/main" xmlns:r="http://schemas.openxmlformats.org/officeDocument/2006/relationships" xmlns:p="http://schemas.openxmlformats.org/presentationml/2006/main">
   <p:cSld>
+    <p:bg>
+      <p:bgRef idx="1001">
+        <a:schemeClr val="bg1"/>
+      </p:bgRef>
+    </p:bg>
     <p:spTree>
       <p:nvGrpSpPr>
-        <p:cNvPr id="2" name="Shape 2"/>
+        <p:cNvPr id="1" name="Shape 2"/>
         <p:cNvGrpSpPr/>
         <p:nvPr/>
       </p:nvGrpSpPr>
@@ -256,9 +256,11 @@
       <p:sp>
         <p:nvSpPr>
           <p:cNvPr id="3" name="Shape 3"/>
-          <p:cNvSpPr/>
+          <p:cNvSpPr>
+            <a:spLocks noGrp="1" noRot="1" noChangeAspect="1"/>
+          </p:cNvSpPr>
           <p:nvPr>
-            <p:ph idx="2" type="sldImg"/>
+            <p:ph type="sldImg" idx="2"/>
           </p:nvPr>
         </p:nvSpPr>
         <p:spPr>
@@ -267,8 +269,13 @@
             <a:ext cx="6096075" cy="3429000"/>
           </a:xfrm>
           <a:custGeom>
+            <a:avLst/>
+            <a:gdLst/>
+            <a:ahLst/>
+            <a:cxnLst/>
+            <a:rect l="0" t="0" r="0" b="0"/>
             <a:pathLst>
-              <a:path extrusionOk="0" h="120000" w="120000">
+              <a:path w="120000" h="120000" extrusionOk="0">
                 <a:moveTo>
                   <a:pt x="0" y="0"/>
                 </a:moveTo>
@@ -286,23 +293,25 @@
             </a:pathLst>
           </a:custGeom>
           <a:noFill/>
-          <a:ln cap="flat" cmpd="sng" w="9525">
+          <a:ln w="9525" cap="flat" cmpd="sng">
             <a:solidFill>
               <a:srgbClr val="000000"/>
             </a:solidFill>
             <a:prstDash val="solid"/>
             <a:round/>
-            <a:headEnd len="med" w="med" type="none"/>
-            <a:tailEnd len="med" w="med" type="none"/>
+            <a:headEnd type="none" w="med" len="med"/>
+            <a:tailEnd type="none" w="med" len="med"/>
           </a:ln>
         </p:spPr>
       </p:sp>
       <p:sp>
         <p:nvSpPr>
           <p:cNvPr id="4" name="Shape 4"/>
-          <p:cNvSpPr txBox="1"/>
+          <p:cNvSpPr txBox="1">
+            <a:spLocks noGrp="1"/>
+          </p:cNvSpPr>
           <p:nvPr>
-            <p:ph idx="1" type="body"/>
+            <p:ph type="body" idx="1"/>
           </p:nvPr>
         </p:nvSpPr>
         <p:spPr>
@@ -319,7 +328,7 @@
           </a:ln>
         </p:spPr>
         <p:txBody>
-          <a:bodyPr anchorCtr="0" anchor="t" bIns="91425" lIns="91425" rIns="91425" tIns="91425"/>
+          <a:bodyPr lIns="91425" tIns="91425" rIns="91425" bIns="91425" anchor="t" anchorCtr="0"/>
           <a:lstStyle>
             <a:lvl1pPr lvl="0">
               <a:spcBef>
@@ -376,21 +385,115 @@
               <a:defRPr sz="1100"/>
             </a:lvl9pPr>
           </a:lstStyle>
-          <a:p/>
+          <a:p>
+            <a:endParaRPr/>
+          </a:p>
         </p:txBody>
       </p:sp>
     </p:spTree>
   </p:cSld>
-  <p:clrMap accent1="accent1" accent2="accent2" accent3="accent3" accent4="accent4" accent5="accent5" accent6="accent6" bg1="lt1" bg2="dk2" tx1="dk1" tx2="lt2" folHlink="folHlink" hlink="hlink"/>
+  <p:clrMap bg1="lt1" tx1="dk1" bg2="dk2" tx2="lt2" accent1="accent1" accent2="accent2" accent3="accent3" accent4="accent4" accent5="accent5" accent6="accent6" hlink="hlink" folHlink="folHlink"/>
+  <p:notesStyle>
+    <a:lvl1pPr marL="0" algn="l" defTabSz="914400" rtl="0" eaLnBrk="1" latinLnBrk="0" hangingPunct="1">
+      <a:defRPr sz="1200" kern="1200">
+        <a:solidFill>
+          <a:schemeClr val="tx1"/>
+        </a:solidFill>
+        <a:latin typeface="+mn-lt"/>
+        <a:ea typeface="+mn-ea"/>
+        <a:cs typeface="+mn-cs"/>
+      </a:defRPr>
+    </a:lvl1pPr>
+    <a:lvl2pPr marL="457200" algn="l" defTabSz="914400" rtl="0" eaLnBrk="1" latinLnBrk="0" hangingPunct="1">
+      <a:defRPr sz="1200" kern="1200">
+        <a:solidFill>
+          <a:schemeClr val="tx1"/>
+        </a:solidFill>
+        <a:latin typeface="+mn-lt"/>
+        <a:ea typeface="+mn-ea"/>
+        <a:cs typeface="+mn-cs"/>
+      </a:defRPr>
+    </a:lvl2pPr>
+    <a:lvl3pPr marL="914400" algn="l" defTabSz="914400" rtl="0" eaLnBrk="1" latinLnBrk="0" hangingPunct="1">
+      <a:defRPr sz="1200" kern="1200">
+        <a:solidFill>
+          <a:schemeClr val="tx1"/>
+        </a:solidFill>
+        <a:latin typeface="+mn-lt"/>
+        <a:ea typeface="+mn-ea"/>
+        <a:cs typeface="+mn-cs"/>
+      </a:defRPr>
+    </a:lvl3pPr>
+    <a:lvl4pPr marL="1371600" algn="l" defTabSz="914400" rtl="0" eaLnBrk="1" latinLnBrk="0" hangingPunct="1">
+      <a:defRPr sz="1200" kern="1200">
+        <a:solidFill>
+          <a:schemeClr val="tx1"/>
+        </a:solidFill>
+        <a:latin typeface="+mn-lt"/>
+        <a:ea typeface="+mn-ea"/>
+        <a:cs typeface="+mn-cs"/>
+      </a:defRPr>
+    </a:lvl4pPr>
+    <a:lvl5pPr marL="1828800" algn="l" defTabSz="914400" rtl="0" eaLnBrk="1" latinLnBrk="0" hangingPunct="1">
+      <a:defRPr sz="1200" kern="1200">
+        <a:solidFill>
+          <a:schemeClr val="tx1"/>
+        </a:solidFill>
+        <a:latin typeface="+mn-lt"/>
+        <a:ea typeface="+mn-ea"/>
+        <a:cs typeface="+mn-cs"/>
+      </a:defRPr>
+    </a:lvl5pPr>
+    <a:lvl6pPr marL="2286000" algn="l" defTabSz="914400" rtl="0" eaLnBrk="1" latinLnBrk="0" hangingPunct="1">
+      <a:defRPr sz="1200" kern="1200">
+        <a:solidFill>
+          <a:schemeClr val="tx1"/>
+        </a:solidFill>
+        <a:latin typeface="+mn-lt"/>
+        <a:ea typeface="+mn-ea"/>
+        <a:cs typeface="+mn-cs"/>
+      </a:defRPr>
+    </a:lvl6pPr>
+    <a:lvl7pPr marL="2743200" algn="l" defTabSz="914400" rtl="0" eaLnBrk="1" latinLnBrk="0" hangingPunct="1">
+      <a:defRPr sz="1200" kern="1200">
+        <a:solidFill>
+          <a:schemeClr val="tx1"/>
+        </a:solidFill>
+        <a:latin typeface="+mn-lt"/>
+        <a:ea typeface="+mn-ea"/>
+        <a:cs typeface="+mn-cs"/>
+      </a:defRPr>
+    </a:lvl7pPr>
+    <a:lvl8pPr marL="3200400" algn="l" defTabSz="914400" rtl="0" eaLnBrk="1" latinLnBrk="0" hangingPunct="1">
+      <a:defRPr sz="1200" kern="1200">
+        <a:solidFill>
+          <a:schemeClr val="tx1"/>
+        </a:solidFill>
+        <a:latin typeface="+mn-lt"/>
+        <a:ea typeface="+mn-ea"/>
+        <a:cs typeface="+mn-cs"/>
+      </a:defRPr>
+    </a:lvl8pPr>
+    <a:lvl9pPr marL="3657600" algn="l" defTabSz="914400" rtl="0" eaLnBrk="1" latinLnBrk="0" hangingPunct="1">
+      <a:defRPr sz="1200" kern="1200">
+        <a:solidFill>
+          <a:schemeClr val="tx1"/>
+        </a:solidFill>
+        <a:latin typeface="+mn-lt"/>
+        <a:ea typeface="+mn-ea"/>
+        <a:cs typeface="+mn-cs"/>
+      </a:defRPr>
+    </a:lvl9pPr>
+  </p:notesStyle>
 </p:notesMaster>
 </file>
 
 <file path=ppt/notesSlides/notesSlide1.xml><?xml version="1.0" encoding="utf-8"?>
-<p:notes xmlns:a="http://schemas.openxmlformats.org/drawingml/2006/main" xmlns:r="http://schemas.openxmlformats.org/officeDocument/2006/relationships" xmlns:mc="http://schemas.openxmlformats.org/markup-compatibility/2006" xmlns:mv="urn:schemas-microsoft-com:mac:vml" xmlns:p="http://schemas.openxmlformats.org/presentationml/2006/main" xmlns:c="http://schemas.openxmlformats.org/drawingml/2006/chart" xmlns:dgm="http://schemas.openxmlformats.org/drawingml/2006/diagram" xmlns:o="urn:schemas-microsoft-com:office:office" xmlns:v="urn:schemas-microsoft-com:vml" xmlns:pvml="urn:schemas-microsoft-com:office:powerpoint" xmlns:com="http://schemas.openxmlformats.org/drawingml/2006/compatibility" xmlns:p14="http://schemas.microsoft.com/office/powerpoint/2010/main" showMasterPhAnim="0" showMasterSp="0">
+<p:notes xmlns:a="http://schemas.openxmlformats.org/drawingml/2006/main" xmlns:r="http://schemas.openxmlformats.org/officeDocument/2006/relationships" xmlns:p="http://schemas.openxmlformats.org/presentationml/2006/main" showMasterSp="0" showMasterPhAnim="0">
   <p:cSld>
     <p:spTree>
       <p:nvGrpSpPr>
-        <p:cNvPr id="55" name="Shape 55"/>
+        <p:cNvPr id="1" name="Shape 55"/>
         <p:cNvGrpSpPr/>
         <p:nvPr/>
       </p:nvGrpSpPr>
@@ -405,19 +508,26 @@
       <p:sp>
         <p:nvSpPr>
           <p:cNvPr id="56" name="Shape 56"/>
-          <p:cNvSpPr/>
+          <p:cNvSpPr>
+            <a:spLocks noGrp="1" noRot="1" noChangeAspect="1"/>
+          </p:cNvSpPr>
           <p:nvPr>
-            <p:ph idx="2" type="sldImg"/>
+            <p:ph type="sldImg" idx="2"/>
           </p:nvPr>
         </p:nvSpPr>
         <p:spPr>
           <a:xfrm>
-            <a:off x="381300" y="685800"/>
-            <a:ext cx="6096075" cy="3429000"/>
+            <a:off x="381000" y="685800"/>
+            <a:ext cx="6096000" cy="3429000"/>
           </a:xfrm>
           <a:custGeom>
+            <a:avLst/>
+            <a:gdLst/>
+            <a:ahLst/>
+            <a:cxnLst/>
+            <a:rect l="0" t="0" r="0" b="0"/>
             <a:pathLst>
-              <a:path extrusionOk="0" h="120000" w="120000">
+              <a:path w="120000" h="120000" extrusionOk="0">
                 <a:moveTo>
                   <a:pt x="0" y="0"/>
                 </a:moveTo>
@@ -439,9 +549,11 @@
       <p:sp>
         <p:nvSpPr>
           <p:cNvPr id="57" name="Shape 57"/>
-          <p:cNvSpPr txBox="1"/>
+          <p:cNvSpPr txBox="1">
+            <a:spLocks noGrp="1"/>
+          </p:cNvSpPr>
           <p:nvPr>
-            <p:ph idx="1" type="body"/>
+            <p:ph type="body" idx="1"/>
           </p:nvPr>
         </p:nvSpPr>
         <p:spPr>
@@ -454,7 +566,7 @@
           </a:prstGeom>
         </p:spPr>
         <p:txBody>
-          <a:bodyPr anchorCtr="0" anchor="t" bIns="91425" lIns="91425" rIns="91425" tIns="91425">
+          <a:bodyPr lIns="91425" tIns="91425" rIns="91425" bIns="91425" anchor="t" anchorCtr="0">
             <a:noAutofit/>
           </a:bodyPr>
           <a:lstStyle/>
@@ -465,9 +577,6 @@
               </a:spcBef>
               <a:buNone/>
             </a:pPr>
-            <a:r>
-              <a:t/>
-            </a:r>
             <a:endParaRPr/>
           </a:p>
         </p:txBody>
@@ -481,11 +590,11 @@
 </file>
 
 <file path=ppt/notesSlides/notesSlide10.xml><?xml version="1.0" encoding="utf-8"?>
-<p:notes xmlns:a="http://schemas.openxmlformats.org/drawingml/2006/main" xmlns:r="http://schemas.openxmlformats.org/officeDocument/2006/relationships" xmlns:mc="http://schemas.openxmlformats.org/markup-compatibility/2006" xmlns:mv="urn:schemas-microsoft-com:mac:vml" xmlns:p="http://schemas.openxmlformats.org/presentationml/2006/main" xmlns:c="http://schemas.openxmlformats.org/drawingml/2006/chart" xmlns:dgm="http://schemas.openxmlformats.org/drawingml/2006/diagram" xmlns:o="urn:schemas-microsoft-com:office:office" xmlns:v="urn:schemas-microsoft-com:vml" xmlns:pvml="urn:schemas-microsoft-com:office:powerpoint" xmlns:com="http://schemas.openxmlformats.org/drawingml/2006/compatibility" xmlns:p14="http://schemas.microsoft.com/office/powerpoint/2010/main" showMasterPhAnim="0" showMasterSp="0">
+<p:notes xmlns:a="http://schemas.openxmlformats.org/drawingml/2006/main" xmlns:r="http://schemas.openxmlformats.org/officeDocument/2006/relationships" xmlns:p="http://schemas.openxmlformats.org/presentationml/2006/main" showMasterSp="0" showMasterPhAnim="0">
   <p:cSld>
     <p:spTree>
       <p:nvGrpSpPr>
-        <p:cNvPr id="117" name="Shape 117"/>
+        <p:cNvPr id="1" name="Shape 117"/>
         <p:cNvGrpSpPr/>
         <p:nvPr/>
       </p:nvGrpSpPr>
@@ -500,9 +609,11 @@
       <p:sp>
         <p:nvSpPr>
           <p:cNvPr id="118" name="Shape 118"/>
-          <p:cNvSpPr/>
+          <p:cNvSpPr>
+            <a:spLocks noGrp="1" noRot="1" noChangeAspect="1"/>
+          </p:cNvSpPr>
           <p:nvPr>
-            <p:ph idx="2" type="sldImg"/>
+            <p:ph type="sldImg" idx="2"/>
           </p:nvPr>
         </p:nvSpPr>
         <p:spPr>
@@ -511,8 +622,13 @@
             <a:ext cx="6096000" cy="3429000"/>
           </a:xfrm>
           <a:custGeom>
+            <a:avLst/>
+            <a:gdLst/>
+            <a:ahLst/>
+            <a:cxnLst/>
+            <a:rect l="0" t="0" r="0" b="0"/>
             <a:pathLst>
-              <a:path extrusionOk="0" h="120000" w="120000">
+              <a:path w="120000" h="120000" extrusionOk="0">
                 <a:moveTo>
                   <a:pt x="0" y="0"/>
                 </a:moveTo>
@@ -534,9 +650,11 @@
       <p:sp>
         <p:nvSpPr>
           <p:cNvPr id="119" name="Shape 119"/>
-          <p:cNvSpPr txBox="1"/>
+          <p:cNvSpPr txBox="1">
+            <a:spLocks noGrp="1"/>
+          </p:cNvSpPr>
           <p:nvPr>
-            <p:ph idx="1" type="body"/>
+            <p:ph type="body" idx="1"/>
           </p:nvPr>
         </p:nvSpPr>
         <p:spPr>
@@ -549,7 +667,7 @@
           </a:prstGeom>
         </p:spPr>
         <p:txBody>
-          <a:bodyPr anchorCtr="0" anchor="t" bIns="91425" lIns="91425" rIns="91425" tIns="91425">
+          <a:bodyPr lIns="91425" tIns="91425" rIns="91425" bIns="91425" anchor="t" anchorCtr="0">
             <a:noAutofit/>
           </a:bodyPr>
           <a:lstStyle/>
@@ -560,9 +678,6 @@
               </a:spcBef>
               <a:buNone/>
             </a:pPr>
-            <a:r>
-              <a:t/>
-            </a:r>
             <a:endParaRPr/>
           </a:p>
         </p:txBody>
@@ -576,11 +691,11 @@
 </file>
 
 <file path=ppt/notesSlides/notesSlide11.xml><?xml version="1.0" encoding="utf-8"?>
-<p:notes xmlns:a="http://schemas.openxmlformats.org/drawingml/2006/main" xmlns:r="http://schemas.openxmlformats.org/officeDocument/2006/relationships" xmlns:mc="http://schemas.openxmlformats.org/markup-compatibility/2006" xmlns:mv="urn:schemas-microsoft-com:mac:vml" xmlns:p="http://schemas.openxmlformats.org/presentationml/2006/main" xmlns:c="http://schemas.openxmlformats.org/drawingml/2006/chart" xmlns:dgm="http://schemas.openxmlformats.org/drawingml/2006/diagram" xmlns:o="urn:schemas-microsoft-com:office:office" xmlns:v="urn:schemas-microsoft-com:vml" xmlns:pvml="urn:schemas-microsoft-com:office:powerpoint" xmlns:com="http://schemas.openxmlformats.org/drawingml/2006/compatibility" xmlns:p14="http://schemas.microsoft.com/office/powerpoint/2010/main" showMasterPhAnim="0" showMasterSp="0">
+<p:notes xmlns:a="http://schemas.openxmlformats.org/drawingml/2006/main" xmlns:r="http://schemas.openxmlformats.org/officeDocument/2006/relationships" xmlns:p="http://schemas.openxmlformats.org/presentationml/2006/main" showMasterSp="0" showMasterPhAnim="0">
   <p:cSld>
     <p:spTree>
       <p:nvGrpSpPr>
-        <p:cNvPr id="123" name="Shape 123"/>
+        <p:cNvPr id="1" name="Shape 123"/>
         <p:cNvGrpSpPr/>
         <p:nvPr/>
       </p:nvGrpSpPr>
@@ -595,9 +710,11 @@
       <p:sp>
         <p:nvSpPr>
           <p:cNvPr id="124" name="Shape 124"/>
-          <p:cNvSpPr/>
+          <p:cNvSpPr>
+            <a:spLocks noGrp="1" noRot="1" noChangeAspect="1"/>
+          </p:cNvSpPr>
           <p:nvPr>
-            <p:ph idx="2" type="sldImg"/>
+            <p:ph type="sldImg" idx="2"/>
           </p:nvPr>
         </p:nvSpPr>
         <p:spPr>
@@ -606,8 +723,13 @@
             <a:ext cx="6096000" cy="3429000"/>
           </a:xfrm>
           <a:custGeom>
+            <a:avLst/>
+            <a:gdLst/>
+            <a:ahLst/>
+            <a:cxnLst/>
+            <a:rect l="0" t="0" r="0" b="0"/>
             <a:pathLst>
-              <a:path extrusionOk="0" h="120000" w="120000">
+              <a:path w="120000" h="120000" extrusionOk="0">
                 <a:moveTo>
                   <a:pt x="0" y="0"/>
                 </a:moveTo>
@@ -629,9 +751,11 @@
       <p:sp>
         <p:nvSpPr>
           <p:cNvPr id="125" name="Shape 125"/>
-          <p:cNvSpPr txBox="1"/>
+          <p:cNvSpPr txBox="1">
+            <a:spLocks noGrp="1"/>
+          </p:cNvSpPr>
           <p:nvPr>
-            <p:ph idx="1" type="body"/>
+            <p:ph type="body" idx="1"/>
           </p:nvPr>
         </p:nvSpPr>
         <p:spPr>
@@ -644,7 +768,7 @@
           </a:prstGeom>
         </p:spPr>
         <p:txBody>
-          <a:bodyPr anchorCtr="0" anchor="t" bIns="91425" lIns="91425" rIns="91425" tIns="91425">
+          <a:bodyPr lIns="91425" tIns="91425" rIns="91425" bIns="91425" anchor="t" anchorCtr="0">
             <a:noAutofit/>
           </a:bodyPr>
           <a:lstStyle/>
@@ -655,9 +779,6 @@
               </a:spcBef>
               <a:buNone/>
             </a:pPr>
-            <a:r>
-              <a:t/>
-            </a:r>
             <a:endParaRPr/>
           </a:p>
         </p:txBody>
@@ -671,11 +792,11 @@
 </file>
 
 <file path=ppt/notesSlides/notesSlide2.xml><?xml version="1.0" encoding="utf-8"?>
-<p:notes xmlns:a="http://schemas.openxmlformats.org/drawingml/2006/main" xmlns:r="http://schemas.openxmlformats.org/officeDocument/2006/relationships" xmlns:mc="http://schemas.openxmlformats.org/markup-compatibility/2006" xmlns:mv="urn:schemas-microsoft-com:mac:vml" xmlns:p="http://schemas.openxmlformats.org/presentationml/2006/main" xmlns:c="http://schemas.openxmlformats.org/drawingml/2006/chart" xmlns:dgm="http://schemas.openxmlformats.org/drawingml/2006/diagram" xmlns:o="urn:schemas-microsoft-com:office:office" xmlns:v="urn:schemas-microsoft-com:vml" xmlns:pvml="urn:schemas-microsoft-com:office:powerpoint" xmlns:com="http://schemas.openxmlformats.org/drawingml/2006/compatibility" xmlns:p14="http://schemas.microsoft.com/office/powerpoint/2010/main" showMasterPhAnim="0" showMasterSp="0">
+<p:notes xmlns:a="http://schemas.openxmlformats.org/drawingml/2006/main" xmlns:r="http://schemas.openxmlformats.org/officeDocument/2006/relationships" xmlns:p="http://schemas.openxmlformats.org/presentationml/2006/main" showMasterSp="0" showMasterPhAnim="0">
   <p:cSld>
     <p:spTree>
       <p:nvGrpSpPr>
-        <p:cNvPr id="64" name="Shape 64"/>
+        <p:cNvPr id="1" name="Shape 64"/>
         <p:cNvGrpSpPr/>
         <p:nvPr/>
       </p:nvGrpSpPr>
@@ -690,9 +811,11 @@
       <p:sp>
         <p:nvSpPr>
           <p:cNvPr id="65" name="Shape 65"/>
-          <p:cNvSpPr/>
+          <p:cNvSpPr>
+            <a:spLocks noGrp="1" noRot="1" noChangeAspect="1"/>
+          </p:cNvSpPr>
           <p:nvPr>
-            <p:ph idx="2" type="sldImg"/>
+            <p:ph type="sldImg" idx="2"/>
           </p:nvPr>
         </p:nvSpPr>
         <p:spPr>
@@ -701,8 +824,13 @@
             <a:ext cx="6096000" cy="3429000"/>
           </a:xfrm>
           <a:custGeom>
+            <a:avLst/>
+            <a:gdLst/>
+            <a:ahLst/>
+            <a:cxnLst/>
+            <a:rect l="0" t="0" r="0" b="0"/>
             <a:pathLst>
-              <a:path extrusionOk="0" h="120000" w="120000">
+              <a:path w="120000" h="120000" extrusionOk="0">
                 <a:moveTo>
                   <a:pt x="0" y="0"/>
                 </a:moveTo>
@@ -724,9 +852,11 @@
       <p:sp>
         <p:nvSpPr>
           <p:cNvPr id="66" name="Shape 66"/>
-          <p:cNvSpPr txBox="1"/>
+          <p:cNvSpPr txBox="1">
+            <a:spLocks noGrp="1"/>
+          </p:cNvSpPr>
           <p:nvPr>
-            <p:ph idx="1" type="body"/>
+            <p:ph type="body" idx="1"/>
           </p:nvPr>
         </p:nvSpPr>
         <p:spPr>
@@ -739,7 +869,7 @@
           </a:prstGeom>
         </p:spPr>
         <p:txBody>
-          <a:bodyPr anchorCtr="0" anchor="t" bIns="91425" lIns="91425" rIns="91425" tIns="91425">
+          <a:bodyPr lIns="91425" tIns="91425" rIns="91425" bIns="91425" anchor="t" anchorCtr="0">
             <a:noAutofit/>
           </a:bodyPr>
           <a:lstStyle/>
@@ -750,9 +880,6 @@
               </a:spcBef>
               <a:buNone/>
             </a:pPr>
-            <a:r>
-              <a:t/>
-            </a:r>
             <a:endParaRPr/>
           </a:p>
         </p:txBody>
@@ -766,11 +893,11 @@
 </file>
 
 <file path=ppt/notesSlides/notesSlide3.xml><?xml version="1.0" encoding="utf-8"?>
-<p:notes xmlns:a="http://schemas.openxmlformats.org/drawingml/2006/main" xmlns:r="http://schemas.openxmlformats.org/officeDocument/2006/relationships" xmlns:mc="http://schemas.openxmlformats.org/markup-compatibility/2006" xmlns:mv="urn:schemas-microsoft-com:mac:vml" xmlns:p="http://schemas.openxmlformats.org/presentationml/2006/main" xmlns:c="http://schemas.openxmlformats.org/drawingml/2006/chart" xmlns:dgm="http://schemas.openxmlformats.org/drawingml/2006/diagram" xmlns:o="urn:schemas-microsoft-com:office:office" xmlns:v="urn:schemas-microsoft-com:vml" xmlns:pvml="urn:schemas-microsoft-com:office:powerpoint" xmlns:com="http://schemas.openxmlformats.org/drawingml/2006/compatibility" xmlns:p14="http://schemas.microsoft.com/office/powerpoint/2010/main" showMasterPhAnim="0" showMasterSp="0">
+<p:notes xmlns:a="http://schemas.openxmlformats.org/drawingml/2006/main" xmlns:r="http://schemas.openxmlformats.org/officeDocument/2006/relationships" xmlns:p="http://schemas.openxmlformats.org/presentationml/2006/main" showMasterSp="0" showMasterPhAnim="0">
   <p:cSld>
     <p:spTree>
       <p:nvGrpSpPr>
-        <p:cNvPr id="72" name="Shape 72"/>
+        <p:cNvPr id="1" name="Shape 72"/>
         <p:cNvGrpSpPr/>
         <p:nvPr/>
       </p:nvGrpSpPr>
@@ -785,9 +912,11 @@
       <p:sp>
         <p:nvSpPr>
           <p:cNvPr id="73" name="Shape 73"/>
-          <p:cNvSpPr/>
+          <p:cNvSpPr>
+            <a:spLocks noGrp="1" noRot="1" noChangeAspect="1"/>
+          </p:cNvSpPr>
           <p:nvPr>
-            <p:ph idx="2" type="sldImg"/>
+            <p:ph type="sldImg" idx="2"/>
           </p:nvPr>
         </p:nvSpPr>
         <p:spPr>
@@ -796,8 +925,13 @@
             <a:ext cx="6096000" cy="3429000"/>
           </a:xfrm>
           <a:custGeom>
+            <a:avLst/>
+            <a:gdLst/>
+            <a:ahLst/>
+            <a:cxnLst/>
+            <a:rect l="0" t="0" r="0" b="0"/>
             <a:pathLst>
-              <a:path extrusionOk="0" h="120000" w="120000">
+              <a:path w="120000" h="120000" extrusionOk="0">
                 <a:moveTo>
                   <a:pt x="0" y="0"/>
                 </a:moveTo>
@@ -819,9 +953,11 @@
       <p:sp>
         <p:nvSpPr>
           <p:cNvPr id="74" name="Shape 74"/>
-          <p:cNvSpPr txBox="1"/>
+          <p:cNvSpPr txBox="1">
+            <a:spLocks noGrp="1"/>
+          </p:cNvSpPr>
           <p:nvPr>
-            <p:ph idx="1" type="body"/>
+            <p:ph type="body" idx="1"/>
           </p:nvPr>
         </p:nvSpPr>
         <p:spPr>
@@ -834,7 +970,7 @@
           </a:prstGeom>
         </p:spPr>
         <p:txBody>
-          <a:bodyPr anchorCtr="0" anchor="t" bIns="91425" lIns="91425" rIns="91425" tIns="91425">
+          <a:bodyPr lIns="91425" tIns="91425" rIns="91425" bIns="91425" anchor="t" anchorCtr="0">
             <a:noAutofit/>
           </a:bodyPr>
           <a:lstStyle/>
@@ -845,9 +981,6 @@
               </a:spcBef>
               <a:buNone/>
             </a:pPr>
-            <a:r>
-              <a:t/>
-            </a:r>
             <a:endParaRPr/>
           </a:p>
         </p:txBody>
@@ -861,11 +994,11 @@
 </file>
 
 <file path=ppt/notesSlides/notesSlide4.xml><?xml version="1.0" encoding="utf-8"?>
-<p:notes xmlns:a="http://schemas.openxmlformats.org/drawingml/2006/main" xmlns:r="http://schemas.openxmlformats.org/officeDocument/2006/relationships" xmlns:mc="http://schemas.openxmlformats.org/markup-compatibility/2006" xmlns:mv="urn:schemas-microsoft-com:mac:vml" xmlns:p="http://schemas.openxmlformats.org/presentationml/2006/main" xmlns:c="http://schemas.openxmlformats.org/drawingml/2006/chart" xmlns:dgm="http://schemas.openxmlformats.org/drawingml/2006/diagram" xmlns:o="urn:schemas-microsoft-com:office:office" xmlns:v="urn:schemas-microsoft-com:vml" xmlns:pvml="urn:schemas-microsoft-com:office:powerpoint" xmlns:com="http://schemas.openxmlformats.org/drawingml/2006/compatibility" xmlns:p14="http://schemas.microsoft.com/office/powerpoint/2010/main" showMasterPhAnim="0" showMasterSp="0">
+<p:notes xmlns:a="http://schemas.openxmlformats.org/drawingml/2006/main" xmlns:r="http://schemas.openxmlformats.org/officeDocument/2006/relationships" xmlns:p="http://schemas.openxmlformats.org/presentationml/2006/main" showMasterSp="0" showMasterPhAnim="0">
   <p:cSld>
     <p:spTree>
       <p:nvGrpSpPr>
-        <p:cNvPr id="79" name="Shape 79"/>
+        <p:cNvPr id="1" name="Shape 79"/>
         <p:cNvGrpSpPr/>
         <p:nvPr/>
       </p:nvGrpSpPr>
@@ -880,9 +1013,11 @@
       <p:sp>
         <p:nvSpPr>
           <p:cNvPr id="80" name="Shape 80"/>
-          <p:cNvSpPr/>
+          <p:cNvSpPr>
+            <a:spLocks noGrp="1" noRot="1" noChangeAspect="1"/>
+          </p:cNvSpPr>
           <p:nvPr>
-            <p:ph idx="2" type="sldImg"/>
+            <p:ph type="sldImg" idx="2"/>
           </p:nvPr>
         </p:nvSpPr>
         <p:spPr>
@@ -891,8 +1026,13 @@
             <a:ext cx="6096000" cy="3429000"/>
           </a:xfrm>
           <a:custGeom>
+            <a:avLst/>
+            <a:gdLst/>
+            <a:ahLst/>
+            <a:cxnLst/>
+            <a:rect l="0" t="0" r="0" b="0"/>
             <a:pathLst>
-              <a:path extrusionOk="0" h="120000" w="120000">
+              <a:path w="120000" h="120000" extrusionOk="0">
                 <a:moveTo>
                   <a:pt x="0" y="0"/>
                 </a:moveTo>
@@ -914,9 +1054,11 @@
       <p:sp>
         <p:nvSpPr>
           <p:cNvPr id="81" name="Shape 81"/>
-          <p:cNvSpPr txBox="1"/>
+          <p:cNvSpPr txBox="1">
+            <a:spLocks noGrp="1"/>
+          </p:cNvSpPr>
           <p:nvPr>
-            <p:ph idx="1" type="body"/>
+            <p:ph type="body" idx="1"/>
           </p:nvPr>
         </p:nvSpPr>
         <p:spPr>
@@ -929,7 +1071,7 @@
           </a:prstGeom>
         </p:spPr>
         <p:txBody>
-          <a:bodyPr anchorCtr="0" anchor="t" bIns="91425" lIns="91425" rIns="91425" tIns="91425">
+          <a:bodyPr lIns="91425" tIns="91425" rIns="91425" bIns="91425" anchor="t" anchorCtr="0">
             <a:noAutofit/>
           </a:bodyPr>
           <a:lstStyle/>
@@ -940,9 +1082,6 @@
               </a:spcBef>
               <a:buNone/>
             </a:pPr>
-            <a:r>
-              <a:t/>
-            </a:r>
             <a:endParaRPr/>
           </a:p>
         </p:txBody>
@@ -956,11 +1095,11 @@
 </file>
 
 <file path=ppt/notesSlides/notesSlide5.xml><?xml version="1.0" encoding="utf-8"?>
-<p:notes xmlns:a="http://schemas.openxmlformats.org/drawingml/2006/main" xmlns:r="http://schemas.openxmlformats.org/officeDocument/2006/relationships" xmlns:mc="http://schemas.openxmlformats.org/markup-compatibility/2006" xmlns:mv="urn:schemas-microsoft-com:mac:vml" xmlns:p="http://schemas.openxmlformats.org/presentationml/2006/main" xmlns:c="http://schemas.openxmlformats.org/drawingml/2006/chart" xmlns:dgm="http://schemas.openxmlformats.org/drawingml/2006/diagram" xmlns:o="urn:schemas-microsoft-com:office:office" xmlns:v="urn:schemas-microsoft-com:vml" xmlns:pvml="urn:schemas-microsoft-com:office:powerpoint" xmlns:com="http://schemas.openxmlformats.org/drawingml/2006/compatibility" xmlns:p14="http://schemas.microsoft.com/office/powerpoint/2010/main" showMasterPhAnim="0" showMasterSp="0">
+<p:notes xmlns:a="http://schemas.openxmlformats.org/drawingml/2006/main" xmlns:r="http://schemas.openxmlformats.org/officeDocument/2006/relationships" xmlns:p="http://schemas.openxmlformats.org/presentationml/2006/main" showMasterSp="0" showMasterPhAnim="0">
   <p:cSld>
     <p:spTree>
       <p:nvGrpSpPr>
-        <p:cNvPr id="87" name="Shape 87"/>
+        <p:cNvPr id="1" name="Shape 87"/>
         <p:cNvGrpSpPr/>
         <p:nvPr/>
       </p:nvGrpSpPr>
@@ -975,9 +1114,11 @@
       <p:sp>
         <p:nvSpPr>
           <p:cNvPr id="88" name="Shape 88"/>
-          <p:cNvSpPr/>
+          <p:cNvSpPr>
+            <a:spLocks noGrp="1" noRot="1" noChangeAspect="1"/>
+          </p:cNvSpPr>
           <p:nvPr>
-            <p:ph idx="2" type="sldImg"/>
+            <p:ph type="sldImg" idx="2"/>
           </p:nvPr>
         </p:nvSpPr>
         <p:spPr>
@@ -986,8 +1127,13 @@
             <a:ext cx="6096000" cy="3429000"/>
           </a:xfrm>
           <a:custGeom>
+            <a:avLst/>
+            <a:gdLst/>
+            <a:ahLst/>
+            <a:cxnLst/>
+            <a:rect l="0" t="0" r="0" b="0"/>
             <a:pathLst>
-              <a:path extrusionOk="0" h="120000" w="120000">
+              <a:path w="120000" h="120000" extrusionOk="0">
                 <a:moveTo>
                   <a:pt x="0" y="0"/>
                 </a:moveTo>
@@ -1009,9 +1155,11 @@
       <p:sp>
         <p:nvSpPr>
           <p:cNvPr id="89" name="Shape 89"/>
-          <p:cNvSpPr txBox="1"/>
+          <p:cNvSpPr txBox="1">
+            <a:spLocks noGrp="1"/>
+          </p:cNvSpPr>
           <p:nvPr>
-            <p:ph idx="1" type="body"/>
+            <p:ph type="body" idx="1"/>
           </p:nvPr>
         </p:nvSpPr>
         <p:spPr>
@@ -1024,7 +1172,7 @@
           </a:prstGeom>
         </p:spPr>
         <p:txBody>
-          <a:bodyPr anchorCtr="0" anchor="t" bIns="91425" lIns="91425" rIns="91425" tIns="91425">
+          <a:bodyPr lIns="91425" tIns="91425" rIns="91425" bIns="91425" anchor="t" anchorCtr="0">
             <a:noAutofit/>
           </a:bodyPr>
           <a:lstStyle/>
@@ -1035,9 +1183,6 @@
               </a:spcBef>
               <a:buNone/>
             </a:pPr>
-            <a:r>
-              <a:t/>
-            </a:r>
             <a:endParaRPr/>
           </a:p>
         </p:txBody>
@@ -1051,11 +1196,11 @@
 </file>
 
 <file path=ppt/notesSlides/notesSlide6.xml><?xml version="1.0" encoding="utf-8"?>
-<p:notes xmlns:a="http://schemas.openxmlformats.org/drawingml/2006/main" xmlns:r="http://schemas.openxmlformats.org/officeDocument/2006/relationships" xmlns:mc="http://schemas.openxmlformats.org/markup-compatibility/2006" xmlns:mv="urn:schemas-microsoft-com:mac:vml" xmlns:p="http://schemas.openxmlformats.org/presentationml/2006/main" xmlns:c="http://schemas.openxmlformats.org/drawingml/2006/chart" xmlns:dgm="http://schemas.openxmlformats.org/drawingml/2006/diagram" xmlns:o="urn:schemas-microsoft-com:office:office" xmlns:v="urn:schemas-microsoft-com:vml" xmlns:pvml="urn:schemas-microsoft-com:office:powerpoint" xmlns:com="http://schemas.openxmlformats.org/drawingml/2006/compatibility" xmlns:p14="http://schemas.microsoft.com/office/powerpoint/2010/main" showMasterPhAnim="0" showMasterSp="0">
+<p:notes xmlns:a="http://schemas.openxmlformats.org/drawingml/2006/main" xmlns:r="http://schemas.openxmlformats.org/officeDocument/2006/relationships" xmlns:p="http://schemas.openxmlformats.org/presentationml/2006/main" showMasterSp="0" showMasterPhAnim="0">
   <p:cSld>
     <p:spTree>
       <p:nvGrpSpPr>
-        <p:cNvPr id="93" name="Shape 93"/>
+        <p:cNvPr id="1" name="Shape 93"/>
         <p:cNvGrpSpPr/>
         <p:nvPr/>
       </p:nvGrpSpPr>
@@ -1070,9 +1215,11 @@
       <p:sp>
         <p:nvSpPr>
           <p:cNvPr id="94" name="Shape 94"/>
-          <p:cNvSpPr/>
+          <p:cNvSpPr>
+            <a:spLocks noGrp="1" noRot="1" noChangeAspect="1"/>
+          </p:cNvSpPr>
           <p:nvPr>
-            <p:ph idx="2" type="sldImg"/>
+            <p:ph type="sldImg" idx="2"/>
           </p:nvPr>
         </p:nvSpPr>
         <p:spPr>
@@ -1081,8 +1228,13 @@
             <a:ext cx="6096000" cy="3429000"/>
           </a:xfrm>
           <a:custGeom>
+            <a:avLst/>
+            <a:gdLst/>
+            <a:ahLst/>
+            <a:cxnLst/>
+            <a:rect l="0" t="0" r="0" b="0"/>
             <a:pathLst>
-              <a:path extrusionOk="0" h="120000" w="120000">
+              <a:path w="120000" h="120000" extrusionOk="0">
                 <a:moveTo>
                   <a:pt x="0" y="0"/>
                 </a:moveTo>
@@ -1104,9 +1256,11 @@
       <p:sp>
         <p:nvSpPr>
           <p:cNvPr id="95" name="Shape 95"/>
-          <p:cNvSpPr txBox="1"/>
+          <p:cNvSpPr txBox="1">
+            <a:spLocks noGrp="1"/>
+          </p:cNvSpPr>
           <p:nvPr>
-            <p:ph idx="1" type="body"/>
+            <p:ph type="body" idx="1"/>
           </p:nvPr>
         </p:nvSpPr>
         <p:spPr>
@@ -1119,7 +1273,7 @@
           </a:prstGeom>
         </p:spPr>
         <p:txBody>
-          <a:bodyPr anchorCtr="0" anchor="t" bIns="91425" lIns="91425" rIns="91425" tIns="91425">
+          <a:bodyPr lIns="91425" tIns="91425" rIns="91425" bIns="91425" anchor="t" anchorCtr="0">
             <a:noAutofit/>
           </a:bodyPr>
           <a:lstStyle/>
@@ -1130,9 +1284,6 @@
               </a:spcBef>
               <a:buNone/>
             </a:pPr>
-            <a:r>
-              <a:t/>
-            </a:r>
             <a:endParaRPr/>
           </a:p>
         </p:txBody>
@@ -1146,11 +1297,11 @@
 </file>
 
 <file path=ppt/notesSlides/notesSlide7.xml><?xml version="1.0" encoding="utf-8"?>
-<p:notes xmlns:a="http://schemas.openxmlformats.org/drawingml/2006/main" xmlns:r="http://schemas.openxmlformats.org/officeDocument/2006/relationships" xmlns:mc="http://schemas.openxmlformats.org/markup-compatibility/2006" xmlns:mv="urn:schemas-microsoft-com:mac:vml" xmlns:p="http://schemas.openxmlformats.org/presentationml/2006/main" xmlns:c="http://schemas.openxmlformats.org/drawingml/2006/chart" xmlns:dgm="http://schemas.openxmlformats.org/drawingml/2006/diagram" xmlns:o="urn:schemas-microsoft-com:office:office" xmlns:v="urn:schemas-microsoft-com:vml" xmlns:pvml="urn:schemas-microsoft-com:office:powerpoint" xmlns:com="http://schemas.openxmlformats.org/drawingml/2006/compatibility" xmlns:p14="http://schemas.microsoft.com/office/powerpoint/2010/main" showMasterPhAnim="0" showMasterSp="0">
+<p:notes xmlns:a="http://schemas.openxmlformats.org/drawingml/2006/main" xmlns:r="http://schemas.openxmlformats.org/officeDocument/2006/relationships" xmlns:p="http://schemas.openxmlformats.org/presentationml/2006/main" showMasterSp="0" showMasterPhAnim="0">
   <p:cSld>
     <p:spTree>
       <p:nvGrpSpPr>
-        <p:cNvPr id="99" name="Shape 99"/>
+        <p:cNvPr id="1" name="Shape 99"/>
         <p:cNvGrpSpPr/>
         <p:nvPr/>
       </p:nvGrpSpPr>
@@ -1165,9 +1316,11 @@
       <p:sp>
         <p:nvSpPr>
           <p:cNvPr id="100" name="Shape 100"/>
-          <p:cNvSpPr/>
+          <p:cNvSpPr>
+            <a:spLocks noGrp="1" noRot="1" noChangeAspect="1"/>
+          </p:cNvSpPr>
           <p:nvPr>
-            <p:ph idx="2" type="sldImg"/>
+            <p:ph type="sldImg" idx="2"/>
           </p:nvPr>
         </p:nvSpPr>
         <p:spPr>
@@ -1176,8 +1329,13 @@
             <a:ext cx="6096000" cy="3429000"/>
           </a:xfrm>
           <a:custGeom>
+            <a:avLst/>
+            <a:gdLst/>
+            <a:ahLst/>
+            <a:cxnLst/>
+            <a:rect l="0" t="0" r="0" b="0"/>
             <a:pathLst>
-              <a:path extrusionOk="0" h="120000" w="120000">
+              <a:path w="120000" h="120000" extrusionOk="0">
                 <a:moveTo>
                   <a:pt x="0" y="0"/>
                 </a:moveTo>
@@ -1199,9 +1357,11 @@
       <p:sp>
         <p:nvSpPr>
           <p:cNvPr id="101" name="Shape 101"/>
-          <p:cNvSpPr txBox="1"/>
+          <p:cNvSpPr txBox="1">
+            <a:spLocks noGrp="1"/>
+          </p:cNvSpPr>
           <p:nvPr>
-            <p:ph idx="1" type="body"/>
+            <p:ph type="body" idx="1"/>
           </p:nvPr>
         </p:nvSpPr>
         <p:spPr>
@@ -1214,7 +1374,7 @@
           </a:prstGeom>
         </p:spPr>
         <p:txBody>
-          <a:bodyPr anchorCtr="0" anchor="t" bIns="91425" lIns="91425" rIns="91425" tIns="91425">
+          <a:bodyPr lIns="91425" tIns="91425" rIns="91425" bIns="91425" anchor="t" anchorCtr="0">
             <a:noAutofit/>
           </a:bodyPr>
           <a:lstStyle/>
@@ -1225,9 +1385,6 @@
               </a:spcBef>
               <a:buNone/>
             </a:pPr>
-            <a:r>
-              <a:t/>
-            </a:r>
             <a:endParaRPr/>
           </a:p>
         </p:txBody>
@@ -1241,11 +1398,11 @@
 </file>
 
 <file path=ppt/notesSlides/notesSlide8.xml><?xml version="1.0" encoding="utf-8"?>
-<p:notes xmlns:a="http://schemas.openxmlformats.org/drawingml/2006/main" xmlns:r="http://schemas.openxmlformats.org/officeDocument/2006/relationships" xmlns:mc="http://schemas.openxmlformats.org/markup-compatibility/2006" xmlns:mv="urn:schemas-microsoft-com:mac:vml" xmlns:p="http://schemas.openxmlformats.org/presentationml/2006/main" xmlns:c="http://schemas.openxmlformats.org/drawingml/2006/chart" xmlns:dgm="http://schemas.openxmlformats.org/drawingml/2006/diagram" xmlns:o="urn:schemas-microsoft-com:office:office" xmlns:v="urn:schemas-microsoft-com:vml" xmlns:pvml="urn:schemas-microsoft-com:office:powerpoint" xmlns:com="http://schemas.openxmlformats.org/drawingml/2006/compatibility" xmlns:p14="http://schemas.microsoft.com/office/powerpoint/2010/main" showMasterPhAnim="0" showMasterSp="0">
+<p:notes xmlns:a="http://schemas.openxmlformats.org/drawingml/2006/main" xmlns:r="http://schemas.openxmlformats.org/officeDocument/2006/relationships" xmlns:p="http://schemas.openxmlformats.org/presentationml/2006/main" showMasterSp="0" showMasterPhAnim="0">
   <p:cSld>
     <p:spTree>
       <p:nvGrpSpPr>
-        <p:cNvPr id="105" name="Shape 105"/>
+        <p:cNvPr id="1" name="Shape 105"/>
         <p:cNvGrpSpPr/>
         <p:nvPr/>
       </p:nvGrpSpPr>
@@ -1260,9 +1417,11 @@
       <p:sp>
         <p:nvSpPr>
           <p:cNvPr id="106" name="Shape 106"/>
-          <p:cNvSpPr/>
+          <p:cNvSpPr>
+            <a:spLocks noGrp="1" noRot="1" noChangeAspect="1"/>
+          </p:cNvSpPr>
           <p:nvPr>
-            <p:ph idx="2" type="sldImg"/>
+            <p:ph type="sldImg" idx="2"/>
           </p:nvPr>
         </p:nvSpPr>
         <p:spPr>
@@ -1271,8 +1430,13 @@
             <a:ext cx="6096000" cy="3429000"/>
           </a:xfrm>
           <a:custGeom>
+            <a:avLst/>
+            <a:gdLst/>
+            <a:ahLst/>
+            <a:cxnLst/>
+            <a:rect l="0" t="0" r="0" b="0"/>
             <a:pathLst>
-              <a:path extrusionOk="0" h="120000" w="120000">
+              <a:path w="120000" h="120000" extrusionOk="0">
                 <a:moveTo>
                   <a:pt x="0" y="0"/>
                 </a:moveTo>
@@ -1294,9 +1458,11 @@
       <p:sp>
         <p:nvSpPr>
           <p:cNvPr id="107" name="Shape 107"/>
-          <p:cNvSpPr txBox="1"/>
+          <p:cNvSpPr txBox="1">
+            <a:spLocks noGrp="1"/>
+          </p:cNvSpPr>
           <p:nvPr>
-            <p:ph idx="1" type="body"/>
+            <p:ph type="body" idx="1"/>
           </p:nvPr>
         </p:nvSpPr>
         <p:spPr>
@@ -1309,7 +1475,7 @@
           </a:prstGeom>
         </p:spPr>
         <p:txBody>
-          <a:bodyPr anchorCtr="0" anchor="t" bIns="91425" lIns="91425" rIns="91425" tIns="91425">
+          <a:bodyPr lIns="91425" tIns="91425" rIns="91425" bIns="91425" anchor="t" anchorCtr="0">
             <a:noAutofit/>
           </a:bodyPr>
           <a:lstStyle/>
@@ -1320,9 +1486,6 @@
               </a:spcBef>
               <a:buNone/>
             </a:pPr>
-            <a:r>
-              <a:t/>
-            </a:r>
             <a:endParaRPr/>
           </a:p>
         </p:txBody>
@@ -1336,11 +1499,11 @@
 </file>
 
 <file path=ppt/notesSlides/notesSlide9.xml><?xml version="1.0" encoding="utf-8"?>
-<p:notes xmlns:a="http://schemas.openxmlformats.org/drawingml/2006/main" xmlns:r="http://schemas.openxmlformats.org/officeDocument/2006/relationships" xmlns:mc="http://schemas.openxmlformats.org/markup-compatibility/2006" xmlns:mv="urn:schemas-microsoft-com:mac:vml" xmlns:p="http://schemas.openxmlformats.org/presentationml/2006/main" xmlns:c="http://schemas.openxmlformats.org/drawingml/2006/chart" xmlns:dgm="http://schemas.openxmlformats.org/drawingml/2006/diagram" xmlns:o="urn:schemas-microsoft-com:office:office" xmlns:v="urn:schemas-microsoft-com:vml" xmlns:pvml="urn:schemas-microsoft-com:office:powerpoint" xmlns:com="http://schemas.openxmlformats.org/drawingml/2006/compatibility" xmlns:p14="http://schemas.microsoft.com/office/powerpoint/2010/main" showMasterPhAnim="0" showMasterSp="0">
+<p:notes xmlns:a="http://schemas.openxmlformats.org/drawingml/2006/main" xmlns:r="http://schemas.openxmlformats.org/officeDocument/2006/relationships" xmlns:p="http://schemas.openxmlformats.org/presentationml/2006/main" showMasterSp="0" showMasterPhAnim="0">
   <p:cSld>
     <p:spTree>
       <p:nvGrpSpPr>
-        <p:cNvPr id="111" name="Shape 111"/>
+        <p:cNvPr id="1" name="Shape 111"/>
         <p:cNvGrpSpPr/>
         <p:nvPr/>
       </p:nvGrpSpPr>
@@ -1355,9 +1518,11 @@
       <p:sp>
         <p:nvSpPr>
           <p:cNvPr id="112" name="Shape 112"/>
-          <p:cNvSpPr/>
+          <p:cNvSpPr>
+            <a:spLocks noGrp="1" noRot="1" noChangeAspect="1"/>
+          </p:cNvSpPr>
           <p:nvPr>
-            <p:ph idx="2" type="sldImg"/>
+            <p:ph type="sldImg" idx="2"/>
           </p:nvPr>
         </p:nvSpPr>
         <p:spPr>
@@ -1366,8 +1531,13 @@
             <a:ext cx="6096000" cy="3429000"/>
           </a:xfrm>
           <a:custGeom>
+            <a:avLst/>
+            <a:gdLst/>
+            <a:ahLst/>
+            <a:cxnLst/>
+            <a:rect l="0" t="0" r="0" b="0"/>
             <a:pathLst>
-              <a:path extrusionOk="0" h="120000" w="120000">
+              <a:path w="120000" h="120000" extrusionOk="0">
                 <a:moveTo>
                   <a:pt x="0" y="0"/>
                 </a:moveTo>
@@ -1389,9 +1559,11 @@
       <p:sp>
         <p:nvSpPr>
           <p:cNvPr id="113" name="Shape 113"/>
-          <p:cNvSpPr txBox="1"/>
+          <p:cNvSpPr txBox="1">
+            <a:spLocks noGrp="1"/>
+          </p:cNvSpPr>
           <p:nvPr>
-            <p:ph idx="1" type="body"/>
+            <p:ph type="body" idx="1"/>
           </p:nvPr>
         </p:nvSpPr>
         <p:spPr>
@@ -1404,7 +1576,7 @@
           </a:prstGeom>
         </p:spPr>
         <p:txBody>
-          <a:bodyPr anchorCtr="0" anchor="t" bIns="91425" lIns="91425" rIns="91425" tIns="91425">
+          <a:bodyPr lIns="91425" tIns="91425" rIns="91425" bIns="91425" anchor="t" anchorCtr="0">
             <a:noAutofit/>
           </a:bodyPr>
           <a:lstStyle/>
@@ -1415,9 +1587,6 @@
               </a:spcBef>
               <a:buNone/>
             </a:pPr>
-            <a:r>
-              <a:t/>
-            </a:r>
             <a:endParaRPr/>
           </a:p>
         </p:txBody>
@@ -1431,18 +1600,19 @@
 </file>
 
 <file path=ppt/slideLayouts/slideLayout1.xml><?xml version="1.0" encoding="utf-8"?>
-<p:sldLayout xmlns:a="http://schemas.openxmlformats.org/drawingml/2006/main" xmlns:r="http://schemas.openxmlformats.org/officeDocument/2006/relationships" xmlns:mc="http://schemas.openxmlformats.org/markup-compatibility/2006" xmlns:mv="urn:schemas-microsoft-com:mac:vml" xmlns:p="http://schemas.openxmlformats.org/presentationml/2006/main" xmlns:c="http://schemas.openxmlformats.org/drawingml/2006/chart" xmlns:dgm="http://schemas.openxmlformats.org/drawingml/2006/diagram" xmlns:o="urn:schemas-microsoft-com:office:office" xmlns:v="urn:schemas-microsoft-com:vml" xmlns:pvml="urn:schemas-microsoft-com:office:powerpoint" xmlns:com="http://schemas.openxmlformats.org/drawingml/2006/compatibility" xmlns:p14="http://schemas.microsoft.com/office/powerpoint/2010/main" type="title">
+<p:sldLayout xmlns:a="http://schemas.openxmlformats.org/drawingml/2006/main" xmlns:r="http://schemas.openxmlformats.org/officeDocument/2006/relationships" xmlns:p="http://schemas.openxmlformats.org/presentationml/2006/main" type="title">
   <p:cSld name="Title slide">
     <p:bg>
       <p:bgPr>
         <a:solidFill>
           <a:schemeClr val="dk1"/>
         </a:solidFill>
+        <a:effectLst/>
       </p:bgPr>
     </p:bg>
     <p:spTree>
       <p:nvGrpSpPr>
-        <p:cNvPr id="9" name="Shape 9"/>
+        <p:cNvPr id="1" name="Shape 9"/>
         <p:cNvGrpSpPr/>
         <p:nvPr/>
       </p:nvGrpSpPr>
@@ -1469,21 +1639,23 @@
             <a:avLst/>
           </a:prstGeom>
           <a:noFill/>
-          <a:ln cap="flat" cmpd="sng" w="19050">
+          <a:ln w="19050" cap="flat" cmpd="sng">
             <a:solidFill>
               <a:schemeClr val="lt2"/>
             </a:solidFill>
             <a:prstDash val="solid"/>
             <a:round/>
-            <a:headEnd len="med" w="med" type="none"/>
-            <a:tailEnd len="med" w="med" type="none"/>
+            <a:headEnd type="none" w="med" len="med"/>
+            <a:tailEnd type="none" w="med" len="med"/>
           </a:ln>
         </p:spPr>
       </p:cxnSp>
       <p:sp>
         <p:nvSpPr>
           <p:cNvPr id="11" name="Shape 11"/>
-          <p:cNvSpPr txBox="1"/>
+          <p:cNvSpPr txBox="1">
+            <a:spLocks noGrp="1"/>
+          </p:cNvSpPr>
           <p:nvPr>
             <p:ph type="ctrTitle"/>
           </p:nvPr>
@@ -1498,7 +1670,7 @@
           </a:prstGeom>
         </p:spPr>
         <p:txBody>
-          <a:bodyPr anchorCtr="0" anchor="b" bIns="91425" lIns="91425" rIns="91425" tIns="91425"/>
+          <a:bodyPr lIns="91425" tIns="91425" rIns="91425" bIns="91425" anchor="b" anchorCtr="0"/>
           <a:lstStyle>
             <a:lvl1pPr lvl="0">
               <a:spcBef>
@@ -1627,15 +1799,19 @@
               </a:defRPr>
             </a:lvl9pPr>
           </a:lstStyle>
-          <a:p/>
+          <a:p>
+            <a:endParaRPr/>
+          </a:p>
         </p:txBody>
       </p:sp>
       <p:sp>
         <p:nvSpPr>
           <p:cNvPr id="12" name="Shape 12"/>
-          <p:cNvSpPr txBox="1"/>
+          <p:cNvSpPr txBox="1">
+            <a:spLocks noGrp="1"/>
+          </p:cNvSpPr>
           <p:nvPr>
-            <p:ph idx="1" type="subTitle"/>
+            <p:ph type="subTitle" idx="1"/>
           </p:nvPr>
         </p:nvSpPr>
         <p:spPr>
@@ -1648,7 +1824,7 @@
           </a:prstGeom>
         </p:spPr>
         <p:txBody>
-          <a:bodyPr anchorCtr="0" anchor="t" bIns="91425" lIns="91425" rIns="91425" tIns="91425"/>
+          <a:bodyPr lIns="91425" tIns="91425" rIns="91425" bIns="91425" anchor="t" anchorCtr="0"/>
           <a:lstStyle>
             <a:lvl1pPr lvl="0">
               <a:lnSpc>
@@ -1840,15 +2016,19 @@
               </a:defRPr>
             </a:lvl9pPr>
           </a:lstStyle>
-          <a:p/>
+          <a:p>
+            <a:endParaRPr/>
+          </a:p>
         </p:txBody>
       </p:sp>
       <p:sp>
         <p:nvSpPr>
           <p:cNvPr id="13" name="Shape 13"/>
-          <p:cNvSpPr txBox="1"/>
+          <p:cNvSpPr txBox="1">
+            <a:spLocks noGrp="1"/>
+          </p:cNvSpPr>
           <p:nvPr>
-            <p:ph idx="12" type="sldNum"/>
+            <p:ph type="sldNum" idx="12"/>
           </p:nvPr>
         </p:nvSpPr>
         <p:spPr>
@@ -1861,7 +2041,7 @@
           </a:prstGeom>
         </p:spPr>
         <p:txBody>
-          <a:bodyPr anchorCtr="0" anchor="ctr" bIns="91425" lIns="91425" rIns="91425" tIns="91425">
+          <a:bodyPr lIns="91425" tIns="91425" rIns="91425" bIns="91425" anchor="ctr" anchorCtr="0">
             <a:noAutofit/>
           </a:bodyPr>
           <a:lstStyle/>
@@ -1880,6 +2060,11 @@
               </a:rPr>
               <a:t>‹#›</a:t>
             </a:fld>
+            <a:endParaRPr lang="en">
+              <a:solidFill>
+                <a:schemeClr val="lt1"/>
+              </a:solidFill>
+            </a:endParaRPr>
           </a:p>
         </p:txBody>
       </p:sp>
@@ -1892,11 +2077,11 @@
 </file>
 
 <file path=ppt/slideLayouts/slideLayout10.xml><?xml version="1.0" encoding="utf-8"?>
-<p:sldLayout xmlns:a="http://schemas.openxmlformats.org/drawingml/2006/main" xmlns:r="http://schemas.openxmlformats.org/officeDocument/2006/relationships" xmlns:mc="http://schemas.openxmlformats.org/markup-compatibility/2006" xmlns:mv="urn:schemas-microsoft-com:mac:vml" xmlns:p="http://schemas.openxmlformats.org/presentationml/2006/main" xmlns:c="http://schemas.openxmlformats.org/drawingml/2006/chart" xmlns:dgm="http://schemas.openxmlformats.org/drawingml/2006/diagram" xmlns:o="urn:schemas-microsoft-com:office:office" xmlns:v="urn:schemas-microsoft-com:vml" xmlns:pvml="urn:schemas-microsoft-com:office:powerpoint" xmlns:com="http://schemas.openxmlformats.org/drawingml/2006/compatibility" xmlns:p14="http://schemas.microsoft.com/office/powerpoint/2010/main">
+<p:sldLayout xmlns:a="http://schemas.openxmlformats.org/drawingml/2006/main" xmlns:r="http://schemas.openxmlformats.org/officeDocument/2006/relationships" xmlns:p="http://schemas.openxmlformats.org/presentationml/2006/main">
   <p:cSld name="Big number">
     <p:spTree>
       <p:nvGrpSpPr>
-        <p:cNvPr id="48" name="Shape 48"/>
+        <p:cNvPr id="1" name="Shape 48"/>
         <p:cNvGrpSpPr/>
         <p:nvPr/>
       </p:nvGrpSpPr>
@@ -1930,7 +2115,7 @@
           </a:ln>
         </p:spPr>
         <p:txBody>
-          <a:bodyPr anchorCtr="0" anchor="ctr" bIns="91425" lIns="91425" rIns="91425" tIns="91425">
+          <a:bodyPr lIns="91425" tIns="91425" rIns="91425" bIns="91425" anchor="ctr" anchorCtr="0">
             <a:noAutofit/>
           </a:bodyPr>
           <a:lstStyle/>
@@ -1941,9 +2126,6 @@
               </a:spcBef>
               <a:buNone/>
             </a:pPr>
-            <a:r>
-              <a:t/>
-            </a:r>
             <a:endParaRPr/>
           </a:p>
         </p:txBody>
@@ -1951,7 +2133,9 @@
       <p:sp>
         <p:nvSpPr>
           <p:cNvPr id="50" name="Shape 50"/>
-          <p:cNvSpPr txBox="1"/>
+          <p:cNvSpPr txBox="1">
+            <a:spLocks noGrp="1"/>
+          </p:cNvSpPr>
           <p:nvPr>
             <p:ph type="title"/>
           </p:nvPr>
@@ -1966,81 +2150,85 @@
           </a:prstGeom>
         </p:spPr>
         <p:txBody>
-          <a:bodyPr anchorCtr="0" anchor="ctr" bIns="91425" lIns="91425" rIns="91425" tIns="91425"/>
+          <a:bodyPr lIns="91425" tIns="91425" rIns="91425" bIns="91425" anchor="ctr" anchorCtr="0"/>
           <a:lstStyle>
             <a:lvl1pPr lvl="0" algn="ctr">
               <a:spcBef>
                 <a:spcPts val="0"/>
               </a:spcBef>
               <a:buSzPct val="100000"/>
-              <a:defRPr b="1" sz="14000"/>
+              <a:defRPr sz="14000" b="1"/>
             </a:lvl1pPr>
             <a:lvl2pPr lvl="1" algn="ctr">
               <a:spcBef>
                 <a:spcPts val="0"/>
               </a:spcBef>
               <a:buSzPct val="100000"/>
-              <a:defRPr b="1" sz="14000"/>
+              <a:defRPr sz="14000" b="1"/>
             </a:lvl2pPr>
             <a:lvl3pPr lvl="2" algn="ctr">
               <a:spcBef>
                 <a:spcPts val="0"/>
               </a:spcBef>
               <a:buSzPct val="100000"/>
-              <a:defRPr b="1" sz="14000"/>
+              <a:defRPr sz="14000" b="1"/>
             </a:lvl3pPr>
             <a:lvl4pPr lvl="3" algn="ctr">
               <a:spcBef>
                 <a:spcPts val="0"/>
               </a:spcBef>
               <a:buSzPct val="100000"/>
-              <a:defRPr b="1" sz="14000"/>
+              <a:defRPr sz="14000" b="1"/>
             </a:lvl4pPr>
             <a:lvl5pPr lvl="4" algn="ctr">
               <a:spcBef>
                 <a:spcPts val="0"/>
               </a:spcBef>
               <a:buSzPct val="100000"/>
-              <a:defRPr b="1" sz="14000"/>
+              <a:defRPr sz="14000" b="1"/>
             </a:lvl5pPr>
             <a:lvl6pPr lvl="5" algn="ctr">
               <a:spcBef>
                 <a:spcPts val="0"/>
               </a:spcBef>
               <a:buSzPct val="100000"/>
-              <a:defRPr b="1" sz="14000"/>
+              <a:defRPr sz="14000" b="1"/>
             </a:lvl6pPr>
             <a:lvl7pPr lvl="6" algn="ctr">
               <a:spcBef>
                 <a:spcPts val="0"/>
               </a:spcBef>
               <a:buSzPct val="100000"/>
-              <a:defRPr b="1" sz="14000"/>
+              <a:defRPr sz="14000" b="1"/>
             </a:lvl7pPr>
             <a:lvl8pPr lvl="7" algn="ctr">
               <a:spcBef>
                 <a:spcPts val="0"/>
               </a:spcBef>
               <a:buSzPct val="100000"/>
-              <a:defRPr b="1" sz="14000"/>
+              <a:defRPr sz="14000" b="1"/>
             </a:lvl8pPr>
             <a:lvl9pPr lvl="8" algn="ctr">
               <a:spcBef>
                 <a:spcPts val="0"/>
               </a:spcBef>
               <a:buSzPct val="100000"/>
-              <a:defRPr b="1" sz="14000"/>
+              <a:defRPr sz="14000" b="1"/>
             </a:lvl9pPr>
           </a:lstStyle>
-          <a:p/>
+          <a:p>
+            <a:endParaRPr/>
+          </a:p>
         </p:txBody>
       </p:sp>
       <p:sp>
         <p:nvSpPr>
           <p:cNvPr id="51" name="Shape 51"/>
-          <p:cNvSpPr txBox="1"/>
+          <p:cNvSpPr txBox="1">
+            <a:spLocks noGrp="1"/>
+          </p:cNvSpPr>
           <p:nvPr>
-            <p:ph idx="1" type="body"/>
+            <p:ph type="body" idx="1"/>
           </p:nvPr>
         </p:nvSpPr>
         <p:spPr>
@@ -2053,7 +2241,7 @@
           </a:prstGeom>
         </p:spPr>
         <p:txBody>
-          <a:bodyPr anchorCtr="0" anchor="t" bIns="91425" lIns="91425" rIns="91425" tIns="91425"/>
+          <a:bodyPr lIns="91425" tIns="91425" rIns="91425" bIns="91425" anchor="t" anchorCtr="0"/>
           <a:lstStyle>
             <a:lvl1pPr lvl="0" algn="ctr">
               <a:spcBef>
@@ -2110,15 +2298,19 @@
               <a:defRPr/>
             </a:lvl9pPr>
           </a:lstStyle>
-          <a:p/>
+          <a:p>
+            <a:endParaRPr/>
+          </a:p>
         </p:txBody>
       </p:sp>
       <p:sp>
         <p:nvSpPr>
           <p:cNvPr id="52" name="Shape 52"/>
-          <p:cNvSpPr txBox="1"/>
+          <p:cNvSpPr txBox="1">
+            <a:spLocks noGrp="1"/>
+          </p:cNvSpPr>
           <p:nvPr>
-            <p:ph idx="12" type="sldNum"/>
+            <p:ph type="sldNum" idx="12"/>
           </p:nvPr>
         </p:nvSpPr>
         <p:spPr>
@@ -2131,7 +2323,7 @@
           </a:prstGeom>
         </p:spPr>
         <p:txBody>
-          <a:bodyPr anchorCtr="0" anchor="ctr" bIns="91425" lIns="91425" rIns="91425" tIns="91425">
+          <a:bodyPr lIns="91425" tIns="91425" rIns="91425" bIns="91425" anchor="ctr" anchorCtr="0">
             <a:noAutofit/>
           </a:bodyPr>
           <a:lstStyle/>
@@ -2146,6 +2338,7 @@
               <a:rPr lang="en"/>
               <a:t>‹#›</a:t>
             </a:fld>
+            <a:endParaRPr lang="en"/>
           </a:p>
         </p:txBody>
       </p:sp>
@@ -2158,11 +2351,11 @@
 </file>
 
 <file path=ppt/slideLayouts/slideLayout11.xml><?xml version="1.0" encoding="utf-8"?>
-<p:sldLayout xmlns:a="http://schemas.openxmlformats.org/drawingml/2006/main" xmlns:r="http://schemas.openxmlformats.org/officeDocument/2006/relationships" xmlns:mc="http://schemas.openxmlformats.org/markup-compatibility/2006" xmlns:mv="urn:schemas-microsoft-com:mac:vml" xmlns:p="http://schemas.openxmlformats.org/presentationml/2006/main" xmlns:c="http://schemas.openxmlformats.org/drawingml/2006/chart" xmlns:dgm="http://schemas.openxmlformats.org/drawingml/2006/diagram" xmlns:o="urn:schemas-microsoft-com:office:office" xmlns:v="urn:schemas-microsoft-com:vml" xmlns:pvml="urn:schemas-microsoft-com:office:powerpoint" xmlns:com="http://schemas.openxmlformats.org/drawingml/2006/compatibility" xmlns:p14="http://schemas.microsoft.com/office/powerpoint/2010/main" type="blank">
+<p:sldLayout xmlns:a="http://schemas.openxmlformats.org/drawingml/2006/main" xmlns:r="http://schemas.openxmlformats.org/officeDocument/2006/relationships" xmlns:p="http://schemas.openxmlformats.org/presentationml/2006/main" type="blank">
   <p:cSld name="Blank">
     <p:spTree>
       <p:nvGrpSpPr>
-        <p:cNvPr id="53" name="Shape 53"/>
+        <p:cNvPr id="1" name="Shape 53"/>
         <p:cNvGrpSpPr/>
         <p:nvPr/>
       </p:nvGrpSpPr>
@@ -2177,9 +2370,11 @@
       <p:sp>
         <p:nvSpPr>
           <p:cNvPr id="54" name="Shape 54"/>
-          <p:cNvSpPr txBox="1"/>
+          <p:cNvSpPr txBox="1">
+            <a:spLocks noGrp="1"/>
+          </p:cNvSpPr>
           <p:nvPr>
-            <p:ph idx="12" type="sldNum"/>
+            <p:ph type="sldNum" idx="12"/>
           </p:nvPr>
         </p:nvSpPr>
         <p:spPr>
@@ -2192,7 +2387,7 @@
           </a:prstGeom>
         </p:spPr>
         <p:txBody>
-          <a:bodyPr anchorCtr="0" anchor="ctr" bIns="91425" lIns="91425" rIns="91425" tIns="91425">
+          <a:bodyPr lIns="91425" tIns="91425" rIns="91425" bIns="91425" anchor="ctr" anchorCtr="0">
             <a:noAutofit/>
           </a:bodyPr>
           <a:lstStyle/>
@@ -2207,6 +2402,7 @@
               <a:rPr lang="en"/>
               <a:t>‹#›</a:t>
             </a:fld>
+            <a:endParaRPr lang="en"/>
           </a:p>
         </p:txBody>
       </p:sp>
@@ -2219,18 +2415,19 @@
 </file>
 
 <file path=ppt/slideLayouts/slideLayout2.xml><?xml version="1.0" encoding="utf-8"?>
-<p:sldLayout xmlns:a="http://schemas.openxmlformats.org/drawingml/2006/main" xmlns:r="http://schemas.openxmlformats.org/officeDocument/2006/relationships" xmlns:mc="http://schemas.openxmlformats.org/markup-compatibility/2006" xmlns:mv="urn:schemas-microsoft-com:mac:vml" xmlns:p="http://schemas.openxmlformats.org/presentationml/2006/main" xmlns:c="http://schemas.openxmlformats.org/drawingml/2006/chart" xmlns:dgm="http://schemas.openxmlformats.org/drawingml/2006/diagram" xmlns:o="urn:schemas-microsoft-com:office:office" xmlns:v="urn:schemas-microsoft-com:vml" xmlns:pvml="urn:schemas-microsoft-com:office:powerpoint" xmlns:com="http://schemas.openxmlformats.org/drawingml/2006/compatibility" xmlns:p14="http://schemas.microsoft.com/office/powerpoint/2010/main" type="secHead">
+<p:sldLayout xmlns:a="http://schemas.openxmlformats.org/drawingml/2006/main" xmlns:r="http://schemas.openxmlformats.org/officeDocument/2006/relationships" xmlns:p="http://schemas.openxmlformats.org/presentationml/2006/main" type="secHead">
   <p:cSld name="Section header">
     <p:bg>
       <p:bgPr>
         <a:solidFill>
           <a:schemeClr val="dk1"/>
         </a:solidFill>
+        <a:effectLst/>
       </p:bgPr>
     </p:bg>
     <p:spTree>
       <p:nvGrpSpPr>
-        <p:cNvPr id="14" name="Shape 14"/>
+        <p:cNvPr id="1" name="Shape 14"/>
         <p:cNvGrpSpPr/>
         <p:nvPr/>
       </p:nvGrpSpPr>
@@ -2257,21 +2454,23 @@
             <a:avLst/>
           </a:prstGeom>
           <a:noFill/>
-          <a:ln cap="flat" cmpd="sng" w="19050">
+          <a:ln w="19050" cap="flat" cmpd="sng">
             <a:solidFill>
               <a:schemeClr val="lt2"/>
             </a:solidFill>
             <a:prstDash val="solid"/>
             <a:round/>
-            <a:headEnd len="med" w="med" type="none"/>
-            <a:tailEnd len="med" w="med" type="none"/>
+            <a:headEnd type="none" w="med" len="med"/>
+            <a:tailEnd type="none" w="med" len="med"/>
           </a:ln>
         </p:spPr>
       </p:cxnSp>
       <p:sp>
         <p:nvSpPr>
           <p:cNvPr id="16" name="Shape 16"/>
-          <p:cNvSpPr txBox="1"/>
+          <p:cNvSpPr txBox="1">
+            <a:spLocks noGrp="1"/>
+          </p:cNvSpPr>
           <p:nvPr>
             <p:ph type="title"/>
           </p:nvPr>
@@ -2286,7 +2485,7 @@
           </a:prstGeom>
         </p:spPr>
         <p:txBody>
-          <a:bodyPr anchorCtr="0" anchor="b" bIns="91425" lIns="91425" rIns="91425" tIns="91425"/>
+          <a:bodyPr lIns="91425" tIns="91425" rIns="91425" bIns="91425" anchor="b" anchorCtr="0"/>
           <a:lstStyle>
             <a:lvl1pPr lvl="0">
               <a:spcBef>
@@ -2415,15 +2614,19 @@
               </a:defRPr>
             </a:lvl9pPr>
           </a:lstStyle>
-          <a:p/>
+          <a:p>
+            <a:endParaRPr/>
+          </a:p>
         </p:txBody>
       </p:sp>
       <p:sp>
         <p:nvSpPr>
           <p:cNvPr id="17" name="Shape 17"/>
-          <p:cNvSpPr txBox="1"/>
+          <p:cNvSpPr txBox="1">
+            <a:spLocks noGrp="1"/>
+          </p:cNvSpPr>
           <p:nvPr>
-            <p:ph idx="12" type="sldNum"/>
+            <p:ph type="sldNum" idx="12"/>
           </p:nvPr>
         </p:nvSpPr>
         <p:spPr>
@@ -2436,7 +2639,7 @@
           </a:prstGeom>
         </p:spPr>
         <p:txBody>
-          <a:bodyPr anchorCtr="0" anchor="ctr" bIns="91425" lIns="91425" rIns="91425" tIns="91425">
+          <a:bodyPr lIns="91425" tIns="91425" rIns="91425" bIns="91425" anchor="ctr" anchorCtr="0">
             <a:noAutofit/>
           </a:bodyPr>
           <a:lstStyle/>
@@ -2455,6 +2658,11 @@
               </a:rPr>
               <a:t>‹#›</a:t>
             </a:fld>
+            <a:endParaRPr lang="en">
+              <a:solidFill>
+                <a:schemeClr val="lt1"/>
+              </a:solidFill>
+            </a:endParaRPr>
           </a:p>
         </p:txBody>
       </p:sp>
@@ -2467,11 +2675,11 @@
 </file>
 
 <file path=ppt/slideLayouts/slideLayout3.xml><?xml version="1.0" encoding="utf-8"?>
-<p:sldLayout xmlns:a="http://schemas.openxmlformats.org/drawingml/2006/main" xmlns:r="http://schemas.openxmlformats.org/officeDocument/2006/relationships" xmlns:mc="http://schemas.openxmlformats.org/markup-compatibility/2006" xmlns:mv="urn:schemas-microsoft-com:mac:vml" xmlns:p="http://schemas.openxmlformats.org/presentationml/2006/main" xmlns:c="http://schemas.openxmlformats.org/drawingml/2006/chart" xmlns:dgm="http://schemas.openxmlformats.org/drawingml/2006/diagram" xmlns:o="urn:schemas-microsoft-com:office:office" xmlns:v="urn:schemas-microsoft-com:vml" xmlns:pvml="urn:schemas-microsoft-com:office:powerpoint" xmlns:com="http://schemas.openxmlformats.org/drawingml/2006/compatibility" xmlns:p14="http://schemas.microsoft.com/office/powerpoint/2010/main" type="tx">
+<p:sldLayout xmlns:a="http://schemas.openxmlformats.org/drawingml/2006/main" xmlns:r="http://schemas.openxmlformats.org/officeDocument/2006/relationships" xmlns:p="http://schemas.openxmlformats.org/presentationml/2006/main" type="tx">
   <p:cSld name="Title and body">
     <p:spTree>
       <p:nvGrpSpPr>
-        <p:cNvPr id="18" name="Shape 18"/>
+        <p:cNvPr id="1" name="Shape 18"/>
         <p:cNvGrpSpPr/>
         <p:nvPr/>
       </p:nvGrpSpPr>
@@ -2505,7 +2713,7 @@
           </a:ln>
         </p:spPr>
         <p:txBody>
-          <a:bodyPr anchorCtr="0" anchor="ctr" bIns="91425" lIns="91425" rIns="91425" tIns="91425">
+          <a:bodyPr lIns="91425" tIns="91425" rIns="91425" bIns="91425" anchor="ctr" anchorCtr="0">
             <a:noAutofit/>
           </a:bodyPr>
           <a:lstStyle/>
@@ -2516,9 +2724,6 @@
               </a:spcBef>
               <a:buNone/>
             </a:pPr>
-            <a:r>
-              <a:t/>
-            </a:r>
             <a:endParaRPr/>
           </a:p>
         </p:txBody>
@@ -2526,7 +2731,9 @@
       <p:sp>
         <p:nvSpPr>
           <p:cNvPr id="20" name="Shape 20"/>
-          <p:cNvSpPr txBox="1"/>
+          <p:cNvSpPr txBox="1">
+            <a:spLocks noGrp="1"/>
+          </p:cNvSpPr>
           <p:nvPr>
             <p:ph type="title"/>
           </p:nvPr>
@@ -2541,7 +2748,7 @@
           </a:prstGeom>
         </p:spPr>
         <p:txBody>
-          <a:bodyPr anchorCtr="0" anchor="t" bIns="91425" lIns="91425" rIns="91425" tIns="91425"/>
+          <a:bodyPr lIns="91425" tIns="91425" rIns="91425" bIns="91425" anchor="t" anchorCtr="0"/>
           <a:lstStyle>
             <a:lvl1pPr lvl="0">
               <a:spcBef>
@@ -2598,15 +2805,19 @@
               <a:defRPr/>
             </a:lvl9pPr>
           </a:lstStyle>
-          <a:p/>
+          <a:p>
+            <a:endParaRPr/>
+          </a:p>
         </p:txBody>
       </p:sp>
       <p:sp>
         <p:nvSpPr>
           <p:cNvPr id="21" name="Shape 21"/>
-          <p:cNvSpPr txBox="1"/>
+          <p:cNvSpPr txBox="1">
+            <a:spLocks noGrp="1"/>
+          </p:cNvSpPr>
           <p:nvPr>
-            <p:ph idx="1" type="body"/>
+            <p:ph type="body" idx="1"/>
           </p:nvPr>
         </p:nvSpPr>
         <p:spPr>
@@ -2619,7 +2830,7 @@
           </a:prstGeom>
         </p:spPr>
         <p:txBody>
-          <a:bodyPr anchorCtr="0" anchor="t" bIns="91425" lIns="91425" rIns="91425" tIns="91425"/>
+          <a:bodyPr lIns="91425" tIns="91425" rIns="91425" bIns="91425" anchor="t" anchorCtr="0"/>
           <a:lstStyle>
             <a:lvl1pPr lvl="0">
               <a:spcBef>
@@ -2676,15 +2887,19 @@
               <a:defRPr/>
             </a:lvl9pPr>
           </a:lstStyle>
-          <a:p/>
+          <a:p>
+            <a:endParaRPr/>
+          </a:p>
         </p:txBody>
       </p:sp>
       <p:sp>
         <p:nvSpPr>
           <p:cNvPr id="22" name="Shape 22"/>
-          <p:cNvSpPr txBox="1"/>
+          <p:cNvSpPr txBox="1">
+            <a:spLocks noGrp="1"/>
+          </p:cNvSpPr>
           <p:nvPr>
-            <p:ph idx="12" type="sldNum"/>
+            <p:ph type="sldNum" idx="12"/>
           </p:nvPr>
         </p:nvSpPr>
         <p:spPr>
@@ -2697,7 +2912,7 @@
           </a:prstGeom>
         </p:spPr>
         <p:txBody>
-          <a:bodyPr anchorCtr="0" anchor="ctr" bIns="91425" lIns="91425" rIns="91425" tIns="91425">
+          <a:bodyPr lIns="91425" tIns="91425" rIns="91425" bIns="91425" anchor="ctr" anchorCtr="0">
             <a:noAutofit/>
           </a:bodyPr>
           <a:lstStyle/>
@@ -2712,6 +2927,7 @@
               <a:rPr lang="en"/>
               <a:t>‹#›</a:t>
             </a:fld>
+            <a:endParaRPr lang="en"/>
           </a:p>
         </p:txBody>
       </p:sp>
@@ -2724,11 +2940,11 @@
 </file>
 
 <file path=ppt/slideLayouts/slideLayout4.xml><?xml version="1.0" encoding="utf-8"?>
-<p:sldLayout xmlns:a="http://schemas.openxmlformats.org/drawingml/2006/main" xmlns:r="http://schemas.openxmlformats.org/officeDocument/2006/relationships" xmlns:mc="http://schemas.openxmlformats.org/markup-compatibility/2006" xmlns:mv="urn:schemas-microsoft-com:mac:vml" xmlns:p="http://schemas.openxmlformats.org/presentationml/2006/main" xmlns:c="http://schemas.openxmlformats.org/drawingml/2006/chart" xmlns:dgm="http://schemas.openxmlformats.org/drawingml/2006/diagram" xmlns:o="urn:schemas-microsoft-com:office:office" xmlns:v="urn:schemas-microsoft-com:vml" xmlns:pvml="urn:schemas-microsoft-com:office:powerpoint" xmlns:com="http://schemas.openxmlformats.org/drawingml/2006/compatibility" xmlns:p14="http://schemas.microsoft.com/office/powerpoint/2010/main" type="twoColTx">
+<p:sldLayout xmlns:a="http://schemas.openxmlformats.org/drawingml/2006/main" xmlns:r="http://schemas.openxmlformats.org/officeDocument/2006/relationships" xmlns:p="http://schemas.openxmlformats.org/presentationml/2006/main" type="twoColTx">
   <p:cSld name="Title and two columns">
     <p:spTree>
       <p:nvGrpSpPr>
-        <p:cNvPr id="23" name="Shape 23"/>
+        <p:cNvPr id="1" name="Shape 23"/>
         <p:cNvGrpSpPr/>
         <p:nvPr/>
       </p:nvGrpSpPr>
@@ -2743,7 +2959,9 @@
       <p:sp>
         <p:nvSpPr>
           <p:cNvPr id="24" name="Shape 24"/>
-          <p:cNvSpPr txBox="1"/>
+          <p:cNvSpPr txBox="1">
+            <a:spLocks noGrp="1"/>
+          </p:cNvSpPr>
           <p:nvPr>
             <p:ph type="title"/>
           </p:nvPr>
@@ -2758,7 +2976,7 @@
           </a:prstGeom>
         </p:spPr>
         <p:txBody>
-          <a:bodyPr anchorCtr="0" anchor="t" bIns="91425" lIns="91425" rIns="91425" tIns="91425"/>
+          <a:bodyPr lIns="91425" tIns="91425" rIns="91425" bIns="91425" anchor="t" anchorCtr="0"/>
           <a:lstStyle>
             <a:lvl1pPr lvl="0">
               <a:spcBef>
@@ -2815,15 +3033,19 @@
               <a:defRPr/>
             </a:lvl9pPr>
           </a:lstStyle>
-          <a:p/>
+          <a:p>
+            <a:endParaRPr/>
+          </a:p>
         </p:txBody>
       </p:sp>
       <p:sp>
         <p:nvSpPr>
           <p:cNvPr id="25" name="Shape 25"/>
-          <p:cNvSpPr txBox="1"/>
+          <p:cNvSpPr txBox="1">
+            <a:spLocks noGrp="1"/>
+          </p:cNvSpPr>
           <p:nvPr>
-            <p:ph idx="1" type="body"/>
+            <p:ph type="body" idx="1"/>
           </p:nvPr>
         </p:nvSpPr>
         <p:spPr>
@@ -2836,7 +3058,7 @@
           </a:prstGeom>
         </p:spPr>
         <p:txBody>
-          <a:bodyPr anchorCtr="0" anchor="t" bIns="91425" lIns="91425" rIns="91425" tIns="91425"/>
+          <a:bodyPr lIns="91425" tIns="91425" rIns="91425" bIns="91425" anchor="t" anchorCtr="0"/>
           <a:lstStyle>
             <a:lvl1pPr lvl="0">
               <a:spcBef>
@@ -2902,15 +3124,19 @@
               <a:defRPr sz="1200"/>
             </a:lvl9pPr>
           </a:lstStyle>
-          <a:p/>
+          <a:p>
+            <a:endParaRPr/>
+          </a:p>
         </p:txBody>
       </p:sp>
       <p:sp>
         <p:nvSpPr>
           <p:cNvPr id="26" name="Shape 26"/>
-          <p:cNvSpPr txBox="1"/>
+          <p:cNvSpPr txBox="1">
+            <a:spLocks noGrp="1"/>
+          </p:cNvSpPr>
           <p:nvPr>
-            <p:ph idx="2" type="body"/>
+            <p:ph type="body" idx="2"/>
           </p:nvPr>
         </p:nvSpPr>
         <p:spPr>
@@ -2923,7 +3149,7 @@
           </a:prstGeom>
         </p:spPr>
         <p:txBody>
-          <a:bodyPr anchorCtr="0" anchor="t" bIns="91425" lIns="91425" rIns="91425" tIns="91425"/>
+          <a:bodyPr lIns="91425" tIns="91425" rIns="91425" bIns="91425" anchor="t" anchorCtr="0"/>
           <a:lstStyle>
             <a:lvl1pPr lvl="0">
               <a:spcBef>
@@ -2989,15 +3215,19 @@
               <a:defRPr sz="1200"/>
             </a:lvl9pPr>
           </a:lstStyle>
-          <a:p/>
+          <a:p>
+            <a:endParaRPr/>
+          </a:p>
         </p:txBody>
       </p:sp>
       <p:sp>
         <p:nvSpPr>
           <p:cNvPr id="27" name="Shape 27"/>
-          <p:cNvSpPr txBox="1"/>
+          <p:cNvSpPr txBox="1">
+            <a:spLocks noGrp="1"/>
+          </p:cNvSpPr>
           <p:nvPr>
-            <p:ph idx="12" type="sldNum"/>
+            <p:ph type="sldNum" idx="12"/>
           </p:nvPr>
         </p:nvSpPr>
         <p:spPr>
@@ -3010,7 +3240,7 @@
           </a:prstGeom>
         </p:spPr>
         <p:txBody>
-          <a:bodyPr anchorCtr="0" anchor="ctr" bIns="91425" lIns="91425" rIns="91425" tIns="91425">
+          <a:bodyPr lIns="91425" tIns="91425" rIns="91425" bIns="91425" anchor="ctr" anchorCtr="0">
             <a:noAutofit/>
           </a:bodyPr>
           <a:lstStyle/>
@@ -3025,6 +3255,7 @@
               <a:rPr lang="en"/>
               <a:t>‹#›</a:t>
             </a:fld>
+            <a:endParaRPr lang="en"/>
           </a:p>
         </p:txBody>
       </p:sp>
@@ -3037,11 +3268,11 @@
 </file>
 
 <file path=ppt/slideLayouts/slideLayout5.xml><?xml version="1.0" encoding="utf-8"?>
-<p:sldLayout xmlns:a="http://schemas.openxmlformats.org/drawingml/2006/main" xmlns:r="http://schemas.openxmlformats.org/officeDocument/2006/relationships" xmlns:mc="http://schemas.openxmlformats.org/markup-compatibility/2006" xmlns:mv="urn:schemas-microsoft-com:mac:vml" xmlns:p="http://schemas.openxmlformats.org/presentationml/2006/main" xmlns:c="http://schemas.openxmlformats.org/drawingml/2006/chart" xmlns:dgm="http://schemas.openxmlformats.org/drawingml/2006/diagram" xmlns:o="urn:schemas-microsoft-com:office:office" xmlns:v="urn:schemas-microsoft-com:vml" xmlns:pvml="urn:schemas-microsoft-com:office:powerpoint" xmlns:com="http://schemas.openxmlformats.org/drawingml/2006/compatibility" xmlns:p14="http://schemas.microsoft.com/office/powerpoint/2010/main" type="titleOnly">
+<p:sldLayout xmlns:a="http://schemas.openxmlformats.org/drawingml/2006/main" xmlns:r="http://schemas.openxmlformats.org/officeDocument/2006/relationships" xmlns:p="http://schemas.openxmlformats.org/presentationml/2006/main" type="titleOnly">
   <p:cSld name="Title only">
     <p:spTree>
       <p:nvGrpSpPr>
-        <p:cNvPr id="28" name="Shape 28"/>
+        <p:cNvPr id="1" name="Shape 28"/>
         <p:cNvGrpSpPr/>
         <p:nvPr/>
       </p:nvGrpSpPr>
@@ -3056,7 +3287,9 @@
       <p:sp>
         <p:nvSpPr>
           <p:cNvPr id="29" name="Shape 29"/>
-          <p:cNvSpPr txBox="1"/>
+          <p:cNvSpPr txBox="1">
+            <a:spLocks noGrp="1"/>
+          </p:cNvSpPr>
           <p:nvPr>
             <p:ph type="title"/>
           </p:nvPr>
@@ -3071,7 +3304,7 @@
           </a:prstGeom>
         </p:spPr>
         <p:txBody>
-          <a:bodyPr anchorCtr="0" anchor="t" bIns="91425" lIns="91425" rIns="91425" tIns="91425"/>
+          <a:bodyPr lIns="91425" tIns="91425" rIns="91425" bIns="91425" anchor="t" anchorCtr="0"/>
           <a:lstStyle>
             <a:lvl1pPr lvl="0">
               <a:spcBef>
@@ -3128,15 +3361,19 @@
               <a:defRPr/>
             </a:lvl9pPr>
           </a:lstStyle>
-          <a:p/>
+          <a:p>
+            <a:endParaRPr/>
+          </a:p>
         </p:txBody>
       </p:sp>
       <p:sp>
         <p:nvSpPr>
           <p:cNvPr id="30" name="Shape 30"/>
-          <p:cNvSpPr txBox="1"/>
+          <p:cNvSpPr txBox="1">
+            <a:spLocks noGrp="1"/>
+          </p:cNvSpPr>
           <p:nvPr>
-            <p:ph idx="12" type="sldNum"/>
+            <p:ph type="sldNum" idx="12"/>
           </p:nvPr>
         </p:nvSpPr>
         <p:spPr>
@@ -3149,7 +3386,7 @@
           </a:prstGeom>
         </p:spPr>
         <p:txBody>
-          <a:bodyPr anchorCtr="0" anchor="ctr" bIns="91425" lIns="91425" rIns="91425" tIns="91425">
+          <a:bodyPr lIns="91425" tIns="91425" rIns="91425" bIns="91425" anchor="ctr" anchorCtr="0">
             <a:noAutofit/>
           </a:bodyPr>
           <a:lstStyle/>
@@ -3164,6 +3401,7 @@
               <a:rPr lang="en"/>
               <a:t>‹#›</a:t>
             </a:fld>
+            <a:endParaRPr lang="en"/>
           </a:p>
         </p:txBody>
       </p:sp>
@@ -3176,11 +3414,11 @@
 </file>
 
 <file path=ppt/slideLayouts/slideLayout6.xml><?xml version="1.0" encoding="utf-8"?>
-<p:sldLayout xmlns:a="http://schemas.openxmlformats.org/drawingml/2006/main" xmlns:r="http://schemas.openxmlformats.org/officeDocument/2006/relationships" xmlns:mc="http://schemas.openxmlformats.org/markup-compatibility/2006" xmlns:mv="urn:schemas-microsoft-com:mac:vml" xmlns:p="http://schemas.openxmlformats.org/presentationml/2006/main" xmlns:c="http://schemas.openxmlformats.org/drawingml/2006/chart" xmlns:dgm="http://schemas.openxmlformats.org/drawingml/2006/diagram" xmlns:o="urn:schemas-microsoft-com:office:office" xmlns:v="urn:schemas-microsoft-com:vml" xmlns:pvml="urn:schemas-microsoft-com:office:powerpoint" xmlns:com="http://schemas.openxmlformats.org/drawingml/2006/compatibility" xmlns:p14="http://schemas.microsoft.com/office/powerpoint/2010/main">
+<p:sldLayout xmlns:a="http://schemas.openxmlformats.org/drawingml/2006/main" xmlns:r="http://schemas.openxmlformats.org/officeDocument/2006/relationships" xmlns:p="http://schemas.openxmlformats.org/presentationml/2006/main">
   <p:cSld name="One column text">
     <p:spTree>
       <p:nvGrpSpPr>
-        <p:cNvPr id="31" name="Shape 31"/>
+        <p:cNvPr id="1" name="Shape 31"/>
         <p:cNvGrpSpPr/>
         <p:nvPr/>
       </p:nvGrpSpPr>
@@ -3195,7 +3433,9 @@
       <p:sp>
         <p:nvSpPr>
           <p:cNvPr id="32" name="Shape 32"/>
-          <p:cNvSpPr txBox="1"/>
+          <p:cNvSpPr txBox="1">
+            <a:spLocks noGrp="1"/>
+          </p:cNvSpPr>
           <p:nvPr>
             <p:ph type="title"/>
           </p:nvPr>
@@ -3210,7 +3450,7 @@
           </a:prstGeom>
         </p:spPr>
         <p:txBody>
-          <a:bodyPr anchorCtr="0" anchor="b" bIns="91425" lIns="91425" rIns="91425" tIns="91425"/>
+          <a:bodyPr lIns="91425" tIns="91425" rIns="91425" bIns="91425" anchor="b" anchorCtr="0"/>
           <a:lstStyle>
             <a:lvl1pPr lvl="0">
               <a:spcBef>
@@ -3276,15 +3516,19 @@
               <a:defRPr sz="2400"/>
             </a:lvl9pPr>
           </a:lstStyle>
-          <a:p/>
+          <a:p>
+            <a:endParaRPr/>
+          </a:p>
         </p:txBody>
       </p:sp>
       <p:sp>
         <p:nvSpPr>
           <p:cNvPr id="33" name="Shape 33"/>
-          <p:cNvSpPr txBox="1"/>
+          <p:cNvSpPr txBox="1">
+            <a:spLocks noGrp="1"/>
+          </p:cNvSpPr>
           <p:nvPr>
-            <p:ph idx="1" type="body"/>
+            <p:ph type="body" idx="1"/>
           </p:nvPr>
         </p:nvSpPr>
         <p:spPr>
@@ -3297,7 +3541,7 @@
           </a:prstGeom>
         </p:spPr>
         <p:txBody>
-          <a:bodyPr anchorCtr="0" anchor="t" bIns="91425" lIns="91425" rIns="91425" tIns="91425"/>
+          <a:bodyPr lIns="91425" tIns="91425" rIns="91425" bIns="91425" anchor="t" anchorCtr="0"/>
           <a:lstStyle>
             <a:lvl1pPr lvl="0">
               <a:spcBef>
@@ -3363,15 +3607,19 @@
               <a:defRPr sz="1200"/>
             </a:lvl9pPr>
           </a:lstStyle>
-          <a:p/>
+          <a:p>
+            <a:endParaRPr/>
+          </a:p>
         </p:txBody>
       </p:sp>
       <p:sp>
         <p:nvSpPr>
           <p:cNvPr id="34" name="Shape 34"/>
-          <p:cNvSpPr txBox="1"/>
+          <p:cNvSpPr txBox="1">
+            <a:spLocks noGrp="1"/>
+          </p:cNvSpPr>
           <p:nvPr>
-            <p:ph idx="12" type="sldNum"/>
+            <p:ph type="sldNum" idx="12"/>
           </p:nvPr>
         </p:nvSpPr>
         <p:spPr>
@@ -3384,7 +3632,7 @@
           </a:prstGeom>
         </p:spPr>
         <p:txBody>
-          <a:bodyPr anchorCtr="0" anchor="ctr" bIns="91425" lIns="91425" rIns="91425" tIns="91425">
+          <a:bodyPr lIns="91425" tIns="91425" rIns="91425" bIns="91425" anchor="ctr" anchorCtr="0">
             <a:noAutofit/>
           </a:bodyPr>
           <a:lstStyle/>
@@ -3399,6 +3647,7 @@
               <a:rPr lang="en"/>
               <a:t>‹#›</a:t>
             </a:fld>
+            <a:endParaRPr lang="en"/>
           </a:p>
         </p:txBody>
       </p:sp>
@@ -3411,18 +3660,19 @@
 </file>
 
 <file path=ppt/slideLayouts/slideLayout7.xml><?xml version="1.0" encoding="utf-8"?>
-<p:sldLayout xmlns:a="http://schemas.openxmlformats.org/drawingml/2006/main" xmlns:r="http://schemas.openxmlformats.org/officeDocument/2006/relationships" xmlns:mc="http://schemas.openxmlformats.org/markup-compatibility/2006" xmlns:mv="urn:schemas-microsoft-com:mac:vml" xmlns:p="http://schemas.openxmlformats.org/presentationml/2006/main" xmlns:c="http://schemas.openxmlformats.org/drawingml/2006/chart" xmlns:dgm="http://schemas.openxmlformats.org/drawingml/2006/diagram" xmlns:o="urn:schemas-microsoft-com:office:office" xmlns:v="urn:schemas-microsoft-com:vml" xmlns:pvml="urn:schemas-microsoft-com:office:powerpoint" xmlns:com="http://schemas.openxmlformats.org/drawingml/2006/compatibility" xmlns:p14="http://schemas.microsoft.com/office/powerpoint/2010/main">
+<p:sldLayout xmlns:a="http://schemas.openxmlformats.org/drawingml/2006/main" xmlns:r="http://schemas.openxmlformats.org/officeDocument/2006/relationships" xmlns:p="http://schemas.openxmlformats.org/presentationml/2006/main">
   <p:cSld name="Main point">
     <p:bg>
       <p:bgPr>
         <a:solidFill>
           <a:schemeClr val="lt2"/>
         </a:solidFill>
+        <a:effectLst/>
       </p:bgPr>
     </p:bg>
     <p:spTree>
       <p:nvGrpSpPr>
-        <p:cNvPr id="35" name="Shape 35"/>
+        <p:cNvPr id="1" name="Shape 35"/>
         <p:cNvGrpSpPr/>
         <p:nvPr/>
       </p:nvGrpSpPr>
@@ -3437,7 +3687,9 @@
       <p:sp>
         <p:nvSpPr>
           <p:cNvPr id="36" name="Shape 36"/>
-          <p:cNvSpPr txBox="1"/>
+          <p:cNvSpPr txBox="1">
+            <a:spLocks noGrp="1"/>
+          </p:cNvSpPr>
           <p:nvPr>
             <p:ph type="title"/>
           </p:nvPr>
@@ -3452,7 +3704,7 @@
           </a:prstGeom>
         </p:spPr>
         <p:txBody>
-          <a:bodyPr anchorCtr="0" anchor="ctr" bIns="91425" lIns="91425" rIns="91425" tIns="91425"/>
+          <a:bodyPr lIns="91425" tIns="91425" rIns="91425" bIns="91425" anchor="ctr" anchorCtr="0"/>
           <a:lstStyle>
             <a:lvl1pPr lvl="0">
               <a:spcBef>
@@ -3518,15 +3770,19 @@
               <a:defRPr sz="4800"/>
             </a:lvl9pPr>
           </a:lstStyle>
-          <a:p/>
+          <a:p>
+            <a:endParaRPr/>
+          </a:p>
         </p:txBody>
       </p:sp>
       <p:sp>
         <p:nvSpPr>
           <p:cNvPr id="37" name="Shape 37"/>
-          <p:cNvSpPr txBox="1"/>
+          <p:cNvSpPr txBox="1">
+            <a:spLocks noGrp="1"/>
+          </p:cNvSpPr>
           <p:nvPr>
-            <p:ph idx="12" type="sldNum"/>
+            <p:ph type="sldNum" idx="12"/>
           </p:nvPr>
         </p:nvSpPr>
         <p:spPr>
@@ -3539,7 +3795,7 @@
           </a:prstGeom>
         </p:spPr>
         <p:txBody>
-          <a:bodyPr anchorCtr="0" anchor="ctr" bIns="91425" lIns="91425" rIns="91425" tIns="91425">
+          <a:bodyPr lIns="91425" tIns="91425" rIns="91425" bIns="91425" anchor="ctr" anchorCtr="0">
             <a:noAutofit/>
           </a:bodyPr>
           <a:lstStyle/>
@@ -3554,6 +3810,7 @@
               <a:rPr lang="en"/>
               <a:t>‹#›</a:t>
             </a:fld>
+            <a:endParaRPr lang="en"/>
           </a:p>
         </p:txBody>
       </p:sp>
@@ -3566,11 +3823,11 @@
 </file>
 
 <file path=ppt/slideLayouts/slideLayout8.xml><?xml version="1.0" encoding="utf-8"?>
-<p:sldLayout xmlns:a="http://schemas.openxmlformats.org/drawingml/2006/main" xmlns:r="http://schemas.openxmlformats.org/officeDocument/2006/relationships" xmlns:mc="http://schemas.openxmlformats.org/markup-compatibility/2006" xmlns:mv="urn:schemas-microsoft-com:mac:vml" xmlns:p="http://schemas.openxmlformats.org/presentationml/2006/main" xmlns:c="http://schemas.openxmlformats.org/drawingml/2006/chart" xmlns:dgm="http://schemas.openxmlformats.org/drawingml/2006/diagram" xmlns:o="urn:schemas-microsoft-com:office:office" xmlns:v="urn:schemas-microsoft-com:vml" xmlns:pvml="urn:schemas-microsoft-com:office:powerpoint" xmlns:com="http://schemas.openxmlformats.org/drawingml/2006/compatibility" xmlns:p14="http://schemas.microsoft.com/office/powerpoint/2010/main">
+<p:sldLayout xmlns:a="http://schemas.openxmlformats.org/drawingml/2006/main" xmlns:r="http://schemas.openxmlformats.org/officeDocument/2006/relationships" xmlns:p="http://schemas.openxmlformats.org/presentationml/2006/main">
   <p:cSld name="Section title and description">
     <p:spTree>
       <p:nvGrpSpPr>
-        <p:cNvPr id="38" name="Shape 38"/>
+        <p:cNvPr id="1" name="Shape 38"/>
         <p:cNvGrpSpPr/>
         <p:nvPr/>
       </p:nvGrpSpPr>
@@ -3604,7 +3861,7 @@
           </a:ln>
         </p:spPr>
         <p:txBody>
-          <a:bodyPr anchorCtr="0" anchor="ctr" bIns="91425" lIns="91425" rIns="91425" tIns="91425">
+          <a:bodyPr lIns="91425" tIns="91425" rIns="91425" bIns="91425" anchor="ctr" anchorCtr="0">
             <a:noAutofit/>
           </a:bodyPr>
           <a:lstStyle/>
@@ -3615,9 +3872,6 @@
               </a:spcBef>
               <a:buNone/>
             </a:pPr>
-            <a:r>
-              <a:t/>
-            </a:r>
             <a:endParaRPr/>
           </a:p>
         </p:txBody>
@@ -3637,21 +3891,23 @@
             <a:avLst/>
           </a:prstGeom>
           <a:noFill/>
-          <a:ln cap="flat" cmpd="sng" w="19050">
+          <a:ln w="19050" cap="flat" cmpd="sng">
             <a:solidFill>
               <a:schemeClr val="lt2"/>
             </a:solidFill>
             <a:prstDash val="solid"/>
             <a:round/>
-            <a:headEnd len="med" w="med" type="none"/>
-            <a:tailEnd len="med" w="med" type="none"/>
+            <a:headEnd type="none" w="med" len="med"/>
+            <a:tailEnd type="none" w="med" len="med"/>
           </a:ln>
         </p:spPr>
       </p:cxnSp>
       <p:sp>
         <p:nvSpPr>
           <p:cNvPr id="41" name="Shape 41"/>
-          <p:cNvSpPr txBox="1"/>
+          <p:cNvSpPr txBox="1">
+            <a:spLocks noGrp="1"/>
+          </p:cNvSpPr>
           <p:nvPr>
             <p:ph type="title"/>
           </p:nvPr>
@@ -3666,7 +3922,7 @@
           </a:prstGeom>
         </p:spPr>
         <p:txBody>
-          <a:bodyPr anchorCtr="0" anchor="b" bIns="91425" lIns="91425" rIns="91425" tIns="91425"/>
+          <a:bodyPr lIns="91425" tIns="91425" rIns="91425" bIns="91425" anchor="b" anchorCtr="0"/>
           <a:lstStyle>
             <a:lvl1pPr lvl="0" algn="ctr">
               <a:spcBef>
@@ -3732,15 +3988,19 @@
               <a:defRPr sz="4200"/>
             </a:lvl9pPr>
           </a:lstStyle>
-          <a:p/>
+          <a:p>
+            <a:endParaRPr/>
+          </a:p>
         </p:txBody>
       </p:sp>
       <p:sp>
         <p:nvSpPr>
           <p:cNvPr id="42" name="Shape 42"/>
-          <p:cNvSpPr txBox="1"/>
+          <p:cNvSpPr txBox="1">
+            <a:spLocks noGrp="1"/>
+          </p:cNvSpPr>
           <p:nvPr>
-            <p:ph idx="1" type="subTitle"/>
+            <p:ph type="subTitle" idx="1"/>
           </p:nvPr>
         </p:nvSpPr>
         <p:spPr>
@@ -3753,7 +4013,7 @@
           </a:prstGeom>
         </p:spPr>
         <p:txBody>
-          <a:bodyPr anchorCtr="0" anchor="t" bIns="91425" lIns="91425" rIns="91425" tIns="91425"/>
+          <a:bodyPr lIns="91425" tIns="91425" rIns="91425" bIns="91425" anchor="t" anchorCtr="0"/>
           <a:lstStyle>
             <a:lvl1pPr lvl="0" algn="ctr">
               <a:lnSpc>
@@ -3882,15 +4142,19 @@
               <a:defRPr sz="2100"/>
             </a:lvl9pPr>
           </a:lstStyle>
-          <a:p/>
+          <a:p>
+            <a:endParaRPr/>
+          </a:p>
         </p:txBody>
       </p:sp>
       <p:sp>
         <p:nvSpPr>
           <p:cNvPr id="43" name="Shape 43"/>
-          <p:cNvSpPr txBox="1"/>
+          <p:cNvSpPr txBox="1">
+            <a:spLocks noGrp="1"/>
+          </p:cNvSpPr>
           <p:nvPr>
-            <p:ph idx="2" type="body"/>
+            <p:ph type="body" idx="2"/>
           </p:nvPr>
         </p:nvSpPr>
         <p:spPr>
@@ -3903,7 +4167,7 @@
           </a:prstGeom>
         </p:spPr>
         <p:txBody>
-          <a:bodyPr anchorCtr="0" anchor="ctr" bIns="91425" lIns="91425" rIns="91425" tIns="91425"/>
+          <a:bodyPr lIns="91425" tIns="91425" rIns="91425" bIns="91425" anchor="ctr" anchorCtr="0"/>
           <a:lstStyle>
             <a:lvl1pPr lvl="0">
               <a:spcBef>
@@ -4023,15 +4287,19 @@
               </a:defRPr>
             </a:lvl9pPr>
           </a:lstStyle>
-          <a:p/>
+          <a:p>
+            <a:endParaRPr/>
+          </a:p>
         </p:txBody>
       </p:sp>
       <p:sp>
         <p:nvSpPr>
           <p:cNvPr id="44" name="Shape 44"/>
-          <p:cNvSpPr txBox="1"/>
+          <p:cNvSpPr txBox="1">
+            <a:spLocks noGrp="1"/>
+          </p:cNvSpPr>
           <p:nvPr>
-            <p:ph idx="12" type="sldNum"/>
+            <p:ph type="sldNum" idx="12"/>
           </p:nvPr>
         </p:nvSpPr>
         <p:spPr>
@@ -4044,7 +4312,7 @@
           </a:prstGeom>
         </p:spPr>
         <p:txBody>
-          <a:bodyPr anchorCtr="0" anchor="ctr" bIns="91425" lIns="91425" rIns="91425" tIns="91425">
+          <a:bodyPr lIns="91425" tIns="91425" rIns="91425" bIns="91425" anchor="ctr" anchorCtr="0">
             <a:noAutofit/>
           </a:bodyPr>
           <a:lstStyle/>
@@ -4063,6 +4331,11 @@
               </a:rPr>
               <a:t>‹#›</a:t>
             </a:fld>
+            <a:endParaRPr lang="en">
+              <a:solidFill>
+                <a:schemeClr val="lt1"/>
+              </a:solidFill>
+            </a:endParaRPr>
           </a:p>
         </p:txBody>
       </p:sp>
@@ -4075,11 +4348,11 @@
 </file>
 
 <file path=ppt/slideLayouts/slideLayout9.xml><?xml version="1.0" encoding="utf-8"?>
-<p:sldLayout xmlns:a="http://schemas.openxmlformats.org/drawingml/2006/main" xmlns:r="http://schemas.openxmlformats.org/officeDocument/2006/relationships" xmlns:mc="http://schemas.openxmlformats.org/markup-compatibility/2006" xmlns:mv="urn:schemas-microsoft-com:mac:vml" xmlns:p="http://schemas.openxmlformats.org/presentationml/2006/main" xmlns:c="http://schemas.openxmlformats.org/drawingml/2006/chart" xmlns:dgm="http://schemas.openxmlformats.org/drawingml/2006/diagram" xmlns:o="urn:schemas-microsoft-com:office:office" xmlns:v="urn:schemas-microsoft-com:vml" xmlns:pvml="urn:schemas-microsoft-com:office:powerpoint" xmlns:com="http://schemas.openxmlformats.org/drawingml/2006/compatibility" xmlns:p14="http://schemas.microsoft.com/office/powerpoint/2010/main">
+<p:sldLayout xmlns:a="http://schemas.openxmlformats.org/drawingml/2006/main" xmlns:r="http://schemas.openxmlformats.org/officeDocument/2006/relationships" xmlns:p="http://schemas.openxmlformats.org/presentationml/2006/main">
   <p:cSld name="Caption">
     <p:spTree>
       <p:nvGrpSpPr>
-        <p:cNvPr id="45" name="Shape 45"/>
+        <p:cNvPr id="1" name="Shape 45"/>
         <p:cNvGrpSpPr/>
         <p:nvPr/>
       </p:nvGrpSpPr>
@@ -4094,9 +4367,11 @@
       <p:sp>
         <p:nvSpPr>
           <p:cNvPr id="46" name="Shape 46"/>
-          <p:cNvSpPr txBox="1"/>
+          <p:cNvSpPr txBox="1">
+            <a:spLocks noGrp="1"/>
+          </p:cNvSpPr>
           <p:nvPr>
-            <p:ph idx="1" type="body"/>
+            <p:ph type="body" idx="1"/>
           </p:nvPr>
         </p:nvSpPr>
         <p:spPr>
@@ -4109,7 +4384,7 @@
           </a:prstGeom>
         </p:spPr>
         <p:txBody>
-          <a:bodyPr anchorCtr="0" anchor="ctr" bIns="91425" lIns="91425" rIns="91425" tIns="91425"/>
+          <a:bodyPr lIns="91425" tIns="91425" rIns="91425" bIns="91425" anchor="ctr" anchorCtr="0"/>
           <a:lstStyle>
             <a:lvl1pPr lvl="0">
               <a:lnSpc>
@@ -4126,15 +4401,19 @@
               <a:defRPr sz="2100"/>
             </a:lvl1pPr>
           </a:lstStyle>
-          <a:p/>
+          <a:p>
+            <a:endParaRPr/>
+          </a:p>
         </p:txBody>
       </p:sp>
       <p:sp>
         <p:nvSpPr>
           <p:cNvPr id="47" name="Shape 47"/>
-          <p:cNvSpPr txBox="1"/>
+          <p:cNvSpPr txBox="1">
+            <a:spLocks noGrp="1"/>
+          </p:cNvSpPr>
           <p:nvPr>
-            <p:ph idx="12" type="sldNum"/>
+            <p:ph type="sldNum" idx="12"/>
           </p:nvPr>
         </p:nvSpPr>
         <p:spPr>
@@ -4147,7 +4426,7 @@
           </a:prstGeom>
         </p:spPr>
         <p:txBody>
-          <a:bodyPr anchorCtr="0" anchor="ctr" bIns="91425" lIns="91425" rIns="91425" tIns="91425">
+          <a:bodyPr lIns="91425" tIns="91425" rIns="91425" bIns="91425" anchor="ctr" anchorCtr="0">
             <a:noAutofit/>
           </a:bodyPr>
           <a:lstStyle/>
@@ -4162,6 +4441,7 @@
               <a:rPr lang="en"/>
               <a:t>‹#›</a:t>
             </a:fld>
+            <a:endParaRPr lang="en"/>
           </a:p>
         </p:txBody>
       </p:sp>
@@ -4174,18 +4454,19 @@
 </file>
 
 <file path=ppt/slideMasters/slideMaster1.xml><?xml version="1.0" encoding="utf-8"?>
-<p:sldMaster xmlns:a="http://schemas.openxmlformats.org/drawingml/2006/main" xmlns:r="http://schemas.openxmlformats.org/officeDocument/2006/relationships" xmlns:mc="http://schemas.openxmlformats.org/markup-compatibility/2006" xmlns:mv="urn:schemas-microsoft-com:mac:vml" xmlns:p="http://schemas.openxmlformats.org/presentationml/2006/main" xmlns:c="http://schemas.openxmlformats.org/drawingml/2006/chart" xmlns:dgm="http://schemas.openxmlformats.org/drawingml/2006/diagram" xmlns:o="urn:schemas-microsoft-com:office:office" xmlns:v="urn:schemas-microsoft-com:vml" xmlns:pvml="urn:schemas-microsoft-com:office:powerpoint" xmlns:com="http://schemas.openxmlformats.org/drawingml/2006/compatibility" xmlns:p14="http://schemas.microsoft.com/office/powerpoint/2010/main">
+<p:sldMaster xmlns:a="http://schemas.openxmlformats.org/drawingml/2006/main" xmlns:r="http://schemas.openxmlformats.org/officeDocument/2006/relationships" xmlns:p="http://schemas.openxmlformats.org/presentationml/2006/main">
   <p:cSld>
     <p:bg>
       <p:bgPr>
         <a:solidFill>
           <a:schemeClr val="lt1"/>
         </a:solidFill>
+        <a:effectLst/>
       </p:bgPr>
     </p:bg>
     <p:spTree>
       <p:nvGrpSpPr>
-        <p:cNvPr id="5" name="Shape 5"/>
+        <p:cNvPr id="1" name="Shape 5"/>
         <p:cNvGrpSpPr/>
         <p:nvPr/>
       </p:nvGrpSpPr>
@@ -4200,7 +4481,9 @@
       <p:sp>
         <p:nvSpPr>
           <p:cNvPr id="6" name="Shape 6"/>
-          <p:cNvSpPr txBox="1"/>
+          <p:cNvSpPr txBox="1">
+            <a:spLocks noGrp="1"/>
+          </p:cNvSpPr>
           <p:nvPr>
             <p:ph type="title"/>
           </p:nvPr>
@@ -4219,7 +4502,7 @@
           </a:ln>
         </p:spPr>
         <p:txBody>
-          <a:bodyPr anchorCtr="0" anchor="t" bIns="91425" lIns="91425" rIns="91425" tIns="91425"/>
+          <a:bodyPr lIns="91425" tIns="91425" rIns="91425" bIns="91425" anchor="t" anchorCtr="0"/>
           <a:lstStyle>
             <a:lvl1pPr lvl="0">
               <a:spcBef>
@@ -4402,15 +4685,19 @@
               </a:defRPr>
             </a:lvl9pPr>
           </a:lstStyle>
-          <a:p/>
+          <a:p>
+            <a:endParaRPr/>
+          </a:p>
         </p:txBody>
       </p:sp>
       <p:sp>
         <p:nvSpPr>
           <p:cNvPr id="7" name="Shape 7"/>
-          <p:cNvSpPr txBox="1"/>
+          <p:cNvSpPr txBox="1">
+            <a:spLocks noGrp="1"/>
+          </p:cNvSpPr>
           <p:nvPr>
-            <p:ph idx="1" type="body"/>
+            <p:ph type="body" idx="1"/>
           </p:nvPr>
         </p:nvSpPr>
         <p:spPr>
@@ -4427,7 +4714,7 @@
           </a:ln>
         </p:spPr>
         <p:txBody>
-          <a:bodyPr anchorCtr="0" anchor="t" bIns="91425" lIns="91425" rIns="91425" tIns="91425"/>
+          <a:bodyPr lIns="91425" tIns="91425" rIns="91425" bIns="91425" anchor="t" anchorCtr="0"/>
           <a:lstStyle>
             <a:lvl1pPr lvl="0">
               <a:lnSpc>
@@ -4647,15 +4934,19 @@
               </a:defRPr>
             </a:lvl9pPr>
           </a:lstStyle>
-          <a:p/>
+          <a:p>
+            <a:endParaRPr/>
+          </a:p>
         </p:txBody>
       </p:sp>
       <p:sp>
         <p:nvSpPr>
           <p:cNvPr id="8" name="Shape 8"/>
-          <p:cNvSpPr txBox="1"/>
+          <p:cNvSpPr txBox="1">
+            <a:spLocks noGrp="1"/>
+          </p:cNvSpPr>
           <p:nvPr>
-            <p:ph idx="12" type="sldNum"/>
+            <p:ph type="sldNum" idx="12"/>
           </p:nvPr>
         </p:nvSpPr>
         <p:spPr>
@@ -4672,7 +4963,7 @@
           </a:ln>
         </p:spPr>
         <p:txBody>
-          <a:bodyPr anchorCtr="0" anchor="ctr" bIns="91425" lIns="91425" rIns="91425" tIns="91425">
+          <a:bodyPr lIns="91425" tIns="91425" rIns="91425" bIns="91425" anchor="ctr" anchorCtr="0">
             <a:noAutofit/>
           </a:bodyPr>
           <a:lstStyle/>
@@ -4695,12 +4986,21 @@
               </a:rPr>
               <a:t>‹#›</a:t>
             </a:fld>
+            <a:endParaRPr lang="en" sz="1000">
+              <a:solidFill>
+                <a:schemeClr val="dk1"/>
+              </a:solidFill>
+              <a:latin typeface="Proxima Nova"/>
+              <a:ea typeface="Proxima Nova"/>
+              <a:cs typeface="Proxima Nova"/>
+              <a:sym typeface="Proxima Nova"/>
+            </a:endParaRPr>
           </a:p>
         </p:txBody>
       </p:sp>
     </p:spTree>
   </p:cSld>
-  <p:clrMap accent1="accent1" accent2="accent2" accent3="accent3" accent4="accent4" accent5="accent5" accent6="accent6" bg1="lt1" bg2="dk2" tx1="dk1" tx2="lt2" folHlink="folHlink" hlink="hlink"/>
+  <p:clrMap bg1="lt1" tx1="dk1" bg2="dk2" tx2="lt2" accent1="accent1" accent2="accent2" accent3="accent3" accent4="accent4" accent5="accent5" accent6="accent6" hlink="hlink" folHlink="folHlink"/>
   <p:sldLayoutIdLst>
     <p:sldLayoutId id="2147483648" r:id="rId1"/>
     <p:sldLayoutId id="2147483649" r:id="rId2"/>
@@ -4714,10 +5014,10 @@
     <p:sldLayoutId id="2147483657" r:id="rId10"/>
     <p:sldLayoutId id="2147483658" r:id="rId11"/>
   </p:sldLayoutIdLst>
-  <p:hf dt="0" ftr="0" hdr="0" sldNum="0"/>
+  <p:hf sldNum="0" hdr="0" ftr="0" dt="0"/>
   <p:txStyles>
     <p:titleStyle>
-      <a:defPPr lvl="0" marR="0" rtl="0" algn="l">
+      <a:defPPr marR="0" lvl="0" algn="l" rtl="0">
         <a:lnSpc>
           <a:spcPct val="100000"/>
         </a:lnSpc>
@@ -4728,7 +5028,7 @@
           <a:spcPts val="0"/>
         </a:spcAft>
       </a:defPPr>
-      <a:lvl1pPr lvl="0" marR="0" rtl="0" algn="l">
+      <a:lvl1pPr marR="0" lvl="0" algn="l" rtl="0">
         <a:lnSpc>
           <a:spcPct val="100000"/>
         </a:lnSpc>
@@ -4739,7 +5039,7 @@
           <a:spcPts val="0"/>
         </a:spcAft>
         <a:buNone/>
-        <a:defRPr b="0" i="0" sz="1400" u="none" cap="none" strike="noStrike">
+        <a:defRPr sz="1400" b="0" i="0" u="none" strike="noStrike" cap="none">
           <a:solidFill>
             <a:srgbClr val="000000"/>
           </a:solidFill>
@@ -4751,7 +5051,7 @@
       </a:lvl1pPr>
     </p:titleStyle>
     <p:bodyStyle>
-      <a:defPPr lvl="0" marR="0" rtl="0" algn="l">
+      <a:defPPr marR="0" lvl="0" algn="l" rtl="0">
         <a:lnSpc>
           <a:spcPct val="100000"/>
         </a:lnSpc>
@@ -4762,7 +5062,7 @@
           <a:spcPts val="0"/>
         </a:spcAft>
       </a:defPPr>
-      <a:lvl1pPr lvl="0" marR="0" rtl="0" algn="l">
+      <a:lvl1pPr marR="0" lvl="0" algn="l" rtl="0">
         <a:lnSpc>
           <a:spcPct val="100000"/>
         </a:lnSpc>
@@ -4773,7 +5073,7 @@
           <a:spcPts val="0"/>
         </a:spcAft>
         <a:buNone/>
-        <a:defRPr b="0" i="0" sz="1400" u="none" cap="none" strike="noStrike">
+        <a:defRPr sz="1400" b="0" i="0" u="none" strike="noStrike" cap="none">
           <a:solidFill>
             <a:srgbClr val="000000"/>
           </a:solidFill>
@@ -4783,7 +5083,7 @@
           <a:sym typeface="Arial"/>
         </a:defRPr>
       </a:lvl1pPr>
-      <a:lvl2pPr lvl="1" marR="0" rtl="0" algn="l">
+      <a:lvl2pPr marR="0" lvl="1" algn="l" rtl="0">
         <a:lnSpc>
           <a:spcPct val="100000"/>
         </a:lnSpc>
@@ -4794,7 +5094,7 @@
           <a:spcPts val="0"/>
         </a:spcAft>
         <a:buNone/>
-        <a:defRPr b="0" i="0" sz="1400" u="none" cap="none" strike="noStrike">
+        <a:defRPr sz="1400" b="0" i="0" u="none" strike="noStrike" cap="none">
           <a:solidFill>
             <a:srgbClr val="000000"/>
           </a:solidFill>
@@ -4804,7 +5104,7 @@
           <a:sym typeface="Arial"/>
         </a:defRPr>
       </a:lvl2pPr>
-      <a:lvl3pPr lvl="2" marR="0" rtl="0" algn="l">
+      <a:lvl3pPr marR="0" lvl="2" algn="l" rtl="0">
         <a:lnSpc>
           <a:spcPct val="100000"/>
         </a:lnSpc>
@@ -4815,7 +5115,7 @@
           <a:spcPts val="0"/>
         </a:spcAft>
         <a:buNone/>
-        <a:defRPr b="0" i="0" sz="1400" u="none" cap="none" strike="noStrike">
+        <a:defRPr sz="1400" b="0" i="0" u="none" strike="noStrike" cap="none">
           <a:solidFill>
             <a:srgbClr val="000000"/>
           </a:solidFill>
@@ -4825,7 +5125,7 @@
           <a:sym typeface="Arial"/>
         </a:defRPr>
       </a:lvl3pPr>
-      <a:lvl4pPr lvl="3" marR="0" rtl="0" algn="l">
+      <a:lvl4pPr marR="0" lvl="3" algn="l" rtl="0">
         <a:lnSpc>
           <a:spcPct val="100000"/>
         </a:lnSpc>
@@ -4836,7 +5136,7 @@
           <a:spcPts val="0"/>
         </a:spcAft>
         <a:buNone/>
-        <a:defRPr b="0" i="0" sz="1400" u="none" cap="none" strike="noStrike">
+        <a:defRPr sz="1400" b="0" i="0" u="none" strike="noStrike" cap="none">
           <a:solidFill>
             <a:srgbClr val="000000"/>
           </a:solidFill>
@@ -4846,7 +5146,7 @@
           <a:sym typeface="Arial"/>
         </a:defRPr>
       </a:lvl4pPr>
-      <a:lvl5pPr lvl="4" marR="0" rtl="0" algn="l">
+      <a:lvl5pPr marR="0" lvl="4" algn="l" rtl="0">
         <a:lnSpc>
           <a:spcPct val="100000"/>
         </a:lnSpc>
@@ -4857,7 +5157,7 @@
           <a:spcPts val="0"/>
         </a:spcAft>
         <a:buNone/>
-        <a:defRPr b="0" i="0" sz="1400" u="none" cap="none" strike="noStrike">
+        <a:defRPr sz="1400" b="0" i="0" u="none" strike="noStrike" cap="none">
           <a:solidFill>
             <a:srgbClr val="000000"/>
           </a:solidFill>
@@ -4867,7 +5167,7 @@
           <a:sym typeface="Arial"/>
         </a:defRPr>
       </a:lvl5pPr>
-      <a:lvl6pPr lvl="5" marR="0" rtl="0" algn="l">
+      <a:lvl6pPr marR="0" lvl="5" algn="l" rtl="0">
         <a:lnSpc>
           <a:spcPct val="100000"/>
         </a:lnSpc>
@@ -4878,7 +5178,7 @@
           <a:spcPts val="0"/>
         </a:spcAft>
         <a:buNone/>
-        <a:defRPr b="0" i="0" sz="1400" u="none" cap="none" strike="noStrike">
+        <a:defRPr sz="1400" b="0" i="0" u="none" strike="noStrike" cap="none">
           <a:solidFill>
             <a:srgbClr val="000000"/>
           </a:solidFill>
@@ -4888,7 +5188,7 @@
           <a:sym typeface="Arial"/>
         </a:defRPr>
       </a:lvl6pPr>
-      <a:lvl7pPr lvl="6" marR="0" rtl="0" algn="l">
+      <a:lvl7pPr marR="0" lvl="6" algn="l" rtl="0">
         <a:lnSpc>
           <a:spcPct val="100000"/>
         </a:lnSpc>
@@ -4899,7 +5199,7 @@
           <a:spcPts val="0"/>
         </a:spcAft>
         <a:buNone/>
-        <a:defRPr b="0" i="0" sz="1400" u="none" cap="none" strike="noStrike">
+        <a:defRPr sz="1400" b="0" i="0" u="none" strike="noStrike" cap="none">
           <a:solidFill>
             <a:srgbClr val="000000"/>
           </a:solidFill>
@@ -4909,7 +5209,7 @@
           <a:sym typeface="Arial"/>
         </a:defRPr>
       </a:lvl7pPr>
-      <a:lvl8pPr lvl="7" marR="0" rtl="0" algn="l">
+      <a:lvl8pPr marR="0" lvl="7" algn="l" rtl="0">
         <a:lnSpc>
           <a:spcPct val="100000"/>
         </a:lnSpc>
@@ -4920,7 +5220,7 @@
           <a:spcPts val="0"/>
         </a:spcAft>
         <a:buNone/>
-        <a:defRPr b="0" i="0" sz="1400" u="none" cap="none" strike="noStrike">
+        <a:defRPr sz="1400" b="0" i="0" u="none" strike="noStrike" cap="none">
           <a:solidFill>
             <a:srgbClr val="000000"/>
           </a:solidFill>
@@ -4930,7 +5230,7 @@
           <a:sym typeface="Arial"/>
         </a:defRPr>
       </a:lvl8pPr>
-      <a:lvl9pPr lvl="8" marR="0" rtl="0" algn="l">
+      <a:lvl9pPr marR="0" lvl="8" algn="l" rtl="0">
         <a:lnSpc>
           <a:spcPct val="100000"/>
         </a:lnSpc>
@@ -4941,7 +5241,7 @@
           <a:spcPts val="0"/>
         </a:spcAft>
         <a:buNone/>
-        <a:defRPr b="0" i="0" sz="1400" u="none" cap="none" strike="noStrike">
+        <a:defRPr sz="1400" b="0" i="0" u="none" strike="noStrike" cap="none">
           <a:solidFill>
             <a:srgbClr val="000000"/>
           </a:solidFill>
@@ -4953,7 +5253,7 @@
       </a:lvl9pPr>
     </p:bodyStyle>
     <p:otherStyle>
-      <a:defPPr lvl="0" marR="0" rtl="0" algn="l">
+      <a:defPPr marR="0" lvl="0" algn="l" rtl="0">
         <a:lnSpc>
           <a:spcPct val="100000"/>
         </a:lnSpc>
@@ -4964,7 +5264,7 @@
           <a:spcPts val="0"/>
         </a:spcAft>
       </a:defPPr>
-      <a:lvl1pPr lvl="0" marR="0" rtl="0" algn="l">
+      <a:lvl1pPr marR="0" lvl="0" algn="l" rtl="0">
         <a:lnSpc>
           <a:spcPct val="100000"/>
         </a:lnSpc>
@@ -4975,7 +5275,7 @@
           <a:spcPts val="0"/>
         </a:spcAft>
         <a:buNone/>
-        <a:defRPr b="0" i="0" sz="1400" u="none" cap="none" strike="noStrike">
+        <a:defRPr sz="1400" b="0" i="0" u="none" strike="noStrike" cap="none">
           <a:solidFill>
             <a:srgbClr val="000000"/>
           </a:solidFill>
@@ -4985,7 +5285,7 @@
           <a:sym typeface="Arial"/>
         </a:defRPr>
       </a:lvl1pPr>
-      <a:lvl2pPr lvl="1" marR="0" rtl="0" algn="l">
+      <a:lvl2pPr marR="0" lvl="1" algn="l" rtl="0">
         <a:lnSpc>
           <a:spcPct val="100000"/>
         </a:lnSpc>
@@ -4996,7 +5296,7 @@
           <a:spcPts val="0"/>
         </a:spcAft>
         <a:buNone/>
-        <a:defRPr b="0" i="0" sz="1400" u="none" cap="none" strike="noStrike">
+        <a:defRPr sz="1400" b="0" i="0" u="none" strike="noStrike" cap="none">
           <a:solidFill>
             <a:srgbClr val="000000"/>
           </a:solidFill>
@@ -5006,7 +5306,7 @@
           <a:sym typeface="Arial"/>
         </a:defRPr>
       </a:lvl2pPr>
-      <a:lvl3pPr lvl="2" marR="0" rtl="0" algn="l">
+      <a:lvl3pPr marR="0" lvl="2" algn="l" rtl="0">
         <a:lnSpc>
           <a:spcPct val="100000"/>
         </a:lnSpc>
@@ -5017,7 +5317,7 @@
           <a:spcPts val="0"/>
         </a:spcAft>
         <a:buNone/>
-        <a:defRPr b="0" i="0" sz="1400" u="none" cap="none" strike="noStrike">
+        <a:defRPr sz="1400" b="0" i="0" u="none" strike="noStrike" cap="none">
           <a:solidFill>
             <a:srgbClr val="000000"/>
           </a:solidFill>
@@ -5027,7 +5327,7 @@
           <a:sym typeface="Arial"/>
         </a:defRPr>
       </a:lvl3pPr>
-      <a:lvl4pPr lvl="3" marR="0" rtl="0" algn="l">
+      <a:lvl4pPr marR="0" lvl="3" algn="l" rtl="0">
         <a:lnSpc>
           <a:spcPct val="100000"/>
         </a:lnSpc>
@@ -5038,7 +5338,7 @@
           <a:spcPts val="0"/>
         </a:spcAft>
         <a:buNone/>
-        <a:defRPr b="0" i="0" sz="1400" u="none" cap="none" strike="noStrike">
+        <a:defRPr sz="1400" b="0" i="0" u="none" strike="noStrike" cap="none">
           <a:solidFill>
             <a:srgbClr val="000000"/>
           </a:solidFill>
@@ -5048,7 +5348,7 @@
           <a:sym typeface="Arial"/>
         </a:defRPr>
       </a:lvl4pPr>
-      <a:lvl5pPr lvl="4" marR="0" rtl="0" algn="l">
+      <a:lvl5pPr marR="0" lvl="4" algn="l" rtl="0">
         <a:lnSpc>
           <a:spcPct val="100000"/>
         </a:lnSpc>
@@ -5059,7 +5359,7 @@
           <a:spcPts val="0"/>
         </a:spcAft>
         <a:buNone/>
-        <a:defRPr b="0" i="0" sz="1400" u="none" cap="none" strike="noStrike">
+        <a:defRPr sz="1400" b="0" i="0" u="none" strike="noStrike" cap="none">
           <a:solidFill>
             <a:srgbClr val="000000"/>
           </a:solidFill>
@@ -5069,7 +5369,7 @@
           <a:sym typeface="Arial"/>
         </a:defRPr>
       </a:lvl5pPr>
-      <a:lvl6pPr lvl="5" marR="0" rtl="0" algn="l">
+      <a:lvl6pPr marR="0" lvl="5" algn="l" rtl="0">
         <a:lnSpc>
           <a:spcPct val="100000"/>
         </a:lnSpc>
@@ -5080,7 +5380,7 @@
           <a:spcPts val="0"/>
         </a:spcAft>
         <a:buNone/>
-        <a:defRPr b="0" i="0" sz="1400" u="none" cap="none" strike="noStrike">
+        <a:defRPr sz="1400" b="0" i="0" u="none" strike="noStrike" cap="none">
           <a:solidFill>
             <a:srgbClr val="000000"/>
           </a:solidFill>
@@ -5090,7 +5390,7 @@
           <a:sym typeface="Arial"/>
         </a:defRPr>
       </a:lvl6pPr>
-      <a:lvl7pPr lvl="6" marR="0" rtl="0" algn="l">
+      <a:lvl7pPr marR="0" lvl="6" algn="l" rtl="0">
         <a:lnSpc>
           <a:spcPct val="100000"/>
         </a:lnSpc>
@@ -5101,7 +5401,7 @@
           <a:spcPts val="0"/>
         </a:spcAft>
         <a:buNone/>
-        <a:defRPr b="0" i="0" sz="1400" u="none" cap="none" strike="noStrike">
+        <a:defRPr sz="1400" b="0" i="0" u="none" strike="noStrike" cap="none">
           <a:solidFill>
             <a:srgbClr val="000000"/>
           </a:solidFill>
@@ -5111,7 +5411,7 @@
           <a:sym typeface="Arial"/>
         </a:defRPr>
       </a:lvl7pPr>
-      <a:lvl8pPr lvl="7" marR="0" rtl="0" algn="l">
+      <a:lvl8pPr marR="0" lvl="7" algn="l" rtl="0">
         <a:lnSpc>
           <a:spcPct val="100000"/>
         </a:lnSpc>
@@ -5122,7 +5422,7 @@
           <a:spcPts val="0"/>
         </a:spcAft>
         <a:buNone/>
-        <a:defRPr b="0" i="0" sz="1400" u="none" cap="none" strike="noStrike">
+        <a:defRPr sz="1400" b="0" i="0" u="none" strike="noStrike" cap="none">
           <a:solidFill>
             <a:srgbClr val="000000"/>
           </a:solidFill>
@@ -5132,7 +5432,7 @@
           <a:sym typeface="Arial"/>
         </a:defRPr>
       </a:lvl8pPr>
-      <a:lvl9pPr lvl="8" marR="0" rtl="0" algn="l">
+      <a:lvl9pPr marR="0" lvl="8" algn="l" rtl="0">
         <a:lnSpc>
           <a:spcPct val="100000"/>
         </a:lnSpc>
@@ -5143,7 +5443,7 @@
           <a:spcPts val="0"/>
         </a:spcAft>
         <a:buNone/>
-        <a:defRPr b="0" i="0" sz="1400" u="none" cap="none" strike="noStrike">
+        <a:defRPr sz="1400" b="0" i="0" u="none" strike="noStrike" cap="none">
           <a:solidFill>
             <a:srgbClr val="000000"/>
           </a:solidFill>
@@ -5159,11 +5459,11 @@
 </file>
 
 <file path=ppt/slides/slide1.xml><?xml version="1.0" encoding="utf-8"?>
-<p:sld xmlns:a="http://schemas.openxmlformats.org/drawingml/2006/main" xmlns:r="http://schemas.openxmlformats.org/officeDocument/2006/relationships" xmlns:mc="http://schemas.openxmlformats.org/markup-compatibility/2006" xmlns:mv="urn:schemas-microsoft-com:mac:vml" xmlns:p="http://schemas.openxmlformats.org/presentationml/2006/main" xmlns:c="http://schemas.openxmlformats.org/drawingml/2006/chart" xmlns:dgm="http://schemas.openxmlformats.org/drawingml/2006/diagram" xmlns:o="urn:schemas-microsoft-com:office:office" xmlns:v="urn:schemas-microsoft-com:vml" xmlns:pvml="urn:schemas-microsoft-com:office:powerpoint" xmlns:com="http://schemas.openxmlformats.org/drawingml/2006/compatibility" xmlns:p14="http://schemas.microsoft.com/office/powerpoint/2010/main">
+<p:sld xmlns:a="http://schemas.openxmlformats.org/drawingml/2006/main" xmlns:r="http://schemas.openxmlformats.org/officeDocument/2006/relationships" xmlns:p="http://schemas.openxmlformats.org/presentationml/2006/main">
   <p:cSld>
     <p:spTree>
       <p:nvGrpSpPr>
-        <p:cNvPr id="58" name="Shape 58"/>
+        <p:cNvPr id="1" name="Shape 58"/>
         <p:cNvGrpSpPr/>
         <p:nvPr/>
       </p:nvGrpSpPr>
@@ -5178,7 +5478,9 @@
       <p:sp>
         <p:nvSpPr>
           <p:cNvPr id="59" name="Shape 59"/>
-          <p:cNvSpPr txBox="1"/>
+          <p:cNvSpPr txBox="1">
+            <a:spLocks noGrp="1"/>
+          </p:cNvSpPr>
           <p:nvPr>
             <p:ph type="ctrTitle"/>
           </p:nvPr>
@@ -5193,7 +5495,7 @@
           </a:prstGeom>
         </p:spPr>
         <p:txBody>
-          <a:bodyPr anchorCtr="0" anchor="b" bIns="91425" lIns="91425" rIns="91425" tIns="91425">
+          <a:bodyPr lIns="91425" tIns="91425" rIns="91425" bIns="91425" anchor="b" anchorCtr="0">
             <a:noAutofit/>
           </a:bodyPr>
           <a:lstStyle/>
@@ -5205,18 +5507,25 @@
               <a:buNone/>
             </a:pPr>
             <a:r>
-              <a:rPr lang="en"/>
-              <a:t>       PureScript</a:t>
-            </a:r>
+              <a:rPr lang="en" dirty="0"/>
+              <a:t>       </a:t>
+            </a:r>
+            <a:r>
+              <a:rPr lang="en" dirty="0" err="1"/>
+              <a:t>PureScript</a:t>
+            </a:r>
+            <a:endParaRPr lang="en" dirty="0"/>
           </a:p>
         </p:txBody>
       </p:sp>
       <p:sp>
         <p:nvSpPr>
           <p:cNvPr id="60" name="Shape 60"/>
-          <p:cNvSpPr txBox="1"/>
+          <p:cNvSpPr txBox="1">
+            <a:spLocks noGrp="1"/>
+          </p:cNvSpPr>
           <p:nvPr>
-            <p:ph idx="1" type="subTitle"/>
+            <p:ph type="subTitle" idx="1"/>
           </p:nvPr>
         </p:nvSpPr>
         <p:spPr>
@@ -5229,7 +5538,7 @@
           </a:prstGeom>
         </p:spPr>
         <p:txBody>
-          <a:bodyPr anchorCtr="0" anchor="t" bIns="91425" lIns="91425" rIns="91425" tIns="91425">
+          <a:bodyPr lIns="91425" tIns="91425" rIns="91425" bIns="91425" anchor="t" anchorCtr="0">
             <a:noAutofit/>
           </a:bodyPr>
           <a:lstStyle/>
@@ -5241,19 +5550,28 @@
               <a:buNone/>
             </a:pPr>
             <a:r>
-              <a:rPr i="1" lang="en"/>
+              <a:rPr lang="en" i="1" dirty="0"/>
               <a:t>Purely</a:t>
             </a:r>
             <a:r>
-              <a:rPr lang="en"/>
-              <a:t> Functional Coding for the JavaScripter</a:t>
-            </a:r>
+              <a:rPr lang="en" dirty="0"/>
+              <a:t> Functional </a:t>
+            </a:r>
+            <a:r>
+              <a:rPr lang="en" dirty="0" err="1" smtClean="0"/>
+              <a:t>Codin</a:t>
+            </a:r>
+            <a:r>
+              <a:rPr lang="en-US" dirty="0" smtClean="0"/>
+              <a:t>g</a:t>
+            </a:r>
+            <a:endParaRPr lang="en" dirty="0"/>
           </a:p>
         </p:txBody>
       </p:sp>
       <p:pic>
         <p:nvPicPr>
-          <p:cNvPr descr="logo.png" id="61" name="Shape 61"/>
+          <p:cNvPr id="61" name="Shape 61" descr="logo.png"/>
           <p:cNvPicPr preferRelativeResize="0"/>
           <p:nvPr/>
         </p:nvPicPr>
@@ -5299,7 +5617,7 @@
           </a:ln>
         </p:spPr>
         <p:txBody>
-          <a:bodyPr anchorCtr="0" anchor="t" bIns="91425" lIns="91425" rIns="91425" tIns="91425">
+          <a:bodyPr lIns="91425" tIns="91425" rIns="91425" bIns="91425" anchor="t" anchorCtr="0">
             <a:noAutofit/>
           </a:bodyPr>
           <a:lstStyle/>
@@ -5329,8 +5647,8 @@
         </p:nvSpPr>
         <p:spPr>
           <a:xfrm>
-            <a:off x="2706350" y="4378350"/>
-            <a:ext cx="3924900" cy="450300"/>
+            <a:off x="2244013" y="3864282"/>
+            <a:ext cx="3924900" cy="1088857"/>
           </a:xfrm>
           <a:prstGeom prst="rect">
             <a:avLst/>
@@ -5341,7 +5659,7 @@
           </a:ln>
         </p:spPr>
         <p:txBody>
-          <a:bodyPr anchorCtr="0" anchor="t" bIns="91425" lIns="91425" rIns="91425" tIns="91425">
+          <a:bodyPr lIns="91425" tIns="91425" rIns="91425" bIns="91425" anchor="t" anchorCtr="0">
             <a:noAutofit/>
           </a:bodyPr>
           <a:lstStyle/>
@@ -5353,13 +5671,71 @@
               <a:buNone/>
             </a:pPr>
             <a:r>
-              <a:rPr lang="en" sz="1800">
-                <a:solidFill>
-                  <a:srgbClr val="FFFFFF"/>
-                </a:solidFill>
-              </a:rPr>
-              <a:t>Sean Westfall</a:t>
-            </a:r>
+              <a:rPr lang="en" sz="1800" dirty="0">
+                <a:solidFill>
+                  <a:srgbClr val="FFFFFF"/>
+                </a:solidFill>
+              </a:rPr>
+              <a:t>Sean </a:t>
+            </a:r>
+            <a:r>
+              <a:rPr lang="en" sz="1800" dirty="0" smtClean="0">
+                <a:solidFill>
+                  <a:srgbClr val="FFFFFF"/>
+                </a:solidFill>
+              </a:rPr>
+              <a:t>Westfall</a:t>
+            </a:r>
+            <a:endParaRPr lang="en-US" sz="1800" dirty="0">
+              <a:solidFill>
+                <a:srgbClr val="FFFFFF"/>
+              </a:solidFill>
+            </a:endParaRPr>
+          </a:p>
+          <a:p>
+            <a:pPr lvl="0" algn="ctr">
+              <a:spcBef>
+                <a:spcPts val="0"/>
+              </a:spcBef>
+              <a:buNone/>
+            </a:pPr>
+            <a:r>
+              <a:rPr lang="en-US" sz="1800" dirty="0" smtClean="0">
+                <a:solidFill>
+                  <a:srgbClr val="FFFFFF"/>
+                </a:solidFill>
+              </a:rPr>
+              <a:t>Twitter: @alphonse86</a:t>
+            </a:r>
+          </a:p>
+          <a:p>
+            <a:pPr lvl="0" algn="ctr">
+              <a:spcBef>
+                <a:spcPts val="0"/>
+              </a:spcBef>
+              <a:buNone/>
+            </a:pPr>
+            <a:r>
+              <a:rPr lang="en-US" sz="1800" dirty="0" smtClean="0">
+                <a:solidFill>
+                  <a:srgbClr val="FFFFFF"/>
+                </a:solidFill>
+              </a:rPr>
+              <a:t>Website: </a:t>
+            </a:r>
+            <a:r>
+              <a:rPr lang="en-US" sz="1800" dirty="0" err="1" smtClean="0">
+                <a:solidFill>
+                  <a:srgbClr val="FFFFFF"/>
+                </a:solidFill>
+              </a:rPr>
+              <a:t>fieldsofgoldfish.github.com</a:t>
+            </a:r>
+            <a:endParaRPr lang="en-US" sz="1800" dirty="0" smtClean="0">
+              <a:solidFill>
+                <a:srgbClr val="FFFFFF"/>
+              </a:solidFill>
+            </a:endParaRPr>
           </a:p>
         </p:txBody>
       </p:sp>
@@ -5372,11 +5748,403 @@
 </file>
 
 <file path=ppt/slides/slide10.xml><?xml version="1.0" encoding="utf-8"?>
-<p:sld xmlns:a="http://schemas.openxmlformats.org/drawingml/2006/main" xmlns:r="http://schemas.openxmlformats.org/officeDocument/2006/relationships" xmlns:mc="http://schemas.openxmlformats.org/markup-compatibility/2006" xmlns:mv="urn:schemas-microsoft-com:mac:vml" xmlns:p="http://schemas.openxmlformats.org/presentationml/2006/main" xmlns:c="http://schemas.openxmlformats.org/drawingml/2006/chart" xmlns:dgm="http://schemas.openxmlformats.org/drawingml/2006/diagram" xmlns:o="urn:schemas-microsoft-com:office:office" xmlns:v="urn:schemas-microsoft-com:vml" xmlns:pvml="urn:schemas-microsoft-com:office:powerpoint" xmlns:com="http://schemas.openxmlformats.org/drawingml/2006/compatibility" xmlns:p14="http://schemas.microsoft.com/office/powerpoint/2010/main">
+<p:sld xmlns:a="http://schemas.openxmlformats.org/drawingml/2006/main" xmlns:r="http://schemas.openxmlformats.org/officeDocument/2006/relationships" xmlns:p="http://schemas.openxmlformats.org/presentationml/2006/main">
   <p:cSld>
     <p:spTree>
       <p:nvGrpSpPr>
-        <p:cNvPr id="120" name="Shape 120"/>
+        <p:cNvPr id="1" name="Shape 96"/>
+        <p:cNvGrpSpPr/>
+        <p:nvPr/>
+      </p:nvGrpSpPr>
+      <p:grpSpPr>
+        <a:xfrm>
+          <a:off x="0" y="0"/>
+          <a:ext cx="0" cy="0"/>
+          <a:chOff x="0" y="0"/>
+          <a:chExt cx="0" cy="0"/>
+        </a:xfrm>
+      </p:grpSpPr>
+      <p:sp>
+        <p:nvSpPr>
+          <p:cNvPr id="97" name="Shape 97"/>
+          <p:cNvSpPr txBox="1">
+            <a:spLocks noGrp="1"/>
+          </p:cNvSpPr>
+          <p:nvPr>
+            <p:ph type="title"/>
+          </p:nvPr>
+        </p:nvSpPr>
+        <p:spPr>
+          <a:xfrm>
+            <a:off x="311700" y="445025"/>
+            <a:ext cx="8520600" cy="572700"/>
+          </a:xfrm>
+          <a:prstGeom prst="rect">
+            <a:avLst/>
+          </a:prstGeom>
+        </p:spPr>
+        <p:txBody>
+          <a:bodyPr lIns="91425" tIns="91425" rIns="91425" bIns="91425" anchor="t" anchorCtr="0">
+            <a:noAutofit/>
+          </a:bodyPr>
+          <a:lstStyle/>
+          <a:p>
+            <a:pPr lvl="0">
+              <a:spcBef>
+                <a:spcPts val="0"/>
+              </a:spcBef>
+              <a:buNone/>
+            </a:pPr>
+            <a:r>
+              <a:rPr lang="en"/>
+              <a:t>What is Purely Functional Coding</a:t>
+            </a:r>
+          </a:p>
+        </p:txBody>
+      </p:sp>
+      <p:sp>
+        <p:nvSpPr>
+          <p:cNvPr id="98" name="Shape 98"/>
+          <p:cNvSpPr txBox="1">
+            <a:spLocks noGrp="1"/>
+          </p:cNvSpPr>
+          <p:nvPr>
+            <p:ph type="body" idx="1"/>
+          </p:nvPr>
+        </p:nvSpPr>
+        <p:spPr>
+          <a:xfrm>
+            <a:off x="311700" y="1152475"/>
+            <a:ext cx="8520600" cy="3416400"/>
+          </a:xfrm>
+          <a:prstGeom prst="rect">
+            <a:avLst/>
+          </a:prstGeom>
+        </p:spPr>
+        <p:txBody>
+          <a:bodyPr lIns="91425" tIns="91425" rIns="91425" bIns="91425" anchor="t" anchorCtr="0">
+            <a:noAutofit/>
+          </a:bodyPr>
+          <a:lstStyle/>
+          <a:p>
+            <a:pPr lvl="0">
+              <a:spcBef>
+                <a:spcPts val="0"/>
+              </a:spcBef>
+              <a:buNone/>
+            </a:pPr>
+            <a:endParaRPr/>
+          </a:p>
+        </p:txBody>
+      </p:sp>
+    </p:spTree>
+  </p:cSld>
+  <p:clrMapOvr>
+    <a:masterClrMapping/>
+  </p:clrMapOvr>
+</p:sld>
+</file>
+
+<file path=ppt/slides/slide11.xml><?xml version="1.0" encoding="utf-8"?>
+<p:sld xmlns:a="http://schemas.openxmlformats.org/drawingml/2006/main" xmlns:r="http://schemas.openxmlformats.org/officeDocument/2006/relationships" xmlns:p="http://schemas.openxmlformats.org/presentationml/2006/main">
+  <p:cSld>
+    <p:spTree>
+      <p:nvGrpSpPr>
+        <p:cNvPr id="1" name="Shape 102"/>
+        <p:cNvGrpSpPr/>
+        <p:nvPr/>
+      </p:nvGrpSpPr>
+      <p:grpSpPr>
+        <a:xfrm>
+          <a:off x="0" y="0"/>
+          <a:ext cx="0" cy="0"/>
+          <a:chOff x="0" y="0"/>
+          <a:chExt cx="0" cy="0"/>
+        </a:xfrm>
+      </p:grpSpPr>
+      <p:sp>
+        <p:nvSpPr>
+          <p:cNvPr id="103" name="Shape 103"/>
+          <p:cNvSpPr txBox="1">
+            <a:spLocks noGrp="1"/>
+          </p:cNvSpPr>
+          <p:nvPr>
+            <p:ph type="title"/>
+          </p:nvPr>
+        </p:nvSpPr>
+        <p:spPr>
+          <a:xfrm>
+            <a:off x="311700" y="445025"/>
+            <a:ext cx="8520600" cy="572700"/>
+          </a:xfrm>
+          <a:prstGeom prst="rect">
+            <a:avLst/>
+          </a:prstGeom>
+        </p:spPr>
+        <p:txBody>
+          <a:bodyPr lIns="91425" tIns="91425" rIns="91425" bIns="91425" anchor="t" anchorCtr="0">
+            <a:noAutofit/>
+          </a:bodyPr>
+          <a:lstStyle/>
+          <a:p>
+            <a:pPr lvl="0">
+              <a:spcBef>
+                <a:spcPts val="0"/>
+              </a:spcBef>
+              <a:buNone/>
+            </a:pPr>
+            <a:r>
+              <a:rPr lang="en"/>
+              <a:t>Functors</a:t>
+            </a:r>
+          </a:p>
+        </p:txBody>
+      </p:sp>
+      <p:sp>
+        <p:nvSpPr>
+          <p:cNvPr id="104" name="Shape 104"/>
+          <p:cNvSpPr txBox="1">
+            <a:spLocks noGrp="1"/>
+          </p:cNvSpPr>
+          <p:nvPr>
+            <p:ph type="body" idx="1"/>
+          </p:nvPr>
+        </p:nvSpPr>
+        <p:spPr>
+          <a:xfrm>
+            <a:off x="311700" y="1152475"/>
+            <a:ext cx="8520600" cy="3416400"/>
+          </a:xfrm>
+          <a:prstGeom prst="rect">
+            <a:avLst/>
+          </a:prstGeom>
+        </p:spPr>
+        <p:txBody>
+          <a:bodyPr lIns="91425" tIns="91425" rIns="91425" bIns="91425" anchor="t" anchorCtr="0">
+            <a:noAutofit/>
+          </a:bodyPr>
+          <a:lstStyle/>
+          <a:p>
+            <a:pPr lvl="0">
+              <a:spcBef>
+                <a:spcPts val="0"/>
+              </a:spcBef>
+              <a:buNone/>
+            </a:pPr>
+            <a:endParaRPr/>
+          </a:p>
+        </p:txBody>
+      </p:sp>
+    </p:spTree>
+  </p:cSld>
+  <p:clrMapOvr>
+    <a:masterClrMapping/>
+  </p:clrMapOvr>
+</p:sld>
+</file>
+
+<file path=ppt/slides/slide12.xml><?xml version="1.0" encoding="utf-8"?>
+<p:sld xmlns:a="http://schemas.openxmlformats.org/drawingml/2006/main" xmlns:r="http://schemas.openxmlformats.org/officeDocument/2006/relationships" xmlns:p="http://schemas.openxmlformats.org/presentationml/2006/main">
+  <p:cSld>
+    <p:spTree>
+      <p:nvGrpSpPr>
+        <p:cNvPr id="1" name="Shape 108"/>
+        <p:cNvGrpSpPr/>
+        <p:nvPr/>
+      </p:nvGrpSpPr>
+      <p:grpSpPr>
+        <a:xfrm>
+          <a:off x="0" y="0"/>
+          <a:ext cx="0" cy="0"/>
+          <a:chOff x="0" y="0"/>
+          <a:chExt cx="0" cy="0"/>
+        </a:xfrm>
+      </p:grpSpPr>
+      <p:sp>
+        <p:nvSpPr>
+          <p:cNvPr id="109" name="Shape 109"/>
+          <p:cNvSpPr txBox="1">
+            <a:spLocks noGrp="1"/>
+          </p:cNvSpPr>
+          <p:nvPr>
+            <p:ph type="title"/>
+          </p:nvPr>
+        </p:nvSpPr>
+        <p:spPr>
+          <a:xfrm>
+            <a:off x="311700" y="445025"/>
+            <a:ext cx="8520600" cy="572700"/>
+          </a:xfrm>
+          <a:prstGeom prst="rect">
+            <a:avLst/>
+          </a:prstGeom>
+        </p:spPr>
+        <p:txBody>
+          <a:bodyPr lIns="91425" tIns="91425" rIns="91425" bIns="91425" anchor="t" anchorCtr="0">
+            <a:noAutofit/>
+          </a:bodyPr>
+          <a:lstStyle/>
+          <a:p>
+            <a:pPr lvl="0">
+              <a:spcBef>
+                <a:spcPts val="0"/>
+              </a:spcBef>
+              <a:buNone/>
+            </a:pPr>
+            <a:r>
+              <a:rPr lang="en"/>
+              <a:t>Applicative Functors</a:t>
+            </a:r>
+          </a:p>
+        </p:txBody>
+      </p:sp>
+      <p:sp>
+        <p:nvSpPr>
+          <p:cNvPr id="110" name="Shape 110"/>
+          <p:cNvSpPr txBox="1">
+            <a:spLocks noGrp="1"/>
+          </p:cNvSpPr>
+          <p:nvPr>
+            <p:ph type="body" idx="1"/>
+          </p:nvPr>
+        </p:nvSpPr>
+        <p:spPr>
+          <a:xfrm>
+            <a:off x="311700" y="1152475"/>
+            <a:ext cx="8520600" cy="3416400"/>
+          </a:xfrm>
+          <a:prstGeom prst="rect">
+            <a:avLst/>
+          </a:prstGeom>
+        </p:spPr>
+        <p:txBody>
+          <a:bodyPr lIns="91425" tIns="91425" rIns="91425" bIns="91425" anchor="t" anchorCtr="0">
+            <a:noAutofit/>
+          </a:bodyPr>
+          <a:lstStyle/>
+          <a:p>
+            <a:pPr lvl="0">
+              <a:spcBef>
+                <a:spcPts val="0"/>
+              </a:spcBef>
+              <a:buNone/>
+            </a:pPr>
+            <a:endParaRPr/>
+          </a:p>
+        </p:txBody>
+      </p:sp>
+    </p:spTree>
+  </p:cSld>
+  <p:clrMapOvr>
+    <a:masterClrMapping/>
+  </p:clrMapOvr>
+</p:sld>
+</file>
+
+<file path=ppt/slides/slide13.xml><?xml version="1.0" encoding="utf-8"?>
+<p:sld xmlns:a="http://schemas.openxmlformats.org/drawingml/2006/main" xmlns:r="http://schemas.openxmlformats.org/officeDocument/2006/relationships" xmlns:p="http://schemas.openxmlformats.org/presentationml/2006/main">
+  <p:cSld>
+    <p:spTree>
+      <p:nvGrpSpPr>
+        <p:cNvPr id="1" name="Shape 114"/>
+        <p:cNvGrpSpPr/>
+        <p:nvPr/>
+      </p:nvGrpSpPr>
+      <p:grpSpPr>
+        <a:xfrm>
+          <a:off x="0" y="0"/>
+          <a:ext cx="0" cy="0"/>
+          <a:chOff x="0" y="0"/>
+          <a:chExt cx="0" cy="0"/>
+        </a:xfrm>
+      </p:grpSpPr>
+      <p:sp>
+        <p:nvSpPr>
+          <p:cNvPr id="115" name="Shape 115"/>
+          <p:cNvSpPr txBox="1">
+            <a:spLocks noGrp="1"/>
+          </p:cNvSpPr>
+          <p:nvPr>
+            <p:ph type="title"/>
+          </p:nvPr>
+        </p:nvSpPr>
+        <p:spPr>
+          <a:xfrm>
+            <a:off x="311700" y="445025"/>
+            <a:ext cx="8520600" cy="572700"/>
+          </a:xfrm>
+          <a:prstGeom prst="rect">
+            <a:avLst/>
+          </a:prstGeom>
+        </p:spPr>
+        <p:txBody>
+          <a:bodyPr lIns="91425" tIns="91425" rIns="91425" bIns="91425" anchor="t" anchorCtr="0">
+            <a:noAutofit/>
+          </a:bodyPr>
+          <a:lstStyle/>
+          <a:p>
+            <a:pPr lvl="0">
+              <a:spcBef>
+                <a:spcPts val="0"/>
+              </a:spcBef>
+              <a:buNone/>
+            </a:pPr>
+            <a:r>
+              <a:rPr lang="en"/>
+              <a:t>Monoid</a:t>
+            </a:r>
+          </a:p>
+        </p:txBody>
+      </p:sp>
+      <p:sp>
+        <p:nvSpPr>
+          <p:cNvPr id="116" name="Shape 116"/>
+          <p:cNvSpPr txBox="1">
+            <a:spLocks noGrp="1"/>
+          </p:cNvSpPr>
+          <p:nvPr>
+            <p:ph type="body" idx="1"/>
+          </p:nvPr>
+        </p:nvSpPr>
+        <p:spPr>
+          <a:xfrm>
+            <a:off x="311700" y="1152475"/>
+            <a:ext cx="8520600" cy="3416400"/>
+          </a:xfrm>
+          <a:prstGeom prst="rect">
+            <a:avLst/>
+          </a:prstGeom>
+        </p:spPr>
+        <p:txBody>
+          <a:bodyPr lIns="91425" tIns="91425" rIns="91425" bIns="91425" anchor="t" anchorCtr="0">
+            <a:noAutofit/>
+          </a:bodyPr>
+          <a:lstStyle/>
+          <a:p>
+            <a:pPr lvl="0">
+              <a:spcBef>
+                <a:spcPts val="0"/>
+              </a:spcBef>
+              <a:buNone/>
+            </a:pPr>
+            <a:endParaRPr/>
+          </a:p>
+        </p:txBody>
+      </p:sp>
+    </p:spTree>
+  </p:cSld>
+  <p:clrMapOvr>
+    <a:masterClrMapping/>
+  </p:clrMapOvr>
+</p:sld>
+</file>
+
+<file path=ppt/slides/slide14.xml><?xml version="1.0" encoding="utf-8"?>
+<p:sld xmlns:a="http://schemas.openxmlformats.org/drawingml/2006/main" xmlns:r="http://schemas.openxmlformats.org/officeDocument/2006/relationships" xmlns:p="http://schemas.openxmlformats.org/presentationml/2006/main">
+  <p:cSld>
+    <p:spTree>
+      <p:nvGrpSpPr>
+        <p:cNvPr id="1" name="Shape 120"/>
         <p:cNvGrpSpPr/>
         <p:nvPr/>
       </p:nvGrpSpPr>
@@ -5391,7 +6159,9 @@
       <p:sp>
         <p:nvSpPr>
           <p:cNvPr id="121" name="Shape 121"/>
-          <p:cNvSpPr txBox="1"/>
+          <p:cNvSpPr txBox="1">
+            <a:spLocks noGrp="1"/>
+          </p:cNvSpPr>
           <p:nvPr>
             <p:ph type="title"/>
           </p:nvPr>
@@ -5406,7 +6176,7 @@
           </a:prstGeom>
         </p:spPr>
         <p:txBody>
-          <a:bodyPr anchorCtr="0" anchor="t" bIns="91425" lIns="91425" rIns="91425" tIns="91425">
+          <a:bodyPr lIns="91425" tIns="91425" rIns="91425" bIns="91425" anchor="t" anchorCtr="0">
             <a:noAutofit/>
           </a:bodyPr>
           <a:lstStyle/>
@@ -5427,9 +6197,11 @@
       <p:sp>
         <p:nvSpPr>
           <p:cNvPr id="122" name="Shape 122"/>
-          <p:cNvSpPr txBox="1"/>
+          <p:cNvSpPr txBox="1">
+            <a:spLocks noGrp="1"/>
+          </p:cNvSpPr>
           <p:nvPr>
-            <p:ph idx="1" type="body"/>
+            <p:ph type="body" idx="1"/>
           </p:nvPr>
         </p:nvSpPr>
         <p:spPr>
@@ -5442,7 +6214,7 @@
           </a:prstGeom>
         </p:spPr>
         <p:txBody>
-          <a:bodyPr anchorCtr="0" anchor="t" bIns="91425" lIns="91425" rIns="91425" tIns="91425">
+          <a:bodyPr lIns="91425" tIns="91425" rIns="91425" bIns="91425" anchor="t" anchorCtr="0">
             <a:noAutofit/>
           </a:bodyPr>
           <a:lstStyle/>
@@ -5453,9 +6225,6 @@
               </a:spcBef>
               <a:buNone/>
             </a:pPr>
-            <a:r>
-              <a:t/>
-            </a:r>
             <a:endParaRPr/>
           </a:p>
         </p:txBody>
@@ -5468,12 +6237,12 @@
 </p:sld>
 </file>
 
-<file path=ppt/slides/slide11.xml><?xml version="1.0" encoding="utf-8"?>
-<p:sld xmlns:a="http://schemas.openxmlformats.org/drawingml/2006/main" xmlns:r="http://schemas.openxmlformats.org/officeDocument/2006/relationships" xmlns:mc="http://schemas.openxmlformats.org/markup-compatibility/2006" xmlns:mv="urn:schemas-microsoft-com:mac:vml" xmlns:p="http://schemas.openxmlformats.org/presentationml/2006/main" xmlns:c="http://schemas.openxmlformats.org/drawingml/2006/chart" xmlns:dgm="http://schemas.openxmlformats.org/drawingml/2006/diagram" xmlns:o="urn:schemas-microsoft-com:office:office" xmlns:v="urn:schemas-microsoft-com:vml" xmlns:pvml="urn:schemas-microsoft-com:office:powerpoint" xmlns:com="http://schemas.openxmlformats.org/drawingml/2006/compatibility" xmlns:p14="http://schemas.microsoft.com/office/powerpoint/2010/main">
+<file path=ppt/slides/slide15.xml><?xml version="1.0" encoding="utf-8"?>
+<p:sld xmlns:a="http://schemas.openxmlformats.org/drawingml/2006/main" xmlns:r="http://schemas.openxmlformats.org/officeDocument/2006/relationships" xmlns:p="http://schemas.openxmlformats.org/presentationml/2006/main">
   <p:cSld>
     <p:spTree>
       <p:nvGrpSpPr>
-        <p:cNvPr id="126" name="Shape 126"/>
+        <p:cNvPr id="1" name="Shape 126"/>
         <p:cNvGrpSpPr/>
         <p:nvPr/>
       </p:nvGrpSpPr>
@@ -5488,7 +6257,9 @@
       <p:sp>
         <p:nvSpPr>
           <p:cNvPr id="127" name="Shape 127"/>
-          <p:cNvSpPr txBox="1"/>
+          <p:cNvSpPr txBox="1">
+            <a:spLocks noGrp="1"/>
+          </p:cNvSpPr>
           <p:nvPr>
             <p:ph type="title"/>
           </p:nvPr>
@@ -5503,7 +6274,7 @@
           </a:prstGeom>
         </p:spPr>
         <p:txBody>
-          <a:bodyPr anchorCtr="0" anchor="t" bIns="91425" lIns="91425" rIns="91425" tIns="91425">
+          <a:bodyPr lIns="91425" tIns="91425" rIns="91425" bIns="91425" anchor="t" anchorCtr="0">
             <a:noAutofit/>
           </a:bodyPr>
           <a:lstStyle/>
@@ -5514,9 +6285,6 @@
               </a:spcBef>
               <a:buNone/>
             </a:pPr>
-            <a:r>
-              <a:t/>
-            </a:r>
             <a:endParaRPr/>
           </a:p>
         </p:txBody>
@@ -5524,9 +6292,11 @@
       <p:sp>
         <p:nvSpPr>
           <p:cNvPr id="128" name="Shape 128"/>
-          <p:cNvSpPr txBox="1"/>
+          <p:cNvSpPr txBox="1">
+            <a:spLocks noGrp="1"/>
+          </p:cNvSpPr>
           <p:nvPr>
-            <p:ph idx="1" type="body"/>
+            <p:ph type="body" idx="1"/>
           </p:nvPr>
         </p:nvSpPr>
         <p:spPr>
@@ -5539,7 +6309,7 @@
           </a:prstGeom>
         </p:spPr>
         <p:txBody>
-          <a:bodyPr anchorCtr="0" anchor="t" bIns="91425" lIns="91425" rIns="91425" tIns="91425">
+          <a:bodyPr lIns="91425" tIns="91425" rIns="91425" bIns="91425" anchor="t" anchorCtr="0">
             <a:noAutofit/>
           </a:bodyPr>
           <a:lstStyle/>
@@ -5550,9 +6320,6 @@
               </a:spcBef>
               <a:buNone/>
             </a:pPr>
-            <a:r>
-              <a:t/>
-            </a:r>
             <a:endParaRPr/>
           </a:p>
         </p:txBody>
@@ -5566,11 +6333,11 @@
 </file>
 
 <file path=ppt/slides/slide2.xml><?xml version="1.0" encoding="utf-8"?>
-<p:sld xmlns:a="http://schemas.openxmlformats.org/drawingml/2006/main" xmlns:r="http://schemas.openxmlformats.org/officeDocument/2006/relationships" xmlns:mc="http://schemas.openxmlformats.org/markup-compatibility/2006" xmlns:mv="urn:schemas-microsoft-com:mac:vml" xmlns:p="http://schemas.openxmlformats.org/presentationml/2006/main" xmlns:c="http://schemas.openxmlformats.org/drawingml/2006/chart" xmlns:dgm="http://schemas.openxmlformats.org/drawingml/2006/diagram" xmlns:o="urn:schemas-microsoft-com:office:office" xmlns:v="urn:schemas-microsoft-com:vml" xmlns:pvml="urn:schemas-microsoft-com:office:powerpoint" xmlns:com="http://schemas.openxmlformats.org/drawingml/2006/compatibility" xmlns:p14="http://schemas.microsoft.com/office/powerpoint/2010/main">
+<p:sld xmlns:a="http://schemas.openxmlformats.org/drawingml/2006/main" xmlns:r="http://schemas.openxmlformats.org/officeDocument/2006/relationships" xmlns:p="http://schemas.openxmlformats.org/presentationml/2006/main">
   <p:cSld>
     <p:spTree>
       <p:nvGrpSpPr>
-        <p:cNvPr id="67" name="Shape 67"/>
+        <p:cNvPr id="1" name="Shape 67"/>
         <p:cNvGrpSpPr/>
         <p:nvPr/>
       </p:nvGrpSpPr>
@@ -5585,7 +6352,9 @@
       <p:sp>
         <p:nvSpPr>
           <p:cNvPr id="68" name="Shape 68"/>
-          <p:cNvSpPr txBox="1"/>
+          <p:cNvSpPr txBox="1">
+            <a:spLocks noGrp="1"/>
+          </p:cNvSpPr>
           <p:nvPr>
             <p:ph type="title"/>
           </p:nvPr>
@@ -5600,7 +6369,7 @@
           </a:prstGeom>
         </p:spPr>
         <p:txBody>
-          <a:bodyPr anchorCtr="0" anchor="t" bIns="91425" lIns="91425" rIns="91425" tIns="91425">
+          <a:bodyPr lIns="91425" tIns="91425" rIns="91425" bIns="91425" anchor="t" anchorCtr="0">
             <a:noAutofit/>
           </a:bodyPr>
           <a:lstStyle/>
@@ -5611,9 +6380,6 @@
               </a:spcBef>
               <a:buNone/>
             </a:pPr>
-            <a:r>
-              <a:t/>
-            </a:r>
             <a:endParaRPr/>
           </a:p>
         </p:txBody>
@@ -5621,9 +6387,11 @@
       <p:sp>
         <p:nvSpPr>
           <p:cNvPr id="69" name="Shape 69"/>
-          <p:cNvSpPr txBox="1"/>
+          <p:cNvSpPr txBox="1">
+            <a:spLocks noGrp="1"/>
+          </p:cNvSpPr>
           <p:nvPr>
-            <p:ph idx="1" type="body"/>
+            <p:ph type="body" idx="1"/>
           </p:nvPr>
         </p:nvSpPr>
         <p:spPr>
@@ -5636,7 +6404,7 @@
           </a:prstGeom>
         </p:spPr>
         <p:txBody>
-          <a:bodyPr anchorCtr="0" anchor="t" bIns="91425" lIns="91425" rIns="91425" tIns="91425">
+          <a:bodyPr lIns="91425" tIns="91425" rIns="91425" bIns="91425" anchor="t" anchorCtr="0">
             <a:noAutofit/>
           </a:bodyPr>
           <a:lstStyle/>
@@ -5647,16 +6415,13 @@
               </a:spcBef>
               <a:buNone/>
             </a:pPr>
-            <a:r>
-              <a:t/>
-            </a:r>
             <a:endParaRPr/>
           </a:p>
         </p:txBody>
       </p:sp>
       <p:pic>
         <p:nvPicPr>
-          <p:cNvPr descr="QvVio4id.jpeg" id="70" name="Shape 70"/>
+          <p:cNvPr id="70" name="Shape 70" descr="QvVio4id.jpeg"/>
           <p:cNvPicPr preferRelativeResize="0"/>
           <p:nvPr/>
         </p:nvPicPr>
@@ -5702,7 +6467,7 @@
           </a:ln>
         </p:spPr>
         <p:txBody>
-          <a:bodyPr anchorCtr="0" anchor="t" bIns="91425" lIns="91425" rIns="91425" tIns="91425">
+          <a:bodyPr lIns="91425" tIns="91425" rIns="91425" bIns="91425" anchor="t" anchorCtr="0">
             <a:noAutofit/>
           </a:bodyPr>
           <a:lstStyle/>
@@ -5714,7 +6479,7 @@
               <a:buNone/>
             </a:pPr>
             <a:r>
-              <a:rPr b="1" lang="en"/>
+              <a:rPr lang="en" b="1"/>
               <a:t>Shout out to Carlo Flores, RIP</a:t>
             </a:r>
           </a:p>
@@ -5729,11 +6494,696 @@
 </file>
 
 <file path=ppt/slides/slide3.xml><?xml version="1.0" encoding="utf-8"?>
-<p:sld xmlns:a="http://schemas.openxmlformats.org/drawingml/2006/main" xmlns:r="http://schemas.openxmlformats.org/officeDocument/2006/relationships" xmlns:mc="http://schemas.openxmlformats.org/markup-compatibility/2006" xmlns:mv="urn:schemas-microsoft-com:mac:vml" xmlns:p="http://schemas.openxmlformats.org/presentationml/2006/main" xmlns:c="http://schemas.openxmlformats.org/drawingml/2006/chart" xmlns:dgm="http://schemas.openxmlformats.org/drawingml/2006/diagram" xmlns:o="urn:schemas-microsoft-com:office:office" xmlns:v="urn:schemas-microsoft-com:vml" xmlns:pvml="urn:schemas-microsoft-com:office:powerpoint" xmlns:com="http://schemas.openxmlformats.org/drawingml/2006/compatibility" xmlns:p14="http://schemas.microsoft.com/office/powerpoint/2010/main">
+<p:sld xmlns:a="http://schemas.openxmlformats.org/drawingml/2006/main" xmlns:r="http://schemas.openxmlformats.org/officeDocument/2006/relationships" xmlns:p="http://schemas.openxmlformats.org/presentationml/2006/main">
   <p:cSld>
     <p:spTree>
       <p:nvGrpSpPr>
-        <p:cNvPr id="75" name="Shape 75"/>
+        <p:cNvPr id="1" name=""/>
+        <p:cNvGrpSpPr/>
+        <p:nvPr/>
+      </p:nvGrpSpPr>
+      <p:grpSpPr>
+        <a:xfrm>
+          <a:off x="0" y="0"/>
+          <a:ext cx="0" cy="0"/>
+          <a:chOff x="0" y="0"/>
+          <a:chExt cx="0" cy="0"/>
+        </a:xfrm>
+      </p:grpSpPr>
+      <p:sp>
+        <p:nvSpPr>
+          <p:cNvPr id="2" name="Title 1"/>
+          <p:cNvSpPr>
+            <a:spLocks noGrp="1"/>
+          </p:cNvSpPr>
+          <p:nvPr>
+            <p:ph type="title"/>
+          </p:nvPr>
+        </p:nvSpPr>
+        <p:spPr/>
+        <p:txBody>
+          <a:bodyPr/>
+          <a:lstStyle/>
+          <a:p>
+            <a:endParaRPr lang="en-US"/>
+          </a:p>
+        </p:txBody>
+      </p:sp>
+      <p:sp>
+        <p:nvSpPr>
+          <p:cNvPr id="3" name="Text Placeholder 2"/>
+          <p:cNvSpPr>
+            <a:spLocks noGrp="1"/>
+          </p:cNvSpPr>
+          <p:nvPr>
+            <p:ph type="body" idx="1"/>
+          </p:nvPr>
+        </p:nvSpPr>
+        <p:spPr/>
+        <p:txBody>
+          <a:bodyPr/>
+          <a:lstStyle/>
+          <a:p>
+            <a:endParaRPr lang="en-US" dirty="0"/>
+          </a:p>
+        </p:txBody>
+      </p:sp>
+      <p:pic>
+        <p:nvPicPr>
+          <p:cNvPr id="4" name="Picture 3"/>
+          <p:cNvPicPr>
+            <a:picLocks noChangeAspect="1"/>
+          </p:cNvPicPr>
+          <p:nvPr/>
+        </p:nvPicPr>
+        <p:blipFill>
+          <a:blip r:embed="rId2">
+            <a:extLst>
+              <a:ext uri="{28A0092B-C50C-407E-A947-70E740481C1C}">
+                <a14:useLocalDpi xmlns:a14="http://schemas.microsoft.com/office/drawing/2010/main" val="0"/>
+              </a:ext>
+            </a:extLst>
+          </a:blip>
+          <a:stretch>
+            <a:fillRect/>
+          </a:stretch>
+        </p:blipFill>
+        <p:spPr>
+          <a:xfrm>
+            <a:off x="3025596" y="227942"/>
+            <a:ext cx="2830673" cy="4596431"/>
+          </a:xfrm>
+          <a:prstGeom prst="rect">
+            <a:avLst/>
+          </a:prstGeom>
+        </p:spPr>
+      </p:pic>
+    </p:spTree>
+    <p:extLst>
+      <p:ext uri="{BB962C8B-B14F-4D97-AF65-F5344CB8AC3E}">
+        <p14:creationId xmlns:p14="http://schemas.microsoft.com/office/powerpoint/2010/main" val="1237733145"/>
+      </p:ext>
+    </p:extLst>
+  </p:cSld>
+  <p:clrMapOvr>
+    <a:masterClrMapping/>
+  </p:clrMapOvr>
+</p:sld>
+</file>
+
+<file path=ppt/slides/slide4.xml><?xml version="1.0" encoding="utf-8"?>
+<p:sld xmlns:a="http://schemas.openxmlformats.org/drawingml/2006/main" xmlns:r="http://schemas.openxmlformats.org/officeDocument/2006/relationships" xmlns:p="http://schemas.openxmlformats.org/presentationml/2006/main">
+  <p:cSld>
+    <p:spTree>
+      <p:nvGrpSpPr>
+        <p:cNvPr id="1" name=""/>
+        <p:cNvGrpSpPr/>
+        <p:nvPr/>
+      </p:nvGrpSpPr>
+      <p:grpSpPr>
+        <a:xfrm>
+          <a:off x="0" y="0"/>
+          <a:ext cx="0" cy="0"/>
+          <a:chOff x="0" y="0"/>
+          <a:chExt cx="0" cy="0"/>
+        </a:xfrm>
+      </p:grpSpPr>
+      <p:sp>
+        <p:nvSpPr>
+          <p:cNvPr id="2" name="Title 1"/>
+          <p:cNvSpPr>
+            <a:spLocks noGrp="1"/>
+          </p:cNvSpPr>
+          <p:nvPr>
+            <p:ph type="title"/>
+          </p:nvPr>
+        </p:nvSpPr>
+        <p:spPr/>
+        <p:txBody>
+          <a:bodyPr/>
+          <a:lstStyle/>
+          <a:p>
+            <a:endParaRPr lang="en-US"/>
+          </a:p>
+        </p:txBody>
+      </p:sp>
+      <p:sp>
+        <p:nvSpPr>
+          <p:cNvPr id="3" name="Text Placeholder 2"/>
+          <p:cNvSpPr>
+            <a:spLocks noGrp="1"/>
+          </p:cNvSpPr>
+          <p:nvPr>
+            <p:ph type="body" idx="1"/>
+          </p:nvPr>
+        </p:nvSpPr>
+        <p:spPr/>
+        <p:txBody>
+          <a:bodyPr/>
+          <a:lstStyle/>
+          <a:p>
+            <a:endParaRPr lang="en-US" dirty="0"/>
+          </a:p>
+        </p:txBody>
+      </p:sp>
+      <p:pic>
+        <p:nvPicPr>
+          <p:cNvPr id="5" name="Picture 4"/>
+          <p:cNvPicPr>
+            <a:picLocks noChangeAspect="1"/>
+          </p:cNvPicPr>
+          <p:nvPr/>
+        </p:nvPicPr>
+        <p:blipFill>
+          <a:blip r:embed="rId2">
+            <a:extLst>
+              <a:ext uri="{28A0092B-C50C-407E-A947-70E740481C1C}">
+                <a14:useLocalDpi xmlns:a14="http://schemas.microsoft.com/office/drawing/2010/main" val="0"/>
+              </a:ext>
+            </a:extLst>
+          </a:blip>
+          <a:stretch>
+            <a:fillRect/>
+          </a:stretch>
+        </p:blipFill>
+        <p:spPr>
+          <a:xfrm>
+            <a:off x="2825678" y="445025"/>
+            <a:ext cx="2794000" cy="3352800"/>
+          </a:xfrm>
+          <a:prstGeom prst="rect">
+            <a:avLst/>
+          </a:prstGeom>
+        </p:spPr>
+      </p:pic>
+    </p:spTree>
+    <p:extLst>
+      <p:ext uri="{BB962C8B-B14F-4D97-AF65-F5344CB8AC3E}">
+        <p14:creationId xmlns:p14="http://schemas.microsoft.com/office/powerpoint/2010/main" val="411938872"/>
+      </p:ext>
+    </p:extLst>
+  </p:cSld>
+  <p:clrMapOvr>
+    <a:masterClrMapping/>
+  </p:clrMapOvr>
+</p:sld>
+</file>
+
+<file path=ppt/slides/slide5.xml><?xml version="1.0" encoding="utf-8"?>
+<p:sld xmlns:a="http://schemas.openxmlformats.org/drawingml/2006/main" xmlns:r="http://schemas.openxmlformats.org/officeDocument/2006/relationships" xmlns:p="http://schemas.openxmlformats.org/presentationml/2006/main">
+  <p:cSld>
+    <p:spTree>
+      <p:nvGrpSpPr>
+        <p:cNvPr id="1" name=""/>
+        <p:cNvGrpSpPr/>
+        <p:nvPr/>
+      </p:nvGrpSpPr>
+      <p:grpSpPr>
+        <a:xfrm>
+          <a:off x="0" y="0"/>
+          <a:ext cx="0" cy="0"/>
+          <a:chOff x="0" y="0"/>
+          <a:chExt cx="0" cy="0"/>
+        </a:xfrm>
+      </p:grpSpPr>
+      <p:sp>
+        <p:nvSpPr>
+          <p:cNvPr id="2" name="Title 1"/>
+          <p:cNvSpPr>
+            <a:spLocks noGrp="1"/>
+          </p:cNvSpPr>
+          <p:nvPr>
+            <p:ph type="title"/>
+          </p:nvPr>
+        </p:nvSpPr>
+        <p:spPr/>
+        <p:txBody>
+          <a:bodyPr/>
+          <a:lstStyle/>
+          <a:p>
+            <a:r>
+              <a:rPr lang="en-US" dirty="0" smtClean="0"/>
+              <a:t>Why JavaScript is not Purely Functional</a:t>
+            </a:r>
+            <a:endParaRPr lang="en-US" dirty="0"/>
+          </a:p>
+        </p:txBody>
+      </p:sp>
+      <p:sp>
+        <p:nvSpPr>
+          <p:cNvPr id="3" name="Text Placeholder 2"/>
+          <p:cNvSpPr>
+            <a:spLocks noGrp="1"/>
+          </p:cNvSpPr>
+          <p:nvPr>
+            <p:ph type="body" idx="1"/>
+          </p:nvPr>
+        </p:nvSpPr>
+        <p:spPr>
+          <a:xfrm>
+            <a:off x="311699" y="1152475"/>
+            <a:ext cx="2945209" cy="3416400"/>
+          </a:xfrm>
+        </p:spPr>
+        <p:txBody>
+          <a:bodyPr/>
+          <a:lstStyle/>
+          <a:p>
+            <a:r>
+              <a:rPr lang="en-US" dirty="0" err="1"/>
+              <a:t>xs.map</a:t>
+            </a:r>
+            <a:r>
+              <a:rPr lang="en-US" dirty="0"/>
+              <a:t>(first).map(second) → </a:t>
+            </a:r>
+            <a:r>
+              <a:rPr lang="en-US" dirty="0" err="1"/>
+              <a:t>x.map</a:t>
+            </a:r>
+            <a:r>
+              <a:rPr lang="en-US" dirty="0"/>
+              <a:t>(function(x){ return second(first(x)); </a:t>
+            </a:r>
+            <a:r>
+              <a:rPr lang="en-US" dirty="0" smtClean="0"/>
+              <a:t>})</a:t>
+            </a:r>
+            <a:endParaRPr lang="en-US" dirty="0"/>
+          </a:p>
+          <a:p>
+            <a:r>
+              <a:rPr lang="en-US" dirty="0" err="1"/>
+              <a:t>var</a:t>
+            </a:r>
+            <a:r>
+              <a:rPr lang="en-US" dirty="0"/>
+              <a:t> state = 0; function first(</a:t>
+            </a:r>
+            <a:r>
+              <a:rPr lang="en-US" dirty="0" err="1"/>
+              <a:t>i</a:t>
+            </a:r>
+            <a:r>
+              <a:rPr lang="en-US" dirty="0"/>
+              <a:t>){ return state += </a:t>
+            </a:r>
+            <a:r>
+              <a:rPr lang="en-US" dirty="0" err="1"/>
+              <a:t>i</a:t>
+            </a:r>
+            <a:r>
+              <a:rPr lang="en-US" dirty="0"/>
+              <a:t>; } function second(</a:t>
+            </a:r>
+            <a:r>
+              <a:rPr lang="en-US" dirty="0" err="1"/>
+              <a:t>i</a:t>
+            </a:r>
+            <a:r>
+              <a:rPr lang="en-US" dirty="0"/>
+              <a:t>){ return </a:t>
+            </a:r>
+            <a:r>
+              <a:rPr lang="en-US" dirty="0" err="1"/>
+              <a:t>i</a:t>
+            </a:r>
+            <a:r>
+              <a:rPr lang="en-US" dirty="0"/>
+              <a:t> `mod` state; }</a:t>
+            </a:r>
+          </a:p>
+        </p:txBody>
+      </p:sp>
+      <p:sp>
+        <p:nvSpPr>
+          <p:cNvPr id="4" name="TextBox 3"/>
+          <p:cNvSpPr txBox="1"/>
+          <p:nvPr/>
+        </p:nvSpPr>
+        <p:spPr>
+          <a:xfrm>
+            <a:off x="3421294" y="1119883"/>
+            <a:ext cx="5411006" cy="2246769"/>
+          </a:xfrm>
+          <a:prstGeom prst="rect">
+            <a:avLst/>
+          </a:prstGeom>
+          <a:noFill/>
+        </p:spPr>
+        <p:txBody>
+          <a:bodyPr wrap="square" rtlCol="0">
+            <a:spAutoFit/>
+          </a:bodyPr>
+          <a:lstStyle/>
+          <a:p>
+            <a:pPr marL="285750" indent="-285750">
+              <a:buFont typeface="Wingdings" charset="2"/>
+              <a:buChar char="Ø"/>
+            </a:pPr>
+            <a:r>
+              <a:rPr lang="en-US" dirty="0" err="1" smtClean="0"/>
+              <a:t>var</a:t>
+            </a:r>
+            <a:r>
+              <a:rPr lang="en-US" dirty="0" smtClean="0"/>
+              <a:t> </a:t>
+            </a:r>
+            <a:r>
+              <a:rPr lang="en-US" dirty="0"/>
+              <a:t>state = 0; function first(</a:t>
+            </a:r>
+            <a:r>
+              <a:rPr lang="en-US" dirty="0" err="1"/>
+              <a:t>i</a:t>
+            </a:r>
+            <a:r>
+              <a:rPr lang="en-US" dirty="0"/>
+              <a:t>){ return state += </a:t>
+            </a:r>
+            <a:r>
+              <a:rPr lang="en-US" dirty="0" err="1"/>
+              <a:t>i</a:t>
+            </a:r>
+            <a:r>
+              <a:rPr lang="en-US" dirty="0"/>
+              <a:t>; } function second(</a:t>
+            </a:r>
+            <a:r>
+              <a:rPr lang="en-US" dirty="0" err="1"/>
+              <a:t>i</a:t>
+            </a:r>
+            <a:r>
+              <a:rPr lang="en-US" dirty="0"/>
+              <a:t>){ return </a:t>
+            </a:r>
+            <a:r>
+              <a:rPr lang="en-US" dirty="0" err="1"/>
+              <a:t>i</a:t>
+            </a:r>
+            <a:r>
+              <a:rPr lang="en-US" dirty="0"/>
+              <a:t> % state; } [1,2,3,4].map(first).map(second) </a:t>
+            </a:r>
+            <a:endParaRPr lang="en-US" dirty="0" smtClean="0"/>
+          </a:p>
+          <a:p>
+            <a:pPr marL="285750" indent="-285750">
+              <a:buFont typeface="Wingdings" charset="2"/>
+              <a:buChar char="Ø"/>
+            </a:pPr>
+            <a:r>
+              <a:rPr lang="en-US" dirty="0" smtClean="0"/>
+              <a:t>[</a:t>
+            </a:r>
+            <a:r>
+              <a:rPr lang="en-US" dirty="0"/>
+              <a:t>1, 3, 6, 0] </a:t>
+            </a:r>
+            <a:endParaRPr lang="en-US" dirty="0" smtClean="0"/>
+          </a:p>
+          <a:p>
+            <a:pPr marL="285750" indent="-285750">
+              <a:buFont typeface="Wingdings" charset="2"/>
+              <a:buChar char="Ø"/>
+            </a:pPr>
+            <a:endParaRPr lang="en-US" dirty="0"/>
+          </a:p>
+          <a:p>
+            <a:pPr marL="285750" indent="-285750">
+              <a:buFont typeface="Wingdings" charset="2"/>
+              <a:buChar char="Ø"/>
+            </a:pPr>
+            <a:endParaRPr lang="en-US" dirty="0" smtClean="0"/>
+          </a:p>
+          <a:p>
+            <a:pPr marL="285750" indent="-285750">
+              <a:buFont typeface="Wingdings" charset="2"/>
+              <a:buChar char="Ø"/>
+            </a:pPr>
+            <a:endParaRPr lang="en-US" dirty="0"/>
+          </a:p>
+          <a:p>
+            <a:pPr marL="285750" indent="-285750">
+              <a:buFont typeface="Wingdings" charset="2"/>
+              <a:buChar char="Ø"/>
+            </a:pPr>
+            <a:r>
+              <a:rPr lang="en-US" dirty="0" err="1" smtClean="0"/>
+              <a:t>var</a:t>
+            </a:r>
+            <a:r>
+              <a:rPr lang="en-US" dirty="0" smtClean="0"/>
+              <a:t> </a:t>
+            </a:r>
+            <a:r>
+              <a:rPr lang="en-US" dirty="0"/>
+              <a:t>state = 0; function first(</a:t>
+            </a:r>
+            <a:r>
+              <a:rPr lang="en-US" dirty="0" err="1"/>
+              <a:t>i</a:t>
+            </a:r>
+            <a:r>
+              <a:rPr lang="en-US" dirty="0"/>
+              <a:t>){ return state += </a:t>
+            </a:r>
+            <a:r>
+              <a:rPr lang="en-US" dirty="0" err="1"/>
+              <a:t>i</a:t>
+            </a:r>
+            <a:r>
+              <a:rPr lang="en-US" dirty="0"/>
+              <a:t>; } function second(</a:t>
+            </a:r>
+            <a:r>
+              <a:rPr lang="en-US" dirty="0" err="1"/>
+              <a:t>i</a:t>
+            </a:r>
+            <a:r>
+              <a:rPr lang="en-US" dirty="0"/>
+              <a:t>){ return </a:t>
+            </a:r>
+            <a:r>
+              <a:rPr lang="en-US" dirty="0" err="1"/>
+              <a:t>i</a:t>
+            </a:r>
+            <a:r>
+              <a:rPr lang="en-US" dirty="0"/>
+              <a:t> % state; } [1,2,3,4].map(function(x){ return second(first(x)); </a:t>
+            </a:r>
+            <a:r>
+              <a:rPr lang="en-US" dirty="0" smtClean="0"/>
+              <a:t>})</a:t>
+            </a:r>
+          </a:p>
+          <a:p>
+            <a:pPr marL="285750" indent="-285750">
+              <a:buFont typeface="Wingdings" charset="2"/>
+              <a:buChar char="Ø"/>
+            </a:pPr>
+            <a:r>
+              <a:rPr lang="en-US" dirty="0" smtClean="0"/>
+              <a:t>[</a:t>
+            </a:r>
+            <a:r>
+              <a:rPr lang="en-US" dirty="0"/>
+              <a:t>0, 0, 0, 0]</a:t>
+            </a:r>
+          </a:p>
+        </p:txBody>
+      </p:sp>
+    </p:spTree>
+    <p:extLst>
+      <p:ext uri="{BB962C8B-B14F-4D97-AF65-F5344CB8AC3E}">
+        <p14:creationId xmlns:p14="http://schemas.microsoft.com/office/powerpoint/2010/main" val="219512668"/>
+      </p:ext>
+    </p:extLst>
+  </p:cSld>
+  <p:clrMapOvr>
+    <a:masterClrMapping/>
+  </p:clrMapOvr>
+</p:sld>
+</file>
+
+<file path=ppt/slides/slide6.xml><?xml version="1.0" encoding="utf-8"?>
+<p:sld xmlns:a="http://schemas.openxmlformats.org/drawingml/2006/main" xmlns:r="http://schemas.openxmlformats.org/officeDocument/2006/relationships" xmlns:p="http://schemas.openxmlformats.org/presentationml/2006/main">
+  <p:cSld>
+    <p:spTree>
+      <p:nvGrpSpPr>
+        <p:cNvPr id="1" name=""/>
+        <p:cNvGrpSpPr/>
+        <p:nvPr/>
+      </p:nvGrpSpPr>
+      <p:grpSpPr>
+        <a:xfrm>
+          <a:off x="0" y="0"/>
+          <a:ext cx="0" cy="0"/>
+          <a:chOff x="0" y="0"/>
+          <a:chExt cx="0" cy="0"/>
+        </a:xfrm>
+      </p:grpSpPr>
+      <p:sp>
+        <p:nvSpPr>
+          <p:cNvPr id="2" name="Title 1"/>
+          <p:cNvSpPr>
+            <a:spLocks noGrp="1"/>
+          </p:cNvSpPr>
+          <p:nvPr>
+            <p:ph type="title"/>
+          </p:nvPr>
+        </p:nvSpPr>
+        <p:spPr/>
+        <p:txBody>
+          <a:bodyPr/>
+          <a:lstStyle/>
+          <a:p>
+            <a:r>
+              <a:rPr lang="en-US" dirty="0" smtClean="0"/>
+              <a:t>Imperative vs Functional</a:t>
+            </a:r>
+            <a:endParaRPr lang="en-US" dirty="0"/>
+          </a:p>
+        </p:txBody>
+      </p:sp>
+      <p:sp>
+        <p:nvSpPr>
+          <p:cNvPr id="3" name="Text Placeholder 2"/>
+          <p:cNvSpPr>
+            <a:spLocks noGrp="1"/>
+          </p:cNvSpPr>
+          <p:nvPr>
+            <p:ph type="body" idx="1"/>
+          </p:nvPr>
+        </p:nvSpPr>
+        <p:spPr>
+          <a:xfrm>
+            <a:off x="311700" y="1152475"/>
+            <a:ext cx="3428093" cy="3416400"/>
+          </a:xfrm>
+        </p:spPr>
+        <p:txBody>
+          <a:bodyPr/>
+          <a:lstStyle/>
+          <a:p>
+            <a:r>
+              <a:rPr lang="en-US" dirty="0"/>
+              <a:t>(define (factorial n)(define (</a:t>
+            </a:r>
+            <a:r>
+              <a:rPr lang="en-US" dirty="0" err="1"/>
+              <a:t>iter</a:t>
+            </a:r>
+            <a:r>
+              <a:rPr lang="en-US" dirty="0"/>
+              <a:t> product counter)(if (&gt; counter n)product(</a:t>
+            </a:r>
+            <a:r>
+              <a:rPr lang="en-US" dirty="0" err="1"/>
+              <a:t>iter</a:t>
+            </a:r>
+            <a:r>
+              <a:rPr lang="en-US" dirty="0"/>
+              <a:t> (* counter product)(+ counter 1))))(</a:t>
+            </a:r>
+            <a:r>
+              <a:rPr lang="en-US" dirty="0" err="1"/>
+              <a:t>iter</a:t>
+            </a:r>
+            <a:r>
+              <a:rPr lang="en-US" dirty="0"/>
+              <a:t> 1 1))</a:t>
+            </a:r>
+          </a:p>
+        </p:txBody>
+      </p:sp>
+      <p:sp>
+        <p:nvSpPr>
+          <p:cNvPr id="4" name="TextBox 3"/>
+          <p:cNvSpPr txBox="1"/>
+          <p:nvPr/>
+        </p:nvSpPr>
+        <p:spPr>
+          <a:xfrm>
+            <a:off x="4274049" y="1304818"/>
+            <a:ext cx="4479533" cy="2031325"/>
+          </a:xfrm>
+          <a:prstGeom prst="rect">
+            <a:avLst/>
+          </a:prstGeom>
+          <a:noFill/>
+        </p:spPr>
+        <p:txBody>
+          <a:bodyPr wrap="square" rtlCol="0">
+            <a:spAutoFit/>
+          </a:bodyPr>
+          <a:lstStyle/>
+          <a:p>
+            <a:r>
+              <a:rPr lang="en-US" dirty="0"/>
+              <a:t>(define (factorial n)(let ((product 1)(counter 1))(define (</a:t>
+            </a:r>
+            <a:r>
+              <a:rPr lang="en-US" dirty="0" err="1"/>
+              <a:t>iter</a:t>
+            </a:r>
+            <a:r>
+              <a:rPr lang="en-US" dirty="0"/>
+              <a:t>)(if (&gt; counter n)product(begin (set! product (* counter product))(set! counter (+ counter 1))(</a:t>
+            </a:r>
+            <a:r>
+              <a:rPr lang="en-US" dirty="0" err="1"/>
+              <a:t>iter</a:t>
+            </a:r>
+            <a:r>
+              <a:rPr lang="en-US" dirty="0"/>
+              <a:t>))))(</a:t>
+            </a:r>
+            <a:r>
+              <a:rPr lang="en-US" dirty="0" err="1"/>
+              <a:t>iter</a:t>
+            </a:r>
+            <a:r>
+              <a:rPr lang="en-US" dirty="0" smtClean="0"/>
+              <a:t>)))</a:t>
+            </a:r>
+          </a:p>
+          <a:p>
+            <a:endParaRPr lang="en-US" dirty="0"/>
+          </a:p>
+          <a:p>
+            <a:endParaRPr lang="en-US" dirty="0" smtClean="0"/>
+          </a:p>
+          <a:p>
+            <a:endParaRPr lang="en-US" dirty="0"/>
+          </a:p>
+          <a:p>
+            <a:r>
+              <a:rPr lang="en-US" dirty="0"/>
+              <a:t>(set! counter (+ counter 1))(set! product (* counter product))</a:t>
+            </a:r>
+          </a:p>
+        </p:txBody>
+      </p:sp>
+    </p:spTree>
+    <p:extLst>
+      <p:ext uri="{BB962C8B-B14F-4D97-AF65-F5344CB8AC3E}">
+        <p14:creationId xmlns:p14="http://schemas.microsoft.com/office/powerpoint/2010/main" val="156067456"/>
+      </p:ext>
+    </p:extLst>
+  </p:cSld>
+  <p:clrMapOvr>
+    <a:masterClrMapping/>
+  </p:clrMapOvr>
+</p:sld>
+</file>
+
+<file path=ppt/slides/slide7.xml><?xml version="1.0" encoding="utf-8"?>
+<p:sld xmlns:a="http://schemas.openxmlformats.org/drawingml/2006/main" xmlns:r="http://schemas.openxmlformats.org/officeDocument/2006/relationships" xmlns:p="http://schemas.openxmlformats.org/presentationml/2006/main">
+  <p:cSld>
+    <p:spTree>
+      <p:nvGrpSpPr>
+        <p:cNvPr id="1" name="Shape 75"/>
         <p:cNvGrpSpPr/>
         <p:nvPr/>
       </p:nvGrpSpPr>
@@ -5748,7 +7198,9 @@
       <p:sp>
         <p:nvSpPr>
           <p:cNvPr id="76" name="Shape 76"/>
-          <p:cNvSpPr txBox="1"/>
+          <p:cNvSpPr txBox="1">
+            <a:spLocks noGrp="1"/>
+          </p:cNvSpPr>
           <p:nvPr>
             <p:ph type="title"/>
           </p:nvPr>
@@ -5763,7 +7215,7 @@
           </a:prstGeom>
         </p:spPr>
         <p:txBody>
-          <a:bodyPr anchorCtr="0" anchor="t" bIns="91425" lIns="91425" rIns="91425" tIns="91425">
+          <a:bodyPr lIns="91425" tIns="91425" rIns="91425" bIns="91425" anchor="t" anchorCtr="0">
             <a:noAutofit/>
           </a:bodyPr>
           <a:lstStyle/>
@@ -5784,9 +7236,11 @@
       <p:sp>
         <p:nvSpPr>
           <p:cNvPr id="77" name="Shape 77"/>
-          <p:cNvSpPr txBox="1"/>
+          <p:cNvSpPr txBox="1">
+            <a:spLocks noGrp="1"/>
+          </p:cNvSpPr>
           <p:nvPr>
-            <p:ph idx="1" type="body"/>
+            <p:ph type="body" idx="1"/>
           </p:nvPr>
         </p:nvSpPr>
         <p:spPr>
@@ -5799,7 +7253,7 @@
           </a:prstGeom>
         </p:spPr>
         <p:txBody>
-          <a:bodyPr anchorCtr="0" anchor="t" bIns="91425" lIns="91425" rIns="91425" tIns="91425">
+          <a:bodyPr lIns="91425" tIns="91425" rIns="91425" bIns="91425" anchor="t" anchorCtr="0">
             <a:noAutofit/>
           </a:bodyPr>
           <a:lstStyle/>
@@ -5903,6 +7357,21 @@
               </a:spcAft>
               <a:buNone/>
             </a:pPr>
+            <a:r>
+              <a:rPr lang="en" sz="600">
+                <a:solidFill>
+                  <a:srgbClr val="24292E"/>
+                </a:solidFill>
+                <a:highlight>
+                  <a:srgbClr val="FFFFFF"/>
+                </a:highlight>
+                <a:latin typeface="Consolas"/>
+                <a:ea typeface="Consolas"/>
+                <a:cs typeface="Consolas"/>
+                <a:sym typeface="Consolas"/>
+              </a:rPr>
+              <a:t/>
+            </a:r>
             <a:br>
               <a:rPr lang="en" sz="600">
                 <a:solidFill>
@@ -5917,6 +7386,18 @@
                 <a:sym typeface="Consolas"/>
               </a:rPr>
             </a:br>
+            <a:endParaRPr lang="en" sz="600">
+              <a:solidFill>
+                <a:srgbClr val="24292E"/>
+              </a:solidFill>
+              <a:highlight>
+                <a:srgbClr val="FFFFFF"/>
+              </a:highlight>
+              <a:latin typeface="Consolas"/>
+              <a:ea typeface="Consolas"/>
+              <a:cs typeface="Consolas"/>
+              <a:sym typeface="Consolas"/>
+            </a:endParaRPr>
           </a:p>
           <a:p>
             <a:pPr lvl="0" rtl="0">
@@ -5960,6 +7441,21 @@
               </a:spcAft>
               <a:buNone/>
             </a:pPr>
+            <a:r>
+              <a:rPr lang="en" sz="600">
+                <a:solidFill>
+                  <a:srgbClr val="24292E"/>
+                </a:solidFill>
+                <a:highlight>
+                  <a:srgbClr val="FFFFFF"/>
+                </a:highlight>
+                <a:latin typeface="Consolas"/>
+                <a:ea typeface="Consolas"/>
+                <a:cs typeface="Consolas"/>
+                <a:sym typeface="Consolas"/>
+              </a:rPr>
+              <a:t/>
+            </a:r>
             <a:br>
               <a:rPr lang="en" sz="600">
                 <a:solidFill>
@@ -5974,6 +7470,18 @@
                 <a:sym typeface="Consolas"/>
               </a:rPr>
             </a:br>
+            <a:endParaRPr lang="en" sz="600">
+              <a:solidFill>
+                <a:srgbClr val="24292E"/>
+              </a:solidFill>
+              <a:highlight>
+                <a:srgbClr val="FFFFFF"/>
+              </a:highlight>
+              <a:latin typeface="Consolas"/>
+              <a:ea typeface="Consolas"/>
+              <a:cs typeface="Consolas"/>
+              <a:sym typeface="Consolas"/>
+            </a:endParaRPr>
           </a:p>
           <a:p>
             <a:pPr lvl="0" rtl="0">
@@ -6075,6 +7583,21 @@
               </a:spcAft>
               <a:buNone/>
             </a:pPr>
+            <a:r>
+              <a:rPr lang="en" sz="600">
+                <a:solidFill>
+                  <a:srgbClr val="24292E"/>
+                </a:solidFill>
+                <a:highlight>
+                  <a:srgbClr val="FFFFFF"/>
+                </a:highlight>
+                <a:latin typeface="Consolas"/>
+                <a:ea typeface="Consolas"/>
+                <a:cs typeface="Consolas"/>
+                <a:sym typeface="Consolas"/>
+              </a:rPr>
+              <a:t/>
+            </a:r>
             <a:br>
               <a:rPr lang="en" sz="600">
                 <a:solidFill>
@@ -6089,6 +7612,18 @@
                 <a:sym typeface="Consolas"/>
               </a:rPr>
             </a:br>
+            <a:endParaRPr lang="en" sz="600">
+              <a:solidFill>
+                <a:srgbClr val="24292E"/>
+              </a:solidFill>
+              <a:highlight>
+                <a:srgbClr val="FFFFFF"/>
+              </a:highlight>
+              <a:latin typeface="Consolas"/>
+              <a:ea typeface="Consolas"/>
+              <a:cs typeface="Consolas"/>
+              <a:sym typeface="Consolas"/>
+            </a:endParaRPr>
           </a:p>
           <a:p>
             <a:pPr lvl="0" rtl="0">
@@ -6190,6 +7725,21 @@
               </a:spcAft>
               <a:buNone/>
             </a:pPr>
+            <a:r>
+              <a:rPr lang="en" sz="600">
+                <a:solidFill>
+                  <a:srgbClr val="24292E"/>
+                </a:solidFill>
+                <a:highlight>
+                  <a:srgbClr val="FFFFFF"/>
+                </a:highlight>
+                <a:latin typeface="Consolas"/>
+                <a:ea typeface="Consolas"/>
+                <a:cs typeface="Consolas"/>
+                <a:sym typeface="Consolas"/>
+              </a:rPr>
+              <a:t/>
+            </a:r>
             <a:br>
               <a:rPr lang="en" sz="600">
                 <a:solidFill>
@@ -6204,6 +7754,18 @@
                 <a:sym typeface="Consolas"/>
               </a:rPr>
             </a:br>
+            <a:endParaRPr lang="en" sz="600">
+              <a:solidFill>
+                <a:srgbClr val="24292E"/>
+              </a:solidFill>
+              <a:highlight>
+                <a:srgbClr val="FFFFFF"/>
+              </a:highlight>
+              <a:latin typeface="Consolas"/>
+              <a:ea typeface="Consolas"/>
+              <a:cs typeface="Consolas"/>
+              <a:sym typeface="Consolas"/>
+            </a:endParaRPr>
           </a:p>
           <a:p>
             <a:pPr lvl="0" rtl="0">
@@ -6276,6 +7838,21 @@
               </a:spcAft>
               <a:buNone/>
             </a:pPr>
+            <a:r>
+              <a:rPr lang="en" sz="600">
+                <a:solidFill>
+                  <a:srgbClr val="24292E"/>
+                </a:solidFill>
+                <a:highlight>
+                  <a:srgbClr val="FFFFFF"/>
+                </a:highlight>
+                <a:latin typeface="Consolas"/>
+                <a:ea typeface="Consolas"/>
+                <a:cs typeface="Consolas"/>
+                <a:sym typeface="Consolas"/>
+              </a:rPr>
+              <a:t/>
+            </a:r>
             <a:br>
               <a:rPr lang="en" sz="600">
                 <a:solidFill>
@@ -6290,6 +7867,18 @@
                 <a:sym typeface="Consolas"/>
               </a:rPr>
             </a:br>
+            <a:endParaRPr lang="en" sz="600">
+              <a:solidFill>
+                <a:srgbClr val="24292E"/>
+              </a:solidFill>
+              <a:highlight>
+                <a:srgbClr val="FFFFFF"/>
+              </a:highlight>
+              <a:latin typeface="Consolas"/>
+              <a:ea typeface="Consolas"/>
+              <a:cs typeface="Consolas"/>
+              <a:sym typeface="Consolas"/>
+            </a:endParaRPr>
           </a:p>
           <a:p>
             <a:pPr lvl="0" rtl="0">
@@ -6400,7 +7989,7 @@
           </a:ln>
         </p:spPr>
         <p:txBody>
-          <a:bodyPr anchorCtr="0" anchor="t" bIns="91425" lIns="91425" rIns="91425" tIns="91425">
+          <a:bodyPr lIns="91425" tIns="91425" rIns="91425" bIns="91425" anchor="t" anchorCtr="0">
             <a:noAutofit/>
           </a:bodyPr>
           <a:lstStyle/>
@@ -6518,6 +8107,21 @@
               </a:spcBef>
               <a:buNone/>
             </a:pPr>
+            <a:r>
+              <a:rPr lang="en" sz="600">
+                <a:solidFill>
+                  <a:srgbClr val="24292E"/>
+                </a:solidFill>
+                <a:highlight>
+                  <a:srgbClr val="FFFFFF"/>
+                </a:highlight>
+                <a:latin typeface="Consolas"/>
+                <a:ea typeface="Consolas"/>
+                <a:cs typeface="Consolas"/>
+                <a:sym typeface="Consolas"/>
+              </a:rPr>
+              <a:t/>
+            </a:r>
             <a:br>
               <a:rPr lang="en" sz="600">
                 <a:solidFill>
@@ -6532,6 +8136,18 @@
                 <a:sym typeface="Consolas"/>
               </a:rPr>
             </a:br>
+            <a:endParaRPr lang="en" sz="600">
+              <a:solidFill>
+                <a:srgbClr val="24292E"/>
+              </a:solidFill>
+              <a:highlight>
+                <a:srgbClr val="FFFFFF"/>
+              </a:highlight>
+              <a:latin typeface="Consolas"/>
+              <a:ea typeface="Consolas"/>
+              <a:cs typeface="Consolas"/>
+              <a:sym typeface="Consolas"/>
+            </a:endParaRPr>
           </a:p>
           <a:p>
             <a:pPr lvl="0" rtl="0">
@@ -6855,6 +8471,21 @@
               </a:spcBef>
               <a:buNone/>
             </a:pPr>
+            <a:r>
+              <a:rPr lang="en" sz="600">
+                <a:solidFill>
+                  <a:srgbClr val="24292E"/>
+                </a:solidFill>
+                <a:highlight>
+                  <a:srgbClr val="FFFFFF"/>
+                </a:highlight>
+                <a:latin typeface="Consolas"/>
+                <a:ea typeface="Consolas"/>
+                <a:cs typeface="Consolas"/>
+                <a:sym typeface="Consolas"/>
+              </a:rPr>
+              <a:t/>
+            </a:r>
             <a:br>
               <a:rPr lang="en" sz="600">
                 <a:solidFill>
@@ -6869,6 +8500,18 @@
                 <a:sym typeface="Consolas"/>
               </a:rPr>
             </a:br>
+            <a:endParaRPr lang="en" sz="600">
+              <a:solidFill>
+                <a:srgbClr val="24292E"/>
+              </a:solidFill>
+              <a:highlight>
+                <a:srgbClr val="FFFFFF"/>
+              </a:highlight>
+              <a:latin typeface="Consolas"/>
+              <a:ea typeface="Consolas"/>
+              <a:cs typeface="Consolas"/>
+              <a:sym typeface="Consolas"/>
+            </a:endParaRPr>
           </a:p>
           <a:p>
             <a:pPr lvl="0" rtl="0">
@@ -6906,6 +8549,21 @@
               </a:spcBef>
               <a:buNone/>
             </a:pPr>
+            <a:r>
+              <a:rPr lang="en" sz="600">
+                <a:solidFill>
+                  <a:srgbClr val="24292E"/>
+                </a:solidFill>
+                <a:highlight>
+                  <a:srgbClr val="FFFFFF"/>
+                </a:highlight>
+                <a:latin typeface="Consolas"/>
+                <a:ea typeface="Consolas"/>
+                <a:cs typeface="Consolas"/>
+                <a:sym typeface="Consolas"/>
+              </a:rPr>
+              <a:t/>
+            </a:r>
             <a:br>
               <a:rPr lang="en" sz="600">
                 <a:solidFill>
@@ -6920,6 +8578,18 @@
                 <a:sym typeface="Consolas"/>
               </a:rPr>
             </a:br>
+            <a:endParaRPr lang="en" sz="600">
+              <a:solidFill>
+                <a:srgbClr val="24292E"/>
+              </a:solidFill>
+              <a:highlight>
+                <a:srgbClr val="FFFFFF"/>
+              </a:highlight>
+              <a:latin typeface="Consolas"/>
+              <a:ea typeface="Consolas"/>
+              <a:cs typeface="Consolas"/>
+              <a:sym typeface="Consolas"/>
+            </a:endParaRPr>
           </a:p>
           <a:p>
             <a:pPr lvl="0" rtl="0">
@@ -7088,6 +8758,21 @@
               </a:spcBef>
               <a:buNone/>
             </a:pPr>
+            <a:r>
+              <a:rPr lang="en" sz="600">
+                <a:solidFill>
+                  <a:srgbClr val="24292E"/>
+                </a:solidFill>
+                <a:highlight>
+                  <a:srgbClr val="FFFFFF"/>
+                </a:highlight>
+                <a:latin typeface="Consolas"/>
+                <a:ea typeface="Consolas"/>
+                <a:cs typeface="Consolas"/>
+                <a:sym typeface="Consolas"/>
+              </a:rPr>
+              <a:t/>
+            </a:r>
             <a:br>
               <a:rPr lang="en" sz="600">
                 <a:solidFill>
@@ -7102,6 +8787,18 @@
                 <a:sym typeface="Consolas"/>
               </a:rPr>
             </a:br>
+            <a:endParaRPr lang="en" sz="600">
+              <a:solidFill>
+                <a:srgbClr val="24292E"/>
+              </a:solidFill>
+              <a:highlight>
+                <a:srgbClr val="FFFFFF"/>
+              </a:highlight>
+              <a:latin typeface="Consolas"/>
+              <a:ea typeface="Consolas"/>
+              <a:cs typeface="Consolas"/>
+              <a:sym typeface="Consolas"/>
+            </a:endParaRPr>
           </a:p>
           <a:p>
             <a:pPr lvl="0" rtl="0">
@@ -7165,6 +8862,21 @@
               </a:spcBef>
               <a:buNone/>
             </a:pPr>
+            <a:r>
+              <a:rPr lang="en" sz="600">
+                <a:solidFill>
+                  <a:srgbClr val="24292E"/>
+                </a:solidFill>
+                <a:highlight>
+                  <a:srgbClr val="FFFFFF"/>
+                </a:highlight>
+                <a:latin typeface="Consolas"/>
+                <a:ea typeface="Consolas"/>
+                <a:cs typeface="Consolas"/>
+                <a:sym typeface="Consolas"/>
+              </a:rPr>
+              <a:t/>
+            </a:r>
             <a:br>
               <a:rPr lang="en" sz="600">
                 <a:solidFill>
@@ -7179,6 +8891,18 @@
                 <a:sym typeface="Consolas"/>
               </a:rPr>
             </a:br>
+            <a:endParaRPr lang="en" sz="600">
+              <a:solidFill>
+                <a:srgbClr val="24292E"/>
+              </a:solidFill>
+              <a:highlight>
+                <a:srgbClr val="FFFFFF"/>
+              </a:highlight>
+              <a:latin typeface="Consolas"/>
+              <a:ea typeface="Consolas"/>
+              <a:cs typeface="Consolas"/>
+              <a:sym typeface="Consolas"/>
+            </a:endParaRPr>
           </a:p>
           <a:p>
             <a:pPr lvl="0" rtl="0">
@@ -7512,12 +9236,12 @@
 </p:sld>
 </file>
 
-<file path=ppt/slides/slide4.xml><?xml version="1.0" encoding="utf-8"?>
-<p:sld xmlns:a="http://schemas.openxmlformats.org/drawingml/2006/main" xmlns:r="http://schemas.openxmlformats.org/officeDocument/2006/relationships" xmlns:mc="http://schemas.openxmlformats.org/markup-compatibility/2006" xmlns:mv="urn:schemas-microsoft-com:mac:vml" xmlns:p="http://schemas.openxmlformats.org/presentationml/2006/main" xmlns:c="http://schemas.openxmlformats.org/drawingml/2006/chart" xmlns:dgm="http://schemas.openxmlformats.org/drawingml/2006/diagram" xmlns:o="urn:schemas-microsoft-com:office:office" xmlns:v="urn:schemas-microsoft-com:vml" xmlns:pvml="urn:schemas-microsoft-com:office:powerpoint" xmlns:com="http://schemas.openxmlformats.org/drawingml/2006/compatibility" xmlns:p14="http://schemas.microsoft.com/office/powerpoint/2010/main">
+<file path=ppt/slides/slide8.xml><?xml version="1.0" encoding="utf-8"?>
+<p:sld xmlns:a="http://schemas.openxmlformats.org/drawingml/2006/main" xmlns:r="http://schemas.openxmlformats.org/officeDocument/2006/relationships" xmlns:p="http://schemas.openxmlformats.org/presentationml/2006/main">
   <p:cSld>
     <p:spTree>
       <p:nvGrpSpPr>
-        <p:cNvPr id="82" name="Shape 82"/>
+        <p:cNvPr id="1" name="Shape 82"/>
         <p:cNvGrpSpPr/>
         <p:nvPr/>
       </p:nvGrpSpPr>
@@ -7532,7 +9256,9 @@
       <p:sp>
         <p:nvSpPr>
           <p:cNvPr id="83" name="Shape 83"/>
-          <p:cNvSpPr txBox="1"/>
+          <p:cNvSpPr txBox="1">
+            <a:spLocks noGrp="1"/>
+          </p:cNvSpPr>
           <p:nvPr>
             <p:ph type="title"/>
           </p:nvPr>
@@ -7547,7 +9273,7 @@
           </a:prstGeom>
         </p:spPr>
         <p:txBody>
-          <a:bodyPr anchorCtr="0" anchor="t" bIns="91425" lIns="91425" rIns="91425" tIns="91425">
+          <a:bodyPr lIns="91425" tIns="91425" rIns="91425" bIns="91425" anchor="t" anchorCtr="0">
             <a:noAutofit/>
           </a:bodyPr>
           <a:lstStyle/>
@@ -7558,9 +9284,6 @@
               </a:spcBef>
               <a:buNone/>
             </a:pPr>
-            <a:r>
-              <a:t/>
-            </a:r>
             <a:endParaRPr/>
           </a:p>
         </p:txBody>
@@ -7568,9 +9291,11 @@
       <p:sp>
         <p:nvSpPr>
           <p:cNvPr id="84" name="Shape 84"/>
-          <p:cNvSpPr txBox="1"/>
+          <p:cNvSpPr txBox="1">
+            <a:spLocks noGrp="1"/>
+          </p:cNvSpPr>
           <p:nvPr>
-            <p:ph idx="1" type="body"/>
+            <p:ph type="body" idx="1"/>
           </p:nvPr>
         </p:nvSpPr>
         <p:spPr>
@@ -7583,7 +9308,7 @@
           </a:prstGeom>
         </p:spPr>
         <p:txBody>
-          <a:bodyPr anchorCtr="0" anchor="t" bIns="91425" lIns="91425" rIns="91425" tIns="91425">
+          <a:bodyPr lIns="91425" tIns="91425" rIns="91425" bIns="91425" anchor="t" anchorCtr="0">
             <a:noAutofit/>
           </a:bodyPr>
           <a:lstStyle/>
@@ -7629,6 +9354,21 @@
               </a:spcAft>
               <a:buNone/>
             </a:pPr>
+            <a:r>
+              <a:rPr lang="en" sz="600">
+                <a:solidFill>
+                  <a:srgbClr val="24292E"/>
+                </a:solidFill>
+                <a:highlight>
+                  <a:srgbClr val="FFFFFF"/>
+                </a:highlight>
+                <a:latin typeface="Consolas"/>
+                <a:ea typeface="Consolas"/>
+                <a:cs typeface="Consolas"/>
+                <a:sym typeface="Consolas"/>
+              </a:rPr>
+              <a:t/>
+            </a:r>
             <a:br>
               <a:rPr lang="en" sz="600">
                 <a:solidFill>
@@ -7643,6 +9383,18 @@
                 <a:sym typeface="Consolas"/>
               </a:rPr>
             </a:br>
+            <a:endParaRPr lang="en" sz="600">
+              <a:solidFill>
+                <a:srgbClr val="24292E"/>
+              </a:solidFill>
+              <a:highlight>
+                <a:srgbClr val="FFFFFF"/>
+              </a:highlight>
+              <a:latin typeface="Consolas"/>
+              <a:ea typeface="Consolas"/>
+              <a:cs typeface="Consolas"/>
+              <a:sym typeface="Consolas"/>
+            </a:endParaRPr>
           </a:p>
           <a:p>
             <a:pPr lvl="0" rtl="0">
@@ -7776,6 +9528,21 @@
               </a:spcAft>
               <a:buNone/>
             </a:pPr>
+            <a:r>
+              <a:rPr lang="en" sz="600">
+                <a:solidFill>
+                  <a:srgbClr val="24292E"/>
+                </a:solidFill>
+                <a:highlight>
+                  <a:srgbClr val="FFFFFF"/>
+                </a:highlight>
+                <a:latin typeface="Consolas"/>
+                <a:ea typeface="Consolas"/>
+                <a:cs typeface="Consolas"/>
+                <a:sym typeface="Consolas"/>
+              </a:rPr>
+              <a:t/>
+            </a:r>
             <a:br>
               <a:rPr lang="en" sz="600">
                 <a:solidFill>
@@ -7790,6 +9557,18 @@
                 <a:sym typeface="Consolas"/>
               </a:rPr>
             </a:br>
+            <a:endParaRPr lang="en" sz="600">
+              <a:solidFill>
+                <a:srgbClr val="24292E"/>
+              </a:solidFill>
+              <a:highlight>
+                <a:srgbClr val="FFFFFF"/>
+              </a:highlight>
+              <a:latin typeface="Consolas"/>
+              <a:ea typeface="Consolas"/>
+              <a:cs typeface="Consolas"/>
+              <a:sym typeface="Consolas"/>
+            </a:endParaRPr>
           </a:p>
           <a:p>
             <a:pPr lvl="0" rtl="0">
@@ -7833,6 +9612,21 @@
               </a:spcAft>
               <a:buNone/>
             </a:pPr>
+            <a:r>
+              <a:rPr lang="en" sz="600">
+                <a:solidFill>
+                  <a:srgbClr val="24292E"/>
+                </a:solidFill>
+                <a:highlight>
+                  <a:srgbClr val="FFFFFF"/>
+                </a:highlight>
+                <a:latin typeface="Consolas"/>
+                <a:ea typeface="Consolas"/>
+                <a:cs typeface="Consolas"/>
+                <a:sym typeface="Consolas"/>
+              </a:rPr>
+              <a:t/>
+            </a:r>
             <a:br>
               <a:rPr lang="en" sz="600">
                 <a:solidFill>
@@ -7847,6 +9641,18 @@
                 <a:sym typeface="Consolas"/>
               </a:rPr>
             </a:br>
+            <a:endParaRPr lang="en" sz="600">
+              <a:solidFill>
+                <a:srgbClr val="24292E"/>
+              </a:solidFill>
+              <a:highlight>
+                <a:srgbClr val="FFFFFF"/>
+              </a:highlight>
+              <a:latin typeface="Consolas"/>
+              <a:ea typeface="Consolas"/>
+              <a:cs typeface="Consolas"/>
+              <a:sym typeface="Consolas"/>
+            </a:endParaRPr>
           </a:p>
           <a:p>
             <a:pPr lvl="0" rtl="0">
@@ -8010,6 +9816,21 @@
               </a:spcAft>
               <a:buNone/>
             </a:pPr>
+            <a:r>
+              <a:rPr lang="en" sz="600">
+                <a:solidFill>
+                  <a:srgbClr val="24292E"/>
+                </a:solidFill>
+                <a:highlight>
+                  <a:srgbClr val="FFFFFF"/>
+                </a:highlight>
+                <a:latin typeface="Consolas"/>
+                <a:ea typeface="Consolas"/>
+                <a:cs typeface="Consolas"/>
+                <a:sym typeface="Consolas"/>
+              </a:rPr>
+              <a:t/>
+            </a:r>
             <a:br>
               <a:rPr lang="en" sz="600">
                 <a:solidFill>
@@ -8024,6 +9845,18 @@
                 <a:sym typeface="Consolas"/>
               </a:rPr>
             </a:br>
+            <a:endParaRPr lang="en" sz="600">
+              <a:solidFill>
+                <a:srgbClr val="24292E"/>
+              </a:solidFill>
+              <a:highlight>
+                <a:srgbClr val="FFFFFF"/>
+              </a:highlight>
+              <a:latin typeface="Consolas"/>
+              <a:ea typeface="Consolas"/>
+              <a:cs typeface="Consolas"/>
+              <a:sym typeface="Consolas"/>
+            </a:endParaRPr>
           </a:p>
           <a:p>
             <a:pPr lvl="0" rtl="0">
@@ -8096,6 +9929,21 @@
               </a:spcAft>
               <a:buNone/>
             </a:pPr>
+            <a:r>
+              <a:rPr lang="en" sz="600">
+                <a:solidFill>
+                  <a:srgbClr val="24292E"/>
+                </a:solidFill>
+                <a:highlight>
+                  <a:srgbClr val="FFFFFF"/>
+                </a:highlight>
+                <a:latin typeface="Consolas"/>
+                <a:ea typeface="Consolas"/>
+                <a:cs typeface="Consolas"/>
+                <a:sym typeface="Consolas"/>
+              </a:rPr>
+              <a:t/>
+            </a:r>
             <a:br>
               <a:rPr lang="en" sz="600">
                 <a:solidFill>
@@ -8110,6 +9958,18 @@
                 <a:sym typeface="Consolas"/>
               </a:rPr>
             </a:br>
+            <a:endParaRPr lang="en" sz="600">
+              <a:solidFill>
+                <a:srgbClr val="24292E"/>
+              </a:solidFill>
+              <a:highlight>
+                <a:srgbClr val="FFFFFF"/>
+              </a:highlight>
+              <a:latin typeface="Consolas"/>
+              <a:ea typeface="Consolas"/>
+              <a:cs typeface="Consolas"/>
+              <a:sym typeface="Consolas"/>
+            </a:endParaRPr>
           </a:p>
           <a:p>
             <a:pPr lvl="0" rtl="0">
@@ -8333,6 +10193,21 @@
               </a:spcAft>
               <a:buNone/>
             </a:pPr>
+            <a:r>
+              <a:rPr lang="en" sz="600">
+                <a:solidFill>
+                  <a:srgbClr val="24292E"/>
+                </a:solidFill>
+                <a:highlight>
+                  <a:srgbClr val="FFFFFF"/>
+                </a:highlight>
+                <a:latin typeface="Consolas"/>
+                <a:ea typeface="Consolas"/>
+                <a:cs typeface="Consolas"/>
+                <a:sym typeface="Consolas"/>
+              </a:rPr>
+              <a:t/>
+            </a:r>
             <a:br>
               <a:rPr lang="en" sz="600">
                 <a:solidFill>
@@ -8347,6 +10222,18 @@
                 <a:sym typeface="Consolas"/>
               </a:rPr>
             </a:br>
+            <a:endParaRPr lang="en" sz="600">
+              <a:solidFill>
+                <a:srgbClr val="24292E"/>
+              </a:solidFill>
+              <a:highlight>
+                <a:srgbClr val="FFFFFF"/>
+              </a:highlight>
+              <a:latin typeface="Consolas"/>
+              <a:ea typeface="Consolas"/>
+              <a:cs typeface="Consolas"/>
+              <a:sym typeface="Consolas"/>
+            </a:endParaRPr>
           </a:p>
           <a:p>
             <a:pPr lvl="0" rtl="0">
@@ -8419,6 +10306,21 @@
               </a:spcAft>
               <a:buNone/>
             </a:pPr>
+            <a:r>
+              <a:rPr lang="en" sz="600">
+                <a:solidFill>
+                  <a:srgbClr val="24292E"/>
+                </a:solidFill>
+                <a:highlight>
+                  <a:srgbClr val="FFFFFF"/>
+                </a:highlight>
+                <a:latin typeface="Consolas"/>
+                <a:ea typeface="Consolas"/>
+                <a:cs typeface="Consolas"/>
+                <a:sym typeface="Consolas"/>
+              </a:rPr>
+              <a:t/>
+            </a:r>
             <a:br>
               <a:rPr lang="en" sz="600">
                 <a:solidFill>
@@ -8433,6 +10335,18 @@
                 <a:sym typeface="Consolas"/>
               </a:rPr>
             </a:br>
+            <a:endParaRPr lang="en" sz="600">
+              <a:solidFill>
+                <a:srgbClr val="24292E"/>
+              </a:solidFill>
+              <a:highlight>
+                <a:srgbClr val="FFFFFF"/>
+              </a:highlight>
+              <a:latin typeface="Consolas"/>
+              <a:ea typeface="Consolas"/>
+              <a:cs typeface="Consolas"/>
+              <a:sym typeface="Consolas"/>
+            </a:endParaRPr>
           </a:p>
           <a:p>
             <a:pPr lvl="0" rtl="0">
@@ -8476,6 +10390,21 @@
               </a:spcAft>
               <a:buNone/>
             </a:pPr>
+            <a:r>
+              <a:rPr lang="en" sz="600">
+                <a:solidFill>
+                  <a:srgbClr val="24292E"/>
+                </a:solidFill>
+                <a:highlight>
+                  <a:srgbClr val="FFFFFF"/>
+                </a:highlight>
+                <a:latin typeface="Consolas"/>
+                <a:ea typeface="Consolas"/>
+                <a:cs typeface="Consolas"/>
+                <a:sym typeface="Consolas"/>
+              </a:rPr>
+              <a:t/>
+            </a:r>
             <a:br>
               <a:rPr lang="en" sz="600">
                 <a:solidFill>
@@ -8490,6 +10419,18 @@
                 <a:sym typeface="Consolas"/>
               </a:rPr>
             </a:br>
+            <a:endParaRPr lang="en" sz="600">
+              <a:solidFill>
+                <a:srgbClr val="24292E"/>
+              </a:solidFill>
+              <a:highlight>
+                <a:srgbClr val="FFFFFF"/>
+              </a:highlight>
+              <a:latin typeface="Consolas"/>
+              <a:ea typeface="Consolas"/>
+              <a:cs typeface="Consolas"/>
+              <a:sym typeface="Consolas"/>
+            </a:endParaRPr>
           </a:p>
           <a:p>
             <a:pPr lvl="0" rtl="0">
@@ -8533,6 +10474,21 @@
               </a:spcAft>
               <a:buNone/>
             </a:pPr>
+            <a:r>
+              <a:rPr lang="en" sz="600">
+                <a:solidFill>
+                  <a:srgbClr val="24292E"/>
+                </a:solidFill>
+                <a:highlight>
+                  <a:srgbClr val="FFFFFF"/>
+                </a:highlight>
+                <a:latin typeface="Consolas"/>
+                <a:ea typeface="Consolas"/>
+                <a:cs typeface="Consolas"/>
+                <a:sym typeface="Consolas"/>
+              </a:rPr>
+              <a:t/>
+            </a:r>
             <a:br>
               <a:rPr lang="en" sz="600">
                 <a:solidFill>
@@ -8547,6 +10503,18 @@
                 <a:sym typeface="Consolas"/>
               </a:rPr>
             </a:br>
+            <a:endParaRPr lang="en" sz="600">
+              <a:solidFill>
+                <a:srgbClr val="24292E"/>
+              </a:solidFill>
+              <a:highlight>
+                <a:srgbClr val="FFFFFF"/>
+              </a:highlight>
+              <a:latin typeface="Consolas"/>
+              <a:ea typeface="Consolas"/>
+              <a:cs typeface="Consolas"/>
+              <a:sym typeface="Consolas"/>
+            </a:endParaRPr>
           </a:p>
           <a:p>
             <a:pPr lvl="0" rtl="0">
@@ -9006,6 +10974,21 @@
               </a:spcAft>
               <a:buNone/>
             </a:pPr>
+            <a:r>
+              <a:rPr lang="en" sz="600">
+                <a:solidFill>
+                  <a:srgbClr val="24292E"/>
+                </a:solidFill>
+                <a:highlight>
+                  <a:srgbClr val="FFFFFF"/>
+                </a:highlight>
+                <a:latin typeface="Consolas"/>
+                <a:ea typeface="Consolas"/>
+                <a:cs typeface="Consolas"/>
+                <a:sym typeface="Consolas"/>
+              </a:rPr>
+              <a:t/>
+            </a:r>
             <a:br>
               <a:rPr lang="en" sz="600">
                 <a:solidFill>
@@ -9020,6 +11003,18 @@
                 <a:sym typeface="Consolas"/>
               </a:rPr>
             </a:br>
+            <a:endParaRPr lang="en" sz="600">
+              <a:solidFill>
+                <a:srgbClr val="24292E"/>
+              </a:solidFill>
+              <a:highlight>
+                <a:srgbClr val="FFFFFF"/>
+              </a:highlight>
+              <a:latin typeface="Consolas"/>
+              <a:ea typeface="Consolas"/>
+              <a:cs typeface="Consolas"/>
+              <a:sym typeface="Consolas"/>
+            </a:endParaRPr>
           </a:p>
           <a:p>
             <a:pPr lvl="0" rtl="0">
@@ -9034,9 +11029,6 @@
               </a:spcAft>
               <a:buNone/>
             </a:pPr>
-            <a:r>
-              <a:t/>
-            </a:r>
             <a:endParaRPr sz="600">
               <a:solidFill>
                 <a:srgbClr val="24292E"/>
@@ -9057,9 +11049,6 @@
               </a:spcBef>
               <a:buNone/>
             </a:pPr>
-            <a:r>
-              <a:t/>
-            </a:r>
             <a:endParaRPr/>
           </a:p>
         </p:txBody>
@@ -9084,7 +11073,7 @@
           </a:ln>
         </p:spPr>
         <p:txBody>
-          <a:bodyPr anchorCtr="0" anchor="t" bIns="91425" lIns="91425" rIns="91425" tIns="91425">
+          <a:bodyPr lIns="91425" tIns="91425" rIns="91425" bIns="91425" anchor="t" anchorCtr="0">
             <a:noAutofit/>
           </a:bodyPr>
           <a:lstStyle/>
@@ -9095,9 +11084,6 @@
               </a:spcBef>
               <a:buNone/>
             </a:pPr>
-            <a:r>
-              <a:t/>
-            </a:r>
             <a:endParaRPr/>
           </a:p>
         </p:txBody>
@@ -9122,7 +11108,7 @@
           </a:ln>
         </p:spPr>
         <p:txBody>
-          <a:bodyPr anchorCtr="0" anchor="t" bIns="91425" lIns="91425" rIns="91425" tIns="91425">
+          <a:bodyPr lIns="91425" tIns="91425" rIns="91425" bIns="91425" anchor="t" anchorCtr="0">
             <a:noAutofit/>
           </a:bodyPr>
           <a:lstStyle/>
@@ -9188,6 +11174,21 @@
               </a:spcBef>
               <a:buNone/>
             </a:pPr>
+            <a:r>
+              <a:rPr lang="en" sz="600">
+                <a:solidFill>
+                  <a:srgbClr val="24292E"/>
+                </a:solidFill>
+                <a:highlight>
+                  <a:srgbClr val="FFFFFF"/>
+                </a:highlight>
+                <a:latin typeface="Consolas"/>
+                <a:ea typeface="Consolas"/>
+                <a:cs typeface="Consolas"/>
+                <a:sym typeface="Consolas"/>
+              </a:rPr>
+              <a:t/>
+            </a:r>
             <a:br>
               <a:rPr lang="en" sz="600">
                 <a:solidFill>
@@ -9202,6 +11203,18 @@
                 <a:sym typeface="Consolas"/>
               </a:rPr>
             </a:br>
+            <a:endParaRPr lang="en" sz="600">
+              <a:solidFill>
+                <a:srgbClr val="24292E"/>
+              </a:solidFill>
+              <a:highlight>
+                <a:srgbClr val="FFFFFF"/>
+              </a:highlight>
+              <a:latin typeface="Consolas"/>
+              <a:ea typeface="Consolas"/>
+              <a:cs typeface="Consolas"/>
+              <a:sym typeface="Consolas"/>
+            </a:endParaRPr>
           </a:p>
           <a:p>
             <a:pPr lvl="0" rtl="0">
@@ -9471,6 +11484,21 @@
               </a:spcBef>
               <a:buNone/>
             </a:pPr>
+            <a:r>
+              <a:rPr lang="en" sz="600">
+                <a:solidFill>
+                  <a:srgbClr val="24292E"/>
+                </a:solidFill>
+                <a:highlight>
+                  <a:srgbClr val="FFFFFF"/>
+                </a:highlight>
+                <a:latin typeface="Consolas"/>
+                <a:ea typeface="Consolas"/>
+                <a:cs typeface="Consolas"/>
+                <a:sym typeface="Consolas"/>
+              </a:rPr>
+              <a:t/>
+            </a:r>
             <a:br>
               <a:rPr lang="en" sz="600">
                 <a:solidFill>
@@ -9485,6 +11513,18 @@
                 <a:sym typeface="Consolas"/>
               </a:rPr>
             </a:br>
+            <a:endParaRPr lang="en" sz="600">
+              <a:solidFill>
+                <a:srgbClr val="24292E"/>
+              </a:solidFill>
+              <a:highlight>
+                <a:srgbClr val="FFFFFF"/>
+              </a:highlight>
+              <a:latin typeface="Consolas"/>
+              <a:ea typeface="Consolas"/>
+              <a:cs typeface="Consolas"/>
+              <a:sym typeface="Consolas"/>
+            </a:endParaRPr>
           </a:p>
           <a:p>
             <a:pPr lvl="0" rtl="0">
@@ -9522,6 +11562,21 @@
               </a:spcBef>
               <a:buNone/>
             </a:pPr>
+            <a:r>
+              <a:rPr lang="en" sz="600">
+                <a:solidFill>
+                  <a:srgbClr val="24292E"/>
+                </a:solidFill>
+                <a:highlight>
+                  <a:srgbClr val="FFFFFF"/>
+                </a:highlight>
+                <a:latin typeface="Consolas"/>
+                <a:ea typeface="Consolas"/>
+                <a:cs typeface="Consolas"/>
+                <a:sym typeface="Consolas"/>
+              </a:rPr>
+              <a:t/>
+            </a:r>
             <a:br>
               <a:rPr lang="en" sz="600">
                 <a:solidFill>
@@ -9536,6 +11591,18 @@
                 <a:sym typeface="Consolas"/>
               </a:rPr>
             </a:br>
+            <a:endParaRPr lang="en" sz="600">
+              <a:solidFill>
+                <a:srgbClr val="24292E"/>
+              </a:solidFill>
+              <a:highlight>
+                <a:srgbClr val="FFFFFF"/>
+              </a:highlight>
+              <a:latin typeface="Consolas"/>
+              <a:ea typeface="Consolas"/>
+              <a:cs typeface="Consolas"/>
+              <a:sym typeface="Consolas"/>
+            </a:endParaRPr>
           </a:p>
           <a:p>
             <a:pPr lvl="0" rtl="0">
@@ -9835,6 +11902,21 @@
               </a:spcBef>
               <a:buNone/>
             </a:pPr>
+            <a:r>
+              <a:rPr lang="en" sz="600">
+                <a:solidFill>
+                  <a:srgbClr val="24292E"/>
+                </a:solidFill>
+                <a:highlight>
+                  <a:srgbClr val="FFFFFF"/>
+                </a:highlight>
+                <a:latin typeface="Consolas"/>
+                <a:ea typeface="Consolas"/>
+                <a:cs typeface="Consolas"/>
+                <a:sym typeface="Consolas"/>
+              </a:rPr>
+              <a:t/>
+            </a:r>
             <a:br>
               <a:rPr lang="en" sz="600">
                 <a:solidFill>
@@ -9849,6 +11931,18 @@
                 <a:sym typeface="Consolas"/>
               </a:rPr>
             </a:br>
+            <a:endParaRPr lang="en" sz="600">
+              <a:solidFill>
+                <a:srgbClr val="24292E"/>
+              </a:solidFill>
+              <a:highlight>
+                <a:srgbClr val="FFFFFF"/>
+              </a:highlight>
+              <a:latin typeface="Consolas"/>
+              <a:ea typeface="Consolas"/>
+              <a:cs typeface="Consolas"/>
+              <a:sym typeface="Consolas"/>
+            </a:endParaRPr>
           </a:p>
           <a:p>
             <a:pPr lvl="0" rtl="0">
@@ -9886,6 +11980,21 @@
               </a:spcBef>
               <a:buNone/>
             </a:pPr>
+            <a:r>
+              <a:rPr lang="en" sz="600">
+                <a:solidFill>
+                  <a:srgbClr val="24292E"/>
+                </a:solidFill>
+                <a:highlight>
+                  <a:srgbClr val="FFFFFF"/>
+                </a:highlight>
+                <a:latin typeface="Consolas"/>
+                <a:ea typeface="Consolas"/>
+                <a:cs typeface="Consolas"/>
+                <a:sym typeface="Consolas"/>
+              </a:rPr>
+              <a:t/>
+            </a:r>
             <a:br>
               <a:rPr lang="en" sz="600">
                 <a:solidFill>
@@ -9900,6 +12009,18 @@
                 <a:sym typeface="Consolas"/>
               </a:rPr>
             </a:br>
+            <a:endParaRPr lang="en" sz="600">
+              <a:solidFill>
+                <a:srgbClr val="24292E"/>
+              </a:solidFill>
+              <a:highlight>
+                <a:srgbClr val="FFFFFF"/>
+              </a:highlight>
+              <a:latin typeface="Consolas"/>
+              <a:ea typeface="Consolas"/>
+              <a:cs typeface="Consolas"/>
+              <a:sym typeface="Consolas"/>
+            </a:endParaRPr>
           </a:p>
           <a:p>
             <a:pPr lvl="0" rtl="0">
@@ -10255,6 +12376,21 @@
               </a:spcBef>
               <a:buNone/>
             </a:pPr>
+            <a:r>
+              <a:rPr lang="en" sz="600">
+                <a:solidFill>
+                  <a:srgbClr val="24292E"/>
+                </a:solidFill>
+                <a:highlight>
+                  <a:srgbClr val="FFFFFF"/>
+                </a:highlight>
+                <a:latin typeface="Consolas"/>
+                <a:ea typeface="Consolas"/>
+                <a:cs typeface="Consolas"/>
+                <a:sym typeface="Consolas"/>
+              </a:rPr>
+              <a:t/>
+            </a:r>
             <a:br>
               <a:rPr lang="en" sz="600">
                 <a:solidFill>
@@ -10269,6 +12405,18 @@
                 <a:sym typeface="Consolas"/>
               </a:rPr>
             </a:br>
+            <a:endParaRPr lang="en" sz="600">
+              <a:solidFill>
+                <a:srgbClr val="24292E"/>
+              </a:solidFill>
+              <a:highlight>
+                <a:srgbClr val="FFFFFF"/>
+              </a:highlight>
+              <a:latin typeface="Consolas"/>
+              <a:ea typeface="Consolas"/>
+              <a:cs typeface="Consolas"/>
+              <a:sym typeface="Consolas"/>
+            </a:endParaRPr>
           </a:p>
           <a:p>
             <a:pPr lvl="0" rtl="0">
@@ -10332,6 +12480,21 @@
               </a:spcBef>
               <a:buNone/>
             </a:pPr>
+            <a:r>
+              <a:rPr lang="en" sz="600">
+                <a:solidFill>
+                  <a:srgbClr val="24292E"/>
+                </a:solidFill>
+                <a:highlight>
+                  <a:srgbClr val="FFFFFF"/>
+                </a:highlight>
+                <a:latin typeface="Consolas"/>
+                <a:ea typeface="Consolas"/>
+                <a:cs typeface="Consolas"/>
+                <a:sym typeface="Consolas"/>
+              </a:rPr>
+              <a:t/>
+            </a:r>
             <a:br>
               <a:rPr lang="en" sz="600">
                 <a:solidFill>
@@ -10346,6 +12509,18 @@
                 <a:sym typeface="Consolas"/>
               </a:rPr>
             </a:br>
+            <a:endParaRPr lang="en" sz="600">
+              <a:solidFill>
+                <a:srgbClr val="24292E"/>
+              </a:solidFill>
+              <a:highlight>
+                <a:srgbClr val="FFFFFF"/>
+              </a:highlight>
+              <a:latin typeface="Consolas"/>
+              <a:ea typeface="Consolas"/>
+              <a:cs typeface="Consolas"/>
+              <a:sym typeface="Consolas"/>
+            </a:endParaRPr>
           </a:p>
           <a:p>
             <a:pPr lvl="0" rtl="0">
@@ -10903,6 +13078,21 @@
               </a:spcBef>
               <a:buNone/>
             </a:pPr>
+            <a:r>
+              <a:rPr lang="en" sz="600">
+                <a:solidFill>
+                  <a:srgbClr val="24292E"/>
+                </a:solidFill>
+                <a:highlight>
+                  <a:srgbClr val="FFFFFF"/>
+                </a:highlight>
+                <a:latin typeface="Consolas"/>
+                <a:ea typeface="Consolas"/>
+                <a:cs typeface="Consolas"/>
+                <a:sym typeface="Consolas"/>
+              </a:rPr>
+              <a:t/>
+            </a:r>
             <a:br>
               <a:rPr lang="en" sz="600">
                 <a:solidFill>
@@ -10917,6 +13107,18 @@
                 <a:sym typeface="Consolas"/>
               </a:rPr>
             </a:br>
+            <a:endParaRPr lang="en" sz="600">
+              <a:solidFill>
+                <a:srgbClr val="24292E"/>
+              </a:solidFill>
+              <a:highlight>
+                <a:srgbClr val="FFFFFF"/>
+              </a:highlight>
+              <a:latin typeface="Consolas"/>
+              <a:ea typeface="Consolas"/>
+              <a:cs typeface="Consolas"/>
+              <a:sym typeface="Consolas"/>
+            </a:endParaRPr>
           </a:p>
         </p:txBody>
       </p:sp>
@@ -10928,12 +13130,12 @@
 </p:sld>
 </file>
 
-<file path=ppt/slides/slide5.xml><?xml version="1.0" encoding="utf-8"?>
-<p:sld xmlns:a="http://schemas.openxmlformats.org/drawingml/2006/main" xmlns:r="http://schemas.openxmlformats.org/officeDocument/2006/relationships" xmlns:mc="http://schemas.openxmlformats.org/markup-compatibility/2006" xmlns:mv="urn:schemas-microsoft-com:mac:vml" xmlns:p="http://schemas.openxmlformats.org/presentationml/2006/main" xmlns:c="http://schemas.openxmlformats.org/drawingml/2006/chart" xmlns:dgm="http://schemas.openxmlformats.org/drawingml/2006/diagram" xmlns:o="urn:schemas-microsoft-com:office:office" xmlns:v="urn:schemas-microsoft-com:vml" xmlns:pvml="urn:schemas-microsoft-com:office:powerpoint" xmlns:com="http://schemas.openxmlformats.org/drawingml/2006/compatibility" xmlns:p14="http://schemas.microsoft.com/office/powerpoint/2010/main">
+<file path=ppt/slides/slide9.xml><?xml version="1.0" encoding="utf-8"?>
+<p:sld xmlns:a="http://schemas.openxmlformats.org/drawingml/2006/main" xmlns:r="http://schemas.openxmlformats.org/officeDocument/2006/relationships" xmlns:p="http://schemas.openxmlformats.org/presentationml/2006/main">
   <p:cSld>
     <p:spTree>
       <p:nvGrpSpPr>
-        <p:cNvPr id="90" name="Shape 90"/>
+        <p:cNvPr id="1" name="Shape 90"/>
         <p:cNvGrpSpPr/>
         <p:nvPr/>
       </p:nvGrpSpPr>
@@ -10948,7 +13150,9 @@
       <p:sp>
         <p:nvSpPr>
           <p:cNvPr id="91" name="Shape 91"/>
-          <p:cNvSpPr txBox="1"/>
+          <p:cNvSpPr txBox="1">
+            <a:spLocks noGrp="1"/>
+          </p:cNvSpPr>
           <p:nvPr>
             <p:ph type="title"/>
           </p:nvPr>
@@ -10963,7 +13167,7 @@
           </a:prstGeom>
         </p:spPr>
         <p:txBody>
-          <a:bodyPr anchorCtr="0" anchor="t" bIns="91425" lIns="91425" rIns="91425" tIns="91425">
+          <a:bodyPr lIns="91425" tIns="91425" rIns="91425" bIns="91425" anchor="t" anchorCtr="0">
             <a:noAutofit/>
           </a:bodyPr>
           <a:lstStyle/>
@@ -10974,9 +13178,6 @@
               </a:spcBef>
               <a:buNone/>
             </a:pPr>
-            <a:r>
-              <a:t/>
-            </a:r>
             <a:endParaRPr/>
           </a:p>
         </p:txBody>
@@ -10984,9 +13185,11 @@
       <p:sp>
         <p:nvSpPr>
           <p:cNvPr id="92" name="Shape 92"/>
-          <p:cNvSpPr txBox="1"/>
+          <p:cNvSpPr txBox="1">
+            <a:spLocks noGrp="1"/>
+          </p:cNvSpPr>
           <p:nvPr>
-            <p:ph idx="1" type="body"/>
+            <p:ph type="body" idx="1"/>
           </p:nvPr>
         </p:nvSpPr>
         <p:spPr>
@@ -10999,7 +13202,7 @@
           </a:prstGeom>
         </p:spPr>
         <p:txBody>
-          <a:bodyPr anchorCtr="0" anchor="t" bIns="91425" lIns="91425" rIns="91425" tIns="91425">
+          <a:bodyPr lIns="91425" tIns="91425" rIns="91425" bIns="91425" anchor="t" anchorCtr="0">
             <a:noAutofit/>
           </a:bodyPr>
           <a:lstStyle/>
@@ -11016,9 +13219,6 @@
               </a:spcAft>
               <a:buNone/>
             </a:pPr>
-            <a:r>
-              <a:t/>
-            </a:r>
             <a:endParaRPr sz="600">
               <a:solidFill>
                 <a:srgbClr val="24292E"/>
@@ -11103,6 +13303,21 @@
               </a:spcAft>
               <a:buNone/>
             </a:pPr>
+            <a:r>
+              <a:rPr lang="en" sz="600">
+                <a:solidFill>
+                  <a:srgbClr val="24292E"/>
+                </a:solidFill>
+                <a:highlight>
+                  <a:srgbClr val="FFFFFF"/>
+                </a:highlight>
+                <a:latin typeface="Consolas"/>
+                <a:ea typeface="Consolas"/>
+                <a:cs typeface="Consolas"/>
+                <a:sym typeface="Consolas"/>
+              </a:rPr>
+              <a:t/>
+            </a:r>
             <a:br>
               <a:rPr lang="en" sz="600">
                 <a:solidFill>
@@ -11117,6 +13332,18 @@
                 <a:sym typeface="Consolas"/>
               </a:rPr>
             </a:br>
+            <a:endParaRPr lang="en" sz="600">
+              <a:solidFill>
+                <a:srgbClr val="24292E"/>
+              </a:solidFill>
+              <a:highlight>
+                <a:srgbClr val="FFFFFF"/>
+              </a:highlight>
+              <a:latin typeface="Consolas"/>
+              <a:ea typeface="Consolas"/>
+              <a:cs typeface="Consolas"/>
+              <a:sym typeface="Consolas"/>
+            </a:endParaRPr>
           </a:p>
           <a:p>
             <a:pPr lvl="0" rtl="0">
@@ -11947,394 +14174,6 @@
               </a:rPr>
               <a:t>}</a:t>
             </a:r>
-          </a:p>
-        </p:txBody>
-      </p:sp>
-    </p:spTree>
-  </p:cSld>
-  <p:clrMapOvr>
-    <a:masterClrMapping/>
-  </p:clrMapOvr>
-</p:sld>
-</file>
-
-<file path=ppt/slides/slide6.xml><?xml version="1.0" encoding="utf-8"?>
-<p:sld xmlns:a="http://schemas.openxmlformats.org/drawingml/2006/main" xmlns:r="http://schemas.openxmlformats.org/officeDocument/2006/relationships" xmlns:mc="http://schemas.openxmlformats.org/markup-compatibility/2006" xmlns:mv="urn:schemas-microsoft-com:mac:vml" xmlns:p="http://schemas.openxmlformats.org/presentationml/2006/main" xmlns:c="http://schemas.openxmlformats.org/drawingml/2006/chart" xmlns:dgm="http://schemas.openxmlformats.org/drawingml/2006/diagram" xmlns:o="urn:schemas-microsoft-com:office:office" xmlns:v="urn:schemas-microsoft-com:vml" xmlns:pvml="urn:schemas-microsoft-com:office:powerpoint" xmlns:com="http://schemas.openxmlformats.org/drawingml/2006/compatibility" xmlns:p14="http://schemas.microsoft.com/office/powerpoint/2010/main">
-  <p:cSld>
-    <p:spTree>
-      <p:nvGrpSpPr>
-        <p:cNvPr id="96" name="Shape 96"/>
-        <p:cNvGrpSpPr/>
-        <p:nvPr/>
-      </p:nvGrpSpPr>
-      <p:grpSpPr>
-        <a:xfrm>
-          <a:off x="0" y="0"/>
-          <a:ext cx="0" cy="0"/>
-          <a:chOff x="0" y="0"/>
-          <a:chExt cx="0" cy="0"/>
-        </a:xfrm>
-      </p:grpSpPr>
-      <p:sp>
-        <p:nvSpPr>
-          <p:cNvPr id="97" name="Shape 97"/>
-          <p:cNvSpPr txBox="1"/>
-          <p:nvPr>
-            <p:ph type="title"/>
-          </p:nvPr>
-        </p:nvSpPr>
-        <p:spPr>
-          <a:xfrm>
-            <a:off x="311700" y="445025"/>
-            <a:ext cx="8520600" cy="572700"/>
-          </a:xfrm>
-          <a:prstGeom prst="rect">
-            <a:avLst/>
-          </a:prstGeom>
-        </p:spPr>
-        <p:txBody>
-          <a:bodyPr anchorCtr="0" anchor="t" bIns="91425" lIns="91425" rIns="91425" tIns="91425">
-            <a:noAutofit/>
-          </a:bodyPr>
-          <a:lstStyle/>
-          <a:p>
-            <a:pPr lvl="0">
-              <a:spcBef>
-                <a:spcPts val="0"/>
-              </a:spcBef>
-              <a:buNone/>
-            </a:pPr>
-            <a:r>
-              <a:rPr lang="en"/>
-              <a:t>What is Purely Functional Coding</a:t>
-            </a:r>
-          </a:p>
-        </p:txBody>
-      </p:sp>
-      <p:sp>
-        <p:nvSpPr>
-          <p:cNvPr id="98" name="Shape 98"/>
-          <p:cNvSpPr txBox="1"/>
-          <p:nvPr>
-            <p:ph idx="1" type="body"/>
-          </p:nvPr>
-        </p:nvSpPr>
-        <p:spPr>
-          <a:xfrm>
-            <a:off x="311700" y="1152475"/>
-            <a:ext cx="8520600" cy="3416400"/>
-          </a:xfrm>
-          <a:prstGeom prst="rect">
-            <a:avLst/>
-          </a:prstGeom>
-        </p:spPr>
-        <p:txBody>
-          <a:bodyPr anchorCtr="0" anchor="t" bIns="91425" lIns="91425" rIns="91425" tIns="91425">
-            <a:noAutofit/>
-          </a:bodyPr>
-          <a:lstStyle/>
-          <a:p>
-            <a:pPr lvl="0">
-              <a:spcBef>
-                <a:spcPts val="0"/>
-              </a:spcBef>
-              <a:buNone/>
-            </a:pPr>
-            <a:r>
-              <a:t/>
-            </a:r>
-            <a:endParaRPr/>
-          </a:p>
-        </p:txBody>
-      </p:sp>
-    </p:spTree>
-  </p:cSld>
-  <p:clrMapOvr>
-    <a:masterClrMapping/>
-  </p:clrMapOvr>
-</p:sld>
-</file>
-
-<file path=ppt/slides/slide7.xml><?xml version="1.0" encoding="utf-8"?>
-<p:sld xmlns:a="http://schemas.openxmlformats.org/drawingml/2006/main" xmlns:r="http://schemas.openxmlformats.org/officeDocument/2006/relationships" xmlns:mc="http://schemas.openxmlformats.org/markup-compatibility/2006" xmlns:mv="urn:schemas-microsoft-com:mac:vml" xmlns:p="http://schemas.openxmlformats.org/presentationml/2006/main" xmlns:c="http://schemas.openxmlformats.org/drawingml/2006/chart" xmlns:dgm="http://schemas.openxmlformats.org/drawingml/2006/diagram" xmlns:o="urn:schemas-microsoft-com:office:office" xmlns:v="urn:schemas-microsoft-com:vml" xmlns:pvml="urn:schemas-microsoft-com:office:powerpoint" xmlns:com="http://schemas.openxmlformats.org/drawingml/2006/compatibility" xmlns:p14="http://schemas.microsoft.com/office/powerpoint/2010/main">
-  <p:cSld>
-    <p:spTree>
-      <p:nvGrpSpPr>
-        <p:cNvPr id="102" name="Shape 102"/>
-        <p:cNvGrpSpPr/>
-        <p:nvPr/>
-      </p:nvGrpSpPr>
-      <p:grpSpPr>
-        <a:xfrm>
-          <a:off x="0" y="0"/>
-          <a:ext cx="0" cy="0"/>
-          <a:chOff x="0" y="0"/>
-          <a:chExt cx="0" cy="0"/>
-        </a:xfrm>
-      </p:grpSpPr>
-      <p:sp>
-        <p:nvSpPr>
-          <p:cNvPr id="103" name="Shape 103"/>
-          <p:cNvSpPr txBox="1"/>
-          <p:nvPr>
-            <p:ph type="title"/>
-          </p:nvPr>
-        </p:nvSpPr>
-        <p:spPr>
-          <a:xfrm>
-            <a:off x="311700" y="445025"/>
-            <a:ext cx="8520600" cy="572700"/>
-          </a:xfrm>
-          <a:prstGeom prst="rect">
-            <a:avLst/>
-          </a:prstGeom>
-        </p:spPr>
-        <p:txBody>
-          <a:bodyPr anchorCtr="0" anchor="t" bIns="91425" lIns="91425" rIns="91425" tIns="91425">
-            <a:noAutofit/>
-          </a:bodyPr>
-          <a:lstStyle/>
-          <a:p>
-            <a:pPr lvl="0">
-              <a:spcBef>
-                <a:spcPts val="0"/>
-              </a:spcBef>
-              <a:buNone/>
-            </a:pPr>
-            <a:r>
-              <a:rPr lang="en"/>
-              <a:t>Functors</a:t>
-            </a:r>
-          </a:p>
-        </p:txBody>
-      </p:sp>
-      <p:sp>
-        <p:nvSpPr>
-          <p:cNvPr id="104" name="Shape 104"/>
-          <p:cNvSpPr txBox="1"/>
-          <p:nvPr>
-            <p:ph idx="1" type="body"/>
-          </p:nvPr>
-        </p:nvSpPr>
-        <p:spPr>
-          <a:xfrm>
-            <a:off x="311700" y="1152475"/>
-            <a:ext cx="8520600" cy="3416400"/>
-          </a:xfrm>
-          <a:prstGeom prst="rect">
-            <a:avLst/>
-          </a:prstGeom>
-        </p:spPr>
-        <p:txBody>
-          <a:bodyPr anchorCtr="0" anchor="t" bIns="91425" lIns="91425" rIns="91425" tIns="91425">
-            <a:noAutofit/>
-          </a:bodyPr>
-          <a:lstStyle/>
-          <a:p>
-            <a:pPr lvl="0">
-              <a:spcBef>
-                <a:spcPts val="0"/>
-              </a:spcBef>
-              <a:buNone/>
-            </a:pPr>
-            <a:r>
-              <a:t/>
-            </a:r>
-            <a:endParaRPr/>
-          </a:p>
-        </p:txBody>
-      </p:sp>
-    </p:spTree>
-  </p:cSld>
-  <p:clrMapOvr>
-    <a:masterClrMapping/>
-  </p:clrMapOvr>
-</p:sld>
-</file>
-
-<file path=ppt/slides/slide8.xml><?xml version="1.0" encoding="utf-8"?>
-<p:sld xmlns:a="http://schemas.openxmlformats.org/drawingml/2006/main" xmlns:r="http://schemas.openxmlformats.org/officeDocument/2006/relationships" xmlns:mc="http://schemas.openxmlformats.org/markup-compatibility/2006" xmlns:mv="urn:schemas-microsoft-com:mac:vml" xmlns:p="http://schemas.openxmlformats.org/presentationml/2006/main" xmlns:c="http://schemas.openxmlformats.org/drawingml/2006/chart" xmlns:dgm="http://schemas.openxmlformats.org/drawingml/2006/diagram" xmlns:o="urn:schemas-microsoft-com:office:office" xmlns:v="urn:schemas-microsoft-com:vml" xmlns:pvml="urn:schemas-microsoft-com:office:powerpoint" xmlns:com="http://schemas.openxmlformats.org/drawingml/2006/compatibility" xmlns:p14="http://schemas.microsoft.com/office/powerpoint/2010/main">
-  <p:cSld>
-    <p:spTree>
-      <p:nvGrpSpPr>
-        <p:cNvPr id="108" name="Shape 108"/>
-        <p:cNvGrpSpPr/>
-        <p:nvPr/>
-      </p:nvGrpSpPr>
-      <p:grpSpPr>
-        <a:xfrm>
-          <a:off x="0" y="0"/>
-          <a:ext cx="0" cy="0"/>
-          <a:chOff x="0" y="0"/>
-          <a:chExt cx="0" cy="0"/>
-        </a:xfrm>
-      </p:grpSpPr>
-      <p:sp>
-        <p:nvSpPr>
-          <p:cNvPr id="109" name="Shape 109"/>
-          <p:cNvSpPr txBox="1"/>
-          <p:nvPr>
-            <p:ph type="title"/>
-          </p:nvPr>
-        </p:nvSpPr>
-        <p:spPr>
-          <a:xfrm>
-            <a:off x="311700" y="445025"/>
-            <a:ext cx="8520600" cy="572700"/>
-          </a:xfrm>
-          <a:prstGeom prst="rect">
-            <a:avLst/>
-          </a:prstGeom>
-        </p:spPr>
-        <p:txBody>
-          <a:bodyPr anchorCtr="0" anchor="t" bIns="91425" lIns="91425" rIns="91425" tIns="91425">
-            <a:noAutofit/>
-          </a:bodyPr>
-          <a:lstStyle/>
-          <a:p>
-            <a:pPr lvl="0">
-              <a:spcBef>
-                <a:spcPts val="0"/>
-              </a:spcBef>
-              <a:buNone/>
-            </a:pPr>
-            <a:r>
-              <a:rPr lang="en"/>
-              <a:t>Applicative Functors</a:t>
-            </a:r>
-          </a:p>
-        </p:txBody>
-      </p:sp>
-      <p:sp>
-        <p:nvSpPr>
-          <p:cNvPr id="110" name="Shape 110"/>
-          <p:cNvSpPr txBox="1"/>
-          <p:nvPr>
-            <p:ph idx="1" type="body"/>
-          </p:nvPr>
-        </p:nvSpPr>
-        <p:spPr>
-          <a:xfrm>
-            <a:off x="311700" y="1152475"/>
-            <a:ext cx="8520600" cy="3416400"/>
-          </a:xfrm>
-          <a:prstGeom prst="rect">
-            <a:avLst/>
-          </a:prstGeom>
-        </p:spPr>
-        <p:txBody>
-          <a:bodyPr anchorCtr="0" anchor="t" bIns="91425" lIns="91425" rIns="91425" tIns="91425">
-            <a:noAutofit/>
-          </a:bodyPr>
-          <a:lstStyle/>
-          <a:p>
-            <a:pPr lvl="0">
-              <a:spcBef>
-                <a:spcPts val="0"/>
-              </a:spcBef>
-              <a:buNone/>
-            </a:pPr>
-            <a:r>
-              <a:t/>
-            </a:r>
-            <a:endParaRPr/>
-          </a:p>
-        </p:txBody>
-      </p:sp>
-    </p:spTree>
-  </p:cSld>
-  <p:clrMapOvr>
-    <a:masterClrMapping/>
-  </p:clrMapOvr>
-</p:sld>
-</file>
-
-<file path=ppt/slides/slide9.xml><?xml version="1.0" encoding="utf-8"?>
-<p:sld xmlns:a="http://schemas.openxmlformats.org/drawingml/2006/main" xmlns:r="http://schemas.openxmlformats.org/officeDocument/2006/relationships" xmlns:mc="http://schemas.openxmlformats.org/markup-compatibility/2006" xmlns:mv="urn:schemas-microsoft-com:mac:vml" xmlns:p="http://schemas.openxmlformats.org/presentationml/2006/main" xmlns:c="http://schemas.openxmlformats.org/drawingml/2006/chart" xmlns:dgm="http://schemas.openxmlformats.org/drawingml/2006/diagram" xmlns:o="urn:schemas-microsoft-com:office:office" xmlns:v="urn:schemas-microsoft-com:vml" xmlns:pvml="urn:schemas-microsoft-com:office:powerpoint" xmlns:com="http://schemas.openxmlformats.org/drawingml/2006/compatibility" xmlns:p14="http://schemas.microsoft.com/office/powerpoint/2010/main">
-  <p:cSld>
-    <p:spTree>
-      <p:nvGrpSpPr>
-        <p:cNvPr id="114" name="Shape 114"/>
-        <p:cNvGrpSpPr/>
-        <p:nvPr/>
-      </p:nvGrpSpPr>
-      <p:grpSpPr>
-        <a:xfrm>
-          <a:off x="0" y="0"/>
-          <a:ext cx="0" cy="0"/>
-          <a:chOff x="0" y="0"/>
-          <a:chExt cx="0" cy="0"/>
-        </a:xfrm>
-      </p:grpSpPr>
-      <p:sp>
-        <p:nvSpPr>
-          <p:cNvPr id="115" name="Shape 115"/>
-          <p:cNvSpPr txBox="1"/>
-          <p:nvPr>
-            <p:ph type="title"/>
-          </p:nvPr>
-        </p:nvSpPr>
-        <p:spPr>
-          <a:xfrm>
-            <a:off x="311700" y="445025"/>
-            <a:ext cx="8520600" cy="572700"/>
-          </a:xfrm>
-          <a:prstGeom prst="rect">
-            <a:avLst/>
-          </a:prstGeom>
-        </p:spPr>
-        <p:txBody>
-          <a:bodyPr anchorCtr="0" anchor="t" bIns="91425" lIns="91425" rIns="91425" tIns="91425">
-            <a:noAutofit/>
-          </a:bodyPr>
-          <a:lstStyle/>
-          <a:p>
-            <a:pPr lvl="0">
-              <a:spcBef>
-                <a:spcPts val="0"/>
-              </a:spcBef>
-              <a:buNone/>
-            </a:pPr>
-            <a:r>
-              <a:rPr lang="en"/>
-              <a:t>Monoid</a:t>
-            </a:r>
-          </a:p>
-        </p:txBody>
-      </p:sp>
-      <p:sp>
-        <p:nvSpPr>
-          <p:cNvPr id="116" name="Shape 116"/>
-          <p:cNvSpPr txBox="1"/>
-          <p:nvPr>
-            <p:ph idx="1" type="body"/>
-          </p:nvPr>
-        </p:nvSpPr>
-        <p:spPr>
-          <a:xfrm>
-            <a:off x="311700" y="1152475"/>
-            <a:ext cx="8520600" cy="3416400"/>
-          </a:xfrm>
-          <a:prstGeom prst="rect">
-            <a:avLst/>
-          </a:prstGeom>
-        </p:spPr>
-        <p:txBody>
-          <a:bodyPr anchorCtr="0" anchor="t" bIns="91425" lIns="91425" rIns="91425" tIns="91425">
-            <a:noAutofit/>
-          </a:bodyPr>
-          <a:lstStyle/>
-          <a:p>
-            <a:pPr lvl="0">
-              <a:spcBef>
-                <a:spcPts val="0"/>
-              </a:spcBef>
-              <a:buNone/>
-            </a:pPr>
-            <a:r>
-              <a:t/>
-            </a:r>
-            <a:endParaRPr/>
           </a:p>
         </p:txBody>
       </p:sp>
@@ -12347,7 +14186,288 @@
 </file>
 
 <file path=ppt/theme/theme1.xml><?xml version="1.0" encoding="utf-8"?>
-<a:theme xmlns:a="http://schemas.openxmlformats.org/drawingml/2006/main" xmlns:r="http://schemas.openxmlformats.org/officeDocument/2006/relationships" name="Custom Theme">
+<a:theme xmlns:a="http://schemas.openxmlformats.org/drawingml/2006/main" name="spearmint">
+  <a:themeElements>
+    <a:clrScheme name="Spearmint">
+      <a:dk1>
+        <a:srgbClr val="202729"/>
+      </a:dk1>
+      <a:lt1>
+        <a:srgbClr val="FFFFFF"/>
+      </a:lt1>
+      <a:dk2>
+        <a:srgbClr val="4BA173"/>
+      </a:dk2>
+      <a:lt2>
+        <a:srgbClr val="63D297"/>
+      </a:lt2>
+      <a:accent1>
+        <a:srgbClr val="353744"/>
+      </a:accent1>
+      <a:accent2>
+        <a:srgbClr val="424242"/>
+      </a:accent2>
+      <a:accent3>
+        <a:srgbClr val="616161"/>
+      </a:accent3>
+      <a:accent4>
+        <a:srgbClr val="999999"/>
+      </a:accent4>
+      <a:accent5>
+        <a:srgbClr val="FF5252"/>
+      </a:accent5>
+      <a:accent6>
+        <a:srgbClr val="FFF176"/>
+      </a:accent6>
+      <a:hlink>
+        <a:srgbClr val="FF5252"/>
+      </a:hlink>
+      <a:folHlink>
+        <a:srgbClr val="FF5252"/>
+      </a:folHlink>
+    </a:clrScheme>
+    <a:fontScheme name="Office">
+      <a:majorFont>
+        <a:latin typeface="Arial"/>
+        <a:ea typeface=""/>
+        <a:cs typeface=""/>
+        <a:font script="Jpan" typeface="ＭＳ Ｐゴシック"/>
+        <a:font script="Hang" typeface="맑은 고딕"/>
+        <a:font script="Hans" typeface="宋体"/>
+        <a:font script="Hant" typeface="新細明體"/>
+        <a:font script="Arab" typeface="Times New Roman"/>
+        <a:font script="Hebr" typeface="Times New Roman"/>
+        <a:font script="Thai" typeface="Angsana New"/>
+        <a:font script="Ethi" typeface="Nyala"/>
+        <a:font script="Beng" typeface="Vrinda"/>
+        <a:font script="Gujr" typeface="Shruti"/>
+        <a:font script="Khmr" typeface="MoolBoran"/>
+        <a:font script="Knda" typeface="Tunga"/>
+        <a:font script="Guru" typeface="Raavi"/>
+        <a:font script="Cans" typeface="Euphemia"/>
+        <a:font script="Cher" typeface="Plantagenet Cherokee"/>
+        <a:font script="Yiii" typeface="Microsoft Yi Baiti"/>
+        <a:font script="Tibt" typeface="Microsoft Himalaya"/>
+        <a:font script="Thaa" typeface="MV Boli"/>
+        <a:font script="Deva" typeface="Mangal"/>
+        <a:font script="Telu" typeface="Gautami"/>
+        <a:font script="Taml" typeface="Latha"/>
+        <a:font script="Syrc" typeface="Estrangelo Edessa"/>
+        <a:font script="Orya" typeface="Kalinga"/>
+        <a:font script="Mlym" typeface="Kartika"/>
+        <a:font script="Laoo" typeface="DokChampa"/>
+        <a:font script="Sinh" typeface="Iskoola Pota"/>
+        <a:font script="Mong" typeface="Mongolian Baiti"/>
+        <a:font script="Viet" typeface="Times New Roman"/>
+        <a:font script="Uigh" typeface="Microsoft Uighur"/>
+        <a:font script="Geor" typeface="Sylfaen"/>
+      </a:majorFont>
+      <a:minorFont>
+        <a:latin typeface="Arial"/>
+        <a:ea typeface=""/>
+        <a:cs typeface=""/>
+        <a:font script="Jpan" typeface="ＭＳ Ｐゴシック"/>
+        <a:font script="Hang" typeface="맑은 고딕"/>
+        <a:font script="Hans" typeface="宋体"/>
+        <a:font script="Hant" typeface="新細明體"/>
+        <a:font script="Arab" typeface="Arial"/>
+        <a:font script="Hebr" typeface="Arial"/>
+        <a:font script="Thai" typeface="Cordia New"/>
+        <a:font script="Ethi" typeface="Nyala"/>
+        <a:font script="Beng" typeface="Vrinda"/>
+        <a:font script="Gujr" typeface="Shruti"/>
+        <a:font script="Khmr" typeface="DaunPenh"/>
+        <a:font script="Knda" typeface="Tunga"/>
+        <a:font script="Guru" typeface="Raavi"/>
+        <a:font script="Cans" typeface="Euphemia"/>
+        <a:font script="Cher" typeface="Plantagenet Cherokee"/>
+        <a:font script="Yiii" typeface="Microsoft Yi Baiti"/>
+        <a:font script="Tibt" typeface="Microsoft Himalaya"/>
+        <a:font script="Thaa" typeface="MV Boli"/>
+        <a:font script="Deva" typeface="Mangal"/>
+        <a:font script="Telu" typeface="Gautami"/>
+        <a:font script="Taml" typeface="Latha"/>
+        <a:font script="Syrc" typeface="Estrangelo Edessa"/>
+        <a:font script="Orya" typeface="Kalinga"/>
+        <a:font script="Mlym" typeface="Kartika"/>
+        <a:font script="Laoo" typeface="DokChampa"/>
+        <a:font script="Sinh" typeface="Iskoola Pota"/>
+        <a:font script="Mong" typeface="Mongolian Baiti"/>
+        <a:font script="Viet" typeface="Arial"/>
+        <a:font script="Uigh" typeface="Microsoft Uighur"/>
+        <a:font script="Geor" typeface="Sylfaen"/>
+      </a:minorFont>
+    </a:fontScheme>
+    <a:fmtScheme name="Office">
+      <a:fillStyleLst>
+        <a:solidFill>
+          <a:schemeClr val="phClr"/>
+        </a:solidFill>
+        <a:gradFill rotWithShape="1">
+          <a:gsLst>
+            <a:gs pos="0">
+              <a:schemeClr val="phClr">
+                <a:tint val="50000"/>
+                <a:satMod val="300000"/>
+              </a:schemeClr>
+            </a:gs>
+            <a:gs pos="35000">
+              <a:schemeClr val="phClr">
+                <a:tint val="37000"/>
+                <a:satMod val="300000"/>
+              </a:schemeClr>
+            </a:gs>
+            <a:gs pos="100000">
+              <a:schemeClr val="phClr">
+                <a:tint val="15000"/>
+                <a:satMod val="350000"/>
+              </a:schemeClr>
+            </a:gs>
+          </a:gsLst>
+          <a:lin ang="16200000" scaled="1"/>
+        </a:gradFill>
+        <a:gradFill rotWithShape="1">
+          <a:gsLst>
+            <a:gs pos="0">
+              <a:schemeClr val="phClr">
+                <a:tint val="100000"/>
+                <a:shade val="100000"/>
+                <a:satMod val="130000"/>
+              </a:schemeClr>
+            </a:gs>
+            <a:gs pos="100000">
+              <a:schemeClr val="phClr">
+                <a:tint val="50000"/>
+                <a:shade val="100000"/>
+                <a:satMod val="350000"/>
+              </a:schemeClr>
+            </a:gs>
+          </a:gsLst>
+          <a:lin ang="16200000" scaled="0"/>
+        </a:gradFill>
+      </a:fillStyleLst>
+      <a:lnStyleLst>
+        <a:ln w="9525" cap="flat" cmpd="sng" algn="ctr">
+          <a:solidFill>
+            <a:schemeClr val="phClr">
+              <a:shade val="95000"/>
+              <a:satMod val="105000"/>
+            </a:schemeClr>
+          </a:solidFill>
+          <a:prstDash val="solid"/>
+        </a:ln>
+        <a:ln w="25400" cap="flat" cmpd="sng" algn="ctr">
+          <a:solidFill>
+            <a:schemeClr val="phClr"/>
+          </a:solidFill>
+          <a:prstDash val="solid"/>
+        </a:ln>
+        <a:ln w="38100" cap="flat" cmpd="sng" algn="ctr">
+          <a:solidFill>
+            <a:schemeClr val="phClr"/>
+          </a:solidFill>
+          <a:prstDash val="solid"/>
+        </a:ln>
+      </a:lnStyleLst>
+      <a:effectStyleLst>
+        <a:effectStyle>
+          <a:effectLst>
+            <a:outerShdw blurRad="40000" dist="20000" dir="5400000" rotWithShape="0">
+              <a:srgbClr val="000000">
+                <a:alpha val="38000"/>
+              </a:srgbClr>
+            </a:outerShdw>
+          </a:effectLst>
+        </a:effectStyle>
+        <a:effectStyle>
+          <a:effectLst>
+            <a:outerShdw blurRad="40000" dist="23000" dir="5400000" rotWithShape="0">
+              <a:srgbClr val="000000">
+                <a:alpha val="35000"/>
+              </a:srgbClr>
+            </a:outerShdw>
+          </a:effectLst>
+        </a:effectStyle>
+        <a:effectStyle>
+          <a:effectLst>
+            <a:outerShdw blurRad="40000" dist="23000" dir="5400000" rotWithShape="0">
+              <a:srgbClr val="000000">
+                <a:alpha val="35000"/>
+              </a:srgbClr>
+            </a:outerShdw>
+          </a:effectLst>
+          <a:scene3d>
+            <a:camera prst="orthographicFront">
+              <a:rot lat="0" lon="0" rev="0"/>
+            </a:camera>
+            <a:lightRig rig="threePt" dir="t">
+              <a:rot lat="0" lon="0" rev="1200000"/>
+            </a:lightRig>
+          </a:scene3d>
+          <a:sp3d>
+            <a:bevelT w="63500" h="25400"/>
+          </a:sp3d>
+        </a:effectStyle>
+      </a:effectStyleLst>
+      <a:bgFillStyleLst>
+        <a:solidFill>
+          <a:schemeClr val="phClr"/>
+        </a:solidFill>
+        <a:gradFill rotWithShape="1">
+          <a:gsLst>
+            <a:gs pos="0">
+              <a:schemeClr val="phClr">
+                <a:tint val="40000"/>
+                <a:satMod val="350000"/>
+              </a:schemeClr>
+            </a:gs>
+            <a:gs pos="40000">
+              <a:schemeClr val="phClr">
+                <a:tint val="45000"/>
+                <a:shade val="99000"/>
+                <a:satMod val="350000"/>
+              </a:schemeClr>
+            </a:gs>
+            <a:gs pos="100000">
+              <a:schemeClr val="phClr">
+                <a:shade val="20000"/>
+                <a:satMod val="255000"/>
+              </a:schemeClr>
+            </a:gs>
+          </a:gsLst>
+          <a:path path="circle">
+            <a:fillToRect l="50000" t="-80000" r="50000" b="180000"/>
+          </a:path>
+        </a:gradFill>
+        <a:gradFill rotWithShape="1">
+          <a:gsLst>
+            <a:gs pos="0">
+              <a:schemeClr val="phClr">
+                <a:tint val="80000"/>
+                <a:satMod val="300000"/>
+              </a:schemeClr>
+            </a:gs>
+            <a:gs pos="100000">
+              <a:schemeClr val="phClr">
+                <a:shade val="30000"/>
+                <a:satMod val="200000"/>
+              </a:schemeClr>
+            </a:gs>
+          </a:gsLst>
+          <a:path path="circle">
+            <a:fillToRect l="50000" t="50000" r="50000" b="50000"/>
+          </a:path>
+        </a:gradFill>
+      </a:bgFillStyleLst>
+    </a:fmtScheme>
+  </a:themeElements>
+  <a:objectDefaults/>
+  <a:extraClrSchemeLst/>
+</a:theme>
+</file>
+
+<file path=ppt/theme/theme2.xml><?xml version="1.0" encoding="utf-8"?>
+<a:theme xmlns:a="http://schemas.openxmlformats.org/drawingml/2006/main" name="Custom Theme">
   <a:themeElements>
     <a:clrScheme name="Default">
       <a:dk1>
@@ -12622,284 +14742,7 @@
       </a:bgFillStyleLst>
     </a:fmtScheme>
   </a:themeElements>
-</a:theme>
-</file>
-
-<file path=ppt/theme/theme2.xml><?xml version="1.0" encoding="utf-8"?>
-<a:theme xmlns:a="http://schemas.openxmlformats.org/drawingml/2006/main" xmlns:r="http://schemas.openxmlformats.org/officeDocument/2006/relationships" name="spearmint">
-  <a:themeElements>
-    <a:clrScheme name="Spearmint">
-      <a:dk1>
-        <a:srgbClr val="202729"/>
-      </a:dk1>
-      <a:lt1>
-        <a:srgbClr val="FFFFFF"/>
-      </a:lt1>
-      <a:dk2>
-        <a:srgbClr val="4BA173"/>
-      </a:dk2>
-      <a:lt2>
-        <a:srgbClr val="63D297"/>
-      </a:lt2>
-      <a:accent1>
-        <a:srgbClr val="353744"/>
-      </a:accent1>
-      <a:accent2>
-        <a:srgbClr val="424242"/>
-      </a:accent2>
-      <a:accent3>
-        <a:srgbClr val="616161"/>
-      </a:accent3>
-      <a:accent4>
-        <a:srgbClr val="999999"/>
-      </a:accent4>
-      <a:accent5>
-        <a:srgbClr val="FF5252"/>
-      </a:accent5>
-      <a:accent6>
-        <a:srgbClr val="FFF176"/>
-      </a:accent6>
-      <a:hlink>
-        <a:srgbClr val="FF5252"/>
-      </a:hlink>
-      <a:folHlink>
-        <a:srgbClr val="FF5252"/>
-      </a:folHlink>
-    </a:clrScheme>
-    <a:fontScheme name="Office">
-      <a:majorFont>
-        <a:latin typeface="Arial"/>
-        <a:ea typeface=""/>
-        <a:cs typeface=""/>
-        <a:font script="Jpan" typeface="ＭＳ Ｐゴシック"/>
-        <a:font script="Hang" typeface="맑은 고딕"/>
-        <a:font script="Hans" typeface="宋体"/>
-        <a:font script="Hant" typeface="新細明體"/>
-        <a:font script="Arab" typeface="Times New Roman"/>
-        <a:font script="Hebr" typeface="Times New Roman"/>
-        <a:font script="Thai" typeface="Angsana New"/>
-        <a:font script="Ethi" typeface="Nyala"/>
-        <a:font script="Beng" typeface="Vrinda"/>
-        <a:font script="Gujr" typeface="Shruti"/>
-        <a:font script="Khmr" typeface="MoolBoran"/>
-        <a:font script="Knda" typeface="Tunga"/>
-        <a:font script="Guru" typeface="Raavi"/>
-        <a:font script="Cans" typeface="Euphemia"/>
-        <a:font script="Cher" typeface="Plantagenet Cherokee"/>
-        <a:font script="Yiii" typeface="Microsoft Yi Baiti"/>
-        <a:font script="Tibt" typeface="Microsoft Himalaya"/>
-        <a:font script="Thaa" typeface="MV Boli"/>
-        <a:font script="Deva" typeface="Mangal"/>
-        <a:font script="Telu" typeface="Gautami"/>
-        <a:font script="Taml" typeface="Latha"/>
-        <a:font script="Syrc" typeface="Estrangelo Edessa"/>
-        <a:font script="Orya" typeface="Kalinga"/>
-        <a:font script="Mlym" typeface="Kartika"/>
-        <a:font script="Laoo" typeface="DokChampa"/>
-        <a:font script="Sinh" typeface="Iskoola Pota"/>
-        <a:font script="Mong" typeface="Mongolian Baiti"/>
-        <a:font script="Viet" typeface="Times New Roman"/>
-        <a:font script="Uigh" typeface="Microsoft Uighur"/>
-        <a:font script="Geor" typeface="Sylfaen"/>
-      </a:majorFont>
-      <a:minorFont>
-        <a:latin typeface="Arial"/>
-        <a:ea typeface=""/>
-        <a:cs typeface=""/>
-        <a:font script="Jpan" typeface="ＭＳ Ｐゴシック"/>
-        <a:font script="Hang" typeface="맑은 고딕"/>
-        <a:font script="Hans" typeface="宋体"/>
-        <a:font script="Hant" typeface="新細明體"/>
-        <a:font script="Arab" typeface="Arial"/>
-        <a:font script="Hebr" typeface="Arial"/>
-        <a:font script="Thai" typeface="Cordia New"/>
-        <a:font script="Ethi" typeface="Nyala"/>
-        <a:font script="Beng" typeface="Vrinda"/>
-        <a:font script="Gujr" typeface="Shruti"/>
-        <a:font script="Khmr" typeface="DaunPenh"/>
-        <a:font script="Knda" typeface="Tunga"/>
-        <a:font script="Guru" typeface="Raavi"/>
-        <a:font script="Cans" typeface="Euphemia"/>
-        <a:font script="Cher" typeface="Plantagenet Cherokee"/>
-        <a:font script="Yiii" typeface="Microsoft Yi Baiti"/>
-        <a:font script="Tibt" typeface="Microsoft Himalaya"/>
-        <a:font script="Thaa" typeface="MV Boli"/>
-        <a:font script="Deva" typeface="Mangal"/>
-        <a:font script="Telu" typeface="Gautami"/>
-        <a:font script="Taml" typeface="Latha"/>
-        <a:font script="Syrc" typeface="Estrangelo Edessa"/>
-        <a:font script="Orya" typeface="Kalinga"/>
-        <a:font script="Mlym" typeface="Kartika"/>
-        <a:font script="Laoo" typeface="DokChampa"/>
-        <a:font script="Sinh" typeface="Iskoola Pota"/>
-        <a:font script="Mong" typeface="Mongolian Baiti"/>
-        <a:font script="Viet" typeface="Arial"/>
-        <a:font script="Uigh" typeface="Microsoft Uighur"/>
-        <a:font script="Geor" typeface="Sylfaen"/>
-      </a:minorFont>
-    </a:fontScheme>
-    <a:fmtScheme name="Office">
-      <a:fillStyleLst>
-        <a:solidFill>
-          <a:schemeClr val="phClr"/>
-        </a:solidFill>
-        <a:gradFill rotWithShape="1">
-          <a:gsLst>
-            <a:gs pos="0">
-              <a:schemeClr val="phClr">
-                <a:tint val="50000"/>
-                <a:satMod val="300000"/>
-              </a:schemeClr>
-            </a:gs>
-            <a:gs pos="35000">
-              <a:schemeClr val="phClr">
-                <a:tint val="37000"/>
-                <a:satMod val="300000"/>
-              </a:schemeClr>
-            </a:gs>
-            <a:gs pos="100000">
-              <a:schemeClr val="phClr">
-                <a:tint val="15000"/>
-                <a:satMod val="350000"/>
-              </a:schemeClr>
-            </a:gs>
-          </a:gsLst>
-          <a:lin ang="16200000" scaled="1"/>
-        </a:gradFill>
-        <a:gradFill rotWithShape="1">
-          <a:gsLst>
-            <a:gs pos="0">
-              <a:schemeClr val="phClr">
-                <a:tint val="100000"/>
-                <a:shade val="100000"/>
-                <a:satMod val="130000"/>
-              </a:schemeClr>
-            </a:gs>
-            <a:gs pos="100000">
-              <a:schemeClr val="phClr">
-                <a:tint val="50000"/>
-                <a:shade val="100000"/>
-                <a:satMod val="350000"/>
-              </a:schemeClr>
-            </a:gs>
-          </a:gsLst>
-          <a:lin ang="16200000" scaled="0"/>
-        </a:gradFill>
-      </a:fillStyleLst>
-      <a:lnStyleLst>
-        <a:ln w="9525" cap="flat" cmpd="sng" algn="ctr">
-          <a:solidFill>
-            <a:schemeClr val="phClr">
-              <a:shade val="95000"/>
-              <a:satMod val="105000"/>
-            </a:schemeClr>
-          </a:solidFill>
-          <a:prstDash val="solid"/>
-        </a:ln>
-        <a:ln w="25400" cap="flat" cmpd="sng" algn="ctr">
-          <a:solidFill>
-            <a:schemeClr val="phClr"/>
-          </a:solidFill>
-          <a:prstDash val="solid"/>
-        </a:ln>
-        <a:ln w="38100" cap="flat" cmpd="sng" algn="ctr">
-          <a:solidFill>
-            <a:schemeClr val="phClr"/>
-          </a:solidFill>
-          <a:prstDash val="solid"/>
-        </a:ln>
-      </a:lnStyleLst>
-      <a:effectStyleLst>
-        <a:effectStyle>
-          <a:effectLst>
-            <a:outerShdw blurRad="40000" dist="20000" dir="5400000" rotWithShape="0">
-              <a:srgbClr val="000000">
-                <a:alpha val="38000"/>
-              </a:srgbClr>
-            </a:outerShdw>
-          </a:effectLst>
-        </a:effectStyle>
-        <a:effectStyle>
-          <a:effectLst>
-            <a:outerShdw blurRad="40000" dist="23000" dir="5400000" rotWithShape="0">
-              <a:srgbClr val="000000">
-                <a:alpha val="35000"/>
-              </a:srgbClr>
-            </a:outerShdw>
-          </a:effectLst>
-        </a:effectStyle>
-        <a:effectStyle>
-          <a:effectLst>
-            <a:outerShdw blurRad="40000" dist="23000" dir="5400000" rotWithShape="0">
-              <a:srgbClr val="000000">
-                <a:alpha val="35000"/>
-              </a:srgbClr>
-            </a:outerShdw>
-          </a:effectLst>
-          <a:scene3d>
-            <a:camera prst="orthographicFront">
-              <a:rot lat="0" lon="0" rev="0"/>
-            </a:camera>
-            <a:lightRig rig="threePt" dir="t">
-              <a:rot lat="0" lon="0" rev="1200000"/>
-            </a:lightRig>
-          </a:scene3d>
-          <a:sp3d>
-            <a:bevelT w="63500" h="25400"/>
-          </a:sp3d>
-        </a:effectStyle>
-      </a:effectStyleLst>
-      <a:bgFillStyleLst>
-        <a:solidFill>
-          <a:schemeClr val="phClr"/>
-        </a:solidFill>
-        <a:gradFill rotWithShape="1">
-          <a:gsLst>
-            <a:gs pos="0">
-              <a:schemeClr val="phClr">
-                <a:tint val="40000"/>
-                <a:satMod val="350000"/>
-              </a:schemeClr>
-            </a:gs>
-            <a:gs pos="40000">
-              <a:schemeClr val="phClr">
-                <a:tint val="45000"/>
-                <a:shade val="99000"/>
-                <a:satMod val="350000"/>
-              </a:schemeClr>
-            </a:gs>
-            <a:gs pos="100000">
-              <a:schemeClr val="phClr">
-                <a:shade val="20000"/>
-                <a:satMod val="255000"/>
-              </a:schemeClr>
-            </a:gs>
-          </a:gsLst>
-          <a:path path="circle">
-            <a:fillToRect l="50000" t="-80000" r="50000" b="180000"/>
-          </a:path>
-        </a:gradFill>
-        <a:gradFill rotWithShape="1">
-          <a:gsLst>
-            <a:gs pos="0">
-              <a:schemeClr val="phClr">
-                <a:tint val="80000"/>
-                <a:satMod val="300000"/>
-              </a:schemeClr>
-            </a:gs>
-            <a:gs pos="100000">
-              <a:schemeClr val="phClr">
-                <a:shade val="30000"/>
-                <a:satMod val="200000"/>
-              </a:schemeClr>
-            </a:gs>
-          </a:gsLst>
-          <a:path path="circle">
-            <a:fillToRect l="50000" t="50000" r="50000" b="50000"/>
-          </a:path>
-        </a:gradFill>
-      </a:bgFillStyleLst>
-    </a:fmtScheme>
-  </a:themeElements>
+  <a:objectDefaults/>
+  <a:extraClrSchemeLst/>
 </a:theme>
 </file>
--- a/pptx/PureScript- JS.la presentation.pptx
+++ b/pptx/PureScript- JS.la presentation.pptx
@@ -5,26 +5,27 @@
     <p:sldMasterId id="2147483659" r:id="rId1"/>
   </p:sldMasterIdLst>
   <p:notesMasterIdLst>
-    <p:notesMasterId r:id="rId19"/>
+    <p:notesMasterId r:id="rId20"/>
   </p:notesMasterIdLst>
   <p:sldIdLst>
     <p:sldId id="256" r:id="rId2"/>
     <p:sldId id="257" r:id="rId3"/>
     <p:sldId id="267" r:id="rId4"/>
     <p:sldId id="268" r:id="rId5"/>
-    <p:sldId id="269" r:id="rId6"/>
-    <p:sldId id="270" r:id="rId7"/>
-    <p:sldId id="271" r:id="rId8"/>
-    <p:sldId id="272" r:id="rId9"/>
-    <p:sldId id="258" r:id="rId10"/>
-    <p:sldId id="259" r:id="rId11"/>
-    <p:sldId id="260" r:id="rId12"/>
-    <p:sldId id="261" r:id="rId13"/>
-    <p:sldId id="262" r:id="rId14"/>
-    <p:sldId id="263" r:id="rId15"/>
-    <p:sldId id="264" r:id="rId16"/>
-    <p:sldId id="265" r:id="rId17"/>
-    <p:sldId id="266" r:id="rId18"/>
+    <p:sldId id="270" r:id="rId6"/>
+    <p:sldId id="269" r:id="rId7"/>
+    <p:sldId id="273" r:id="rId8"/>
+    <p:sldId id="271" r:id="rId9"/>
+    <p:sldId id="272" r:id="rId10"/>
+    <p:sldId id="258" r:id="rId11"/>
+    <p:sldId id="259" r:id="rId12"/>
+    <p:sldId id="260" r:id="rId13"/>
+    <p:sldId id="261" r:id="rId14"/>
+    <p:sldId id="262" r:id="rId15"/>
+    <p:sldId id="263" r:id="rId16"/>
+    <p:sldId id="264" r:id="rId17"/>
+    <p:sldId id="265" r:id="rId18"/>
+    <p:sldId id="266" r:id="rId19"/>
   </p:sldIdLst>
   <p:sldSz cx="9144000" cy="5143500" type="screen16x9"/>
   <p:notesSz cx="6858000" cy="9144000"/>
@@ -5754,6 +5755,2064 @@
   <p:cSld>
     <p:spTree>
       <p:nvGrpSpPr>
+        <p:cNvPr id="1" name="Shape 75"/>
+        <p:cNvGrpSpPr/>
+        <p:nvPr/>
+      </p:nvGrpSpPr>
+      <p:grpSpPr>
+        <a:xfrm>
+          <a:off x="0" y="0"/>
+          <a:ext cx="0" cy="0"/>
+          <a:chOff x="0" y="0"/>
+          <a:chExt cx="0" cy="0"/>
+        </a:xfrm>
+      </p:grpSpPr>
+      <p:sp>
+        <p:nvSpPr>
+          <p:cNvPr id="76" name="Shape 76"/>
+          <p:cNvSpPr txBox="1">
+            <a:spLocks noGrp="1"/>
+          </p:cNvSpPr>
+          <p:nvPr>
+            <p:ph type="title"/>
+          </p:nvPr>
+        </p:nvSpPr>
+        <p:spPr>
+          <a:xfrm>
+            <a:off x="311700" y="445025"/>
+            <a:ext cx="8520600" cy="572700"/>
+          </a:xfrm>
+          <a:prstGeom prst="rect">
+            <a:avLst/>
+          </a:prstGeom>
+        </p:spPr>
+        <p:txBody>
+          <a:bodyPr lIns="91425" tIns="91425" rIns="91425" bIns="91425" anchor="t" anchorCtr="0">
+            <a:noAutofit/>
+          </a:bodyPr>
+          <a:lstStyle/>
+          <a:p>
+            <a:pPr lvl="0">
+              <a:spcBef>
+                <a:spcPts val="0"/>
+              </a:spcBef>
+              <a:buNone/>
+            </a:pPr>
+            <a:r>
+              <a:rPr lang="en"/>
+              <a:t>Monads in JavaScript</a:t>
+            </a:r>
+          </a:p>
+        </p:txBody>
+      </p:sp>
+      <p:sp>
+        <p:nvSpPr>
+          <p:cNvPr id="77" name="Shape 77"/>
+          <p:cNvSpPr txBox="1">
+            <a:spLocks noGrp="1"/>
+          </p:cNvSpPr>
+          <p:nvPr>
+            <p:ph type="body" idx="1"/>
+          </p:nvPr>
+        </p:nvSpPr>
+        <p:spPr>
+          <a:xfrm>
+            <a:off x="311700" y="1152475"/>
+            <a:ext cx="3925500" cy="3761400"/>
+          </a:xfrm>
+          <a:prstGeom prst="rect">
+            <a:avLst/>
+          </a:prstGeom>
+        </p:spPr>
+        <p:txBody>
+          <a:bodyPr lIns="91425" tIns="91425" rIns="91425" bIns="91425" anchor="t" anchorCtr="0">
+            <a:noAutofit/>
+          </a:bodyPr>
+          <a:lstStyle/>
+          <a:p>
+            <a:pPr lvl="0" rtl="0">
+              <a:lnSpc>
+                <a:spcPct val="142857"/>
+              </a:lnSpc>
+              <a:spcBef>
+                <a:spcPts val="0"/>
+              </a:spcBef>
+              <a:spcAft>
+                <a:spcPts val="0"/>
+              </a:spcAft>
+              <a:buNone/>
+            </a:pPr>
+            <a:r>
+              <a:rPr lang="en" sz="600">
+                <a:solidFill>
+                  <a:srgbClr val="969896"/>
+                </a:solidFill>
+                <a:highlight>
+                  <a:srgbClr val="FFFFFF"/>
+                </a:highlight>
+                <a:latin typeface="Consolas"/>
+                <a:ea typeface="Consolas"/>
+                <a:cs typeface="Consolas"/>
+                <a:sym typeface="Consolas"/>
+              </a:rPr>
+              <a:t>// monad.js</a:t>
+            </a:r>
+          </a:p>
+          <a:p>
+            <a:pPr lvl="0" rtl="0">
+              <a:lnSpc>
+                <a:spcPct val="142857"/>
+              </a:lnSpc>
+              <a:spcBef>
+                <a:spcPts val="0"/>
+              </a:spcBef>
+              <a:spcAft>
+                <a:spcPts val="0"/>
+              </a:spcAft>
+              <a:buNone/>
+            </a:pPr>
+            <a:r>
+              <a:rPr lang="en" sz="600">
+                <a:solidFill>
+                  <a:srgbClr val="969896"/>
+                </a:solidFill>
+                <a:highlight>
+                  <a:srgbClr val="FFFFFF"/>
+                </a:highlight>
+                <a:latin typeface="Consolas"/>
+                <a:ea typeface="Consolas"/>
+                <a:cs typeface="Consolas"/>
+                <a:sym typeface="Consolas"/>
+              </a:rPr>
+              <a:t>// Douglas Crockford</a:t>
+            </a:r>
+          </a:p>
+          <a:p>
+            <a:pPr lvl="0" rtl="0">
+              <a:lnSpc>
+                <a:spcPct val="142857"/>
+              </a:lnSpc>
+              <a:spcBef>
+                <a:spcPts val="0"/>
+              </a:spcBef>
+              <a:spcAft>
+                <a:spcPts val="0"/>
+              </a:spcAft>
+              <a:buNone/>
+            </a:pPr>
+            <a:r>
+              <a:rPr lang="en" sz="600">
+                <a:solidFill>
+                  <a:srgbClr val="969896"/>
+                </a:solidFill>
+                <a:highlight>
+                  <a:srgbClr val="FFFFFF"/>
+                </a:highlight>
+                <a:latin typeface="Consolas"/>
+                <a:ea typeface="Consolas"/>
+                <a:cs typeface="Consolas"/>
+                <a:sym typeface="Consolas"/>
+              </a:rPr>
+              <a:t>// 2016-01-27</a:t>
+            </a:r>
+          </a:p>
+          <a:p>
+            <a:pPr lvl="0" rtl="0">
+              <a:lnSpc>
+                <a:spcPct val="142857"/>
+              </a:lnSpc>
+              <a:spcBef>
+                <a:spcPts val="0"/>
+              </a:spcBef>
+              <a:spcAft>
+                <a:spcPts val="0"/>
+              </a:spcAft>
+              <a:buNone/>
+            </a:pPr>
+            <a:r>
+              <a:rPr lang="en" sz="600">
+                <a:solidFill>
+                  <a:srgbClr val="24292E"/>
+                </a:solidFill>
+                <a:highlight>
+                  <a:srgbClr val="FFFFFF"/>
+                </a:highlight>
+                <a:latin typeface="Consolas"/>
+                <a:ea typeface="Consolas"/>
+                <a:cs typeface="Consolas"/>
+                <a:sym typeface="Consolas"/>
+              </a:rPr>
+              <a:t/>
+            </a:r>
+            <a:br>
+              <a:rPr lang="en" sz="600">
+                <a:solidFill>
+                  <a:srgbClr val="24292E"/>
+                </a:solidFill>
+                <a:highlight>
+                  <a:srgbClr val="FFFFFF"/>
+                </a:highlight>
+                <a:latin typeface="Consolas"/>
+                <a:ea typeface="Consolas"/>
+                <a:cs typeface="Consolas"/>
+                <a:sym typeface="Consolas"/>
+              </a:rPr>
+            </a:br>
+            <a:endParaRPr lang="en" sz="600">
+              <a:solidFill>
+                <a:srgbClr val="24292E"/>
+              </a:solidFill>
+              <a:highlight>
+                <a:srgbClr val="FFFFFF"/>
+              </a:highlight>
+              <a:latin typeface="Consolas"/>
+              <a:ea typeface="Consolas"/>
+              <a:cs typeface="Consolas"/>
+              <a:sym typeface="Consolas"/>
+            </a:endParaRPr>
+          </a:p>
+          <a:p>
+            <a:pPr lvl="0" rtl="0">
+              <a:lnSpc>
+                <a:spcPct val="142857"/>
+              </a:lnSpc>
+              <a:spcBef>
+                <a:spcPts val="0"/>
+              </a:spcBef>
+              <a:spcAft>
+                <a:spcPts val="0"/>
+              </a:spcAft>
+              <a:buNone/>
+            </a:pPr>
+            <a:r>
+              <a:rPr lang="en" sz="600">
+                <a:solidFill>
+                  <a:srgbClr val="969896"/>
+                </a:solidFill>
+                <a:highlight>
+                  <a:srgbClr val="FFFFFF"/>
+                </a:highlight>
+                <a:latin typeface="Consolas"/>
+                <a:ea typeface="Consolas"/>
+                <a:cs typeface="Consolas"/>
+                <a:sym typeface="Consolas"/>
+              </a:rPr>
+              <a:t>// Public Domain</a:t>
+            </a:r>
+          </a:p>
+          <a:p>
+            <a:pPr lvl="0" rtl="0">
+              <a:lnSpc>
+                <a:spcPct val="142857"/>
+              </a:lnSpc>
+              <a:spcBef>
+                <a:spcPts val="0"/>
+              </a:spcBef>
+              <a:spcAft>
+                <a:spcPts val="0"/>
+              </a:spcAft>
+              <a:buNone/>
+            </a:pPr>
+            <a:r>
+              <a:rPr lang="en" sz="600">
+                <a:solidFill>
+                  <a:srgbClr val="24292E"/>
+                </a:solidFill>
+                <a:highlight>
+                  <a:srgbClr val="FFFFFF"/>
+                </a:highlight>
+                <a:latin typeface="Consolas"/>
+                <a:ea typeface="Consolas"/>
+                <a:cs typeface="Consolas"/>
+                <a:sym typeface="Consolas"/>
+              </a:rPr>
+              <a:t/>
+            </a:r>
+            <a:br>
+              <a:rPr lang="en" sz="600">
+                <a:solidFill>
+                  <a:srgbClr val="24292E"/>
+                </a:solidFill>
+                <a:highlight>
+                  <a:srgbClr val="FFFFFF"/>
+                </a:highlight>
+                <a:latin typeface="Consolas"/>
+                <a:ea typeface="Consolas"/>
+                <a:cs typeface="Consolas"/>
+                <a:sym typeface="Consolas"/>
+              </a:rPr>
+            </a:br>
+            <a:endParaRPr lang="en" sz="600">
+              <a:solidFill>
+                <a:srgbClr val="24292E"/>
+              </a:solidFill>
+              <a:highlight>
+                <a:srgbClr val="FFFFFF"/>
+              </a:highlight>
+              <a:latin typeface="Consolas"/>
+              <a:ea typeface="Consolas"/>
+              <a:cs typeface="Consolas"/>
+              <a:sym typeface="Consolas"/>
+            </a:endParaRPr>
+          </a:p>
+          <a:p>
+            <a:pPr lvl="0" rtl="0">
+              <a:lnSpc>
+                <a:spcPct val="142857"/>
+              </a:lnSpc>
+              <a:spcBef>
+                <a:spcPts val="0"/>
+              </a:spcBef>
+              <a:spcAft>
+                <a:spcPts val="0"/>
+              </a:spcAft>
+              <a:buNone/>
+            </a:pPr>
+            <a:r>
+              <a:rPr lang="en" sz="600">
+                <a:solidFill>
+                  <a:srgbClr val="969896"/>
+                </a:solidFill>
+                <a:highlight>
+                  <a:srgbClr val="FFFFFF"/>
+                </a:highlight>
+                <a:latin typeface="Consolas"/>
+                <a:ea typeface="Consolas"/>
+                <a:cs typeface="Consolas"/>
+                <a:sym typeface="Consolas"/>
+              </a:rPr>
+              <a:t>// The MONAD function is a macroid that produces monad constructor functions.</a:t>
+            </a:r>
+          </a:p>
+          <a:p>
+            <a:pPr lvl="0" rtl="0">
+              <a:lnSpc>
+                <a:spcPct val="142857"/>
+              </a:lnSpc>
+              <a:spcBef>
+                <a:spcPts val="0"/>
+              </a:spcBef>
+              <a:spcAft>
+                <a:spcPts val="0"/>
+              </a:spcAft>
+              <a:buNone/>
+            </a:pPr>
+            <a:r>
+              <a:rPr lang="en" sz="600">
+                <a:solidFill>
+                  <a:srgbClr val="969896"/>
+                </a:solidFill>
+                <a:highlight>
+                  <a:srgbClr val="FFFFFF"/>
+                </a:highlight>
+                <a:latin typeface="Consolas"/>
+                <a:ea typeface="Consolas"/>
+                <a:cs typeface="Consolas"/>
+                <a:sym typeface="Consolas"/>
+              </a:rPr>
+              <a:t>// It can take an optional modifier function, which is a function that is</a:t>
+            </a:r>
+          </a:p>
+          <a:p>
+            <a:pPr lvl="0" rtl="0">
+              <a:lnSpc>
+                <a:spcPct val="142857"/>
+              </a:lnSpc>
+              <a:spcBef>
+                <a:spcPts val="0"/>
+              </a:spcBef>
+              <a:spcAft>
+                <a:spcPts val="0"/>
+              </a:spcAft>
+              <a:buNone/>
+            </a:pPr>
+            <a:r>
+              <a:rPr lang="en" sz="600">
+                <a:solidFill>
+                  <a:srgbClr val="969896"/>
+                </a:solidFill>
+                <a:highlight>
+                  <a:srgbClr val="FFFFFF"/>
+                </a:highlight>
+                <a:latin typeface="Consolas"/>
+                <a:ea typeface="Consolas"/>
+                <a:cs typeface="Consolas"/>
+                <a:sym typeface="Consolas"/>
+              </a:rPr>
+              <a:t>// allowed to modify new monads at the end of the construction processes.</a:t>
+            </a:r>
+          </a:p>
+          <a:p>
+            <a:pPr lvl="0" rtl="0">
+              <a:lnSpc>
+                <a:spcPct val="142857"/>
+              </a:lnSpc>
+              <a:spcBef>
+                <a:spcPts val="0"/>
+              </a:spcBef>
+              <a:spcAft>
+                <a:spcPts val="0"/>
+              </a:spcAft>
+              <a:buNone/>
+            </a:pPr>
+            <a:r>
+              <a:rPr lang="en" sz="600">
+                <a:solidFill>
+                  <a:srgbClr val="24292E"/>
+                </a:solidFill>
+                <a:highlight>
+                  <a:srgbClr val="FFFFFF"/>
+                </a:highlight>
+                <a:latin typeface="Consolas"/>
+                <a:ea typeface="Consolas"/>
+                <a:cs typeface="Consolas"/>
+                <a:sym typeface="Consolas"/>
+              </a:rPr>
+              <a:t/>
+            </a:r>
+            <a:br>
+              <a:rPr lang="en" sz="600">
+                <a:solidFill>
+                  <a:srgbClr val="24292E"/>
+                </a:solidFill>
+                <a:highlight>
+                  <a:srgbClr val="FFFFFF"/>
+                </a:highlight>
+                <a:latin typeface="Consolas"/>
+                <a:ea typeface="Consolas"/>
+                <a:cs typeface="Consolas"/>
+                <a:sym typeface="Consolas"/>
+              </a:rPr>
+            </a:br>
+            <a:endParaRPr lang="en" sz="600">
+              <a:solidFill>
+                <a:srgbClr val="24292E"/>
+              </a:solidFill>
+              <a:highlight>
+                <a:srgbClr val="FFFFFF"/>
+              </a:highlight>
+              <a:latin typeface="Consolas"/>
+              <a:ea typeface="Consolas"/>
+              <a:cs typeface="Consolas"/>
+              <a:sym typeface="Consolas"/>
+            </a:endParaRPr>
+          </a:p>
+          <a:p>
+            <a:pPr lvl="0" rtl="0">
+              <a:lnSpc>
+                <a:spcPct val="142857"/>
+              </a:lnSpc>
+              <a:spcBef>
+                <a:spcPts val="0"/>
+              </a:spcBef>
+              <a:spcAft>
+                <a:spcPts val="0"/>
+              </a:spcAft>
+              <a:buNone/>
+            </a:pPr>
+            <a:r>
+              <a:rPr lang="en" sz="600">
+                <a:solidFill>
+                  <a:srgbClr val="969896"/>
+                </a:solidFill>
+                <a:highlight>
+                  <a:srgbClr val="FFFFFF"/>
+                </a:highlight>
+                <a:latin typeface="Consolas"/>
+                <a:ea typeface="Consolas"/>
+                <a:cs typeface="Consolas"/>
+                <a:sym typeface="Consolas"/>
+              </a:rPr>
+              <a:t>// A monad constructor (sometimes called 'unit' or 'return' in some mythologies)</a:t>
+            </a:r>
+          </a:p>
+          <a:p>
+            <a:pPr lvl="0" rtl="0">
+              <a:lnSpc>
+                <a:spcPct val="142857"/>
+              </a:lnSpc>
+              <a:spcBef>
+                <a:spcPts val="0"/>
+              </a:spcBef>
+              <a:spcAft>
+                <a:spcPts val="0"/>
+              </a:spcAft>
+              <a:buNone/>
+            </a:pPr>
+            <a:r>
+              <a:rPr lang="en" sz="600">
+                <a:solidFill>
+                  <a:srgbClr val="969896"/>
+                </a:solidFill>
+                <a:highlight>
+                  <a:srgbClr val="FFFFFF"/>
+                </a:highlight>
+                <a:latin typeface="Consolas"/>
+                <a:ea typeface="Consolas"/>
+                <a:cs typeface="Consolas"/>
+                <a:sym typeface="Consolas"/>
+              </a:rPr>
+              <a:t>// comes with three methods, lift, lift_value, and method, all of which can add</a:t>
+            </a:r>
+          </a:p>
+          <a:p>
+            <a:pPr lvl="0" rtl="0">
+              <a:lnSpc>
+                <a:spcPct val="142857"/>
+              </a:lnSpc>
+              <a:spcBef>
+                <a:spcPts val="0"/>
+              </a:spcBef>
+              <a:spcAft>
+                <a:spcPts val="0"/>
+              </a:spcAft>
+              <a:buNone/>
+            </a:pPr>
+            <a:r>
+              <a:rPr lang="en" sz="600">
+                <a:solidFill>
+                  <a:srgbClr val="969896"/>
+                </a:solidFill>
+                <a:highlight>
+                  <a:srgbClr val="FFFFFF"/>
+                </a:highlight>
+                <a:latin typeface="Consolas"/>
+                <a:ea typeface="Consolas"/>
+                <a:cs typeface="Consolas"/>
+                <a:sym typeface="Consolas"/>
+              </a:rPr>
+              <a:t>// methods and properties to the monad's prototype.</a:t>
+            </a:r>
+          </a:p>
+          <a:p>
+            <a:pPr lvl="0" rtl="0">
+              <a:lnSpc>
+                <a:spcPct val="142857"/>
+              </a:lnSpc>
+              <a:spcBef>
+                <a:spcPts val="0"/>
+              </a:spcBef>
+              <a:spcAft>
+                <a:spcPts val="0"/>
+              </a:spcAft>
+              <a:buNone/>
+            </a:pPr>
+            <a:r>
+              <a:rPr lang="en" sz="600">
+                <a:solidFill>
+                  <a:srgbClr val="24292E"/>
+                </a:solidFill>
+                <a:highlight>
+                  <a:srgbClr val="FFFFFF"/>
+                </a:highlight>
+                <a:latin typeface="Consolas"/>
+                <a:ea typeface="Consolas"/>
+                <a:cs typeface="Consolas"/>
+                <a:sym typeface="Consolas"/>
+              </a:rPr>
+              <a:t/>
+            </a:r>
+            <a:br>
+              <a:rPr lang="en" sz="600">
+                <a:solidFill>
+                  <a:srgbClr val="24292E"/>
+                </a:solidFill>
+                <a:highlight>
+                  <a:srgbClr val="FFFFFF"/>
+                </a:highlight>
+                <a:latin typeface="Consolas"/>
+                <a:ea typeface="Consolas"/>
+                <a:cs typeface="Consolas"/>
+                <a:sym typeface="Consolas"/>
+              </a:rPr>
+            </a:br>
+            <a:endParaRPr lang="en" sz="600">
+              <a:solidFill>
+                <a:srgbClr val="24292E"/>
+              </a:solidFill>
+              <a:highlight>
+                <a:srgbClr val="FFFFFF"/>
+              </a:highlight>
+              <a:latin typeface="Consolas"/>
+              <a:ea typeface="Consolas"/>
+              <a:cs typeface="Consolas"/>
+              <a:sym typeface="Consolas"/>
+            </a:endParaRPr>
+          </a:p>
+          <a:p>
+            <a:pPr lvl="0" rtl="0">
+              <a:lnSpc>
+                <a:spcPct val="142857"/>
+              </a:lnSpc>
+              <a:spcBef>
+                <a:spcPts val="0"/>
+              </a:spcBef>
+              <a:spcAft>
+                <a:spcPts val="0"/>
+              </a:spcAft>
+              <a:buNone/>
+            </a:pPr>
+            <a:r>
+              <a:rPr lang="en" sz="600">
+                <a:solidFill>
+                  <a:srgbClr val="969896"/>
+                </a:solidFill>
+                <a:highlight>
+                  <a:srgbClr val="FFFFFF"/>
+                </a:highlight>
+                <a:latin typeface="Consolas"/>
+                <a:ea typeface="Consolas"/>
+                <a:cs typeface="Consolas"/>
+                <a:sym typeface="Consolas"/>
+              </a:rPr>
+              <a:t>// A monad has a 'bind' method that takes a function that receives a value and</a:t>
+            </a:r>
+          </a:p>
+          <a:p>
+            <a:pPr lvl="0" rtl="0">
+              <a:lnSpc>
+                <a:spcPct val="142857"/>
+              </a:lnSpc>
+              <a:spcBef>
+                <a:spcPts val="0"/>
+              </a:spcBef>
+              <a:spcAft>
+                <a:spcPts val="0"/>
+              </a:spcAft>
+              <a:buNone/>
+            </a:pPr>
+            <a:r>
+              <a:rPr lang="en" sz="600">
+                <a:solidFill>
+                  <a:srgbClr val="969896"/>
+                </a:solidFill>
+                <a:highlight>
+                  <a:srgbClr val="FFFFFF"/>
+                </a:highlight>
+                <a:latin typeface="Consolas"/>
+                <a:ea typeface="Consolas"/>
+                <a:cs typeface="Consolas"/>
+                <a:sym typeface="Consolas"/>
+              </a:rPr>
+              <a:t>// is usually expected to return a monad.</a:t>
+            </a:r>
+          </a:p>
+          <a:p>
+            <a:pPr lvl="0" rtl="0">
+              <a:lnSpc>
+                <a:spcPct val="142857"/>
+              </a:lnSpc>
+              <a:spcBef>
+                <a:spcPts val="0"/>
+              </a:spcBef>
+              <a:spcAft>
+                <a:spcPts val="0"/>
+              </a:spcAft>
+              <a:buNone/>
+            </a:pPr>
+            <a:r>
+              <a:rPr lang="en" sz="600">
+                <a:solidFill>
+                  <a:srgbClr val="24292E"/>
+                </a:solidFill>
+                <a:highlight>
+                  <a:srgbClr val="FFFFFF"/>
+                </a:highlight>
+                <a:latin typeface="Consolas"/>
+                <a:ea typeface="Consolas"/>
+                <a:cs typeface="Consolas"/>
+                <a:sym typeface="Consolas"/>
+              </a:rPr>
+              <a:t/>
+            </a:r>
+            <a:br>
+              <a:rPr lang="en" sz="600">
+                <a:solidFill>
+                  <a:srgbClr val="24292E"/>
+                </a:solidFill>
+                <a:highlight>
+                  <a:srgbClr val="FFFFFF"/>
+                </a:highlight>
+                <a:latin typeface="Consolas"/>
+                <a:ea typeface="Consolas"/>
+                <a:cs typeface="Consolas"/>
+                <a:sym typeface="Consolas"/>
+              </a:rPr>
+            </a:br>
+            <a:endParaRPr lang="en" sz="600">
+              <a:solidFill>
+                <a:srgbClr val="24292E"/>
+              </a:solidFill>
+              <a:highlight>
+                <a:srgbClr val="FFFFFF"/>
+              </a:highlight>
+              <a:latin typeface="Consolas"/>
+              <a:ea typeface="Consolas"/>
+              <a:cs typeface="Consolas"/>
+              <a:sym typeface="Consolas"/>
+            </a:endParaRPr>
+          </a:p>
+          <a:p>
+            <a:pPr lvl="0" rtl="0">
+              <a:lnSpc>
+                <a:spcPct val="142857"/>
+              </a:lnSpc>
+              <a:spcBef>
+                <a:spcPts val="0"/>
+              </a:spcBef>
+              <a:spcAft>
+                <a:spcPts val="0"/>
+              </a:spcAft>
+              <a:buNone/>
+            </a:pPr>
+            <a:r>
+              <a:rPr lang="en" sz="600">
+                <a:solidFill>
+                  <a:srgbClr val="969896"/>
+                </a:solidFill>
+                <a:highlight>
+                  <a:srgbClr val="FFFFFF"/>
+                </a:highlight>
+                <a:latin typeface="Consolas"/>
+                <a:ea typeface="Consolas"/>
+                <a:cs typeface="Consolas"/>
+                <a:sym typeface="Consolas"/>
+              </a:rPr>
+              <a:t>//    var identity = MONAD();</a:t>
+            </a:r>
+          </a:p>
+          <a:p>
+            <a:pPr lvl="0" rtl="0">
+              <a:lnSpc>
+                <a:spcPct val="142857"/>
+              </a:lnSpc>
+              <a:spcBef>
+                <a:spcPts val="0"/>
+              </a:spcBef>
+              <a:spcAft>
+                <a:spcPts val="0"/>
+              </a:spcAft>
+              <a:buNone/>
+            </a:pPr>
+            <a:r>
+              <a:rPr lang="en" sz="600">
+                <a:solidFill>
+                  <a:srgbClr val="969896"/>
+                </a:solidFill>
+                <a:highlight>
+                  <a:srgbClr val="FFFFFF"/>
+                </a:highlight>
+                <a:latin typeface="Consolas"/>
+                <a:ea typeface="Consolas"/>
+                <a:cs typeface="Consolas"/>
+                <a:sym typeface="Consolas"/>
+              </a:rPr>
+              <a:t>//    var monad = identity("Hello world.");</a:t>
+            </a:r>
+          </a:p>
+          <a:p>
+            <a:pPr lvl="0" rtl="0">
+              <a:lnSpc>
+                <a:spcPct val="142857"/>
+              </a:lnSpc>
+              <a:spcBef>
+                <a:spcPts val="0"/>
+              </a:spcBef>
+              <a:spcAft>
+                <a:spcPts val="0"/>
+              </a:spcAft>
+              <a:buNone/>
+            </a:pPr>
+            <a:r>
+              <a:rPr lang="en" sz="600">
+                <a:solidFill>
+                  <a:srgbClr val="969896"/>
+                </a:solidFill>
+                <a:highlight>
+                  <a:srgbClr val="FFFFFF"/>
+                </a:highlight>
+                <a:latin typeface="Consolas"/>
+                <a:ea typeface="Consolas"/>
+                <a:cs typeface="Consolas"/>
+                <a:sym typeface="Consolas"/>
+              </a:rPr>
+              <a:t>//    monad.bind(alert);</a:t>
+            </a:r>
+          </a:p>
+        </p:txBody>
+      </p:sp>
+      <p:sp>
+        <p:nvSpPr>
+          <p:cNvPr id="78" name="Shape 78"/>
+          <p:cNvSpPr txBox="1"/>
+          <p:nvPr/>
+        </p:nvSpPr>
+        <p:spPr>
+          <a:xfrm>
+            <a:off x="4020350" y="293550"/>
+            <a:ext cx="4812000" cy="4569300"/>
+          </a:xfrm>
+          <a:prstGeom prst="rect">
+            <a:avLst/>
+          </a:prstGeom>
+          <a:noFill/>
+          <a:ln>
+            <a:noFill/>
+          </a:ln>
+        </p:spPr>
+        <p:txBody>
+          <a:bodyPr lIns="91425" tIns="91425" rIns="91425" bIns="91425" anchor="t" anchorCtr="0">
+            <a:noAutofit/>
+          </a:bodyPr>
+          <a:lstStyle/>
+          <a:p>
+            <a:pPr lvl="0" rtl="0">
+              <a:lnSpc>
+                <a:spcPct val="142857"/>
+              </a:lnSpc>
+              <a:spcBef>
+                <a:spcPts val="0"/>
+              </a:spcBef>
+              <a:buNone/>
+            </a:pPr>
+            <a:r>
+              <a:rPr lang="en" sz="600">
+                <a:solidFill>
+                  <a:srgbClr val="969896"/>
+                </a:solidFill>
+                <a:highlight>
+                  <a:srgbClr val="FFFFFF"/>
+                </a:highlight>
+                <a:latin typeface="Consolas"/>
+                <a:ea typeface="Consolas"/>
+                <a:cs typeface="Consolas"/>
+                <a:sym typeface="Consolas"/>
+              </a:rPr>
+              <a:t>//    var ajax = MONAD()</a:t>
+            </a:r>
+          </a:p>
+          <a:p>
+            <a:pPr lvl="0" rtl="0">
+              <a:lnSpc>
+                <a:spcPct val="142857"/>
+              </a:lnSpc>
+              <a:spcBef>
+                <a:spcPts val="0"/>
+              </a:spcBef>
+              <a:buNone/>
+            </a:pPr>
+            <a:r>
+              <a:rPr lang="en" sz="600">
+                <a:solidFill>
+                  <a:srgbClr val="969896"/>
+                </a:solidFill>
+                <a:highlight>
+                  <a:srgbClr val="FFFFFF"/>
+                </a:highlight>
+                <a:latin typeface="Consolas"/>
+                <a:ea typeface="Consolas"/>
+                <a:cs typeface="Consolas"/>
+                <a:sym typeface="Consolas"/>
+              </a:rPr>
+              <a:t>//        .lift('alert', alert);</a:t>
+            </a:r>
+          </a:p>
+          <a:p>
+            <a:pPr lvl="0" rtl="0">
+              <a:lnSpc>
+                <a:spcPct val="142857"/>
+              </a:lnSpc>
+              <a:spcBef>
+                <a:spcPts val="0"/>
+              </a:spcBef>
+              <a:buNone/>
+            </a:pPr>
+            <a:r>
+              <a:rPr lang="en" sz="600">
+                <a:solidFill>
+                  <a:srgbClr val="969896"/>
+                </a:solidFill>
+                <a:highlight>
+                  <a:srgbClr val="FFFFFF"/>
+                </a:highlight>
+                <a:latin typeface="Consolas"/>
+                <a:ea typeface="Consolas"/>
+                <a:cs typeface="Consolas"/>
+                <a:sym typeface="Consolas"/>
+              </a:rPr>
+              <a:t>//    var monad = ajax("Hello world.");</a:t>
+            </a:r>
+          </a:p>
+          <a:p>
+            <a:pPr lvl="0" rtl="0">
+              <a:lnSpc>
+                <a:spcPct val="142857"/>
+              </a:lnSpc>
+              <a:spcBef>
+                <a:spcPts val="0"/>
+              </a:spcBef>
+              <a:buNone/>
+            </a:pPr>
+            <a:r>
+              <a:rPr lang="en" sz="600">
+                <a:solidFill>
+                  <a:srgbClr val="969896"/>
+                </a:solidFill>
+                <a:highlight>
+                  <a:srgbClr val="FFFFFF"/>
+                </a:highlight>
+                <a:latin typeface="Consolas"/>
+                <a:ea typeface="Consolas"/>
+                <a:cs typeface="Consolas"/>
+                <a:sym typeface="Consolas"/>
+              </a:rPr>
+              <a:t>//    monad.alert();</a:t>
+            </a:r>
+          </a:p>
+          <a:p>
+            <a:pPr lvl="0" rtl="0">
+              <a:lnSpc>
+                <a:spcPct val="142857"/>
+              </a:lnSpc>
+              <a:spcBef>
+                <a:spcPts val="0"/>
+              </a:spcBef>
+              <a:buNone/>
+            </a:pPr>
+            <a:r>
+              <a:rPr lang="en" sz="600">
+                <a:solidFill>
+                  <a:srgbClr val="24292E"/>
+                </a:solidFill>
+                <a:highlight>
+                  <a:srgbClr val="FFFFFF"/>
+                </a:highlight>
+                <a:latin typeface="Consolas"/>
+                <a:ea typeface="Consolas"/>
+                <a:cs typeface="Consolas"/>
+                <a:sym typeface="Consolas"/>
+              </a:rPr>
+              <a:t/>
+            </a:r>
+            <a:br>
+              <a:rPr lang="en" sz="600">
+                <a:solidFill>
+                  <a:srgbClr val="24292E"/>
+                </a:solidFill>
+                <a:highlight>
+                  <a:srgbClr val="FFFFFF"/>
+                </a:highlight>
+                <a:latin typeface="Consolas"/>
+                <a:ea typeface="Consolas"/>
+                <a:cs typeface="Consolas"/>
+                <a:sym typeface="Consolas"/>
+              </a:rPr>
+            </a:br>
+            <a:endParaRPr lang="en" sz="600">
+              <a:solidFill>
+                <a:srgbClr val="24292E"/>
+              </a:solidFill>
+              <a:highlight>
+                <a:srgbClr val="FFFFFF"/>
+              </a:highlight>
+              <a:latin typeface="Consolas"/>
+              <a:ea typeface="Consolas"/>
+              <a:cs typeface="Consolas"/>
+              <a:sym typeface="Consolas"/>
+            </a:endParaRPr>
+          </a:p>
+          <a:p>
+            <a:pPr lvl="0" rtl="0">
+              <a:lnSpc>
+                <a:spcPct val="142857"/>
+              </a:lnSpc>
+              <a:spcBef>
+                <a:spcPts val="0"/>
+              </a:spcBef>
+              <a:buNone/>
+            </a:pPr>
+            <a:r>
+              <a:rPr lang="en" sz="600">
+                <a:solidFill>
+                  <a:srgbClr val="969896"/>
+                </a:solidFill>
+                <a:highlight>
+                  <a:srgbClr val="FFFFFF"/>
+                </a:highlight>
+                <a:latin typeface="Consolas"/>
+                <a:ea typeface="Consolas"/>
+                <a:cs typeface="Consolas"/>
+                <a:sym typeface="Consolas"/>
+              </a:rPr>
+              <a:t>//    var maybe = MONAD(function (monad, value) {</a:t>
+            </a:r>
+          </a:p>
+          <a:p>
+            <a:pPr lvl="0" rtl="0">
+              <a:lnSpc>
+                <a:spcPct val="142857"/>
+              </a:lnSpc>
+              <a:spcBef>
+                <a:spcPts val="0"/>
+              </a:spcBef>
+              <a:buNone/>
+            </a:pPr>
+            <a:r>
+              <a:rPr lang="en" sz="600">
+                <a:solidFill>
+                  <a:srgbClr val="969896"/>
+                </a:solidFill>
+                <a:highlight>
+                  <a:srgbClr val="FFFFFF"/>
+                </a:highlight>
+                <a:latin typeface="Consolas"/>
+                <a:ea typeface="Consolas"/>
+                <a:cs typeface="Consolas"/>
+                <a:sym typeface="Consolas"/>
+              </a:rPr>
+              <a:t>//        if (value === null || value === undefined) {</a:t>
+            </a:r>
+          </a:p>
+          <a:p>
+            <a:pPr lvl="0" rtl="0">
+              <a:lnSpc>
+                <a:spcPct val="142857"/>
+              </a:lnSpc>
+              <a:spcBef>
+                <a:spcPts val="0"/>
+              </a:spcBef>
+              <a:buNone/>
+            </a:pPr>
+            <a:r>
+              <a:rPr lang="en" sz="600">
+                <a:solidFill>
+                  <a:srgbClr val="969896"/>
+                </a:solidFill>
+                <a:highlight>
+                  <a:srgbClr val="FFFFFF"/>
+                </a:highlight>
+                <a:latin typeface="Consolas"/>
+                <a:ea typeface="Consolas"/>
+                <a:cs typeface="Consolas"/>
+                <a:sym typeface="Consolas"/>
+              </a:rPr>
+              <a:t>//            monad.is_null = true;</a:t>
+            </a:r>
+          </a:p>
+          <a:p>
+            <a:pPr lvl="0" rtl="0">
+              <a:lnSpc>
+                <a:spcPct val="142857"/>
+              </a:lnSpc>
+              <a:spcBef>
+                <a:spcPts val="0"/>
+              </a:spcBef>
+              <a:buNone/>
+            </a:pPr>
+            <a:r>
+              <a:rPr lang="en" sz="600">
+                <a:solidFill>
+                  <a:srgbClr val="969896"/>
+                </a:solidFill>
+                <a:highlight>
+                  <a:srgbClr val="FFFFFF"/>
+                </a:highlight>
+                <a:latin typeface="Consolas"/>
+                <a:ea typeface="Consolas"/>
+                <a:cs typeface="Consolas"/>
+                <a:sym typeface="Consolas"/>
+              </a:rPr>
+              <a:t>//            monad.bind = function () {</a:t>
+            </a:r>
+          </a:p>
+          <a:p>
+            <a:pPr lvl="0" rtl="0">
+              <a:lnSpc>
+                <a:spcPct val="142857"/>
+              </a:lnSpc>
+              <a:spcBef>
+                <a:spcPts val="0"/>
+              </a:spcBef>
+              <a:buNone/>
+            </a:pPr>
+            <a:r>
+              <a:rPr lang="en" sz="600">
+                <a:solidFill>
+                  <a:srgbClr val="969896"/>
+                </a:solidFill>
+                <a:highlight>
+                  <a:srgbClr val="FFFFFF"/>
+                </a:highlight>
+                <a:latin typeface="Consolas"/>
+                <a:ea typeface="Consolas"/>
+                <a:cs typeface="Consolas"/>
+                <a:sym typeface="Consolas"/>
+              </a:rPr>
+              <a:t>//                return monad;</a:t>
+            </a:r>
+          </a:p>
+          <a:p>
+            <a:pPr lvl="0" rtl="0">
+              <a:lnSpc>
+                <a:spcPct val="142857"/>
+              </a:lnSpc>
+              <a:spcBef>
+                <a:spcPts val="0"/>
+              </a:spcBef>
+              <a:buNone/>
+            </a:pPr>
+            <a:r>
+              <a:rPr lang="en" sz="600">
+                <a:solidFill>
+                  <a:srgbClr val="969896"/>
+                </a:solidFill>
+                <a:highlight>
+                  <a:srgbClr val="FFFFFF"/>
+                </a:highlight>
+                <a:latin typeface="Consolas"/>
+                <a:ea typeface="Consolas"/>
+                <a:cs typeface="Consolas"/>
+                <a:sym typeface="Consolas"/>
+              </a:rPr>
+              <a:t>//            };</a:t>
+            </a:r>
+          </a:p>
+          <a:p>
+            <a:pPr lvl="0" rtl="0">
+              <a:lnSpc>
+                <a:spcPct val="142857"/>
+              </a:lnSpc>
+              <a:spcBef>
+                <a:spcPts val="0"/>
+              </a:spcBef>
+              <a:buNone/>
+            </a:pPr>
+            <a:r>
+              <a:rPr lang="en" sz="600">
+                <a:solidFill>
+                  <a:srgbClr val="969896"/>
+                </a:solidFill>
+                <a:highlight>
+                  <a:srgbClr val="FFFFFF"/>
+                </a:highlight>
+                <a:latin typeface="Consolas"/>
+                <a:ea typeface="Consolas"/>
+                <a:cs typeface="Consolas"/>
+                <a:sym typeface="Consolas"/>
+              </a:rPr>
+              <a:t>//            return null;</a:t>
+            </a:r>
+          </a:p>
+          <a:p>
+            <a:pPr lvl="0" rtl="0">
+              <a:lnSpc>
+                <a:spcPct val="142857"/>
+              </a:lnSpc>
+              <a:spcBef>
+                <a:spcPts val="0"/>
+              </a:spcBef>
+              <a:buNone/>
+            </a:pPr>
+            <a:r>
+              <a:rPr lang="en" sz="600">
+                <a:solidFill>
+                  <a:srgbClr val="969896"/>
+                </a:solidFill>
+                <a:highlight>
+                  <a:srgbClr val="FFFFFF"/>
+                </a:highlight>
+                <a:latin typeface="Consolas"/>
+                <a:ea typeface="Consolas"/>
+                <a:cs typeface="Consolas"/>
+                <a:sym typeface="Consolas"/>
+              </a:rPr>
+              <a:t>//        }</a:t>
+            </a:r>
+          </a:p>
+          <a:p>
+            <a:pPr lvl="0" rtl="0">
+              <a:lnSpc>
+                <a:spcPct val="142857"/>
+              </a:lnSpc>
+              <a:spcBef>
+                <a:spcPts val="0"/>
+              </a:spcBef>
+              <a:buNone/>
+            </a:pPr>
+            <a:r>
+              <a:rPr lang="en" sz="600">
+                <a:solidFill>
+                  <a:srgbClr val="969896"/>
+                </a:solidFill>
+                <a:highlight>
+                  <a:srgbClr val="FFFFFF"/>
+                </a:highlight>
+                <a:latin typeface="Consolas"/>
+                <a:ea typeface="Consolas"/>
+                <a:cs typeface="Consolas"/>
+                <a:sym typeface="Consolas"/>
+              </a:rPr>
+              <a:t>//        return value;</a:t>
+            </a:r>
+          </a:p>
+          <a:p>
+            <a:pPr lvl="0" rtl="0">
+              <a:lnSpc>
+                <a:spcPct val="142857"/>
+              </a:lnSpc>
+              <a:spcBef>
+                <a:spcPts val="0"/>
+              </a:spcBef>
+              <a:buNone/>
+            </a:pPr>
+            <a:r>
+              <a:rPr lang="en" sz="600">
+                <a:solidFill>
+                  <a:srgbClr val="969896"/>
+                </a:solidFill>
+                <a:highlight>
+                  <a:srgbClr val="FFFFFF"/>
+                </a:highlight>
+                <a:latin typeface="Consolas"/>
+                <a:ea typeface="Consolas"/>
+                <a:cs typeface="Consolas"/>
+                <a:sym typeface="Consolas"/>
+              </a:rPr>
+              <a:t>//    });</a:t>
+            </a:r>
+          </a:p>
+          <a:p>
+            <a:pPr lvl="0" rtl="0">
+              <a:lnSpc>
+                <a:spcPct val="142857"/>
+              </a:lnSpc>
+              <a:spcBef>
+                <a:spcPts val="0"/>
+              </a:spcBef>
+              <a:buNone/>
+            </a:pPr>
+            <a:r>
+              <a:rPr lang="en" sz="600">
+                <a:solidFill>
+                  <a:srgbClr val="969896"/>
+                </a:solidFill>
+                <a:highlight>
+                  <a:srgbClr val="FFFFFF"/>
+                </a:highlight>
+                <a:latin typeface="Consolas"/>
+                <a:ea typeface="Consolas"/>
+                <a:cs typeface="Consolas"/>
+                <a:sym typeface="Consolas"/>
+              </a:rPr>
+              <a:t>//    var monad = maybe(null);</a:t>
+            </a:r>
+          </a:p>
+          <a:p>
+            <a:pPr lvl="0" rtl="0">
+              <a:lnSpc>
+                <a:spcPct val="142857"/>
+              </a:lnSpc>
+              <a:spcBef>
+                <a:spcPts val="0"/>
+              </a:spcBef>
+              <a:buNone/>
+            </a:pPr>
+            <a:r>
+              <a:rPr lang="en" sz="600">
+                <a:solidFill>
+                  <a:srgbClr val="969896"/>
+                </a:solidFill>
+                <a:highlight>
+                  <a:srgbClr val="FFFFFF"/>
+                </a:highlight>
+                <a:latin typeface="Consolas"/>
+                <a:ea typeface="Consolas"/>
+                <a:cs typeface="Consolas"/>
+                <a:sym typeface="Consolas"/>
+              </a:rPr>
+              <a:t>//    monad.bind(alert);    // Nothing happens.</a:t>
+            </a:r>
+          </a:p>
+          <a:p>
+            <a:pPr lvl="0" rtl="0">
+              <a:lnSpc>
+                <a:spcPct val="142857"/>
+              </a:lnSpc>
+              <a:spcBef>
+                <a:spcPts val="0"/>
+              </a:spcBef>
+              <a:buNone/>
+            </a:pPr>
+            <a:r>
+              <a:rPr lang="en" sz="600">
+                <a:solidFill>
+                  <a:srgbClr val="24292E"/>
+                </a:solidFill>
+                <a:highlight>
+                  <a:srgbClr val="FFFFFF"/>
+                </a:highlight>
+                <a:latin typeface="Consolas"/>
+                <a:ea typeface="Consolas"/>
+                <a:cs typeface="Consolas"/>
+                <a:sym typeface="Consolas"/>
+              </a:rPr>
+              <a:t/>
+            </a:r>
+            <a:br>
+              <a:rPr lang="en" sz="600">
+                <a:solidFill>
+                  <a:srgbClr val="24292E"/>
+                </a:solidFill>
+                <a:highlight>
+                  <a:srgbClr val="FFFFFF"/>
+                </a:highlight>
+                <a:latin typeface="Consolas"/>
+                <a:ea typeface="Consolas"/>
+                <a:cs typeface="Consolas"/>
+                <a:sym typeface="Consolas"/>
+              </a:rPr>
+            </a:br>
+            <a:endParaRPr lang="en" sz="600">
+              <a:solidFill>
+                <a:srgbClr val="24292E"/>
+              </a:solidFill>
+              <a:highlight>
+                <a:srgbClr val="FFFFFF"/>
+              </a:highlight>
+              <a:latin typeface="Consolas"/>
+              <a:ea typeface="Consolas"/>
+              <a:cs typeface="Consolas"/>
+              <a:sym typeface="Consolas"/>
+            </a:endParaRPr>
+          </a:p>
+          <a:p>
+            <a:pPr lvl="0" rtl="0">
+              <a:lnSpc>
+                <a:spcPct val="142857"/>
+              </a:lnSpc>
+              <a:spcBef>
+                <a:spcPts val="0"/>
+              </a:spcBef>
+              <a:buNone/>
+            </a:pPr>
+            <a:r>
+              <a:rPr lang="en" sz="600">
+                <a:solidFill>
+                  <a:srgbClr val="969896"/>
+                </a:solidFill>
+                <a:highlight>
+                  <a:srgbClr val="FFFFFF"/>
+                </a:highlight>
+                <a:latin typeface="Consolas"/>
+                <a:ea typeface="Consolas"/>
+                <a:cs typeface="Consolas"/>
+                <a:sym typeface="Consolas"/>
+              </a:rPr>
+              <a:t>/*jslint this */</a:t>
+            </a:r>
+          </a:p>
+          <a:p>
+            <a:pPr lvl="0" rtl="0">
+              <a:lnSpc>
+                <a:spcPct val="142857"/>
+              </a:lnSpc>
+              <a:spcBef>
+                <a:spcPts val="0"/>
+              </a:spcBef>
+              <a:buNone/>
+            </a:pPr>
+            <a:r>
+              <a:rPr lang="en" sz="600">
+                <a:solidFill>
+                  <a:srgbClr val="24292E"/>
+                </a:solidFill>
+                <a:highlight>
+                  <a:srgbClr val="FFFFFF"/>
+                </a:highlight>
+                <a:latin typeface="Consolas"/>
+                <a:ea typeface="Consolas"/>
+                <a:cs typeface="Consolas"/>
+                <a:sym typeface="Consolas"/>
+              </a:rPr>
+              <a:t/>
+            </a:r>
+            <a:br>
+              <a:rPr lang="en" sz="600">
+                <a:solidFill>
+                  <a:srgbClr val="24292E"/>
+                </a:solidFill>
+                <a:highlight>
+                  <a:srgbClr val="FFFFFF"/>
+                </a:highlight>
+                <a:latin typeface="Consolas"/>
+                <a:ea typeface="Consolas"/>
+                <a:cs typeface="Consolas"/>
+                <a:sym typeface="Consolas"/>
+              </a:rPr>
+            </a:br>
+            <a:endParaRPr lang="en" sz="600">
+              <a:solidFill>
+                <a:srgbClr val="24292E"/>
+              </a:solidFill>
+              <a:highlight>
+                <a:srgbClr val="FFFFFF"/>
+              </a:highlight>
+              <a:latin typeface="Consolas"/>
+              <a:ea typeface="Consolas"/>
+              <a:cs typeface="Consolas"/>
+              <a:sym typeface="Consolas"/>
+            </a:endParaRPr>
+          </a:p>
+          <a:p>
+            <a:pPr lvl="0" rtl="0">
+              <a:lnSpc>
+                <a:spcPct val="142857"/>
+              </a:lnSpc>
+              <a:spcBef>
+                <a:spcPts val="0"/>
+              </a:spcBef>
+              <a:buNone/>
+            </a:pPr>
+            <a:r>
+              <a:rPr lang="en" sz="600">
+                <a:solidFill>
+                  <a:srgbClr val="A71D5D"/>
+                </a:solidFill>
+                <a:highlight>
+                  <a:srgbClr val="FFFFFF"/>
+                </a:highlight>
+                <a:latin typeface="Consolas"/>
+                <a:ea typeface="Consolas"/>
+                <a:cs typeface="Consolas"/>
+                <a:sym typeface="Consolas"/>
+              </a:rPr>
+              <a:t>function</a:t>
+            </a:r>
+            <a:r>
+              <a:rPr lang="en" sz="600">
+                <a:solidFill>
+                  <a:srgbClr val="24292E"/>
+                </a:solidFill>
+                <a:highlight>
+                  <a:srgbClr val="FFFFFF"/>
+                </a:highlight>
+                <a:latin typeface="Consolas"/>
+                <a:ea typeface="Consolas"/>
+                <a:cs typeface="Consolas"/>
+                <a:sym typeface="Consolas"/>
+              </a:rPr>
+              <a:t> </a:t>
+            </a:r>
+            <a:r>
+              <a:rPr lang="en" sz="600">
+                <a:solidFill>
+                  <a:srgbClr val="795DA3"/>
+                </a:solidFill>
+                <a:highlight>
+                  <a:srgbClr val="FFFFFF"/>
+                </a:highlight>
+                <a:latin typeface="Consolas"/>
+                <a:ea typeface="Consolas"/>
+                <a:cs typeface="Consolas"/>
+                <a:sym typeface="Consolas"/>
+              </a:rPr>
+              <a:t>MONAD</a:t>
+            </a:r>
+            <a:r>
+              <a:rPr lang="en" sz="600">
+                <a:solidFill>
+                  <a:srgbClr val="24292E"/>
+                </a:solidFill>
+                <a:highlight>
+                  <a:srgbClr val="FFFFFF"/>
+                </a:highlight>
+                <a:latin typeface="Consolas"/>
+                <a:ea typeface="Consolas"/>
+                <a:cs typeface="Consolas"/>
+                <a:sym typeface="Consolas"/>
+              </a:rPr>
+              <a:t>(</a:t>
+            </a:r>
+            <a:r>
+              <a:rPr lang="en" sz="600">
+                <a:solidFill>
+                  <a:srgbClr val="333333"/>
+                </a:solidFill>
+                <a:highlight>
+                  <a:srgbClr val="FFFFFF"/>
+                </a:highlight>
+                <a:latin typeface="Consolas"/>
+                <a:ea typeface="Consolas"/>
+                <a:cs typeface="Consolas"/>
+                <a:sym typeface="Consolas"/>
+              </a:rPr>
+              <a:t>modifier</a:t>
+            </a:r>
+            <a:r>
+              <a:rPr lang="en" sz="600">
+                <a:solidFill>
+                  <a:srgbClr val="24292E"/>
+                </a:solidFill>
+                <a:highlight>
+                  <a:srgbClr val="FFFFFF"/>
+                </a:highlight>
+                <a:latin typeface="Consolas"/>
+                <a:ea typeface="Consolas"/>
+                <a:cs typeface="Consolas"/>
+                <a:sym typeface="Consolas"/>
+              </a:rPr>
+              <a:t>) {</a:t>
+            </a:r>
+          </a:p>
+          <a:p>
+            <a:pPr lvl="0" rtl="0">
+              <a:lnSpc>
+                <a:spcPct val="142857"/>
+              </a:lnSpc>
+              <a:spcBef>
+                <a:spcPts val="0"/>
+              </a:spcBef>
+              <a:buNone/>
+            </a:pPr>
+            <a:r>
+              <a:rPr lang="en" sz="600">
+                <a:solidFill>
+                  <a:srgbClr val="24292E"/>
+                </a:solidFill>
+                <a:highlight>
+                  <a:srgbClr val="FFFFFF"/>
+                </a:highlight>
+                <a:latin typeface="Consolas"/>
+                <a:ea typeface="Consolas"/>
+                <a:cs typeface="Consolas"/>
+                <a:sym typeface="Consolas"/>
+              </a:rPr>
+              <a:t>   </a:t>
+            </a:r>
+            <a:r>
+              <a:rPr lang="en" sz="600">
+                <a:solidFill>
+                  <a:srgbClr val="183691"/>
+                </a:solidFill>
+                <a:highlight>
+                  <a:srgbClr val="FFFFFF"/>
+                </a:highlight>
+                <a:latin typeface="Consolas"/>
+                <a:ea typeface="Consolas"/>
+                <a:cs typeface="Consolas"/>
+                <a:sym typeface="Consolas"/>
+              </a:rPr>
+              <a:t>'use strict'</a:t>
+            </a:r>
+            <a:r>
+              <a:rPr lang="en" sz="600">
+                <a:solidFill>
+                  <a:srgbClr val="24292E"/>
+                </a:solidFill>
+                <a:highlight>
+                  <a:srgbClr val="FFFFFF"/>
+                </a:highlight>
+                <a:latin typeface="Consolas"/>
+                <a:ea typeface="Consolas"/>
+                <a:cs typeface="Consolas"/>
+                <a:sym typeface="Consolas"/>
+              </a:rPr>
+              <a:t>;</a:t>
+            </a:r>
+          </a:p>
+          <a:p>
+            <a:pPr lvl="0" rtl="0">
+              <a:lnSpc>
+                <a:spcPct val="142857"/>
+              </a:lnSpc>
+              <a:spcBef>
+                <a:spcPts val="0"/>
+              </a:spcBef>
+              <a:buNone/>
+            </a:pPr>
+            <a:r>
+              <a:rPr lang="en" sz="600">
+                <a:solidFill>
+                  <a:srgbClr val="24292E"/>
+                </a:solidFill>
+                <a:highlight>
+                  <a:srgbClr val="FFFFFF"/>
+                </a:highlight>
+                <a:latin typeface="Consolas"/>
+                <a:ea typeface="Consolas"/>
+                <a:cs typeface="Consolas"/>
+                <a:sym typeface="Consolas"/>
+              </a:rPr>
+              <a:t/>
+            </a:r>
+            <a:br>
+              <a:rPr lang="en" sz="600">
+                <a:solidFill>
+                  <a:srgbClr val="24292E"/>
+                </a:solidFill>
+                <a:highlight>
+                  <a:srgbClr val="FFFFFF"/>
+                </a:highlight>
+                <a:latin typeface="Consolas"/>
+                <a:ea typeface="Consolas"/>
+                <a:cs typeface="Consolas"/>
+                <a:sym typeface="Consolas"/>
+              </a:rPr>
+            </a:br>
+            <a:endParaRPr lang="en" sz="600">
+              <a:solidFill>
+                <a:srgbClr val="24292E"/>
+              </a:solidFill>
+              <a:highlight>
+                <a:srgbClr val="FFFFFF"/>
+              </a:highlight>
+              <a:latin typeface="Consolas"/>
+              <a:ea typeface="Consolas"/>
+              <a:cs typeface="Consolas"/>
+              <a:sym typeface="Consolas"/>
+            </a:endParaRPr>
+          </a:p>
+          <a:p>
+            <a:pPr lvl="0" rtl="0">
+              <a:lnSpc>
+                <a:spcPct val="142857"/>
+              </a:lnSpc>
+              <a:spcBef>
+                <a:spcPts val="0"/>
+              </a:spcBef>
+              <a:buNone/>
+            </a:pPr>
+            <a:r>
+              <a:rPr lang="en" sz="600">
+                <a:solidFill>
+                  <a:srgbClr val="969896"/>
+                </a:solidFill>
+                <a:highlight>
+                  <a:srgbClr val="FFFFFF"/>
+                </a:highlight>
+                <a:latin typeface="Consolas"/>
+                <a:ea typeface="Consolas"/>
+                <a:cs typeface="Consolas"/>
+                <a:sym typeface="Consolas"/>
+              </a:rPr>
+              <a:t>// Each unit constructor has a monad prototype. The prototype will contain an</a:t>
+            </a:r>
+          </a:p>
+          <a:p>
+            <a:pPr lvl="0" rtl="0">
+              <a:lnSpc>
+                <a:spcPct val="142857"/>
+              </a:lnSpc>
+              <a:spcBef>
+                <a:spcPts val="0"/>
+              </a:spcBef>
+              <a:buNone/>
+            </a:pPr>
+            <a:r>
+              <a:rPr lang="en" sz="600">
+                <a:solidFill>
+                  <a:srgbClr val="969896"/>
+                </a:solidFill>
+                <a:highlight>
+                  <a:srgbClr val="FFFFFF"/>
+                </a:highlight>
+                <a:latin typeface="Consolas"/>
+                <a:ea typeface="Consolas"/>
+                <a:cs typeface="Consolas"/>
+                <a:sym typeface="Consolas"/>
+              </a:rPr>
+              <a:t>// is_monad property for classification, as well as all inheritable methods.</a:t>
+            </a:r>
+          </a:p>
+          <a:p>
+            <a:pPr lvl="0" rtl="0">
+              <a:lnSpc>
+                <a:spcPct val="142857"/>
+              </a:lnSpc>
+              <a:spcBef>
+                <a:spcPts val="0"/>
+              </a:spcBef>
+              <a:buNone/>
+            </a:pPr>
+            <a:r>
+              <a:rPr lang="en" sz="600">
+                <a:solidFill>
+                  <a:srgbClr val="24292E"/>
+                </a:solidFill>
+                <a:highlight>
+                  <a:srgbClr val="FFFFFF"/>
+                </a:highlight>
+                <a:latin typeface="Consolas"/>
+                <a:ea typeface="Consolas"/>
+                <a:cs typeface="Consolas"/>
+                <a:sym typeface="Consolas"/>
+              </a:rPr>
+              <a:t/>
+            </a:r>
+            <a:br>
+              <a:rPr lang="en" sz="600">
+                <a:solidFill>
+                  <a:srgbClr val="24292E"/>
+                </a:solidFill>
+                <a:highlight>
+                  <a:srgbClr val="FFFFFF"/>
+                </a:highlight>
+                <a:latin typeface="Consolas"/>
+                <a:ea typeface="Consolas"/>
+                <a:cs typeface="Consolas"/>
+                <a:sym typeface="Consolas"/>
+              </a:rPr>
+            </a:br>
+            <a:endParaRPr lang="en" sz="600">
+              <a:solidFill>
+                <a:srgbClr val="24292E"/>
+              </a:solidFill>
+              <a:highlight>
+                <a:srgbClr val="FFFFFF"/>
+              </a:highlight>
+              <a:latin typeface="Consolas"/>
+              <a:ea typeface="Consolas"/>
+              <a:cs typeface="Consolas"/>
+              <a:sym typeface="Consolas"/>
+            </a:endParaRPr>
+          </a:p>
+          <a:p>
+            <a:pPr lvl="0" rtl="0">
+              <a:lnSpc>
+                <a:spcPct val="142857"/>
+              </a:lnSpc>
+              <a:spcBef>
+                <a:spcPts val="0"/>
+              </a:spcBef>
+              <a:buNone/>
+            </a:pPr>
+            <a:r>
+              <a:rPr lang="en" sz="600">
+                <a:solidFill>
+                  <a:srgbClr val="24292E"/>
+                </a:solidFill>
+                <a:highlight>
+                  <a:srgbClr val="FFFFFF"/>
+                </a:highlight>
+                <a:latin typeface="Consolas"/>
+                <a:ea typeface="Consolas"/>
+                <a:cs typeface="Consolas"/>
+                <a:sym typeface="Consolas"/>
+              </a:rPr>
+              <a:t>   </a:t>
+            </a:r>
+            <a:r>
+              <a:rPr lang="en" sz="600">
+                <a:solidFill>
+                  <a:srgbClr val="A71D5D"/>
+                </a:solidFill>
+                <a:highlight>
+                  <a:srgbClr val="FFFFFF"/>
+                </a:highlight>
+                <a:latin typeface="Consolas"/>
+                <a:ea typeface="Consolas"/>
+                <a:cs typeface="Consolas"/>
+                <a:sym typeface="Consolas"/>
+              </a:rPr>
+              <a:t>var</a:t>
+            </a:r>
+            <a:r>
+              <a:rPr lang="en" sz="600">
+                <a:solidFill>
+                  <a:srgbClr val="24292E"/>
+                </a:solidFill>
+                <a:highlight>
+                  <a:srgbClr val="FFFFFF"/>
+                </a:highlight>
+                <a:latin typeface="Consolas"/>
+                <a:ea typeface="Consolas"/>
+                <a:cs typeface="Consolas"/>
+                <a:sym typeface="Consolas"/>
+              </a:rPr>
+              <a:t> prototype </a:t>
+            </a:r>
+            <a:r>
+              <a:rPr lang="en" sz="600">
+                <a:solidFill>
+                  <a:srgbClr val="A71D5D"/>
+                </a:solidFill>
+                <a:highlight>
+                  <a:srgbClr val="FFFFFF"/>
+                </a:highlight>
+                <a:latin typeface="Consolas"/>
+                <a:ea typeface="Consolas"/>
+                <a:cs typeface="Consolas"/>
+                <a:sym typeface="Consolas"/>
+              </a:rPr>
+              <a:t>=</a:t>
+            </a:r>
+            <a:r>
+              <a:rPr lang="en" sz="600">
+                <a:solidFill>
+                  <a:srgbClr val="24292E"/>
+                </a:solidFill>
+                <a:highlight>
+                  <a:srgbClr val="FFFFFF"/>
+                </a:highlight>
+                <a:latin typeface="Consolas"/>
+                <a:ea typeface="Consolas"/>
+                <a:cs typeface="Consolas"/>
+                <a:sym typeface="Consolas"/>
+              </a:rPr>
+              <a:t> </a:t>
+            </a:r>
+            <a:r>
+              <a:rPr lang="en" sz="600">
+                <a:solidFill>
+                  <a:srgbClr val="0086B3"/>
+                </a:solidFill>
+                <a:highlight>
+                  <a:srgbClr val="FFFFFF"/>
+                </a:highlight>
+                <a:latin typeface="Consolas"/>
+                <a:ea typeface="Consolas"/>
+                <a:cs typeface="Consolas"/>
+                <a:sym typeface="Consolas"/>
+              </a:rPr>
+              <a:t>Object</a:t>
+            </a:r>
+            <a:r>
+              <a:rPr lang="en" sz="600">
+                <a:solidFill>
+                  <a:srgbClr val="24292E"/>
+                </a:solidFill>
+                <a:highlight>
+                  <a:srgbClr val="FFFFFF"/>
+                </a:highlight>
+                <a:latin typeface="Consolas"/>
+                <a:ea typeface="Consolas"/>
+                <a:cs typeface="Consolas"/>
+                <a:sym typeface="Consolas"/>
+              </a:rPr>
+              <a:t>.</a:t>
+            </a:r>
+            <a:r>
+              <a:rPr lang="en" sz="600">
+                <a:solidFill>
+                  <a:srgbClr val="795DA3"/>
+                </a:solidFill>
+                <a:highlight>
+                  <a:srgbClr val="FFFFFF"/>
+                </a:highlight>
+                <a:latin typeface="Consolas"/>
+                <a:ea typeface="Consolas"/>
+                <a:cs typeface="Consolas"/>
+                <a:sym typeface="Consolas"/>
+              </a:rPr>
+              <a:t>create</a:t>
+            </a:r>
+            <a:r>
+              <a:rPr lang="en" sz="600">
+                <a:solidFill>
+                  <a:srgbClr val="24292E"/>
+                </a:solidFill>
+                <a:highlight>
+                  <a:srgbClr val="FFFFFF"/>
+                </a:highlight>
+                <a:latin typeface="Consolas"/>
+                <a:ea typeface="Consolas"/>
+                <a:cs typeface="Consolas"/>
+                <a:sym typeface="Consolas"/>
+              </a:rPr>
+              <a:t>(</a:t>
+            </a:r>
+            <a:r>
+              <a:rPr lang="en" sz="600">
+                <a:solidFill>
+                  <a:srgbClr val="0086B3"/>
+                </a:solidFill>
+                <a:highlight>
+                  <a:srgbClr val="FFFFFF"/>
+                </a:highlight>
+                <a:latin typeface="Consolas"/>
+                <a:ea typeface="Consolas"/>
+                <a:cs typeface="Consolas"/>
+                <a:sym typeface="Consolas"/>
+              </a:rPr>
+              <a:t>null</a:t>
+            </a:r>
+            <a:r>
+              <a:rPr lang="en" sz="600">
+                <a:solidFill>
+                  <a:srgbClr val="24292E"/>
+                </a:solidFill>
+                <a:highlight>
+                  <a:srgbClr val="FFFFFF"/>
+                </a:highlight>
+                <a:latin typeface="Consolas"/>
+                <a:ea typeface="Consolas"/>
+                <a:cs typeface="Consolas"/>
+                <a:sym typeface="Consolas"/>
+              </a:rPr>
+              <a:t>);</a:t>
+            </a:r>
+          </a:p>
+          <a:p>
+            <a:pPr lvl="0" rtl="0">
+              <a:lnSpc>
+                <a:spcPct val="142857"/>
+              </a:lnSpc>
+              <a:spcBef>
+                <a:spcPts val="0"/>
+              </a:spcBef>
+              <a:buNone/>
+            </a:pPr>
+            <a:r>
+              <a:rPr lang="en" sz="600">
+                <a:solidFill>
+                  <a:srgbClr val="24292E"/>
+                </a:solidFill>
+                <a:highlight>
+                  <a:srgbClr val="FFFFFF"/>
+                </a:highlight>
+                <a:latin typeface="Consolas"/>
+                <a:ea typeface="Consolas"/>
+                <a:cs typeface="Consolas"/>
+                <a:sym typeface="Consolas"/>
+              </a:rPr>
+              <a:t>   </a:t>
+            </a:r>
+            <a:r>
+              <a:rPr lang="en" sz="600">
+                <a:solidFill>
+                  <a:srgbClr val="333333"/>
+                </a:solidFill>
+                <a:highlight>
+                  <a:srgbClr val="FFFFFF"/>
+                </a:highlight>
+                <a:latin typeface="Consolas"/>
+                <a:ea typeface="Consolas"/>
+                <a:cs typeface="Consolas"/>
+                <a:sym typeface="Consolas"/>
+              </a:rPr>
+              <a:t>prototype</a:t>
+            </a:r>
+            <a:r>
+              <a:rPr lang="en" sz="600">
+                <a:solidFill>
+                  <a:srgbClr val="24292E"/>
+                </a:solidFill>
+                <a:highlight>
+                  <a:srgbClr val="FFFFFF"/>
+                </a:highlight>
+                <a:latin typeface="Consolas"/>
+                <a:ea typeface="Consolas"/>
+                <a:cs typeface="Consolas"/>
+                <a:sym typeface="Consolas"/>
+              </a:rPr>
+              <a:t>.</a:t>
+            </a:r>
+            <a:r>
+              <a:rPr lang="en" sz="600">
+                <a:solidFill>
+                  <a:srgbClr val="333333"/>
+                </a:solidFill>
+                <a:highlight>
+                  <a:srgbClr val="FFFFFF"/>
+                </a:highlight>
+                <a:latin typeface="Consolas"/>
+                <a:ea typeface="Consolas"/>
+                <a:cs typeface="Consolas"/>
+                <a:sym typeface="Consolas"/>
+              </a:rPr>
+              <a:t>is_monad</a:t>
+            </a:r>
+            <a:r>
+              <a:rPr lang="en" sz="600">
+                <a:solidFill>
+                  <a:srgbClr val="24292E"/>
+                </a:solidFill>
+                <a:highlight>
+                  <a:srgbClr val="FFFFFF"/>
+                </a:highlight>
+                <a:latin typeface="Consolas"/>
+                <a:ea typeface="Consolas"/>
+                <a:cs typeface="Consolas"/>
+                <a:sym typeface="Consolas"/>
+              </a:rPr>
+              <a:t> </a:t>
+            </a:r>
+            <a:r>
+              <a:rPr lang="en" sz="600">
+                <a:solidFill>
+                  <a:srgbClr val="A71D5D"/>
+                </a:solidFill>
+                <a:highlight>
+                  <a:srgbClr val="FFFFFF"/>
+                </a:highlight>
+                <a:latin typeface="Consolas"/>
+                <a:ea typeface="Consolas"/>
+                <a:cs typeface="Consolas"/>
+                <a:sym typeface="Consolas"/>
+              </a:rPr>
+              <a:t>=</a:t>
+            </a:r>
+            <a:r>
+              <a:rPr lang="en" sz="600">
+                <a:solidFill>
+                  <a:srgbClr val="24292E"/>
+                </a:solidFill>
+                <a:highlight>
+                  <a:srgbClr val="FFFFFF"/>
+                </a:highlight>
+                <a:latin typeface="Consolas"/>
+                <a:ea typeface="Consolas"/>
+                <a:cs typeface="Consolas"/>
+                <a:sym typeface="Consolas"/>
+              </a:rPr>
+              <a:t> </a:t>
+            </a:r>
+            <a:r>
+              <a:rPr lang="en" sz="600">
+                <a:solidFill>
+                  <a:srgbClr val="0086B3"/>
+                </a:solidFill>
+                <a:highlight>
+                  <a:srgbClr val="FFFFFF"/>
+                </a:highlight>
+                <a:latin typeface="Consolas"/>
+                <a:ea typeface="Consolas"/>
+                <a:cs typeface="Consolas"/>
+                <a:sym typeface="Consolas"/>
+              </a:rPr>
+              <a:t>true</a:t>
+            </a:r>
+            <a:r>
+              <a:rPr lang="en" sz="600">
+                <a:solidFill>
+                  <a:srgbClr val="24292E"/>
+                </a:solidFill>
+                <a:highlight>
+                  <a:srgbClr val="FFFFFF"/>
+                </a:highlight>
+                <a:latin typeface="Consolas"/>
+                <a:ea typeface="Consolas"/>
+                <a:cs typeface="Consolas"/>
+                <a:sym typeface="Consolas"/>
+              </a:rPr>
+              <a:t>;</a:t>
+            </a:r>
+          </a:p>
+        </p:txBody>
+      </p:sp>
+    </p:spTree>
+  </p:cSld>
+  <p:clrMapOvr>
+    <a:masterClrMapping/>
+  </p:clrMapOvr>
+</p:sld>
+</file>
+
+<file path=ppt/slides/slide11.xml><?xml version="1.0" encoding="utf-8"?>
+<p:sld xmlns:a="http://schemas.openxmlformats.org/drawingml/2006/main" xmlns:r="http://schemas.openxmlformats.org/officeDocument/2006/relationships" xmlns:p="http://schemas.openxmlformats.org/presentationml/2006/main">
+  <p:cSld>
+    <p:spTree>
+      <p:nvGrpSpPr>
         <p:cNvPr id="1" name="Shape 82"/>
         <p:cNvGrpSpPr/>
         <p:nvPr/>
@@ -9643,7 +11702,7 @@
 </p:sld>
 </file>
 
-<file path=ppt/slides/slide11.xml><?xml version="1.0" encoding="utf-8"?>
+<file path=ppt/slides/slide12.xml><?xml version="1.0" encoding="utf-8"?>
 <p:sld xmlns:a="http://schemas.openxmlformats.org/drawingml/2006/main" xmlns:r="http://schemas.openxmlformats.org/officeDocument/2006/relationships" xmlns:p="http://schemas.openxmlformats.org/presentationml/2006/main">
   <p:cSld>
     <p:spTree>
@@ -10698,7 +12757,7 @@
 </p:sld>
 </file>
 
-<file path=ppt/slides/slide12.xml><?xml version="1.0" encoding="utf-8"?>
+<file path=ppt/slides/slide13.xml><?xml version="1.0" encoding="utf-8"?>
 <p:sld xmlns:a="http://schemas.openxmlformats.org/drawingml/2006/main" xmlns:r="http://schemas.openxmlformats.org/officeDocument/2006/relationships" xmlns:p="http://schemas.openxmlformats.org/presentationml/2006/main">
   <p:cSld>
     <p:spTree>
@@ -10796,7 +12855,7 @@
 </p:sld>
 </file>
 
-<file path=ppt/slides/slide13.xml><?xml version="1.0" encoding="utf-8"?>
+<file path=ppt/slides/slide14.xml><?xml version="1.0" encoding="utf-8"?>
 <p:sld xmlns:a="http://schemas.openxmlformats.org/drawingml/2006/main" xmlns:r="http://schemas.openxmlformats.org/officeDocument/2006/relationships" xmlns:p="http://schemas.openxmlformats.org/presentationml/2006/main">
   <p:cSld>
     <p:spTree>
@@ -10894,7 +12953,7 @@
 </p:sld>
 </file>
 
-<file path=ppt/slides/slide14.xml><?xml version="1.0" encoding="utf-8"?>
+<file path=ppt/slides/slide15.xml><?xml version="1.0" encoding="utf-8"?>
 <p:sld xmlns:a="http://schemas.openxmlformats.org/drawingml/2006/main" xmlns:r="http://schemas.openxmlformats.org/officeDocument/2006/relationships" xmlns:p="http://schemas.openxmlformats.org/presentationml/2006/main">
   <p:cSld>
     <p:spTree>
@@ -10992,7 +13051,7 @@
 </p:sld>
 </file>
 
-<file path=ppt/slides/slide15.xml><?xml version="1.0" encoding="utf-8"?>
+<file path=ppt/slides/slide16.xml><?xml version="1.0" encoding="utf-8"?>
 <p:sld xmlns:a="http://schemas.openxmlformats.org/drawingml/2006/main" xmlns:r="http://schemas.openxmlformats.org/officeDocument/2006/relationships" xmlns:p="http://schemas.openxmlformats.org/presentationml/2006/main">
   <p:cSld>
     <p:spTree>
@@ -11090,7 +13149,7 @@
 </p:sld>
 </file>
 
-<file path=ppt/slides/slide16.xml><?xml version="1.0" encoding="utf-8"?>
+<file path=ppt/slides/slide17.xml><?xml version="1.0" encoding="utf-8"?>
 <p:sld xmlns:a="http://schemas.openxmlformats.org/drawingml/2006/main" xmlns:r="http://schemas.openxmlformats.org/officeDocument/2006/relationships" xmlns:p="http://schemas.openxmlformats.org/presentationml/2006/main">
   <p:cSld>
     <p:spTree>
@@ -11188,7 +13247,7 @@
 </p:sld>
 </file>
 
-<file path=ppt/slides/slide17.xml><?xml version="1.0" encoding="utf-8"?>
+<file path=ppt/slides/slide18.xml><?xml version="1.0" encoding="utf-8"?>
 <p:sld xmlns:a="http://schemas.openxmlformats.org/drawingml/2006/main" xmlns:r="http://schemas.openxmlformats.org/officeDocument/2006/relationships" xmlns:p="http://schemas.openxmlformats.org/presentationml/2006/main">
   <p:cSld>
     <p:spTree>
@@ -11476,7 +13535,11 @@
           <a:bodyPr/>
           <a:lstStyle/>
           <a:p>
-            <a:endParaRPr lang="en-US"/>
+            <a:r>
+              <a:rPr lang="en-US" dirty="0" smtClean="0"/>
+              <a:t>What is `Pure` Functional Programming?</a:t>
+            </a:r>
+            <a:endParaRPr lang="en-US" dirty="0"/>
           </a:p>
         </p:txBody>
       </p:sp>
@@ -11521,8 +13584,68 @@
         </p:blipFill>
         <p:spPr>
           <a:xfrm>
-            <a:off x="3025596" y="227942"/>
-            <a:ext cx="2830673" cy="4596431"/>
+            <a:off x="6146689" y="1162276"/>
+            <a:ext cx="2183402" cy="3545396"/>
+          </a:xfrm>
+          <a:prstGeom prst="rect">
+            <a:avLst/>
+          </a:prstGeom>
+        </p:spPr>
+      </p:pic>
+      <p:pic>
+        <p:nvPicPr>
+          <p:cNvPr id="7" name="Picture 6"/>
+          <p:cNvPicPr>
+            <a:picLocks noChangeAspect="1"/>
+          </p:cNvPicPr>
+          <p:nvPr/>
+        </p:nvPicPr>
+        <p:blipFill>
+          <a:blip r:embed="rId3">
+            <a:extLst>
+              <a:ext uri="{28A0092B-C50C-407E-A947-70E740481C1C}">
+                <a14:useLocalDpi xmlns:a14="http://schemas.microsoft.com/office/drawing/2010/main" val="0"/>
+              </a:ext>
+            </a:extLst>
+          </a:blip>
+          <a:stretch>
+            <a:fillRect/>
+          </a:stretch>
+        </p:blipFill>
+        <p:spPr>
+          <a:xfrm>
+            <a:off x="659555" y="1615856"/>
+            <a:ext cx="4984925" cy="734607"/>
+          </a:xfrm>
+          <a:prstGeom prst="rect">
+            <a:avLst/>
+          </a:prstGeom>
+        </p:spPr>
+      </p:pic>
+      <p:pic>
+        <p:nvPicPr>
+          <p:cNvPr id="8" name="Picture 7"/>
+          <p:cNvPicPr>
+            <a:picLocks noChangeAspect="1"/>
+          </p:cNvPicPr>
+          <p:nvPr/>
+        </p:nvPicPr>
+        <p:blipFill>
+          <a:blip r:embed="rId4">
+            <a:extLst>
+              <a:ext uri="{28A0092B-C50C-407E-A947-70E740481C1C}">
+                <a14:useLocalDpi xmlns:a14="http://schemas.microsoft.com/office/drawing/2010/main" val="0"/>
+              </a:ext>
+            </a:extLst>
+          </a:blip>
+          <a:stretch>
+            <a:fillRect/>
+          </a:stretch>
+        </p:blipFill>
+        <p:spPr>
+          <a:xfrm>
+            <a:off x="659555" y="2795696"/>
+            <a:ext cx="4984925" cy="1468271"/>
           </a:xfrm>
           <a:prstGeom prst="rect">
             <a:avLst/>
@@ -11619,7 +13742,7 @@
         </p:blipFill>
         <p:spPr>
           <a:xfrm>
-            <a:off x="2825678" y="445025"/>
+            <a:off x="2794856" y="260091"/>
             <a:ext cx="2794000" cy="3352800"/>
           </a:xfrm>
           <a:prstGeom prst="rect">
@@ -11674,7 +13797,7 @@
           <a:p>
             <a:r>
               <a:rPr lang="en-US" dirty="0" smtClean="0"/>
-              <a:t>Why JavaScript is not Purely Functional</a:t>
+              <a:t>Imperative vs Functional</a:t>
             </a:r>
             <a:endParaRPr lang="en-US" dirty="0"/>
           </a:p>
@@ -11692,8 +13815,8 @@
         </p:nvSpPr>
         <p:spPr>
           <a:xfrm>
-            <a:off x="311699" y="1152475"/>
-            <a:ext cx="2945209" cy="3416400"/>
+            <a:off x="311700" y="1152475"/>
+            <a:ext cx="3428093" cy="3416400"/>
           </a:xfrm>
         </p:spPr>
         <p:txBody>
@@ -11701,67 +13824,32 @@
           <a:lstStyle/>
           <a:p>
             <a:r>
+              <a:rPr lang="en-US" dirty="0"/>
+              <a:t>(define (factorial n)(define (</a:t>
+            </a:r>
+            <a:r>
               <a:rPr lang="en-US" dirty="0" err="1"/>
-              <a:t>xs.map</a:t>
+              <a:t>iter</a:t>
             </a:r>
             <a:r>
               <a:rPr lang="en-US" dirty="0"/>
-              <a:t>(first).map(second) → </a:t>
+              <a:t> product counter)(if (&gt; counter n)product(</a:t>
             </a:r>
             <a:r>
               <a:rPr lang="en-US" dirty="0" err="1"/>
-              <a:t>x.map</a:t>
+              <a:t>iter</a:t>
             </a:r>
             <a:r>
               <a:rPr lang="en-US" dirty="0"/>
-              <a:t>(function(x){ return second(first(x)); </a:t>
-            </a:r>
-            <a:r>
-              <a:rPr lang="en-US" dirty="0" smtClean="0"/>
-              <a:t>})</a:t>
-            </a:r>
-            <a:endParaRPr lang="en-US" dirty="0"/>
-          </a:p>
-          <a:p>
+              <a:t> (* counter product)(+ counter 1))))(</a:t>
+            </a:r>
             <a:r>
               <a:rPr lang="en-US" dirty="0" err="1"/>
-              <a:t>var</a:t>
+              <a:t>iter</a:t>
             </a:r>
             <a:r>
               <a:rPr lang="en-US" dirty="0"/>
-              <a:t> state = 0; function first(</a:t>
-            </a:r>
-            <a:r>
-              <a:rPr lang="en-US" dirty="0" err="1"/>
-              <a:t>i</a:t>
-            </a:r>
-            <a:r>
-              <a:rPr lang="en-US" dirty="0"/>
-              <a:t>){ return state += </a:t>
-            </a:r>
-            <a:r>
-              <a:rPr lang="en-US" dirty="0" err="1"/>
-              <a:t>i</a:t>
-            </a:r>
-            <a:r>
-              <a:rPr lang="en-US" dirty="0"/>
-              <a:t>; } function second(</a:t>
-            </a:r>
-            <a:r>
-              <a:rPr lang="en-US" dirty="0" err="1"/>
-              <a:t>i</a:t>
-            </a:r>
-            <a:r>
-              <a:rPr lang="en-US" dirty="0"/>
-              <a:t>){ return </a:t>
-            </a:r>
-            <a:r>
-              <a:rPr lang="en-US" dirty="0" err="1"/>
-              <a:t>i</a:t>
-            </a:r>
-            <a:r>
-              <a:rPr lang="en-US" dirty="0"/>
-              <a:t> `mod` state; }</a:t>
+              <a:t> 1 1))</a:t>
             </a:r>
           </a:p>
         </p:txBody>
@@ -11774,8 +13862,8 @@
         </p:nvSpPr>
         <p:spPr>
           <a:xfrm>
-            <a:off x="3421294" y="1119883"/>
-            <a:ext cx="5411006" cy="2246769"/>
+            <a:off x="4274049" y="1304818"/>
+            <a:ext cx="4479533" cy="2031325"/>
           </a:xfrm>
           <a:prstGeom prst="rect">
             <a:avLst/>
@@ -11788,158 +13876,48 @@
           </a:bodyPr>
           <a:lstStyle/>
           <a:p>
-            <a:pPr marL="285750" indent="-285750">
-              <a:buFont typeface="Wingdings" charset="2"/>
-              <a:buChar char="Ø"/>
-            </a:pPr>
-            <a:r>
-              <a:rPr lang="en-US" dirty="0" err="1" smtClean="0"/>
-              <a:t>var</a:t>
+            <a:r>
+              <a:rPr lang="en-US" dirty="0"/>
+              <a:t>(define (factorial n)(let ((product 1)(counter 1))(define (</a:t>
+            </a:r>
+            <a:r>
+              <a:rPr lang="en-US" dirty="0" err="1"/>
+              <a:t>iter</a:t>
+            </a:r>
+            <a:r>
+              <a:rPr lang="en-US" dirty="0"/>
+              <a:t>)(if (&gt; counter n)product(begin (set! product (* counter product))(set! counter (+ counter 1))(</a:t>
+            </a:r>
+            <a:r>
+              <a:rPr lang="en-US" dirty="0" err="1"/>
+              <a:t>iter</a:t>
+            </a:r>
+            <a:r>
+              <a:rPr lang="en-US" dirty="0"/>
+              <a:t>))))(</a:t>
+            </a:r>
+            <a:r>
+              <a:rPr lang="en-US" dirty="0" err="1"/>
+              <a:t>iter</a:t>
             </a:r>
             <a:r>
               <a:rPr lang="en-US" dirty="0" smtClean="0"/>
-              <a:t> </a:t>
-            </a:r>
+              <a:t>)))</a:t>
+            </a:r>
+          </a:p>
+          <a:p>
+            <a:endParaRPr lang="en-US" dirty="0"/>
+          </a:p>
+          <a:p>
+            <a:endParaRPr lang="en-US" dirty="0" smtClean="0"/>
+          </a:p>
+          <a:p>
+            <a:endParaRPr lang="en-US" dirty="0"/>
+          </a:p>
+          <a:p>
             <a:r>
               <a:rPr lang="en-US" dirty="0"/>
-              <a:t>state = 0; function first(</a:t>
-            </a:r>
-            <a:r>
-              <a:rPr lang="en-US" dirty="0" err="1"/>
-              <a:t>i</a:t>
-            </a:r>
-            <a:r>
-              <a:rPr lang="en-US" dirty="0"/>
-              <a:t>){ return state += </a:t>
-            </a:r>
-            <a:r>
-              <a:rPr lang="en-US" dirty="0" err="1"/>
-              <a:t>i</a:t>
-            </a:r>
-            <a:r>
-              <a:rPr lang="en-US" dirty="0"/>
-              <a:t>; } function second(</a:t>
-            </a:r>
-            <a:r>
-              <a:rPr lang="en-US" dirty="0" err="1"/>
-              <a:t>i</a:t>
-            </a:r>
-            <a:r>
-              <a:rPr lang="en-US" dirty="0"/>
-              <a:t>){ return </a:t>
-            </a:r>
-            <a:r>
-              <a:rPr lang="en-US" dirty="0" err="1"/>
-              <a:t>i</a:t>
-            </a:r>
-            <a:r>
-              <a:rPr lang="en-US" dirty="0"/>
-              <a:t> % state; } [1,2,3,4].map(first).map(second) </a:t>
-            </a:r>
-            <a:endParaRPr lang="en-US" dirty="0" smtClean="0"/>
-          </a:p>
-          <a:p>
-            <a:pPr marL="285750" indent="-285750">
-              <a:buFont typeface="Wingdings" charset="2"/>
-              <a:buChar char="Ø"/>
-            </a:pPr>
-            <a:r>
-              <a:rPr lang="en-US" dirty="0" smtClean="0"/>
-              <a:t>[</a:t>
-            </a:r>
-            <a:r>
-              <a:rPr lang="en-US" dirty="0"/>
-              <a:t>1, 3, 6, 0] </a:t>
-            </a:r>
-            <a:endParaRPr lang="en-US" dirty="0" smtClean="0"/>
-          </a:p>
-          <a:p>
-            <a:pPr marL="285750" indent="-285750">
-              <a:buFont typeface="Wingdings" charset="2"/>
-              <a:buChar char="Ø"/>
-            </a:pPr>
-            <a:endParaRPr lang="en-US" dirty="0"/>
-          </a:p>
-          <a:p>
-            <a:pPr marL="285750" indent="-285750">
-              <a:buFont typeface="Wingdings" charset="2"/>
-              <a:buChar char="Ø"/>
-            </a:pPr>
-            <a:endParaRPr lang="en-US" dirty="0" smtClean="0"/>
-          </a:p>
-          <a:p>
-            <a:pPr marL="285750" indent="-285750">
-              <a:buFont typeface="Wingdings" charset="2"/>
-              <a:buChar char="Ø"/>
-            </a:pPr>
-            <a:endParaRPr lang="en-US" dirty="0"/>
-          </a:p>
-          <a:p>
-            <a:pPr marL="285750" indent="-285750">
-              <a:buFont typeface="Wingdings" charset="2"/>
-              <a:buChar char="Ø"/>
-            </a:pPr>
-            <a:r>
-              <a:rPr lang="en-US" dirty="0" err="1" smtClean="0"/>
-              <a:t>var</a:t>
-            </a:r>
-            <a:r>
-              <a:rPr lang="en-US" dirty="0" smtClean="0"/>
-              <a:t> </a:t>
-            </a:r>
-            <a:r>
-              <a:rPr lang="en-US" dirty="0"/>
-              <a:t>state = 0; function first(</a:t>
-            </a:r>
-            <a:r>
-              <a:rPr lang="en-US" dirty="0" err="1"/>
-              <a:t>i</a:t>
-            </a:r>
-            <a:r>
-              <a:rPr lang="en-US" dirty="0"/>
-              <a:t>){ return state += </a:t>
-            </a:r>
-            <a:r>
-              <a:rPr lang="en-US" dirty="0" err="1"/>
-              <a:t>i</a:t>
-            </a:r>
-            <a:r>
-              <a:rPr lang="en-US" dirty="0"/>
-              <a:t>; } function second(</a:t>
-            </a:r>
-            <a:r>
-              <a:rPr lang="en-US" dirty="0" err="1"/>
-              <a:t>i</a:t>
-            </a:r>
-            <a:r>
-              <a:rPr lang="en-US" dirty="0"/>
-              <a:t>){ return </a:t>
-            </a:r>
-            <a:r>
-              <a:rPr lang="en-US" dirty="0" err="1"/>
-              <a:t>i</a:t>
-            </a:r>
-            <a:r>
-              <a:rPr lang="en-US" dirty="0"/>
-              <a:t> % state; } [1,2,3,4].map(function(x){ return second(first(x)); </a:t>
-            </a:r>
-            <a:r>
-              <a:rPr lang="en-US" dirty="0" smtClean="0"/>
-              <a:t>})</a:t>
-            </a:r>
-          </a:p>
-          <a:p>
-            <a:pPr marL="285750" indent="-285750">
-              <a:buFont typeface="Wingdings" charset="2"/>
-              <a:buChar char="Ø"/>
-            </a:pPr>
-            <a:r>
-              <a:rPr lang="en-US" dirty="0" smtClean="0"/>
-              <a:t>[</a:t>
-            </a:r>
-            <a:r>
-              <a:rPr lang="en-US" dirty="0"/>
-              <a:t>0, 0, 0, 0]</a:t>
+              <a:t>(set! counter (+ counter 1))(set! product (* counter product))</a:t>
             </a:r>
           </a:p>
         </p:txBody>
@@ -11947,7 +13925,7 @@
     </p:spTree>
     <p:extLst>
       <p:ext uri="{BB962C8B-B14F-4D97-AF65-F5344CB8AC3E}">
-        <p14:creationId xmlns:p14="http://schemas.microsoft.com/office/powerpoint/2010/main" val="219512668"/>
+        <p14:creationId xmlns:p14="http://schemas.microsoft.com/office/powerpoint/2010/main" val="156067456"/>
       </p:ext>
     </p:extLst>
   </p:cSld>
@@ -11991,7 +13969,7 @@
           <a:p>
             <a:r>
               <a:rPr lang="en-US" dirty="0" smtClean="0"/>
-              <a:t>Imperative vs Functional</a:t>
+              <a:t>Why JavaScript is not Purely Functional</a:t>
             </a:r>
             <a:endParaRPr lang="en-US" dirty="0"/>
           </a:p>
@@ -12009,8 +13987,8 @@
         </p:nvSpPr>
         <p:spPr>
           <a:xfrm>
-            <a:off x="311700" y="1152475"/>
-            <a:ext cx="3428093" cy="3416400"/>
+            <a:off x="311699" y="1152475"/>
+            <a:ext cx="2945209" cy="3416400"/>
           </a:xfrm>
         </p:spPr>
         <p:txBody>
@@ -12018,32 +13996,67 @@
           <a:lstStyle/>
           <a:p>
             <a:r>
+              <a:rPr lang="en-US" dirty="0" err="1"/>
+              <a:t>xs.map</a:t>
+            </a:r>
+            <a:r>
               <a:rPr lang="en-US" dirty="0"/>
-              <a:t>(define (factorial n)(define (</a:t>
+              <a:t>(first).map(second) → </a:t>
             </a:r>
             <a:r>
               <a:rPr lang="en-US" dirty="0" err="1"/>
-              <a:t>iter</a:t>
+              <a:t>x.map</a:t>
             </a:r>
             <a:r>
               <a:rPr lang="en-US" dirty="0"/>
-              <a:t> product counter)(if (&gt; counter n)product(</a:t>
-            </a:r>
+              <a:t>(function(x){ return second(first(x)); </a:t>
+            </a:r>
+            <a:r>
+              <a:rPr lang="en-US" dirty="0" smtClean="0"/>
+              <a:t>})</a:t>
+            </a:r>
+            <a:endParaRPr lang="en-US" dirty="0"/>
+          </a:p>
+          <a:p>
             <a:r>
               <a:rPr lang="en-US" dirty="0" err="1"/>
-              <a:t>iter</a:t>
+              <a:t>var</a:t>
             </a:r>
             <a:r>
               <a:rPr lang="en-US" dirty="0"/>
-              <a:t> (* counter product)(+ counter 1))))(</a:t>
+              <a:t> state = 0; function first(</a:t>
             </a:r>
             <a:r>
               <a:rPr lang="en-US" dirty="0" err="1"/>
-              <a:t>iter</a:t>
+              <a:t>i</a:t>
             </a:r>
             <a:r>
               <a:rPr lang="en-US" dirty="0"/>
-              <a:t> 1 1))</a:t>
+              <a:t>){ return state += </a:t>
+            </a:r>
+            <a:r>
+              <a:rPr lang="en-US" dirty="0" err="1"/>
+              <a:t>i</a:t>
+            </a:r>
+            <a:r>
+              <a:rPr lang="en-US" dirty="0"/>
+              <a:t>; } function second(</a:t>
+            </a:r>
+            <a:r>
+              <a:rPr lang="en-US" dirty="0" err="1"/>
+              <a:t>i</a:t>
+            </a:r>
+            <a:r>
+              <a:rPr lang="en-US" dirty="0"/>
+              <a:t>){ return </a:t>
+            </a:r>
+            <a:r>
+              <a:rPr lang="en-US" dirty="0" err="1"/>
+              <a:t>i</a:t>
+            </a:r>
+            <a:r>
+              <a:rPr lang="en-US" dirty="0"/>
+              <a:t> `mod` state; }</a:t>
             </a:r>
           </a:p>
         </p:txBody>
@@ -12056,8 +14069,8 @@
         </p:nvSpPr>
         <p:spPr>
           <a:xfrm>
-            <a:off x="4274049" y="1304818"/>
-            <a:ext cx="4479533" cy="2031325"/>
+            <a:off x="3421294" y="1119883"/>
+            <a:ext cx="5411006" cy="2246769"/>
           </a:xfrm>
           <a:prstGeom prst="rect">
             <a:avLst/>
@@ -12070,48 +14083,158 @@
           </a:bodyPr>
           <a:lstStyle/>
           <a:p>
+            <a:pPr marL="285750" indent="-285750">
+              <a:buFont typeface="Wingdings" charset="2"/>
+              <a:buChar char="Ø"/>
+            </a:pPr>
+            <a:r>
+              <a:rPr lang="en-US" dirty="0" err="1" smtClean="0"/>
+              <a:t>var</a:t>
+            </a:r>
+            <a:r>
+              <a:rPr lang="en-US" dirty="0" smtClean="0"/>
+              <a:t> </a:t>
+            </a:r>
             <a:r>
               <a:rPr lang="en-US" dirty="0"/>
-              <a:t>(define (factorial n)(let ((product 1)(counter 1))(define (</a:t>
+              <a:t>state = 0; function first(</a:t>
             </a:r>
             <a:r>
               <a:rPr lang="en-US" dirty="0" err="1"/>
-              <a:t>iter</a:t>
+              <a:t>i</a:t>
             </a:r>
             <a:r>
               <a:rPr lang="en-US" dirty="0"/>
-              <a:t>)(if (&gt; counter n)product(begin (set! product (* counter product))(set! counter (+ counter 1))(</a:t>
+              <a:t>){ return state += </a:t>
             </a:r>
             <a:r>
               <a:rPr lang="en-US" dirty="0" err="1"/>
-              <a:t>iter</a:t>
+              <a:t>i</a:t>
             </a:r>
             <a:r>
               <a:rPr lang="en-US" dirty="0"/>
-              <a:t>))))(</a:t>
+              <a:t>; } function second(</a:t>
             </a:r>
             <a:r>
               <a:rPr lang="en-US" dirty="0" err="1"/>
-              <a:t>iter</a:t>
-            </a:r>
+              <a:t>i</a:t>
+            </a:r>
+            <a:r>
+              <a:rPr lang="en-US" dirty="0"/>
+              <a:t>){ return </a:t>
+            </a:r>
+            <a:r>
+              <a:rPr lang="en-US" dirty="0" err="1"/>
+              <a:t>i</a:t>
+            </a:r>
+            <a:r>
+              <a:rPr lang="en-US" dirty="0"/>
+              <a:t> % state; } [1,2,3,4].map(first).map(second) </a:t>
+            </a:r>
+            <a:endParaRPr lang="en-US" dirty="0" smtClean="0"/>
+          </a:p>
+          <a:p>
+            <a:pPr marL="285750" indent="-285750">
+              <a:buFont typeface="Wingdings" charset="2"/>
+              <a:buChar char="Ø"/>
+            </a:pPr>
             <a:r>
               <a:rPr lang="en-US" dirty="0" smtClean="0"/>
-              <a:t>)))</a:t>
-            </a:r>
-          </a:p>
-          <a:p>
+              <a:t>[</a:t>
+            </a:r>
+            <a:r>
+              <a:rPr lang="en-US" dirty="0"/>
+              <a:t>1, 3, 6, 0] </a:t>
+            </a:r>
+            <a:endParaRPr lang="en-US" dirty="0" smtClean="0"/>
+          </a:p>
+          <a:p>
+            <a:pPr marL="285750" indent="-285750">
+              <a:buFont typeface="Wingdings" charset="2"/>
+              <a:buChar char="Ø"/>
+            </a:pPr>
             <a:endParaRPr lang="en-US" dirty="0"/>
           </a:p>
           <a:p>
+            <a:pPr marL="285750" indent="-285750">
+              <a:buFont typeface="Wingdings" charset="2"/>
+              <a:buChar char="Ø"/>
+            </a:pPr>
             <a:endParaRPr lang="en-US" dirty="0" smtClean="0"/>
           </a:p>
           <a:p>
+            <a:pPr marL="285750" indent="-285750">
+              <a:buFont typeface="Wingdings" charset="2"/>
+              <a:buChar char="Ø"/>
+            </a:pPr>
             <a:endParaRPr lang="en-US" dirty="0"/>
           </a:p>
           <a:p>
+            <a:pPr marL="285750" indent="-285750">
+              <a:buFont typeface="Wingdings" charset="2"/>
+              <a:buChar char="Ø"/>
+            </a:pPr>
+            <a:r>
+              <a:rPr lang="en-US" dirty="0" err="1" smtClean="0"/>
+              <a:t>var</a:t>
+            </a:r>
+            <a:r>
+              <a:rPr lang="en-US" dirty="0" smtClean="0"/>
+              <a:t> </a:t>
+            </a:r>
             <a:r>
               <a:rPr lang="en-US" dirty="0"/>
-              <a:t>(set! counter (+ counter 1))(set! product (* counter product))</a:t>
+              <a:t>state = 0; function first(</a:t>
+            </a:r>
+            <a:r>
+              <a:rPr lang="en-US" dirty="0" err="1"/>
+              <a:t>i</a:t>
+            </a:r>
+            <a:r>
+              <a:rPr lang="en-US" dirty="0"/>
+              <a:t>){ return state += </a:t>
+            </a:r>
+            <a:r>
+              <a:rPr lang="en-US" dirty="0" err="1"/>
+              <a:t>i</a:t>
+            </a:r>
+            <a:r>
+              <a:rPr lang="en-US" dirty="0"/>
+              <a:t>; } function second(</a:t>
+            </a:r>
+            <a:r>
+              <a:rPr lang="en-US" dirty="0" err="1"/>
+              <a:t>i</a:t>
+            </a:r>
+            <a:r>
+              <a:rPr lang="en-US" dirty="0"/>
+              <a:t>){ return </a:t>
+            </a:r>
+            <a:r>
+              <a:rPr lang="en-US" dirty="0" err="1"/>
+              <a:t>i</a:t>
+            </a:r>
+            <a:r>
+              <a:rPr lang="en-US" dirty="0"/>
+              <a:t> % state; } [1,2,3,4].map(function(x){ return second(first(x)); </a:t>
+            </a:r>
+            <a:r>
+              <a:rPr lang="en-US" dirty="0" smtClean="0"/>
+              <a:t>})</a:t>
+            </a:r>
+          </a:p>
+          <a:p>
+            <a:pPr marL="285750" indent="-285750">
+              <a:buFont typeface="Wingdings" charset="2"/>
+              <a:buChar char="Ø"/>
+            </a:pPr>
+            <a:r>
+              <a:rPr lang="en-US" dirty="0" smtClean="0"/>
+              <a:t>[</a:t>
+            </a:r>
+            <a:r>
+              <a:rPr lang="en-US" dirty="0"/>
+              <a:t>0, 0, 0, 0]</a:t>
             </a:r>
           </a:p>
         </p:txBody>
@@ -12119,7 +14242,7 @@
     </p:spTree>
     <p:extLst>
       <p:ext uri="{BB962C8B-B14F-4D97-AF65-F5344CB8AC3E}">
-        <p14:creationId xmlns:p14="http://schemas.microsoft.com/office/powerpoint/2010/main" val="156067456"/>
+        <p14:creationId xmlns:p14="http://schemas.microsoft.com/office/powerpoint/2010/main" val="219512668"/>
       </p:ext>
     </p:extLst>
   </p:cSld>
@@ -12163,19 +14286,8 @@
           <a:p>
             <a:r>
               <a:rPr lang="en-US" dirty="0" smtClean="0"/>
-              <a:t>Applicative </a:t>
-            </a:r>
-            <a:r>
-              <a:rPr lang="en-US" dirty="0" err="1" smtClean="0"/>
-              <a:t>Functors</a:t>
-            </a:r>
-            <a:r>
-              <a:rPr lang="en-US" dirty="0" smtClean="0"/>
-              <a:t/>
-            </a:r>
-            <a:br>
-              <a:rPr lang="en-US" dirty="0" smtClean="0"/>
-            </a:br>
+              <a:t>Controlling Effects with Monads</a:t>
+            </a:r>
             <a:endParaRPr lang="en-US" dirty="0"/>
           </a:p>
         </p:txBody>
@@ -12202,7 +14314,7 @@
     </p:spTree>
     <p:extLst>
       <p:ext uri="{BB962C8B-B14F-4D97-AF65-F5344CB8AC3E}">
-        <p14:creationId xmlns:p14="http://schemas.microsoft.com/office/powerpoint/2010/main" val="1114536279"/>
+        <p14:creationId xmlns:p14="http://schemas.microsoft.com/office/powerpoint/2010/main" val="1167442836"/>
       </p:ext>
     </p:extLst>
   </p:cSld>
@@ -12246,8 +14358,19 @@
           <a:p>
             <a:r>
               <a:rPr lang="en-US" dirty="0" smtClean="0"/>
-              <a:t>`do` notation</a:t>
-            </a:r>
+              <a:t>Applicative </a:t>
+            </a:r>
+            <a:r>
+              <a:rPr lang="en-US" dirty="0" err="1" smtClean="0"/>
+              <a:t>Functors</a:t>
+            </a:r>
+            <a:r>
+              <a:rPr lang="en-US" dirty="0" smtClean="0"/>
+              <a:t/>
+            </a:r>
+            <a:br>
+              <a:rPr lang="en-US" dirty="0" smtClean="0"/>
+            </a:br>
             <a:endParaRPr lang="en-US" dirty="0"/>
           </a:p>
         </p:txBody>
@@ -12274,7 +14397,7 @@
     </p:spTree>
     <p:extLst>
       <p:ext uri="{BB962C8B-B14F-4D97-AF65-F5344CB8AC3E}">
-        <p14:creationId xmlns:p14="http://schemas.microsoft.com/office/powerpoint/2010/main" val="2034874566"/>
+        <p14:creationId xmlns:p14="http://schemas.microsoft.com/office/powerpoint/2010/main" val="1114536279"/>
       </p:ext>
     </p:extLst>
   </p:cSld>
@@ -12289,7 +14412,7 @@
   <p:cSld>
     <p:spTree>
       <p:nvGrpSpPr>
-        <p:cNvPr id="1" name="Shape 75"/>
+        <p:cNvPr id="1" name=""/>
         <p:cNvGrpSpPr/>
         <p:nvPr/>
       </p:nvGrpSpPr>
@@ -12303,2038 +14426,52 @@
       </p:grpSpPr>
       <p:sp>
         <p:nvSpPr>
-          <p:cNvPr id="76" name="Shape 76"/>
-          <p:cNvSpPr txBox="1">
+          <p:cNvPr id="2" name="Title 1"/>
+          <p:cNvSpPr>
             <a:spLocks noGrp="1"/>
           </p:cNvSpPr>
           <p:nvPr>
             <p:ph type="title"/>
           </p:nvPr>
         </p:nvSpPr>
-        <p:spPr>
-          <a:xfrm>
-            <a:off x="311700" y="445025"/>
-            <a:ext cx="8520600" cy="572700"/>
-          </a:xfrm>
-          <a:prstGeom prst="rect">
-            <a:avLst/>
-          </a:prstGeom>
-        </p:spPr>
+        <p:spPr/>
         <p:txBody>
-          <a:bodyPr lIns="91425" tIns="91425" rIns="91425" bIns="91425" anchor="t" anchorCtr="0">
-            <a:noAutofit/>
-          </a:bodyPr>
+          <a:bodyPr/>
           <a:lstStyle/>
           <a:p>
-            <a:pPr lvl="0">
-              <a:spcBef>
-                <a:spcPts val="0"/>
-              </a:spcBef>
-              <a:buNone/>
-            </a:pPr>
-            <a:r>
-              <a:rPr lang="en"/>
-              <a:t>Monads in JavaScript</a:t>
-            </a:r>
+            <a:r>
+              <a:rPr lang="en-US" dirty="0" smtClean="0"/>
+              <a:t>`do` notation</a:t>
+            </a:r>
+            <a:endParaRPr lang="en-US" dirty="0"/>
           </a:p>
         </p:txBody>
       </p:sp>
       <p:sp>
         <p:nvSpPr>
-          <p:cNvPr id="77" name="Shape 77"/>
-          <p:cNvSpPr txBox="1">
+          <p:cNvPr id="3" name="Text Placeholder 2"/>
+          <p:cNvSpPr>
             <a:spLocks noGrp="1"/>
           </p:cNvSpPr>
           <p:nvPr>
             <p:ph type="body" idx="1"/>
           </p:nvPr>
         </p:nvSpPr>
-        <p:spPr>
-          <a:xfrm>
-            <a:off x="311700" y="1152475"/>
-            <a:ext cx="3925500" cy="3761400"/>
-          </a:xfrm>
-          <a:prstGeom prst="rect">
-            <a:avLst/>
-          </a:prstGeom>
-        </p:spPr>
+        <p:spPr/>
         <p:txBody>
-          <a:bodyPr lIns="91425" tIns="91425" rIns="91425" bIns="91425" anchor="t" anchorCtr="0">
-            <a:noAutofit/>
-          </a:bodyPr>
+          <a:bodyPr/>
           <a:lstStyle/>
           <a:p>
-            <a:pPr lvl="0" rtl="0">
-              <a:lnSpc>
-                <a:spcPct val="142857"/>
-              </a:lnSpc>
-              <a:spcBef>
-                <a:spcPts val="0"/>
-              </a:spcBef>
-              <a:spcAft>
-                <a:spcPts val="0"/>
-              </a:spcAft>
-              <a:buNone/>
-            </a:pPr>
-            <a:r>
-              <a:rPr lang="en" sz="600">
-                <a:solidFill>
-                  <a:srgbClr val="969896"/>
-                </a:solidFill>
-                <a:highlight>
-                  <a:srgbClr val="FFFFFF"/>
-                </a:highlight>
-                <a:latin typeface="Consolas"/>
-                <a:ea typeface="Consolas"/>
-                <a:cs typeface="Consolas"/>
-                <a:sym typeface="Consolas"/>
-              </a:rPr>
-              <a:t>// monad.js</a:t>
-            </a:r>
-          </a:p>
-          <a:p>
-            <a:pPr lvl="0" rtl="0">
-              <a:lnSpc>
-                <a:spcPct val="142857"/>
-              </a:lnSpc>
-              <a:spcBef>
-                <a:spcPts val="0"/>
-              </a:spcBef>
-              <a:spcAft>
-                <a:spcPts val="0"/>
-              </a:spcAft>
-              <a:buNone/>
-            </a:pPr>
-            <a:r>
-              <a:rPr lang="en" sz="600">
-                <a:solidFill>
-                  <a:srgbClr val="969896"/>
-                </a:solidFill>
-                <a:highlight>
-                  <a:srgbClr val="FFFFFF"/>
-                </a:highlight>
-                <a:latin typeface="Consolas"/>
-                <a:ea typeface="Consolas"/>
-                <a:cs typeface="Consolas"/>
-                <a:sym typeface="Consolas"/>
-              </a:rPr>
-              <a:t>// Douglas Crockford</a:t>
-            </a:r>
-          </a:p>
-          <a:p>
-            <a:pPr lvl="0" rtl="0">
-              <a:lnSpc>
-                <a:spcPct val="142857"/>
-              </a:lnSpc>
-              <a:spcBef>
-                <a:spcPts val="0"/>
-              </a:spcBef>
-              <a:spcAft>
-                <a:spcPts val="0"/>
-              </a:spcAft>
-              <a:buNone/>
-            </a:pPr>
-            <a:r>
-              <a:rPr lang="en" sz="600">
-                <a:solidFill>
-                  <a:srgbClr val="969896"/>
-                </a:solidFill>
-                <a:highlight>
-                  <a:srgbClr val="FFFFFF"/>
-                </a:highlight>
-                <a:latin typeface="Consolas"/>
-                <a:ea typeface="Consolas"/>
-                <a:cs typeface="Consolas"/>
-                <a:sym typeface="Consolas"/>
-              </a:rPr>
-              <a:t>// 2016-01-27</a:t>
-            </a:r>
-          </a:p>
-          <a:p>
-            <a:pPr lvl="0" rtl="0">
-              <a:lnSpc>
-                <a:spcPct val="142857"/>
-              </a:lnSpc>
-              <a:spcBef>
-                <a:spcPts val="0"/>
-              </a:spcBef>
-              <a:spcAft>
-                <a:spcPts val="0"/>
-              </a:spcAft>
-              <a:buNone/>
-            </a:pPr>
-            <a:r>
-              <a:rPr lang="en" sz="600">
-                <a:solidFill>
-                  <a:srgbClr val="24292E"/>
-                </a:solidFill>
-                <a:highlight>
-                  <a:srgbClr val="FFFFFF"/>
-                </a:highlight>
-                <a:latin typeface="Consolas"/>
-                <a:ea typeface="Consolas"/>
-                <a:cs typeface="Consolas"/>
-                <a:sym typeface="Consolas"/>
-              </a:rPr>
-              <a:t/>
-            </a:r>
-            <a:br>
-              <a:rPr lang="en" sz="600">
-                <a:solidFill>
-                  <a:srgbClr val="24292E"/>
-                </a:solidFill>
-                <a:highlight>
-                  <a:srgbClr val="FFFFFF"/>
-                </a:highlight>
-                <a:latin typeface="Consolas"/>
-                <a:ea typeface="Consolas"/>
-                <a:cs typeface="Consolas"/>
-                <a:sym typeface="Consolas"/>
-              </a:rPr>
-            </a:br>
-            <a:endParaRPr lang="en" sz="600">
-              <a:solidFill>
-                <a:srgbClr val="24292E"/>
-              </a:solidFill>
-              <a:highlight>
-                <a:srgbClr val="FFFFFF"/>
-              </a:highlight>
-              <a:latin typeface="Consolas"/>
-              <a:ea typeface="Consolas"/>
-              <a:cs typeface="Consolas"/>
-              <a:sym typeface="Consolas"/>
-            </a:endParaRPr>
-          </a:p>
-          <a:p>
-            <a:pPr lvl="0" rtl="0">
-              <a:lnSpc>
-                <a:spcPct val="142857"/>
-              </a:lnSpc>
-              <a:spcBef>
-                <a:spcPts val="0"/>
-              </a:spcBef>
-              <a:spcAft>
-                <a:spcPts val="0"/>
-              </a:spcAft>
-              <a:buNone/>
-            </a:pPr>
-            <a:r>
-              <a:rPr lang="en" sz="600">
-                <a:solidFill>
-                  <a:srgbClr val="969896"/>
-                </a:solidFill>
-                <a:highlight>
-                  <a:srgbClr val="FFFFFF"/>
-                </a:highlight>
-                <a:latin typeface="Consolas"/>
-                <a:ea typeface="Consolas"/>
-                <a:cs typeface="Consolas"/>
-                <a:sym typeface="Consolas"/>
-              </a:rPr>
-              <a:t>// Public Domain</a:t>
-            </a:r>
-          </a:p>
-          <a:p>
-            <a:pPr lvl="0" rtl="0">
-              <a:lnSpc>
-                <a:spcPct val="142857"/>
-              </a:lnSpc>
-              <a:spcBef>
-                <a:spcPts val="0"/>
-              </a:spcBef>
-              <a:spcAft>
-                <a:spcPts val="0"/>
-              </a:spcAft>
-              <a:buNone/>
-            </a:pPr>
-            <a:r>
-              <a:rPr lang="en" sz="600">
-                <a:solidFill>
-                  <a:srgbClr val="24292E"/>
-                </a:solidFill>
-                <a:highlight>
-                  <a:srgbClr val="FFFFFF"/>
-                </a:highlight>
-                <a:latin typeface="Consolas"/>
-                <a:ea typeface="Consolas"/>
-                <a:cs typeface="Consolas"/>
-                <a:sym typeface="Consolas"/>
-              </a:rPr>
-              <a:t/>
-            </a:r>
-            <a:br>
-              <a:rPr lang="en" sz="600">
-                <a:solidFill>
-                  <a:srgbClr val="24292E"/>
-                </a:solidFill>
-                <a:highlight>
-                  <a:srgbClr val="FFFFFF"/>
-                </a:highlight>
-                <a:latin typeface="Consolas"/>
-                <a:ea typeface="Consolas"/>
-                <a:cs typeface="Consolas"/>
-                <a:sym typeface="Consolas"/>
-              </a:rPr>
-            </a:br>
-            <a:endParaRPr lang="en" sz="600">
-              <a:solidFill>
-                <a:srgbClr val="24292E"/>
-              </a:solidFill>
-              <a:highlight>
-                <a:srgbClr val="FFFFFF"/>
-              </a:highlight>
-              <a:latin typeface="Consolas"/>
-              <a:ea typeface="Consolas"/>
-              <a:cs typeface="Consolas"/>
-              <a:sym typeface="Consolas"/>
-            </a:endParaRPr>
-          </a:p>
-          <a:p>
-            <a:pPr lvl="0" rtl="0">
-              <a:lnSpc>
-                <a:spcPct val="142857"/>
-              </a:lnSpc>
-              <a:spcBef>
-                <a:spcPts val="0"/>
-              </a:spcBef>
-              <a:spcAft>
-                <a:spcPts val="0"/>
-              </a:spcAft>
-              <a:buNone/>
-            </a:pPr>
-            <a:r>
-              <a:rPr lang="en" sz="600">
-                <a:solidFill>
-                  <a:srgbClr val="969896"/>
-                </a:solidFill>
-                <a:highlight>
-                  <a:srgbClr val="FFFFFF"/>
-                </a:highlight>
-                <a:latin typeface="Consolas"/>
-                <a:ea typeface="Consolas"/>
-                <a:cs typeface="Consolas"/>
-                <a:sym typeface="Consolas"/>
-              </a:rPr>
-              <a:t>// The MONAD function is a macroid that produces monad constructor functions.</a:t>
-            </a:r>
-          </a:p>
-          <a:p>
-            <a:pPr lvl="0" rtl="0">
-              <a:lnSpc>
-                <a:spcPct val="142857"/>
-              </a:lnSpc>
-              <a:spcBef>
-                <a:spcPts val="0"/>
-              </a:spcBef>
-              <a:spcAft>
-                <a:spcPts val="0"/>
-              </a:spcAft>
-              <a:buNone/>
-            </a:pPr>
-            <a:r>
-              <a:rPr lang="en" sz="600">
-                <a:solidFill>
-                  <a:srgbClr val="969896"/>
-                </a:solidFill>
-                <a:highlight>
-                  <a:srgbClr val="FFFFFF"/>
-                </a:highlight>
-                <a:latin typeface="Consolas"/>
-                <a:ea typeface="Consolas"/>
-                <a:cs typeface="Consolas"/>
-                <a:sym typeface="Consolas"/>
-              </a:rPr>
-              <a:t>// It can take an optional modifier function, which is a function that is</a:t>
-            </a:r>
-          </a:p>
-          <a:p>
-            <a:pPr lvl="0" rtl="0">
-              <a:lnSpc>
-                <a:spcPct val="142857"/>
-              </a:lnSpc>
-              <a:spcBef>
-                <a:spcPts val="0"/>
-              </a:spcBef>
-              <a:spcAft>
-                <a:spcPts val="0"/>
-              </a:spcAft>
-              <a:buNone/>
-            </a:pPr>
-            <a:r>
-              <a:rPr lang="en" sz="600">
-                <a:solidFill>
-                  <a:srgbClr val="969896"/>
-                </a:solidFill>
-                <a:highlight>
-                  <a:srgbClr val="FFFFFF"/>
-                </a:highlight>
-                <a:latin typeface="Consolas"/>
-                <a:ea typeface="Consolas"/>
-                <a:cs typeface="Consolas"/>
-                <a:sym typeface="Consolas"/>
-              </a:rPr>
-              <a:t>// allowed to modify new monads at the end of the construction processes.</a:t>
-            </a:r>
-          </a:p>
-          <a:p>
-            <a:pPr lvl="0" rtl="0">
-              <a:lnSpc>
-                <a:spcPct val="142857"/>
-              </a:lnSpc>
-              <a:spcBef>
-                <a:spcPts val="0"/>
-              </a:spcBef>
-              <a:spcAft>
-                <a:spcPts val="0"/>
-              </a:spcAft>
-              <a:buNone/>
-            </a:pPr>
-            <a:r>
-              <a:rPr lang="en" sz="600">
-                <a:solidFill>
-                  <a:srgbClr val="24292E"/>
-                </a:solidFill>
-                <a:highlight>
-                  <a:srgbClr val="FFFFFF"/>
-                </a:highlight>
-                <a:latin typeface="Consolas"/>
-                <a:ea typeface="Consolas"/>
-                <a:cs typeface="Consolas"/>
-                <a:sym typeface="Consolas"/>
-              </a:rPr>
-              <a:t/>
-            </a:r>
-            <a:br>
-              <a:rPr lang="en" sz="600">
-                <a:solidFill>
-                  <a:srgbClr val="24292E"/>
-                </a:solidFill>
-                <a:highlight>
-                  <a:srgbClr val="FFFFFF"/>
-                </a:highlight>
-                <a:latin typeface="Consolas"/>
-                <a:ea typeface="Consolas"/>
-                <a:cs typeface="Consolas"/>
-                <a:sym typeface="Consolas"/>
-              </a:rPr>
-            </a:br>
-            <a:endParaRPr lang="en" sz="600">
-              <a:solidFill>
-                <a:srgbClr val="24292E"/>
-              </a:solidFill>
-              <a:highlight>
-                <a:srgbClr val="FFFFFF"/>
-              </a:highlight>
-              <a:latin typeface="Consolas"/>
-              <a:ea typeface="Consolas"/>
-              <a:cs typeface="Consolas"/>
-              <a:sym typeface="Consolas"/>
-            </a:endParaRPr>
-          </a:p>
-          <a:p>
-            <a:pPr lvl="0" rtl="0">
-              <a:lnSpc>
-                <a:spcPct val="142857"/>
-              </a:lnSpc>
-              <a:spcBef>
-                <a:spcPts val="0"/>
-              </a:spcBef>
-              <a:spcAft>
-                <a:spcPts val="0"/>
-              </a:spcAft>
-              <a:buNone/>
-            </a:pPr>
-            <a:r>
-              <a:rPr lang="en" sz="600">
-                <a:solidFill>
-                  <a:srgbClr val="969896"/>
-                </a:solidFill>
-                <a:highlight>
-                  <a:srgbClr val="FFFFFF"/>
-                </a:highlight>
-                <a:latin typeface="Consolas"/>
-                <a:ea typeface="Consolas"/>
-                <a:cs typeface="Consolas"/>
-                <a:sym typeface="Consolas"/>
-              </a:rPr>
-              <a:t>// A monad constructor (sometimes called 'unit' or 'return' in some mythologies)</a:t>
-            </a:r>
-          </a:p>
-          <a:p>
-            <a:pPr lvl="0" rtl="0">
-              <a:lnSpc>
-                <a:spcPct val="142857"/>
-              </a:lnSpc>
-              <a:spcBef>
-                <a:spcPts val="0"/>
-              </a:spcBef>
-              <a:spcAft>
-                <a:spcPts val="0"/>
-              </a:spcAft>
-              <a:buNone/>
-            </a:pPr>
-            <a:r>
-              <a:rPr lang="en" sz="600">
-                <a:solidFill>
-                  <a:srgbClr val="969896"/>
-                </a:solidFill>
-                <a:highlight>
-                  <a:srgbClr val="FFFFFF"/>
-                </a:highlight>
-                <a:latin typeface="Consolas"/>
-                <a:ea typeface="Consolas"/>
-                <a:cs typeface="Consolas"/>
-                <a:sym typeface="Consolas"/>
-              </a:rPr>
-              <a:t>// comes with three methods, lift, lift_value, and method, all of which can add</a:t>
-            </a:r>
-          </a:p>
-          <a:p>
-            <a:pPr lvl="0" rtl="0">
-              <a:lnSpc>
-                <a:spcPct val="142857"/>
-              </a:lnSpc>
-              <a:spcBef>
-                <a:spcPts val="0"/>
-              </a:spcBef>
-              <a:spcAft>
-                <a:spcPts val="0"/>
-              </a:spcAft>
-              <a:buNone/>
-            </a:pPr>
-            <a:r>
-              <a:rPr lang="en" sz="600">
-                <a:solidFill>
-                  <a:srgbClr val="969896"/>
-                </a:solidFill>
-                <a:highlight>
-                  <a:srgbClr val="FFFFFF"/>
-                </a:highlight>
-                <a:latin typeface="Consolas"/>
-                <a:ea typeface="Consolas"/>
-                <a:cs typeface="Consolas"/>
-                <a:sym typeface="Consolas"/>
-              </a:rPr>
-              <a:t>// methods and properties to the monad's prototype.</a:t>
-            </a:r>
-          </a:p>
-          <a:p>
-            <a:pPr lvl="0" rtl="0">
-              <a:lnSpc>
-                <a:spcPct val="142857"/>
-              </a:lnSpc>
-              <a:spcBef>
-                <a:spcPts val="0"/>
-              </a:spcBef>
-              <a:spcAft>
-                <a:spcPts val="0"/>
-              </a:spcAft>
-              <a:buNone/>
-            </a:pPr>
-            <a:r>
-              <a:rPr lang="en" sz="600">
-                <a:solidFill>
-                  <a:srgbClr val="24292E"/>
-                </a:solidFill>
-                <a:highlight>
-                  <a:srgbClr val="FFFFFF"/>
-                </a:highlight>
-                <a:latin typeface="Consolas"/>
-                <a:ea typeface="Consolas"/>
-                <a:cs typeface="Consolas"/>
-                <a:sym typeface="Consolas"/>
-              </a:rPr>
-              <a:t/>
-            </a:r>
-            <a:br>
-              <a:rPr lang="en" sz="600">
-                <a:solidFill>
-                  <a:srgbClr val="24292E"/>
-                </a:solidFill>
-                <a:highlight>
-                  <a:srgbClr val="FFFFFF"/>
-                </a:highlight>
-                <a:latin typeface="Consolas"/>
-                <a:ea typeface="Consolas"/>
-                <a:cs typeface="Consolas"/>
-                <a:sym typeface="Consolas"/>
-              </a:rPr>
-            </a:br>
-            <a:endParaRPr lang="en" sz="600">
-              <a:solidFill>
-                <a:srgbClr val="24292E"/>
-              </a:solidFill>
-              <a:highlight>
-                <a:srgbClr val="FFFFFF"/>
-              </a:highlight>
-              <a:latin typeface="Consolas"/>
-              <a:ea typeface="Consolas"/>
-              <a:cs typeface="Consolas"/>
-              <a:sym typeface="Consolas"/>
-            </a:endParaRPr>
-          </a:p>
-          <a:p>
-            <a:pPr lvl="0" rtl="0">
-              <a:lnSpc>
-                <a:spcPct val="142857"/>
-              </a:lnSpc>
-              <a:spcBef>
-                <a:spcPts val="0"/>
-              </a:spcBef>
-              <a:spcAft>
-                <a:spcPts val="0"/>
-              </a:spcAft>
-              <a:buNone/>
-            </a:pPr>
-            <a:r>
-              <a:rPr lang="en" sz="600">
-                <a:solidFill>
-                  <a:srgbClr val="969896"/>
-                </a:solidFill>
-                <a:highlight>
-                  <a:srgbClr val="FFFFFF"/>
-                </a:highlight>
-                <a:latin typeface="Consolas"/>
-                <a:ea typeface="Consolas"/>
-                <a:cs typeface="Consolas"/>
-                <a:sym typeface="Consolas"/>
-              </a:rPr>
-              <a:t>// A monad has a 'bind' method that takes a function that receives a value and</a:t>
-            </a:r>
-          </a:p>
-          <a:p>
-            <a:pPr lvl="0" rtl="0">
-              <a:lnSpc>
-                <a:spcPct val="142857"/>
-              </a:lnSpc>
-              <a:spcBef>
-                <a:spcPts val="0"/>
-              </a:spcBef>
-              <a:spcAft>
-                <a:spcPts val="0"/>
-              </a:spcAft>
-              <a:buNone/>
-            </a:pPr>
-            <a:r>
-              <a:rPr lang="en" sz="600">
-                <a:solidFill>
-                  <a:srgbClr val="969896"/>
-                </a:solidFill>
-                <a:highlight>
-                  <a:srgbClr val="FFFFFF"/>
-                </a:highlight>
-                <a:latin typeface="Consolas"/>
-                <a:ea typeface="Consolas"/>
-                <a:cs typeface="Consolas"/>
-                <a:sym typeface="Consolas"/>
-              </a:rPr>
-              <a:t>// is usually expected to return a monad.</a:t>
-            </a:r>
-          </a:p>
-          <a:p>
-            <a:pPr lvl="0" rtl="0">
-              <a:lnSpc>
-                <a:spcPct val="142857"/>
-              </a:lnSpc>
-              <a:spcBef>
-                <a:spcPts val="0"/>
-              </a:spcBef>
-              <a:spcAft>
-                <a:spcPts val="0"/>
-              </a:spcAft>
-              <a:buNone/>
-            </a:pPr>
-            <a:r>
-              <a:rPr lang="en" sz="600">
-                <a:solidFill>
-                  <a:srgbClr val="24292E"/>
-                </a:solidFill>
-                <a:highlight>
-                  <a:srgbClr val="FFFFFF"/>
-                </a:highlight>
-                <a:latin typeface="Consolas"/>
-                <a:ea typeface="Consolas"/>
-                <a:cs typeface="Consolas"/>
-                <a:sym typeface="Consolas"/>
-              </a:rPr>
-              <a:t/>
-            </a:r>
-            <a:br>
-              <a:rPr lang="en" sz="600">
-                <a:solidFill>
-                  <a:srgbClr val="24292E"/>
-                </a:solidFill>
-                <a:highlight>
-                  <a:srgbClr val="FFFFFF"/>
-                </a:highlight>
-                <a:latin typeface="Consolas"/>
-                <a:ea typeface="Consolas"/>
-                <a:cs typeface="Consolas"/>
-                <a:sym typeface="Consolas"/>
-              </a:rPr>
-            </a:br>
-            <a:endParaRPr lang="en" sz="600">
-              <a:solidFill>
-                <a:srgbClr val="24292E"/>
-              </a:solidFill>
-              <a:highlight>
-                <a:srgbClr val="FFFFFF"/>
-              </a:highlight>
-              <a:latin typeface="Consolas"/>
-              <a:ea typeface="Consolas"/>
-              <a:cs typeface="Consolas"/>
-              <a:sym typeface="Consolas"/>
-            </a:endParaRPr>
-          </a:p>
-          <a:p>
-            <a:pPr lvl="0" rtl="0">
-              <a:lnSpc>
-                <a:spcPct val="142857"/>
-              </a:lnSpc>
-              <a:spcBef>
-                <a:spcPts val="0"/>
-              </a:spcBef>
-              <a:spcAft>
-                <a:spcPts val="0"/>
-              </a:spcAft>
-              <a:buNone/>
-            </a:pPr>
-            <a:r>
-              <a:rPr lang="en" sz="600">
-                <a:solidFill>
-                  <a:srgbClr val="969896"/>
-                </a:solidFill>
-                <a:highlight>
-                  <a:srgbClr val="FFFFFF"/>
-                </a:highlight>
-                <a:latin typeface="Consolas"/>
-                <a:ea typeface="Consolas"/>
-                <a:cs typeface="Consolas"/>
-                <a:sym typeface="Consolas"/>
-              </a:rPr>
-              <a:t>//    var identity = MONAD();</a:t>
-            </a:r>
-          </a:p>
-          <a:p>
-            <a:pPr lvl="0" rtl="0">
-              <a:lnSpc>
-                <a:spcPct val="142857"/>
-              </a:lnSpc>
-              <a:spcBef>
-                <a:spcPts val="0"/>
-              </a:spcBef>
-              <a:spcAft>
-                <a:spcPts val="0"/>
-              </a:spcAft>
-              <a:buNone/>
-            </a:pPr>
-            <a:r>
-              <a:rPr lang="en" sz="600">
-                <a:solidFill>
-                  <a:srgbClr val="969896"/>
-                </a:solidFill>
-                <a:highlight>
-                  <a:srgbClr val="FFFFFF"/>
-                </a:highlight>
-                <a:latin typeface="Consolas"/>
-                <a:ea typeface="Consolas"/>
-                <a:cs typeface="Consolas"/>
-                <a:sym typeface="Consolas"/>
-              </a:rPr>
-              <a:t>//    var monad = identity("Hello world.");</a:t>
-            </a:r>
-          </a:p>
-          <a:p>
-            <a:pPr lvl="0" rtl="0">
-              <a:lnSpc>
-                <a:spcPct val="142857"/>
-              </a:lnSpc>
-              <a:spcBef>
-                <a:spcPts val="0"/>
-              </a:spcBef>
-              <a:spcAft>
-                <a:spcPts val="0"/>
-              </a:spcAft>
-              <a:buNone/>
-            </a:pPr>
-            <a:r>
-              <a:rPr lang="en" sz="600">
-                <a:solidFill>
-                  <a:srgbClr val="969896"/>
-                </a:solidFill>
-                <a:highlight>
-                  <a:srgbClr val="FFFFFF"/>
-                </a:highlight>
-                <a:latin typeface="Consolas"/>
-                <a:ea typeface="Consolas"/>
-                <a:cs typeface="Consolas"/>
-                <a:sym typeface="Consolas"/>
-              </a:rPr>
-              <a:t>//    monad.bind(alert);</a:t>
-            </a:r>
-          </a:p>
-        </p:txBody>
-      </p:sp>
-      <p:sp>
-        <p:nvSpPr>
-          <p:cNvPr id="78" name="Shape 78"/>
-          <p:cNvSpPr txBox="1"/>
-          <p:nvPr/>
-        </p:nvSpPr>
-        <p:spPr>
-          <a:xfrm>
-            <a:off x="4020350" y="293550"/>
-            <a:ext cx="4812000" cy="4569300"/>
-          </a:xfrm>
-          <a:prstGeom prst="rect">
-            <a:avLst/>
-          </a:prstGeom>
-          <a:noFill/>
-          <a:ln>
-            <a:noFill/>
-          </a:ln>
-        </p:spPr>
-        <p:txBody>
-          <a:bodyPr lIns="91425" tIns="91425" rIns="91425" bIns="91425" anchor="t" anchorCtr="0">
-            <a:noAutofit/>
-          </a:bodyPr>
-          <a:lstStyle/>
-          <a:p>
-            <a:pPr lvl="0" rtl="0">
-              <a:lnSpc>
-                <a:spcPct val="142857"/>
-              </a:lnSpc>
-              <a:spcBef>
-                <a:spcPts val="0"/>
-              </a:spcBef>
-              <a:buNone/>
-            </a:pPr>
-            <a:r>
-              <a:rPr lang="en" sz="600">
-                <a:solidFill>
-                  <a:srgbClr val="969896"/>
-                </a:solidFill>
-                <a:highlight>
-                  <a:srgbClr val="FFFFFF"/>
-                </a:highlight>
-                <a:latin typeface="Consolas"/>
-                <a:ea typeface="Consolas"/>
-                <a:cs typeface="Consolas"/>
-                <a:sym typeface="Consolas"/>
-              </a:rPr>
-              <a:t>//    var ajax = MONAD()</a:t>
-            </a:r>
-          </a:p>
-          <a:p>
-            <a:pPr lvl="0" rtl="0">
-              <a:lnSpc>
-                <a:spcPct val="142857"/>
-              </a:lnSpc>
-              <a:spcBef>
-                <a:spcPts val="0"/>
-              </a:spcBef>
-              <a:buNone/>
-            </a:pPr>
-            <a:r>
-              <a:rPr lang="en" sz="600">
-                <a:solidFill>
-                  <a:srgbClr val="969896"/>
-                </a:solidFill>
-                <a:highlight>
-                  <a:srgbClr val="FFFFFF"/>
-                </a:highlight>
-                <a:latin typeface="Consolas"/>
-                <a:ea typeface="Consolas"/>
-                <a:cs typeface="Consolas"/>
-                <a:sym typeface="Consolas"/>
-              </a:rPr>
-              <a:t>//        .lift('alert', alert);</a:t>
-            </a:r>
-          </a:p>
-          <a:p>
-            <a:pPr lvl="0" rtl="0">
-              <a:lnSpc>
-                <a:spcPct val="142857"/>
-              </a:lnSpc>
-              <a:spcBef>
-                <a:spcPts val="0"/>
-              </a:spcBef>
-              <a:buNone/>
-            </a:pPr>
-            <a:r>
-              <a:rPr lang="en" sz="600">
-                <a:solidFill>
-                  <a:srgbClr val="969896"/>
-                </a:solidFill>
-                <a:highlight>
-                  <a:srgbClr val="FFFFFF"/>
-                </a:highlight>
-                <a:latin typeface="Consolas"/>
-                <a:ea typeface="Consolas"/>
-                <a:cs typeface="Consolas"/>
-                <a:sym typeface="Consolas"/>
-              </a:rPr>
-              <a:t>//    var monad = ajax("Hello world.");</a:t>
-            </a:r>
-          </a:p>
-          <a:p>
-            <a:pPr lvl="0" rtl="0">
-              <a:lnSpc>
-                <a:spcPct val="142857"/>
-              </a:lnSpc>
-              <a:spcBef>
-                <a:spcPts val="0"/>
-              </a:spcBef>
-              <a:buNone/>
-            </a:pPr>
-            <a:r>
-              <a:rPr lang="en" sz="600">
-                <a:solidFill>
-                  <a:srgbClr val="969896"/>
-                </a:solidFill>
-                <a:highlight>
-                  <a:srgbClr val="FFFFFF"/>
-                </a:highlight>
-                <a:latin typeface="Consolas"/>
-                <a:ea typeface="Consolas"/>
-                <a:cs typeface="Consolas"/>
-                <a:sym typeface="Consolas"/>
-              </a:rPr>
-              <a:t>//    monad.alert();</a:t>
-            </a:r>
-          </a:p>
-          <a:p>
-            <a:pPr lvl="0" rtl="0">
-              <a:lnSpc>
-                <a:spcPct val="142857"/>
-              </a:lnSpc>
-              <a:spcBef>
-                <a:spcPts val="0"/>
-              </a:spcBef>
-              <a:buNone/>
-            </a:pPr>
-            <a:r>
-              <a:rPr lang="en" sz="600">
-                <a:solidFill>
-                  <a:srgbClr val="24292E"/>
-                </a:solidFill>
-                <a:highlight>
-                  <a:srgbClr val="FFFFFF"/>
-                </a:highlight>
-                <a:latin typeface="Consolas"/>
-                <a:ea typeface="Consolas"/>
-                <a:cs typeface="Consolas"/>
-                <a:sym typeface="Consolas"/>
-              </a:rPr>
-              <a:t/>
-            </a:r>
-            <a:br>
-              <a:rPr lang="en" sz="600">
-                <a:solidFill>
-                  <a:srgbClr val="24292E"/>
-                </a:solidFill>
-                <a:highlight>
-                  <a:srgbClr val="FFFFFF"/>
-                </a:highlight>
-                <a:latin typeface="Consolas"/>
-                <a:ea typeface="Consolas"/>
-                <a:cs typeface="Consolas"/>
-                <a:sym typeface="Consolas"/>
-              </a:rPr>
-            </a:br>
-            <a:endParaRPr lang="en" sz="600">
-              <a:solidFill>
-                <a:srgbClr val="24292E"/>
-              </a:solidFill>
-              <a:highlight>
-                <a:srgbClr val="FFFFFF"/>
-              </a:highlight>
-              <a:latin typeface="Consolas"/>
-              <a:ea typeface="Consolas"/>
-              <a:cs typeface="Consolas"/>
-              <a:sym typeface="Consolas"/>
-            </a:endParaRPr>
-          </a:p>
-          <a:p>
-            <a:pPr lvl="0" rtl="0">
-              <a:lnSpc>
-                <a:spcPct val="142857"/>
-              </a:lnSpc>
-              <a:spcBef>
-                <a:spcPts val="0"/>
-              </a:spcBef>
-              <a:buNone/>
-            </a:pPr>
-            <a:r>
-              <a:rPr lang="en" sz="600">
-                <a:solidFill>
-                  <a:srgbClr val="969896"/>
-                </a:solidFill>
-                <a:highlight>
-                  <a:srgbClr val="FFFFFF"/>
-                </a:highlight>
-                <a:latin typeface="Consolas"/>
-                <a:ea typeface="Consolas"/>
-                <a:cs typeface="Consolas"/>
-                <a:sym typeface="Consolas"/>
-              </a:rPr>
-              <a:t>//    var maybe = MONAD(function (monad, value) {</a:t>
-            </a:r>
-          </a:p>
-          <a:p>
-            <a:pPr lvl="0" rtl="0">
-              <a:lnSpc>
-                <a:spcPct val="142857"/>
-              </a:lnSpc>
-              <a:spcBef>
-                <a:spcPts val="0"/>
-              </a:spcBef>
-              <a:buNone/>
-            </a:pPr>
-            <a:r>
-              <a:rPr lang="en" sz="600">
-                <a:solidFill>
-                  <a:srgbClr val="969896"/>
-                </a:solidFill>
-                <a:highlight>
-                  <a:srgbClr val="FFFFFF"/>
-                </a:highlight>
-                <a:latin typeface="Consolas"/>
-                <a:ea typeface="Consolas"/>
-                <a:cs typeface="Consolas"/>
-                <a:sym typeface="Consolas"/>
-              </a:rPr>
-              <a:t>//        if (value === null || value === undefined) {</a:t>
-            </a:r>
-          </a:p>
-          <a:p>
-            <a:pPr lvl="0" rtl="0">
-              <a:lnSpc>
-                <a:spcPct val="142857"/>
-              </a:lnSpc>
-              <a:spcBef>
-                <a:spcPts val="0"/>
-              </a:spcBef>
-              <a:buNone/>
-            </a:pPr>
-            <a:r>
-              <a:rPr lang="en" sz="600">
-                <a:solidFill>
-                  <a:srgbClr val="969896"/>
-                </a:solidFill>
-                <a:highlight>
-                  <a:srgbClr val="FFFFFF"/>
-                </a:highlight>
-                <a:latin typeface="Consolas"/>
-                <a:ea typeface="Consolas"/>
-                <a:cs typeface="Consolas"/>
-                <a:sym typeface="Consolas"/>
-              </a:rPr>
-              <a:t>//            monad.is_null = true;</a:t>
-            </a:r>
-          </a:p>
-          <a:p>
-            <a:pPr lvl="0" rtl="0">
-              <a:lnSpc>
-                <a:spcPct val="142857"/>
-              </a:lnSpc>
-              <a:spcBef>
-                <a:spcPts val="0"/>
-              </a:spcBef>
-              <a:buNone/>
-            </a:pPr>
-            <a:r>
-              <a:rPr lang="en" sz="600">
-                <a:solidFill>
-                  <a:srgbClr val="969896"/>
-                </a:solidFill>
-                <a:highlight>
-                  <a:srgbClr val="FFFFFF"/>
-                </a:highlight>
-                <a:latin typeface="Consolas"/>
-                <a:ea typeface="Consolas"/>
-                <a:cs typeface="Consolas"/>
-                <a:sym typeface="Consolas"/>
-              </a:rPr>
-              <a:t>//            monad.bind = function () {</a:t>
-            </a:r>
-          </a:p>
-          <a:p>
-            <a:pPr lvl="0" rtl="0">
-              <a:lnSpc>
-                <a:spcPct val="142857"/>
-              </a:lnSpc>
-              <a:spcBef>
-                <a:spcPts val="0"/>
-              </a:spcBef>
-              <a:buNone/>
-            </a:pPr>
-            <a:r>
-              <a:rPr lang="en" sz="600">
-                <a:solidFill>
-                  <a:srgbClr val="969896"/>
-                </a:solidFill>
-                <a:highlight>
-                  <a:srgbClr val="FFFFFF"/>
-                </a:highlight>
-                <a:latin typeface="Consolas"/>
-                <a:ea typeface="Consolas"/>
-                <a:cs typeface="Consolas"/>
-                <a:sym typeface="Consolas"/>
-              </a:rPr>
-              <a:t>//                return monad;</a:t>
-            </a:r>
-          </a:p>
-          <a:p>
-            <a:pPr lvl="0" rtl="0">
-              <a:lnSpc>
-                <a:spcPct val="142857"/>
-              </a:lnSpc>
-              <a:spcBef>
-                <a:spcPts val="0"/>
-              </a:spcBef>
-              <a:buNone/>
-            </a:pPr>
-            <a:r>
-              <a:rPr lang="en" sz="600">
-                <a:solidFill>
-                  <a:srgbClr val="969896"/>
-                </a:solidFill>
-                <a:highlight>
-                  <a:srgbClr val="FFFFFF"/>
-                </a:highlight>
-                <a:latin typeface="Consolas"/>
-                <a:ea typeface="Consolas"/>
-                <a:cs typeface="Consolas"/>
-                <a:sym typeface="Consolas"/>
-              </a:rPr>
-              <a:t>//            };</a:t>
-            </a:r>
-          </a:p>
-          <a:p>
-            <a:pPr lvl="0" rtl="0">
-              <a:lnSpc>
-                <a:spcPct val="142857"/>
-              </a:lnSpc>
-              <a:spcBef>
-                <a:spcPts val="0"/>
-              </a:spcBef>
-              <a:buNone/>
-            </a:pPr>
-            <a:r>
-              <a:rPr lang="en" sz="600">
-                <a:solidFill>
-                  <a:srgbClr val="969896"/>
-                </a:solidFill>
-                <a:highlight>
-                  <a:srgbClr val="FFFFFF"/>
-                </a:highlight>
-                <a:latin typeface="Consolas"/>
-                <a:ea typeface="Consolas"/>
-                <a:cs typeface="Consolas"/>
-                <a:sym typeface="Consolas"/>
-              </a:rPr>
-              <a:t>//            return null;</a:t>
-            </a:r>
-          </a:p>
-          <a:p>
-            <a:pPr lvl="0" rtl="0">
-              <a:lnSpc>
-                <a:spcPct val="142857"/>
-              </a:lnSpc>
-              <a:spcBef>
-                <a:spcPts val="0"/>
-              </a:spcBef>
-              <a:buNone/>
-            </a:pPr>
-            <a:r>
-              <a:rPr lang="en" sz="600">
-                <a:solidFill>
-                  <a:srgbClr val="969896"/>
-                </a:solidFill>
-                <a:highlight>
-                  <a:srgbClr val="FFFFFF"/>
-                </a:highlight>
-                <a:latin typeface="Consolas"/>
-                <a:ea typeface="Consolas"/>
-                <a:cs typeface="Consolas"/>
-                <a:sym typeface="Consolas"/>
-              </a:rPr>
-              <a:t>//        }</a:t>
-            </a:r>
-          </a:p>
-          <a:p>
-            <a:pPr lvl="0" rtl="0">
-              <a:lnSpc>
-                <a:spcPct val="142857"/>
-              </a:lnSpc>
-              <a:spcBef>
-                <a:spcPts val="0"/>
-              </a:spcBef>
-              <a:buNone/>
-            </a:pPr>
-            <a:r>
-              <a:rPr lang="en" sz="600">
-                <a:solidFill>
-                  <a:srgbClr val="969896"/>
-                </a:solidFill>
-                <a:highlight>
-                  <a:srgbClr val="FFFFFF"/>
-                </a:highlight>
-                <a:latin typeface="Consolas"/>
-                <a:ea typeface="Consolas"/>
-                <a:cs typeface="Consolas"/>
-                <a:sym typeface="Consolas"/>
-              </a:rPr>
-              <a:t>//        return value;</a:t>
-            </a:r>
-          </a:p>
-          <a:p>
-            <a:pPr lvl="0" rtl="0">
-              <a:lnSpc>
-                <a:spcPct val="142857"/>
-              </a:lnSpc>
-              <a:spcBef>
-                <a:spcPts val="0"/>
-              </a:spcBef>
-              <a:buNone/>
-            </a:pPr>
-            <a:r>
-              <a:rPr lang="en" sz="600">
-                <a:solidFill>
-                  <a:srgbClr val="969896"/>
-                </a:solidFill>
-                <a:highlight>
-                  <a:srgbClr val="FFFFFF"/>
-                </a:highlight>
-                <a:latin typeface="Consolas"/>
-                <a:ea typeface="Consolas"/>
-                <a:cs typeface="Consolas"/>
-                <a:sym typeface="Consolas"/>
-              </a:rPr>
-              <a:t>//    });</a:t>
-            </a:r>
-          </a:p>
-          <a:p>
-            <a:pPr lvl="0" rtl="0">
-              <a:lnSpc>
-                <a:spcPct val="142857"/>
-              </a:lnSpc>
-              <a:spcBef>
-                <a:spcPts val="0"/>
-              </a:spcBef>
-              <a:buNone/>
-            </a:pPr>
-            <a:r>
-              <a:rPr lang="en" sz="600">
-                <a:solidFill>
-                  <a:srgbClr val="969896"/>
-                </a:solidFill>
-                <a:highlight>
-                  <a:srgbClr val="FFFFFF"/>
-                </a:highlight>
-                <a:latin typeface="Consolas"/>
-                <a:ea typeface="Consolas"/>
-                <a:cs typeface="Consolas"/>
-                <a:sym typeface="Consolas"/>
-              </a:rPr>
-              <a:t>//    var monad = maybe(null);</a:t>
-            </a:r>
-          </a:p>
-          <a:p>
-            <a:pPr lvl="0" rtl="0">
-              <a:lnSpc>
-                <a:spcPct val="142857"/>
-              </a:lnSpc>
-              <a:spcBef>
-                <a:spcPts val="0"/>
-              </a:spcBef>
-              <a:buNone/>
-            </a:pPr>
-            <a:r>
-              <a:rPr lang="en" sz="600">
-                <a:solidFill>
-                  <a:srgbClr val="969896"/>
-                </a:solidFill>
-                <a:highlight>
-                  <a:srgbClr val="FFFFFF"/>
-                </a:highlight>
-                <a:latin typeface="Consolas"/>
-                <a:ea typeface="Consolas"/>
-                <a:cs typeface="Consolas"/>
-                <a:sym typeface="Consolas"/>
-              </a:rPr>
-              <a:t>//    monad.bind(alert);    // Nothing happens.</a:t>
-            </a:r>
-          </a:p>
-          <a:p>
-            <a:pPr lvl="0" rtl="0">
-              <a:lnSpc>
-                <a:spcPct val="142857"/>
-              </a:lnSpc>
-              <a:spcBef>
-                <a:spcPts val="0"/>
-              </a:spcBef>
-              <a:buNone/>
-            </a:pPr>
-            <a:r>
-              <a:rPr lang="en" sz="600">
-                <a:solidFill>
-                  <a:srgbClr val="24292E"/>
-                </a:solidFill>
-                <a:highlight>
-                  <a:srgbClr val="FFFFFF"/>
-                </a:highlight>
-                <a:latin typeface="Consolas"/>
-                <a:ea typeface="Consolas"/>
-                <a:cs typeface="Consolas"/>
-                <a:sym typeface="Consolas"/>
-              </a:rPr>
-              <a:t/>
-            </a:r>
-            <a:br>
-              <a:rPr lang="en" sz="600">
-                <a:solidFill>
-                  <a:srgbClr val="24292E"/>
-                </a:solidFill>
-                <a:highlight>
-                  <a:srgbClr val="FFFFFF"/>
-                </a:highlight>
-                <a:latin typeface="Consolas"/>
-                <a:ea typeface="Consolas"/>
-                <a:cs typeface="Consolas"/>
-                <a:sym typeface="Consolas"/>
-              </a:rPr>
-            </a:br>
-            <a:endParaRPr lang="en" sz="600">
-              <a:solidFill>
-                <a:srgbClr val="24292E"/>
-              </a:solidFill>
-              <a:highlight>
-                <a:srgbClr val="FFFFFF"/>
-              </a:highlight>
-              <a:latin typeface="Consolas"/>
-              <a:ea typeface="Consolas"/>
-              <a:cs typeface="Consolas"/>
-              <a:sym typeface="Consolas"/>
-            </a:endParaRPr>
-          </a:p>
-          <a:p>
-            <a:pPr lvl="0" rtl="0">
-              <a:lnSpc>
-                <a:spcPct val="142857"/>
-              </a:lnSpc>
-              <a:spcBef>
-                <a:spcPts val="0"/>
-              </a:spcBef>
-              <a:buNone/>
-            </a:pPr>
-            <a:r>
-              <a:rPr lang="en" sz="600">
-                <a:solidFill>
-                  <a:srgbClr val="969896"/>
-                </a:solidFill>
-                <a:highlight>
-                  <a:srgbClr val="FFFFFF"/>
-                </a:highlight>
-                <a:latin typeface="Consolas"/>
-                <a:ea typeface="Consolas"/>
-                <a:cs typeface="Consolas"/>
-                <a:sym typeface="Consolas"/>
-              </a:rPr>
-              <a:t>/*jslint this */</a:t>
-            </a:r>
-          </a:p>
-          <a:p>
-            <a:pPr lvl="0" rtl="0">
-              <a:lnSpc>
-                <a:spcPct val="142857"/>
-              </a:lnSpc>
-              <a:spcBef>
-                <a:spcPts val="0"/>
-              </a:spcBef>
-              <a:buNone/>
-            </a:pPr>
-            <a:r>
-              <a:rPr lang="en" sz="600">
-                <a:solidFill>
-                  <a:srgbClr val="24292E"/>
-                </a:solidFill>
-                <a:highlight>
-                  <a:srgbClr val="FFFFFF"/>
-                </a:highlight>
-                <a:latin typeface="Consolas"/>
-                <a:ea typeface="Consolas"/>
-                <a:cs typeface="Consolas"/>
-                <a:sym typeface="Consolas"/>
-              </a:rPr>
-              <a:t/>
-            </a:r>
-            <a:br>
-              <a:rPr lang="en" sz="600">
-                <a:solidFill>
-                  <a:srgbClr val="24292E"/>
-                </a:solidFill>
-                <a:highlight>
-                  <a:srgbClr val="FFFFFF"/>
-                </a:highlight>
-                <a:latin typeface="Consolas"/>
-                <a:ea typeface="Consolas"/>
-                <a:cs typeface="Consolas"/>
-                <a:sym typeface="Consolas"/>
-              </a:rPr>
-            </a:br>
-            <a:endParaRPr lang="en" sz="600">
-              <a:solidFill>
-                <a:srgbClr val="24292E"/>
-              </a:solidFill>
-              <a:highlight>
-                <a:srgbClr val="FFFFFF"/>
-              </a:highlight>
-              <a:latin typeface="Consolas"/>
-              <a:ea typeface="Consolas"/>
-              <a:cs typeface="Consolas"/>
-              <a:sym typeface="Consolas"/>
-            </a:endParaRPr>
-          </a:p>
-          <a:p>
-            <a:pPr lvl="0" rtl="0">
-              <a:lnSpc>
-                <a:spcPct val="142857"/>
-              </a:lnSpc>
-              <a:spcBef>
-                <a:spcPts val="0"/>
-              </a:spcBef>
-              <a:buNone/>
-            </a:pPr>
-            <a:r>
-              <a:rPr lang="en" sz="600">
-                <a:solidFill>
-                  <a:srgbClr val="A71D5D"/>
-                </a:solidFill>
-                <a:highlight>
-                  <a:srgbClr val="FFFFFF"/>
-                </a:highlight>
-                <a:latin typeface="Consolas"/>
-                <a:ea typeface="Consolas"/>
-                <a:cs typeface="Consolas"/>
-                <a:sym typeface="Consolas"/>
-              </a:rPr>
-              <a:t>function</a:t>
-            </a:r>
-            <a:r>
-              <a:rPr lang="en" sz="600">
-                <a:solidFill>
-                  <a:srgbClr val="24292E"/>
-                </a:solidFill>
-                <a:highlight>
-                  <a:srgbClr val="FFFFFF"/>
-                </a:highlight>
-                <a:latin typeface="Consolas"/>
-                <a:ea typeface="Consolas"/>
-                <a:cs typeface="Consolas"/>
-                <a:sym typeface="Consolas"/>
-              </a:rPr>
-              <a:t> </a:t>
-            </a:r>
-            <a:r>
-              <a:rPr lang="en" sz="600">
-                <a:solidFill>
-                  <a:srgbClr val="795DA3"/>
-                </a:solidFill>
-                <a:highlight>
-                  <a:srgbClr val="FFFFFF"/>
-                </a:highlight>
-                <a:latin typeface="Consolas"/>
-                <a:ea typeface="Consolas"/>
-                <a:cs typeface="Consolas"/>
-                <a:sym typeface="Consolas"/>
-              </a:rPr>
-              <a:t>MONAD</a:t>
-            </a:r>
-            <a:r>
-              <a:rPr lang="en" sz="600">
-                <a:solidFill>
-                  <a:srgbClr val="24292E"/>
-                </a:solidFill>
-                <a:highlight>
-                  <a:srgbClr val="FFFFFF"/>
-                </a:highlight>
-                <a:latin typeface="Consolas"/>
-                <a:ea typeface="Consolas"/>
-                <a:cs typeface="Consolas"/>
-                <a:sym typeface="Consolas"/>
-              </a:rPr>
-              <a:t>(</a:t>
-            </a:r>
-            <a:r>
-              <a:rPr lang="en" sz="600">
-                <a:solidFill>
-                  <a:srgbClr val="333333"/>
-                </a:solidFill>
-                <a:highlight>
-                  <a:srgbClr val="FFFFFF"/>
-                </a:highlight>
-                <a:latin typeface="Consolas"/>
-                <a:ea typeface="Consolas"/>
-                <a:cs typeface="Consolas"/>
-                <a:sym typeface="Consolas"/>
-              </a:rPr>
-              <a:t>modifier</a:t>
-            </a:r>
-            <a:r>
-              <a:rPr lang="en" sz="600">
-                <a:solidFill>
-                  <a:srgbClr val="24292E"/>
-                </a:solidFill>
-                <a:highlight>
-                  <a:srgbClr val="FFFFFF"/>
-                </a:highlight>
-                <a:latin typeface="Consolas"/>
-                <a:ea typeface="Consolas"/>
-                <a:cs typeface="Consolas"/>
-                <a:sym typeface="Consolas"/>
-              </a:rPr>
-              <a:t>) {</a:t>
-            </a:r>
-          </a:p>
-          <a:p>
-            <a:pPr lvl="0" rtl="0">
-              <a:lnSpc>
-                <a:spcPct val="142857"/>
-              </a:lnSpc>
-              <a:spcBef>
-                <a:spcPts val="0"/>
-              </a:spcBef>
-              <a:buNone/>
-            </a:pPr>
-            <a:r>
-              <a:rPr lang="en" sz="600">
-                <a:solidFill>
-                  <a:srgbClr val="24292E"/>
-                </a:solidFill>
-                <a:highlight>
-                  <a:srgbClr val="FFFFFF"/>
-                </a:highlight>
-                <a:latin typeface="Consolas"/>
-                <a:ea typeface="Consolas"/>
-                <a:cs typeface="Consolas"/>
-                <a:sym typeface="Consolas"/>
-              </a:rPr>
-              <a:t>   </a:t>
-            </a:r>
-            <a:r>
-              <a:rPr lang="en" sz="600">
-                <a:solidFill>
-                  <a:srgbClr val="183691"/>
-                </a:solidFill>
-                <a:highlight>
-                  <a:srgbClr val="FFFFFF"/>
-                </a:highlight>
-                <a:latin typeface="Consolas"/>
-                <a:ea typeface="Consolas"/>
-                <a:cs typeface="Consolas"/>
-                <a:sym typeface="Consolas"/>
-              </a:rPr>
-              <a:t>'use strict'</a:t>
-            </a:r>
-            <a:r>
-              <a:rPr lang="en" sz="600">
-                <a:solidFill>
-                  <a:srgbClr val="24292E"/>
-                </a:solidFill>
-                <a:highlight>
-                  <a:srgbClr val="FFFFFF"/>
-                </a:highlight>
-                <a:latin typeface="Consolas"/>
-                <a:ea typeface="Consolas"/>
-                <a:cs typeface="Consolas"/>
-                <a:sym typeface="Consolas"/>
-              </a:rPr>
-              <a:t>;</a:t>
-            </a:r>
-          </a:p>
-          <a:p>
-            <a:pPr lvl="0" rtl="0">
-              <a:lnSpc>
-                <a:spcPct val="142857"/>
-              </a:lnSpc>
-              <a:spcBef>
-                <a:spcPts val="0"/>
-              </a:spcBef>
-              <a:buNone/>
-            </a:pPr>
-            <a:r>
-              <a:rPr lang="en" sz="600">
-                <a:solidFill>
-                  <a:srgbClr val="24292E"/>
-                </a:solidFill>
-                <a:highlight>
-                  <a:srgbClr val="FFFFFF"/>
-                </a:highlight>
-                <a:latin typeface="Consolas"/>
-                <a:ea typeface="Consolas"/>
-                <a:cs typeface="Consolas"/>
-                <a:sym typeface="Consolas"/>
-              </a:rPr>
-              <a:t/>
-            </a:r>
-            <a:br>
-              <a:rPr lang="en" sz="600">
-                <a:solidFill>
-                  <a:srgbClr val="24292E"/>
-                </a:solidFill>
-                <a:highlight>
-                  <a:srgbClr val="FFFFFF"/>
-                </a:highlight>
-                <a:latin typeface="Consolas"/>
-                <a:ea typeface="Consolas"/>
-                <a:cs typeface="Consolas"/>
-                <a:sym typeface="Consolas"/>
-              </a:rPr>
-            </a:br>
-            <a:endParaRPr lang="en" sz="600">
-              <a:solidFill>
-                <a:srgbClr val="24292E"/>
-              </a:solidFill>
-              <a:highlight>
-                <a:srgbClr val="FFFFFF"/>
-              </a:highlight>
-              <a:latin typeface="Consolas"/>
-              <a:ea typeface="Consolas"/>
-              <a:cs typeface="Consolas"/>
-              <a:sym typeface="Consolas"/>
-            </a:endParaRPr>
-          </a:p>
-          <a:p>
-            <a:pPr lvl="0" rtl="0">
-              <a:lnSpc>
-                <a:spcPct val="142857"/>
-              </a:lnSpc>
-              <a:spcBef>
-                <a:spcPts val="0"/>
-              </a:spcBef>
-              <a:buNone/>
-            </a:pPr>
-            <a:r>
-              <a:rPr lang="en" sz="600">
-                <a:solidFill>
-                  <a:srgbClr val="969896"/>
-                </a:solidFill>
-                <a:highlight>
-                  <a:srgbClr val="FFFFFF"/>
-                </a:highlight>
-                <a:latin typeface="Consolas"/>
-                <a:ea typeface="Consolas"/>
-                <a:cs typeface="Consolas"/>
-                <a:sym typeface="Consolas"/>
-              </a:rPr>
-              <a:t>// Each unit constructor has a monad prototype. The prototype will contain an</a:t>
-            </a:r>
-          </a:p>
-          <a:p>
-            <a:pPr lvl="0" rtl="0">
-              <a:lnSpc>
-                <a:spcPct val="142857"/>
-              </a:lnSpc>
-              <a:spcBef>
-                <a:spcPts val="0"/>
-              </a:spcBef>
-              <a:buNone/>
-            </a:pPr>
-            <a:r>
-              <a:rPr lang="en" sz="600">
-                <a:solidFill>
-                  <a:srgbClr val="969896"/>
-                </a:solidFill>
-                <a:highlight>
-                  <a:srgbClr val="FFFFFF"/>
-                </a:highlight>
-                <a:latin typeface="Consolas"/>
-                <a:ea typeface="Consolas"/>
-                <a:cs typeface="Consolas"/>
-                <a:sym typeface="Consolas"/>
-              </a:rPr>
-              <a:t>// is_monad property for classification, as well as all inheritable methods.</a:t>
-            </a:r>
-          </a:p>
-          <a:p>
-            <a:pPr lvl="0" rtl="0">
-              <a:lnSpc>
-                <a:spcPct val="142857"/>
-              </a:lnSpc>
-              <a:spcBef>
-                <a:spcPts val="0"/>
-              </a:spcBef>
-              <a:buNone/>
-            </a:pPr>
-            <a:r>
-              <a:rPr lang="en" sz="600">
-                <a:solidFill>
-                  <a:srgbClr val="24292E"/>
-                </a:solidFill>
-                <a:highlight>
-                  <a:srgbClr val="FFFFFF"/>
-                </a:highlight>
-                <a:latin typeface="Consolas"/>
-                <a:ea typeface="Consolas"/>
-                <a:cs typeface="Consolas"/>
-                <a:sym typeface="Consolas"/>
-              </a:rPr>
-              <a:t/>
-            </a:r>
-            <a:br>
-              <a:rPr lang="en" sz="600">
-                <a:solidFill>
-                  <a:srgbClr val="24292E"/>
-                </a:solidFill>
-                <a:highlight>
-                  <a:srgbClr val="FFFFFF"/>
-                </a:highlight>
-                <a:latin typeface="Consolas"/>
-                <a:ea typeface="Consolas"/>
-                <a:cs typeface="Consolas"/>
-                <a:sym typeface="Consolas"/>
-              </a:rPr>
-            </a:br>
-            <a:endParaRPr lang="en" sz="600">
-              <a:solidFill>
-                <a:srgbClr val="24292E"/>
-              </a:solidFill>
-              <a:highlight>
-                <a:srgbClr val="FFFFFF"/>
-              </a:highlight>
-              <a:latin typeface="Consolas"/>
-              <a:ea typeface="Consolas"/>
-              <a:cs typeface="Consolas"/>
-              <a:sym typeface="Consolas"/>
-            </a:endParaRPr>
-          </a:p>
-          <a:p>
-            <a:pPr lvl="0" rtl="0">
-              <a:lnSpc>
-                <a:spcPct val="142857"/>
-              </a:lnSpc>
-              <a:spcBef>
-                <a:spcPts val="0"/>
-              </a:spcBef>
-              <a:buNone/>
-            </a:pPr>
-            <a:r>
-              <a:rPr lang="en" sz="600">
-                <a:solidFill>
-                  <a:srgbClr val="24292E"/>
-                </a:solidFill>
-                <a:highlight>
-                  <a:srgbClr val="FFFFFF"/>
-                </a:highlight>
-                <a:latin typeface="Consolas"/>
-                <a:ea typeface="Consolas"/>
-                <a:cs typeface="Consolas"/>
-                <a:sym typeface="Consolas"/>
-              </a:rPr>
-              <a:t>   </a:t>
-            </a:r>
-            <a:r>
-              <a:rPr lang="en" sz="600">
-                <a:solidFill>
-                  <a:srgbClr val="A71D5D"/>
-                </a:solidFill>
-                <a:highlight>
-                  <a:srgbClr val="FFFFFF"/>
-                </a:highlight>
-                <a:latin typeface="Consolas"/>
-                <a:ea typeface="Consolas"/>
-                <a:cs typeface="Consolas"/>
-                <a:sym typeface="Consolas"/>
-              </a:rPr>
-              <a:t>var</a:t>
-            </a:r>
-            <a:r>
-              <a:rPr lang="en" sz="600">
-                <a:solidFill>
-                  <a:srgbClr val="24292E"/>
-                </a:solidFill>
-                <a:highlight>
-                  <a:srgbClr val="FFFFFF"/>
-                </a:highlight>
-                <a:latin typeface="Consolas"/>
-                <a:ea typeface="Consolas"/>
-                <a:cs typeface="Consolas"/>
-                <a:sym typeface="Consolas"/>
-              </a:rPr>
-              <a:t> prototype </a:t>
-            </a:r>
-            <a:r>
-              <a:rPr lang="en" sz="600">
-                <a:solidFill>
-                  <a:srgbClr val="A71D5D"/>
-                </a:solidFill>
-                <a:highlight>
-                  <a:srgbClr val="FFFFFF"/>
-                </a:highlight>
-                <a:latin typeface="Consolas"/>
-                <a:ea typeface="Consolas"/>
-                <a:cs typeface="Consolas"/>
-                <a:sym typeface="Consolas"/>
-              </a:rPr>
-              <a:t>=</a:t>
-            </a:r>
-            <a:r>
-              <a:rPr lang="en" sz="600">
-                <a:solidFill>
-                  <a:srgbClr val="24292E"/>
-                </a:solidFill>
-                <a:highlight>
-                  <a:srgbClr val="FFFFFF"/>
-                </a:highlight>
-                <a:latin typeface="Consolas"/>
-                <a:ea typeface="Consolas"/>
-                <a:cs typeface="Consolas"/>
-                <a:sym typeface="Consolas"/>
-              </a:rPr>
-              <a:t> </a:t>
-            </a:r>
-            <a:r>
-              <a:rPr lang="en" sz="600">
-                <a:solidFill>
-                  <a:srgbClr val="0086B3"/>
-                </a:solidFill>
-                <a:highlight>
-                  <a:srgbClr val="FFFFFF"/>
-                </a:highlight>
-                <a:latin typeface="Consolas"/>
-                <a:ea typeface="Consolas"/>
-                <a:cs typeface="Consolas"/>
-                <a:sym typeface="Consolas"/>
-              </a:rPr>
-              <a:t>Object</a:t>
-            </a:r>
-            <a:r>
-              <a:rPr lang="en" sz="600">
-                <a:solidFill>
-                  <a:srgbClr val="24292E"/>
-                </a:solidFill>
-                <a:highlight>
-                  <a:srgbClr val="FFFFFF"/>
-                </a:highlight>
-                <a:latin typeface="Consolas"/>
-                <a:ea typeface="Consolas"/>
-                <a:cs typeface="Consolas"/>
-                <a:sym typeface="Consolas"/>
-              </a:rPr>
-              <a:t>.</a:t>
-            </a:r>
-            <a:r>
-              <a:rPr lang="en" sz="600">
-                <a:solidFill>
-                  <a:srgbClr val="795DA3"/>
-                </a:solidFill>
-                <a:highlight>
-                  <a:srgbClr val="FFFFFF"/>
-                </a:highlight>
-                <a:latin typeface="Consolas"/>
-                <a:ea typeface="Consolas"/>
-                <a:cs typeface="Consolas"/>
-                <a:sym typeface="Consolas"/>
-              </a:rPr>
-              <a:t>create</a:t>
-            </a:r>
-            <a:r>
-              <a:rPr lang="en" sz="600">
-                <a:solidFill>
-                  <a:srgbClr val="24292E"/>
-                </a:solidFill>
-                <a:highlight>
-                  <a:srgbClr val="FFFFFF"/>
-                </a:highlight>
-                <a:latin typeface="Consolas"/>
-                <a:ea typeface="Consolas"/>
-                <a:cs typeface="Consolas"/>
-                <a:sym typeface="Consolas"/>
-              </a:rPr>
-              <a:t>(</a:t>
-            </a:r>
-            <a:r>
-              <a:rPr lang="en" sz="600">
-                <a:solidFill>
-                  <a:srgbClr val="0086B3"/>
-                </a:solidFill>
-                <a:highlight>
-                  <a:srgbClr val="FFFFFF"/>
-                </a:highlight>
-                <a:latin typeface="Consolas"/>
-                <a:ea typeface="Consolas"/>
-                <a:cs typeface="Consolas"/>
-                <a:sym typeface="Consolas"/>
-              </a:rPr>
-              <a:t>null</a:t>
-            </a:r>
-            <a:r>
-              <a:rPr lang="en" sz="600">
-                <a:solidFill>
-                  <a:srgbClr val="24292E"/>
-                </a:solidFill>
-                <a:highlight>
-                  <a:srgbClr val="FFFFFF"/>
-                </a:highlight>
-                <a:latin typeface="Consolas"/>
-                <a:ea typeface="Consolas"/>
-                <a:cs typeface="Consolas"/>
-                <a:sym typeface="Consolas"/>
-              </a:rPr>
-              <a:t>);</a:t>
-            </a:r>
-          </a:p>
-          <a:p>
-            <a:pPr lvl="0" rtl="0">
-              <a:lnSpc>
-                <a:spcPct val="142857"/>
-              </a:lnSpc>
-              <a:spcBef>
-                <a:spcPts val="0"/>
-              </a:spcBef>
-              <a:buNone/>
-            </a:pPr>
-            <a:r>
-              <a:rPr lang="en" sz="600">
-                <a:solidFill>
-                  <a:srgbClr val="24292E"/>
-                </a:solidFill>
-                <a:highlight>
-                  <a:srgbClr val="FFFFFF"/>
-                </a:highlight>
-                <a:latin typeface="Consolas"/>
-                <a:ea typeface="Consolas"/>
-                <a:cs typeface="Consolas"/>
-                <a:sym typeface="Consolas"/>
-              </a:rPr>
-              <a:t>   </a:t>
-            </a:r>
-            <a:r>
-              <a:rPr lang="en" sz="600">
-                <a:solidFill>
-                  <a:srgbClr val="333333"/>
-                </a:solidFill>
-                <a:highlight>
-                  <a:srgbClr val="FFFFFF"/>
-                </a:highlight>
-                <a:latin typeface="Consolas"/>
-                <a:ea typeface="Consolas"/>
-                <a:cs typeface="Consolas"/>
-                <a:sym typeface="Consolas"/>
-              </a:rPr>
-              <a:t>prototype</a:t>
-            </a:r>
-            <a:r>
-              <a:rPr lang="en" sz="600">
-                <a:solidFill>
-                  <a:srgbClr val="24292E"/>
-                </a:solidFill>
-                <a:highlight>
-                  <a:srgbClr val="FFFFFF"/>
-                </a:highlight>
-                <a:latin typeface="Consolas"/>
-                <a:ea typeface="Consolas"/>
-                <a:cs typeface="Consolas"/>
-                <a:sym typeface="Consolas"/>
-              </a:rPr>
-              <a:t>.</a:t>
-            </a:r>
-            <a:r>
-              <a:rPr lang="en" sz="600">
-                <a:solidFill>
-                  <a:srgbClr val="333333"/>
-                </a:solidFill>
-                <a:highlight>
-                  <a:srgbClr val="FFFFFF"/>
-                </a:highlight>
-                <a:latin typeface="Consolas"/>
-                <a:ea typeface="Consolas"/>
-                <a:cs typeface="Consolas"/>
-                <a:sym typeface="Consolas"/>
-              </a:rPr>
-              <a:t>is_monad</a:t>
-            </a:r>
-            <a:r>
-              <a:rPr lang="en" sz="600">
-                <a:solidFill>
-                  <a:srgbClr val="24292E"/>
-                </a:solidFill>
-                <a:highlight>
-                  <a:srgbClr val="FFFFFF"/>
-                </a:highlight>
-                <a:latin typeface="Consolas"/>
-                <a:ea typeface="Consolas"/>
-                <a:cs typeface="Consolas"/>
-                <a:sym typeface="Consolas"/>
-              </a:rPr>
-              <a:t> </a:t>
-            </a:r>
-            <a:r>
-              <a:rPr lang="en" sz="600">
-                <a:solidFill>
-                  <a:srgbClr val="A71D5D"/>
-                </a:solidFill>
-                <a:highlight>
-                  <a:srgbClr val="FFFFFF"/>
-                </a:highlight>
-                <a:latin typeface="Consolas"/>
-                <a:ea typeface="Consolas"/>
-                <a:cs typeface="Consolas"/>
-                <a:sym typeface="Consolas"/>
-              </a:rPr>
-              <a:t>=</a:t>
-            </a:r>
-            <a:r>
-              <a:rPr lang="en" sz="600">
-                <a:solidFill>
-                  <a:srgbClr val="24292E"/>
-                </a:solidFill>
-                <a:highlight>
-                  <a:srgbClr val="FFFFFF"/>
-                </a:highlight>
-                <a:latin typeface="Consolas"/>
-                <a:ea typeface="Consolas"/>
-                <a:cs typeface="Consolas"/>
-                <a:sym typeface="Consolas"/>
-              </a:rPr>
-              <a:t> </a:t>
-            </a:r>
-            <a:r>
-              <a:rPr lang="en" sz="600">
-                <a:solidFill>
-                  <a:srgbClr val="0086B3"/>
-                </a:solidFill>
-                <a:highlight>
-                  <a:srgbClr val="FFFFFF"/>
-                </a:highlight>
-                <a:latin typeface="Consolas"/>
-                <a:ea typeface="Consolas"/>
-                <a:cs typeface="Consolas"/>
-                <a:sym typeface="Consolas"/>
-              </a:rPr>
-              <a:t>true</a:t>
-            </a:r>
-            <a:r>
-              <a:rPr lang="en" sz="600">
-                <a:solidFill>
-                  <a:srgbClr val="24292E"/>
-                </a:solidFill>
-                <a:highlight>
-                  <a:srgbClr val="FFFFFF"/>
-                </a:highlight>
-                <a:latin typeface="Consolas"/>
-                <a:ea typeface="Consolas"/>
-                <a:cs typeface="Consolas"/>
-                <a:sym typeface="Consolas"/>
-              </a:rPr>
-              <a:t>;</a:t>
-            </a:r>
+            <a:endParaRPr lang="en-US"/>
           </a:p>
         </p:txBody>
       </p:sp>
     </p:spTree>
+    <p:extLst>
+      <p:ext uri="{BB962C8B-B14F-4D97-AF65-F5344CB8AC3E}">
+        <p14:creationId xmlns:p14="http://schemas.microsoft.com/office/powerpoint/2010/main" val="2034874566"/>
+      </p:ext>
+    </p:extLst>
   </p:cSld>
   <p:clrMapOvr>
     <a:masterClrMapping/>

--- a/pptx/PureScript- JS.la presentation.pptx
+++ b/pptx/PureScript- JS.la presentation.pptx
@@ -14,13 +14,13 @@
     <p:sldId id="268" r:id="rId5"/>
     <p:sldId id="270" r:id="rId6"/>
     <p:sldId id="269" r:id="rId7"/>
-    <p:sldId id="273" r:id="rId8"/>
-    <p:sldId id="271" r:id="rId9"/>
-    <p:sldId id="272" r:id="rId10"/>
-    <p:sldId id="258" r:id="rId11"/>
-    <p:sldId id="259" r:id="rId12"/>
-    <p:sldId id="260" r:id="rId13"/>
-    <p:sldId id="261" r:id="rId14"/>
+    <p:sldId id="274" r:id="rId8"/>
+    <p:sldId id="273" r:id="rId9"/>
+    <p:sldId id="271" r:id="rId10"/>
+    <p:sldId id="272" r:id="rId11"/>
+    <p:sldId id="258" r:id="rId12"/>
+    <p:sldId id="259" r:id="rId13"/>
+    <p:sldId id="260" r:id="rId14"/>
     <p:sldId id="262" r:id="rId15"/>
     <p:sldId id="263" r:id="rId16"/>
     <p:sldId id="264" r:id="rId17"/>
@@ -597,107 +597,6 @@
   <p:cSld>
     <p:spTree>
       <p:nvGrpSpPr>
-        <p:cNvPr id="1" name="Shape 117"/>
-        <p:cNvGrpSpPr/>
-        <p:nvPr/>
-      </p:nvGrpSpPr>
-      <p:grpSpPr>
-        <a:xfrm>
-          <a:off x="0" y="0"/>
-          <a:ext cx="0" cy="0"/>
-          <a:chOff x="0" y="0"/>
-          <a:chExt cx="0" cy="0"/>
-        </a:xfrm>
-      </p:grpSpPr>
-      <p:sp>
-        <p:nvSpPr>
-          <p:cNvPr id="118" name="Shape 118"/>
-          <p:cNvSpPr>
-            <a:spLocks noGrp="1" noRot="1" noChangeAspect="1"/>
-          </p:cNvSpPr>
-          <p:nvPr>
-            <p:ph type="sldImg" idx="2"/>
-          </p:nvPr>
-        </p:nvSpPr>
-        <p:spPr>
-          <a:xfrm>
-            <a:off x="381300" y="685800"/>
-            <a:ext cx="6096000" cy="3429000"/>
-          </a:xfrm>
-          <a:custGeom>
-            <a:avLst/>
-            <a:gdLst/>
-            <a:ahLst/>
-            <a:cxnLst/>
-            <a:rect l="0" t="0" r="0" b="0"/>
-            <a:pathLst>
-              <a:path w="120000" h="120000" extrusionOk="0">
-                <a:moveTo>
-                  <a:pt x="0" y="0"/>
-                </a:moveTo>
-                <a:lnTo>
-                  <a:pt x="120000" y="0"/>
-                </a:lnTo>
-                <a:lnTo>
-                  <a:pt x="120000" y="120000"/>
-                </a:lnTo>
-                <a:lnTo>
-                  <a:pt x="0" y="120000"/>
-                </a:lnTo>
-                <a:close/>
-              </a:path>
-            </a:pathLst>
-          </a:custGeom>
-        </p:spPr>
-      </p:sp>
-      <p:sp>
-        <p:nvSpPr>
-          <p:cNvPr id="119" name="Shape 119"/>
-          <p:cNvSpPr txBox="1">
-            <a:spLocks noGrp="1"/>
-          </p:cNvSpPr>
-          <p:nvPr>
-            <p:ph type="body" idx="1"/>
-          </p:nvPr>
-        </p:nvSpPr>
-        <p:spPr>
-          <a:xfrm>
-            <a:off x="685800" y="4343400"/>
-            <a:ext cx="5486400" cy="4114800"/>
-          </a:xfrm>
-          <a:prstGeom prst="rect">
-            <a:avLst/>
-          </a:prstGeom>
-        </p:spPr>
-        <p:txBody>
-          <a:bodyPr lIns="91425" tIns="91425" rIns="91425" bIns="91425" anchor="t" anchorCtr="0">
-            <a:noAutofit/>
-          </a:bodyPr>
-          <a:lstStyle/>
-          <a:p>
-            <a:pPr lvl="0">
-              <a:spcBef>
-                <a:spcPts val="0"/>
-              </a:spcBef>
-              <a:buNone/>
-            </a:pPr>
-            <a:endParaRPr/>
-          </a:p>
-        </p:txBody>
-      </p:sp>
-    </p:spTree>
-  </p:cSld>
-  <p:clrMapOvr>
-    <a:masterClrMapping/>
-  </p:clrMapOvr>
-</p:notes>
-</file>
-
-<file path=ppt/notesSlides/notesSlide11.xml><?xml version="1.0" encoding="utf-8"?>
-<p:notes xmlns:a="http://schemas.openxmlformats.org/drawingml/2006/main" xmlns:r="http://schemas.openxmlformats.org/officeDocument/2006/relationships" xmlns:p="http://schemas.openxmlformats.org/presentationml/2006/main" showMasterSp="0" showMasterPhAnim="0">
-  <p:cSld>
-    <p:spTree>
-      <p:nvGrpSpPr>
         <p:cNvPr id="1" name="Shape 123"/>
         <p:cNvGrpSpPr/>
         <p:nvPr/>
@@ -1203,107 +1102,6 @@
   <p:cSld>
     <p:spTree>
       <p:nvGrpSpPr>
-        <p:cNvPr id="1" name="Shape 93"/>
-        <p:cNvGrpSpPr/>
-        <p:nvPr/>
-      </p:nvGrpSpPr>
-      <p:grpSpPr>
-        <a:xfrm>
-          <a:off x="0" y="0"/>
-          <a:ext cx="0" cy="0"/>
-          <a:chOff x="0" y="0"/>
-          <a:chExt cx="0" cy="0"/>
-        </a:xfrm>
-      </p:grpSpPr>
-      <p:sp>
-        <p:nvSpPr>
-          <p:cNvPr id="94" name="Shape 94"/>
-          <p:cNvSpPr>
-            <a:spLocks noGrp="1" noRot="1" noChangeAspect="1"/>
-          </p:cNvSpPr>
-          <p:nvPr>
-            <p:ph type="sldImg" idx="2"/>
-          </p:nvPr>
-        </p:nvSpPr>
-        <p:spPr>
-          <a:xfrm>
-            <a:off x="381300" y="685800"/>
-            <a:ext cx="6096000" cy="3429000"/>
-          </a:xfrm>
-          <a:custGeom>
-            <a:avLst/>
-            <a:gdLst/>
-            <a:ahLst/>
-            <a:cxnLst/>
-            <a:rect l="0" t="0" r="0" b="0"/>
-            <a:pathLst>
-              <a:path w="120000" h="120000" extrusionOk="0">
-                <a:moveTo>
-                  <a:pt x="0" y="0"/>
-                </a:moveTo>
-                <a:lnTo>
-                  <a:pt x="120000" y="0"/>
-                </a:lnTo>
-                <a:lnTo>
-                  <a:pt x="120000" y="120000"/>
-                </a:lnTo>
-                <a:lnTo>
-                  <a:pt x="0" y="120000"/>
-                </a:lnTo>
-                <a:close/>
-              </a:path>
-            </a:pathLst>
-          </a:custGeom>
-        </p:spPr>
-      </p:sp>
-      <p:sp>
-        <p:nvSpPr>
-          <p:cNvPr id="95" name="Shape 95"/>
-          <p:cNvSpPr txBox="1">
-            <a:spLocks noGrp="1"/>
-          </p:cNvSpPr>
-          <p:nvPr>
-            <p:ph type="body" idx="1"/>
-          </p:nvPr>
-        </p:nvSpPr>
-        <p:spPr>
-          <a:xfrm>
-            <a:off x="685800" y="4343400"/>
-            <a:ext cx="5486400" cy="4114800"/>
-          </a:xfrm>
-          <a:prstGeom prst="rect">
-            <a:avLst/>
-          </a:prstGeom>
-        </p:spPr>
-        <p:txBody>
-          <a:bodyPr lIns="91425" tIns="91425" rIns="91425" bIns="91425" anchor="t" anchorCtr="0">
-            <a:noAutofit/>
-          </a:bodyPr>
-          <a:lstStyle/>
-          <a:p>
-            <a:pPr lvl="0">
-              <a:spcBef>
-                <a:spcPts val="0"/>
-              </a:spcBef>
-              <a:buNone/>
-            </a:pPr>
-            <a:endParaRPr/>
-          </a:p>
-        </p:txBody>
-      </p:sp>
-    </p:spTree>
-  </p:cSld>
-  <p:clrMapOvr>
-    <a:masterClrMapping/>
-  </p:clrMapOvr>
-</p:notes>
-</file>
-
-<file path=ppt/notesSlides/notesSlide7.xml><?xml version="1.0" encoding="utf-8"?>
-<p:notes xmlns:a="http://schemas.openxmlformats.org/drawingml/2006/main" xmlns:r="http://schemas.openxmlformats.org/officeDocument/2006/relationships" xmlns:p="http://schemas.openxmlformats.org/presentationml/2006/main" showMasterSp="0" showMasterPhAnim="0">
-  <p:cSld>
-    <p:spTree>
-      <p:nvGrpSpPr>
         <p:cNvPr id="1" name="Shape 99"/>
         <p:cNvGrpSpPr/>
         <p:nvPr/>
@@ -1400,7 +1198,7 @@
 </p:notes>
 </file>
 
-<file path=ppt/notesSlides/notesSlide8.xml><?xml version="1.0" encoding="utf-8"?>
+<file path=ppt/notesSlides/notesSlide7.xml><?xml version="1.0" encoding="utf-8"?>
 <p:notes xmlns:a="http://schemas.openxmlformats.org/drawingml/2006/main" xmlns:r="http://schemas.openxmlformats.org/officeDocument/2006/relationships" xmlns:p="http://schemas.openxmlformats.org/presentationml/2006/main" showMasterSp="0" showMasterPhAnim="0">
   <p:cSld>
     <p:spTree>
@@ -1501,7 +1299,7 @@
 </p:notes>
 </file>
 
-<file path=ppt/notesSlides/notesSlide9.xml><?xml version="1.0" encoding="utf-8"?>
+<file path=ppt/notesSlides/notesSlide8.xml><?xml version="1.0" encoding="utf-8"?>
 <p:notes xmlns:a="http://schemas.openxmlformats.org/drawingml/2006/main" xmlns:r="http://schemas.openxmlformats.org/officeDocument/2006/relationships" xmlns:p="http://schemas.openxmlformats.org/presentationml/2006/main" showMasterSp="0" showMasterPhAnim="0">
   <p:cSld>
     <p:spTree>
@@ -1562,6 +1360,107 @@
       <p:sp>
         <p:nvSpPr>
           <p:cNvPr id="113" name="Shape 113"/>
+          <p:cNvSpPr txBox="1">
+            <a:spLocks noGrp="1"/>
+          </p:cNvSpPr>
+          <p:nvPr>
+            <p:ph type="body" idx="1"/>
+          </p:nvPr>
+        </p:nvSpPr>
+        <p:spPr>
+          <a:xfrm>
+            <a:off x="685800" y="4343400"/>
+            <a:ext cx="5486400" cy="4114800"/>
+          </a:xfrm>
+          <a:prstGeom prst="rect">
+            <a:avLst/>
+          </a:prstGeom>
+        </p:spPr>
+        <p:txBody>
+          <a:bodyPr lIns="91425" tIns="91425" rIns="91425" bIns="91425" anchor="t" anchorCtr="0">
+            <a:noAutofit/>
+          </a:bodyPr>
+          <a:lstStyle/>
+          <a:p>
+            <a:pPr lvl="0">
+              <a:spcBef>
+                <a:spcPts val="0"/>
+              </a:spcBef>
+              <a:buNone/>
+            </a:pPr>
+            <a:endParaRPr/>
+          </a:p>
+        </p:txBody>
+      </p:sp>
+    </p:spTree>
+  </p:cSld>
+  <p:clrMapOvr>
+    <a:masterClrMapping/>
+  </p:clrMapOvr>
+</p:notes>
+</file>
+
+<file path=ppt/notesSlides/notesSlide9.xml><?xml version="1.0" encoding="utf-8"?>
+<p:notes xmlns:a="http://schemas.openxmlformats.org/drawingml/2006/main" xmlns:r="http://schemas.openxmlformats.org/officeDocument/2006/relationships" xmlns:p="http://schemas.openxmlformats.org/presentationml/2006/main" showMasterSp="0" showMasterPhAnim="0">
+  <p:cSld>
+    <p:spTree>
+      <p:nvGrpSpPr>
+        <p:cNvPr id="1" name="Shape 117"/>
+        <p:cNvGrpSpPr/>
+        <p:nvPr/>
+      </p:nvGrpSpPr>
+      <p:grpSpPr>
+        <a:xfrm>
+          <a:off x="0" y="0"/>
+          <a:ext cx="0" cy="0"/>
+          <a:chOff x="0" y="0"/>
+          <a:chExt cx="0" cy="0"/>
+        </a:xfrm>
+      </p:grpSpPr>
+      <p:sp>
+        <p:nvSpPr>
+          <p:cNvPr id="118" name="Shape 118"/>
+          <p:cNvSpPr>
+            <a:spLocks noGrp="1" noRot="1" noChangeAspect="1"/>
+          </p:cNvSpPr>
+          <p:nvPr>
+            <p:ph type="sldImg" idx="2"/>
+          </p:nvPr>
+        </p:nvSpPr>
+        <p:spPr>
+          <a:xfrm>
+            <a:off x="381300" y="685800"/>
+            <a:ext cx="6096000" cy="3429000"/>
+          </a:xfrm>
+          <a:custGeom>
+            <a:avLst/>
+            <a:gdLst/>
+            <a:ahLst/>
+            <a:cxnLst/>
+            <a:rect l="0" t="0" r="0" b="0"/>
+            <a:pathLst>
+              <a:path w="120000" h="120000" extrusionOk="0">
+                <a:moveTo>
+                  <a:pt x="0" y="0"/>
+                </a:moveTo>
+                <a:lnTo>
+                  <a:pt x="120000" y="0"/>
+                </a:lnTo>
+                <a:lnTo>
+                  <a:pt x="120000" y="120000"/>
+                </a:lnTo>
+                <a:lnTo>
+                  <a:pt x="0" y="120000"/>
+                </a:lnTo>
+                <a:close/>
+              </a:path>
+            </a:pathLst>
+          </a:custGeom>
+        </p:spPr>
+      </p:sp>
+      <p:sp>
+        <p:nvSpPr>
+          <p:cNvPr id="119" name="Shape 119"/>
           <p:cNvSpPr txBox="1">
             <a:spLocks noGrp="1"/>
           </p:cNvSpPr>
@@ -5632,13 +5531,26 @@
               <a:buNone/>
             </a:pPr>
             <a:r>
-              <a:rPr lang="en">
-                <a:solidFill>
-                  <a:srgbClr val="FFFFFF"/>
-                </a:solidFill>
-              </a:rPr>
-              <a:t>JS.la</a:t>
-            </a:r>
+              <a:rPr lang="en-US" dirty="0" smtClean="0">
+                <a:solidFill>
+                  <a:srgbClr val="FFFFFF"/>
+                </a:solidFill>
+              </a:rPr>
+              <a:t>LA </a:t>
+            </a:r>
+            <a:r>
+              <a:rPr lang="en-US" dirty="0" err="1" smtClean="0">
+                <a:solidFill>
+                  <a:srgbClr val="FFFFFF"/>
+                </a:solidFill>
+              </a:rPr>
+              <a:t>PureScript</a:t>
+            </a:r>
+            <a:endParaRPr lang="en" dirty="0">
+              <a:solidFill>
+                <a:srgbClr val="FFFFFF"/>
+              </a:solidFill>
+            </a:endParaRPr>
           </a:p>
         </p:txBody>
       </p:sp>
@@ -5747,10 +5659,96 @@
   <p:clrMapOvr>
     <a:masterClrMapping/>
   </p:clrMapOvr>
+  <p:timing>
+    <p:tnLst>
+      <p:par>
+        <p:cTn id="1" dur="indefinite" restart="never" nodeType="tmRoot"/>
+      </p:par>
+    </p:tnLst>
+  </p:timing>
 </p:sld>
 </file>
 
 <file path=ppt/slides/slide10.xml><?xml version="1.0" encoding="utf-8"?>
+<p:sld xmlns:a="http://schemas.openxmlformats.org/drawingml/2006/main" xmlns:r="http://schemas.openxmlformats.org/officeDocument/2006/relationships" xmlns:p="http://schemas.openxmlformats.org/presentationml/2006/main">
+  <p:cSld>
+    <p:spTree>
+      <p:nvGrpSpPr>
+        <p:cNvPr id="1" name=""/>
+        <p:cNvGrpSpPr/>
+        <p:nvPr/>
+      </p:nvGrpSpPr>
+      <p:grpSpPr>
+        <a:xfrm>
+          <a:off x="0" y="0"/>
+          <a:ext cx="0" cy="0"/>
+          <a:chOff x="0" y="0"/>
+          <a:chExt cx="0" cy="0"/>
+        </a:xfrm>
+      </p:grpSpPr>
+      <p:sp>
+        <p:nvSpPr>
+          <p:cNvPr id="2" name="Title 1"/>
+          <p:cNvSpPr>
+            <a:spLocks noGrp="1"/>
+          </p:cNvSpPr>
+          <p:nvPr>
+            <p:ph type="title"/>
+          </p:nvPr>
+        </p:nvSpPr>
+        <p:spPr/>
+        <p:txBody>
+          <a:bodyPr/>
+          <a:lstStyle/>
+          <a:p>
+            <a:r>
+              <a:rPr lang="en-US" dirty="0" smtClean="0"/>
+              <a:t>`do` notation</a:t>
+            </a:r>
+            <a:endParaRPr lang="en-US" dirty="0"/>
+          </a:p>
+        </p:txBody>
+      </p:sp>
+      <p:sp>
+        <p:nvSpPr>
+          <p:cNvPr id="3" name="Text Placeholder 2"/>
+          <p:cNvSpPr>
+            <a:spLocks noGrp="1"/>
+          </p:cNvSpPr>
+          <p:nvPr>
+            <p:ph type="body" idx="1"/>
+          </p:nvPr>
+        </p:nvSpPr>
+        <p:spPr/>
+        <p:txBody>
+          <a:bodyPr/>
+          <a:lstStyle/>
+          <a:p>
+            <a:endParaRPr lang="en-US"/>
+          </a:p>
+        </p:txBody>
+      </p:sp>
+    </p:spTree>
+    <p:extLst>
+      <p:ext uri="{BB962C8B-B14F-4D97-AF65-F5344CB8AC3E}">
+        <p14:creationId xmlns:p14="http://schemas.microsoft.com/office/powerpoint/2010/main" val="2034874566"/>
+      </p:ext>
+    </p:extLst>
+  </p:cSld>
+  <p:clrMapOvr>
+    <a:masterClrMapping/>
+  </p:clrMapOvr>
+  <p:timing>
+    <p:tnLst>
+      <p:par>
+        <p:cTn id="1" dur="indefinite" restart="never" nodeType="tmRoot"/>
+      </p:par>
+    </p:tnLst>
+  </p:timing>
+</p:sld>
+</file>
+
+<file path=ppt/slides/slide11.xml><?xml version="1.0" encoding="utf-8"?>
 <p:sld xmlns:a="http://schemas.openxmlformats.org/drawingml/2006/main" xmlns:r="http://schemas.openxmlformats.org/officeDocument/2006/relationships" xmlns:p="http://schemas.openxmlformats.org/presentationml/2006/main">
   <p:cSld>
     <p:spTree>
@@ -7805,10 +7803,17 @@
   <p:clrMapOvr>
     <a:masterClrMapping/>
   </p:clrMapOvr>
+  <p:timing>
+    <p:tnLst>
+      <p:par>
+        <p:cTn id="1" dur="indefinite" restart="never" nodeType="tmRoot"/>
+      </p:par>
+    </p:tnLst>
+  </p:timing>
 </p:sld>
 </file>
 
-<file path=ppt/slides/slide11.xml><?xml version="1.0" encoding="utf-8"?>
+<file path=ppt/slides/slide12.xml><?xml version="1.0" encoding="utf-8"?>
 <p:sld xmlns:a="http://schemas.openxmlformats.org/drawingml/2006/main" xmlns:r="http://schemas.openxmlformats.org/officeDocument/2006/relationships" xmlns:p="http://schemas.openxmlformats.org/presentationml/2006/main">
   <p:cSld>
     <p:spTree>
@@ -11699,10 +11704,17 @@
   <p:clrMapOvr>
     <a:masterClrMapping/>
   </p:clrMapOvr>
+  <p:timing>
+    <p:tnLst>
+      <p:par>
+        <p:cTn id="1" dur="indefinite" restart="never" nodeType="tmRoot"/>
+      </p:par>
+    </p:tnLst>
+  </p:timing>
 </p:sld>
 </file>
 
-<file path=ppt/slides/slide12.xml><?xml version="1.0" encoding="utf-8"?>
+<file path=ppt/slides/slide13.xml><?xml version="1.0" encoding="utf-8"?>
 <p:sld xmlns:a="http://schemas.openxmlformats.org/drawingml/2006/main" xmlns:r="http://schemas.openxmlformats.org/officeDocument/2006/relationships" xmlns:p="http://schemas.openxmlformats.org/presentationml/2006/main">
   <p:cSld>
     <p:spTree>
@@ -12754,104 +12766,13 @@
   <p:clrMapOvr>
     <a:masterClrMapping/>
   </p:clrMapOvr>
-</p:sld>
-</file>
-
-<file path=ppt/slides/slide13.xml><?xml version="1.0" encoding="utf-8"?>
-<p:sld xmlns:a="http://schemas.openxmlformats.org/drawingml/2006/main" xmlns:r="http://schemas.openxmlformats.org/officeDocument/2006/relationships" xmlns:p="http://schemas.openxmlformats.org/presentationml/2006/main">
-  <p:cSld>
-    <p:spTree>
-      <p:nvGrpSpPr>
-        <p:cNvPr id="1" name="Shape 96"/>
-        <p:cNvGrpSpPr/>
-        <p:nvPr/>
-      </p:nvGrpSpPr>
-      <p:grpSpPr>
-        <a:xfrm>
-          <a:off x="0" y="0"/>
-          <a:ext cx="0" cy="0"/>
-          <a:chOff x="0" y="0"/>
-          <a:chExt cx="0" cy="0"/>
-        </a:xfrm>
-      </p:grpSpPr>
-      <p:sp>
-        <p:nvSpPr>
-          <p:cNvPr id="97" name="Shape 97"/>
-          <p:cNvSpPr txBox="1">
-            <a:spLocks noGrp="1"/>
-          </p:cNvSpPr>
-          <p:nvPr>
-            <p:ph type="title"/>
-          </p:nvPr>
-        </p:nvSpPr>
-        <p:spPr>
-          <a:xfrm>
-            <a:off x="311700" y="445025"/>
-            <a:ext cx="8520600" cy="572700"/>
-          </a:xfrm>
-          <a:prstGeom prst="rect">
-            <a:avLst/>
-          </a:prstGeom>
-        </p:spPr>
-        <p:txBody>
-          <a:bodyPr lIns="91425" tIns="91425" rIns="91425" bIns="91425" anchor="t" anchorCtr="0">
-            <a:noAutofit/>
-          </a:bodyPr>
-          <a:lstStyle/>
-          <a:p>
-            <a:pPr lvl="0">
-              <a:spcBef>
-                <a:spcPts val="0"/>
-              </a:spcBef>
-              <a:buNone/>
-            </a:pPr>
-            <a:r>
-              <a:rPr lang="en"/>
-              <a:t>What is Purely Functional Coding</a:t>
-            </a:r>
-          </a:p>
-        </p:txBody>
-      </p:sp>
-      <p:sp>
-        <p:nvSpPr>
-          <p:cNvPr id="98" name="Shape 98"/>
-          <p:cNvSpPr txBox="1">
-            <a:spLocks noGrp="1"/>
-          </p:cNvSpPr>
-          <p:nvPr>
-            <p:ph type="body" idx="1"/>
-          </p:nvPr>
-        </p:nvSpPr>
-        <p:spPr>
-          <a:xfrm>
-            <a:off x="311700" y="1152475"/>
-            <a:ext cx="8520600" cy="3416400"/>
-          </a:xfrm>
-          <a:prstGeom prst="rect">
-            <a:avLst/>
-          </a:prstGeom>
-        </p:spPr>
-        <p:txBody>
-          <a:bodyPr lIns="91425" tIns="91425" rIns="91425" bIns="91425" anchor="t" anchorCtr="0">
-            <a:noAutofit/>
-          </a:bodyPr>
-          <a:lstStyle/>
-          <a:p>
-            <a:pPr lvl="0">
-              <a:spcBef>
-                <a:spcPts val="0"/>
-              </a:spcBef>
-              <a:buNone/>
-            </a:pPr>
-            <a:endParaRPr/>
-          </a:p>
-        </p:txBody>
-      </p:sp>
-    </p:spTree>
-  </p:cSld>
-  <p:clrMapOvr>
-    <a:masterClrMapping/>
-  </p:clrMapOvr>
+  <p:timing>
+    <p:tnLst>
+      <p:par>
+        <p:cTn id="1" dur="indefinite" restart="never" nodeType="tmRoot"/>
+      </p:par>
+    </p:tnLst>
+  </p:timing>
 </p:sld>
 </file>
 
@@ -12950,6 +12871,13 @@
   <p:clrMapOvr>
     <a:masterClrMapping/>
   </p:clrMapOvr>
+  <p:timing>
+    <p:tnLst>
+      <p:par>
+        <p:cTn id="1" dur="indefinite" restart="never" nodeType="tmRoot"/>
+      </p:par>
+    </p:tnLst>
+  </p:timing>
 </p:sld>
 </file>
 
@@ -13048,6 +12976,13 @@
   <p:clrMapOvr>
     <a:masterClrMapping/>
   </p:clrMapOvr>
+  <p:timing>
+    <p:tnLst>
+      <p:par>
+        <p:cTn id="1" dur="indefinite" restart="never" nodeType="tmRoot"/>
+      </p:par>
+    </p:tnLst>
+  </p:timing>
 </p:sld>
 </file>
 
@@ -13146,6 +13081,13 @@
   <p:clrMapOvr>
     <a:masterClrMapping/>
   </p:clrMapOvr>
+  <p:timing>
+    <p:tnLst>
+      <p:par>
+        <p:cTn id="1" dur="indefinite" restart="never" nodeType="tmRoot"/>
+      </p:par>
+    </p:tnLst>
+  </p:timing>
 </p:sld>
 </file>
 
@@ -13244,6 +13186,13 @@
   <p:clrMapOvr>
     <a:masterClrMapping/>
   </p:clrMapOvr>
+  <p:timing>
+    <p:tnLst>
+      <p:par>
+        <p:cTn id="1" dur="indefinite" restart="never" nodeType="tmRoot"/>
+      </p:par>
+    </p:tnLst>
+  </p:timing>
 </p:sld>
 </file>
 
@@ -13339,6 +13288,13 @@
   <p:clrMapOvr>
     <a:masterClrMapping/>
   </p:clrMapOvr>
+  <p:timing>
+    <p:tnLst>
+      <p:par>
+        <p:cTn id="1" dur="indefinite" restart="never" nodeType="tmRoot"/>
+      </p:par>
+    </p:tnLst>
+  </p:timing>
 </p:sld>
 </file>
 
@@ -13500,6 +13456,13 @@
   <p:clrMapOvr>
     <a:masterClrMapping/>
   </p:clrMapOvr>
+  <p:timing>
+    <p:tnLst>
+      <p:par>
+        <p:cTn id="1" dur="indefinite" restart="never" nodeType="tmRoot"/>
+      </p:par>
+    </p:tnLst>
+  </p:timing>
 </p:sld>
 </file>
 
@@ -13662,6 +13625,13 @@
   <p:clrMapOvr>
     <a:masterClrMapping/>
   </p:clrMapOvr>
+  <p:timing>
+    <p:tnLst>
+      <p:par>
+        <p:cTn id="1" dur="indefinite" restart="never" nodeType="tmRoot"/>
+      </p:par>
+    </p:tnLst>
+  </p:timing>
 </p:sld>
 </file>
 
@@ -13742,8 +13712,38 @@
         </p:blipFill>
         <p:spPr>
           <a:xfrm>
-            <a:off x="2794856" y="260091"/>
+            <a:off x="915952" y="731375"/>
             <a:ext cx="2794000" cy="3352800"/>
+          </a:xfrm>
+          <a:prstGeom prst="rect">
+            <a:avLst/>
+          </a:prstGeom>
+        </p:spPr>
+      </p:pic>
+      <p:pic>
+        <p:nvPicPr>
+          <p:cNvPr id="6" name="Picture 5"/>
+          <p:cNvPicPr>
+            <a:picLocks noChangeAspect="1"/>
+          </p:cNvPicPr>
+          <p:nvPr/>
+        </p:nvPicPr>
+        <p:blipFill>
+          <a:blip r:embed="rId3">
+            <a:extLst>
+              <a:ext uri="{28A0092B-C50C-407E-A947-70E740481C1C}">
+                <a14:useLocalDpi xmlns:a14="http://schemas.microsoft.com/office/drawing/2010/main" val="0"/>
+              </a:ext>
+            </a:extLst>
+          </a:blip>
+          <a:stretch>
+            <a:fillRect/>
+          </a:stretch>
+        </p:blipFill>
+        <p:spPr>
+          <a:xfrm>
+            <a:off x="4467235" y="731375"/>
+            <a:ext cx="4062989" cy="3970121"/>
           </a:xfrm>
           <a:prstGeom prst="rect">
             <a:avLst/>
@@ -13760,6 +13760,13 @@
   <p:clrMapOvr>
     <a:masterClrMapping/>
   </p:clrMapOvr>
+  <p:timing>
+    <p:tnLst>
+      <p:par>
+        <p:cTn id="1" dur="indefinite" restart="never" nodeType="tmRoot"/>
+      </p:par>
+    </p:tnLst>
+  </p:timing>
 </p:sld>
 </file>
 
@@ -13932,6 +13939,13 @@
   <p:clrMapOvr>
     <a:masterClrMapping/>
   </p:clrMapOvr>
+  <p:timing>
+    <p:tnLst>
+      <p:par>
+        <p:cTn id="1" dur="indefinite" restart="never" nodeType="tmRoot"/>
+      </p:par>
+    </p:tnLst>
+  </p:timing>
 </p:sld>
 </file>
 
@@ -14249,6 +14263,13 @@
   <p:clrMapOvr>
     <a:masterClrMapping/>
   </p:clrMapOvr>
+  <p:timing>
+    <p:tnLst>
+      <p:par>
+        <p:cTn id="1" dur="indefinite" restart="never" nodeType="tmRoot"/>
+      </p:par>
+    </p:tnLst>
+  </p:timing>
 </p:sld>
 </file>
 
@@ -14286,7 +14307,11 @@
           <a:p>
             <a:r>
               <a:rPr lang="en-US" dirty="0" smtClean="0"/>
-              <a:t>Controlling Effects with Monads</a:t>
+              <a:t>Introducing </a:t>
+            </a:r>
+            <a:r>
+              <a:rPr lang="en-US" dirty="0" err="1" smtClean="0"/>
+              <a:t>PureScript</a:t>
             </a:r>
             <a:endParaRPr lang="en-US" dirty="0"/>
           </a:p>
@@ -14307,14 +14332,14 @@
           <a:bodyPr/>
           <a:lstStyle/>
           <a:p>
-            <a:endParaRPr lang="en-US"/>
+            <a:endParaRPr lang="en-US" dirty="0"/>
           </a:p>
         </p:txBody>
       </p:sp>
     </p:spTree>
     <p:extLst>
       <p:ext uri="{BB962C8B-B14F-4D97-AF65-F5344CB8AC3E}">
-        <p14:creationId xmlns:p14="http://schemas.microsoft.com/office/powerpoint/2010/main" val="1167442836"/>
+        <p14:creationId xmlns:p14="http://schemas.microsoft.com/office/powerpoint/2010/main" val="1096883712"/>
       </p:ext>
     </p:extLst>
   </p:cSld>
@@ -14358,19 +14383,8 @@
           <a:p>
             <a:r>
               <a:rPr lang="en-US" dirty="0" smtClean="0"/>
-              <a:t>Applicative </a:t>
-            </a:r>
-            <a:r>
-              <a:rPr lang="en-US" dirty="0" err="1" smtClean="0"/>
-              <a:t>Functors</a:t>
-            </a:r>
-            <a:r>
-              <a:rPr lang="en-US" dirty="0" smtClean="0"/>
-              <a:t/>
-            </a:r>
-            <a:br>
-              <a:rPr lang="en-US" dirty="0" smtClean="0"/>
-            </a:br>
+              <a:t>Controlling Effects with Monads</a:t>
+            </a:r>
             <a:endParaRPr lang="en-US" dirty="0"/>
           </a:p>
         </p:txBody>
@@ -14397,13 +14411,20 @@
     </p:spTree>
     <p:extLst>
       <p:ext uri="{BB962C8B-B14F-4D97-AF65-F5344CB8AC3E}">
-        <p14:creationId xmlns:p14="http://schemas.microsoft.com/office/powerpoint/2010/main" val="1114536279"/>
+        <p14:creationId xmlns:p14="http://schemas.microsoft.com/office/powerpoint/2010/main" val="1167442836"/>
       </p:ext>
     </p:extLst>
   </p:cSld>
   <p:clrMapOvr>
     <a:masterClrMapping/>
   </p:clrMapOvr>
+  <p:timing>
+    <p:tnLst>
+      <p:par>
+        <p:cTn id="1" dur="indefinite" restart="never" nodeType="tmRoot"/>
+      </p:par>
+    </p:tnLst>
+  </p:timing>
 </p:sld>
 </file>
 
@@ -14441,8 +14462,19 @@
           <a:p>
             <a:r>
               <a:rPr lang="en-US" dirty="0" smtClean="0"/>
-              <a:t>`do` notation</a:t>
-            </a:r>
+              <a:t>Applicative </a:t>
+            </a:r>
+            <a:r>
+              <a:rPr lang="en-US" dirty="0" err="1" smtClean="0"/>
+              <a:t>Functors</a:t>
+            </a:r>
+            <a:r>
+              <a:rPr lang="en-US" dirty="0" smtClean="0"/>
+              <a:t/>
+            </a:r>
+            <a:br>
+              <a:rPr lang="en-US" dirty="0" smtClean="0"/>
+            </a:br>
             <a:endParaRPr lang="en-US" dirty="0"/>
           </a:p>
         </p:txBody>
@@ -14469,13 +14501,20 @@
     </p:spTree>
     <p:extLst>
       <p:ext uri="{BB962C8B-B14F-4D97-AF65-F5344CB8AC3E}">
-        <p14:creationId xmlns:p14="http://schemas.microsoft.com/office/powerpoint/2010/main" val="2034874566"/>
+        <p14:creationId xmlns:p14="http://schemas.microsoft.com/office/powerpoint/2010/main" val="1114536279"/>
       </p:ext>
     </p:extLst>
   </p:cSld>
   <p:clrMapOvr>
     <a:masterClrMapping/>
   </p:clrMapOvr>
+  <p:timing>
+    <p:tnLst>
+      <p:par>
+        <p:cTn id="1" dur="indefinite" restart="never" nodeType="tmRoot"/>
+      </p:par>
+    </p:tnLst>
+  </p:timing>
 </p:sld>
 </file>
 

--- a/pptx/PureScript- JS.la presentation.pptx
+++ b/pptx/PureScript- JS.la presentation.pptx
@@ -5,7 +5,7 @@
     <p:sldMasterId id="2147483659" r:id="rId1"/>
   </p:sldMasterIdLst>
   <p:notesMasterIdLst>
-    <p:notesMasterId r:id="rId20"/>
+    <p:notesMasterId r:id="rId22"/>
   </p:notesMasterIdLst>
   <p:sldIdLst>
     <p:sldId id="256" r:id="rId2"/>
@@ -18,14 +18,16 @@
     <p:sldId id="273" r:id="rId9"/>
     <p:sldId id="271" r:id="rId10"/>
     <p:sldId id="272" r:id="rId11"/>
-    <p:sldId id="258" r:id="rId12"/>
-    <p:sldId id="259" r:id="rId13"/>
-    <p:sldId id="260" r:id="rId14"/>
-    <p:sldId id="262" r:id="rId15"/>
-    <p:sldId id="263" r:id="rId16"/>
-    <p:sldId id="264" r:id="rId17"/>
-    <p:sldId id="265" r:id="rId18"/>
-    <p:sldId id="266" r:id="rId19"/>
+    <p:sldId id="275" r:id="rId12"/>
+    <p:sldId id="276" r:id="rId13"/>
+    <p:sldId id="258" r:id="rId14"/>
+    <p:sldId id="259" r:id="rId15"/>
+    <p:sldId id="260" r:id="rId16"/>
+    <p:sldId id="262" r:id="rId17"/>
+    <p:sldId id="263" r:id="rId18"/>
+    <p:sldId id="264" r:id="rId19"/>
+    <p:sldId id="265" r:id="rId20"/>
+    <p:sldId id="266" r:id="rId21"/>
   </p:sldIdLst>
   <p:sldSz cx="9144000" cy="5143500" type="screen16x9"/>
   <p:notesSz cx="6858000" cy="9144000"/>
@@ -231,6 +233,11 @@
       </a:defRPr>
     </a:lvl9pPr>
   </p:defaultTextStyle>
+  <p:extLst>
+    <p:ext uri="{EFAFB233-063F-42B5-8137-9DF3F51BA10A}">
+      <p15:sldGuideLst xmlns:p15="http://schemas.microsoft.com/office/powerpoint/2012/main"/>
+    </p:ext>
+  </p:extLst>
 </p:presentation>
 </file>
 
@@ -5753,6 +5760,169 @@
   <p:cSld>
     <p:spTree>
       <p:nvGrpSpPr>
+        <p:cNvPr id="1" name=""/>
+        <p:cNvGrpSpPr/>
+        <p:nvPr/>
+      </p:nvGrpSpPr>
+      <p:grpSpPr>
+        <a:xfrm>
+          <a:off x="0" y="0"/>
+          <a:ext cx="0" cy="0"/>
+          <a:chOff x="0" y="0"/>
+          <a:chExt cx="0" cy="0"/>
+        </a:xfrm>
+      </p:grpSpPr>
+      <p:sp>
+        <p:nvSpPr>
+          <p:cNvPr id="2" name="Title 1"/>
+          <p:cNvSpPr>
+            <a:spLocks noGrp="1"/>
+          </p:cNvSpPr>
+          <p:nvPr>
+            <p:ph type="title"/>
+          </p:nvPr>
+        </p:nvSpPr>
+        <p:spPr/>
+        <p:txBody>
+          <a:bodyPr/>
+          <a:lstStyle/>
+          <a:p>
+            <a:r>
+              <a:rPr lang="en-US" dirty="0" err="1" smtClean="0"/>
+              <a:t>TypeScript</a:t>
+            </a:r>
+            <a:r>
+              <a:rPr lang="en-US" dirty="0" smtClean="0"/>
+              <a:t> and the </a:t>
+            </a:r>
+            <a:r>
+              <a:rPr lang="en-US" b="1" dirty="0"/>
+              <a:t>type</a:t>
+            </a:r>
+            <a:r>
+              <a:rPr lang="en-US" dirty="0"/>
+              <a:t> Maybe&lt;T&gt; = T</a:t>
+            </a:r>
+            <a:endParaRPr lang="en-US" dirty="0"/>
+          </a:p>
+        </p:txBody>
+      </p:sp>
+      <p:sp>
+        <p:nvSpPr>
+          <p:cNvPr id="3" name="Text Placeholder 2"/>
+          <p:cNvSpPr>
+            <a:spLocks noGrp="1"/>
+          </p:cNvSpPr>
+          <p:nvPr>
+            <p:ph type="body" idx="1"/>
+          </p:nvPr>
+        </p:nvSpPr>
+        <p:spPr/>
+        <p:txBody>
+          <a:bodyPr/>
+          <a:lstStyle/>
+          <a:p>
+            <a:endParaRPr lang="en-US" dirty="0"/>
+          </a:p>
+        </p:txBody>
+      </p:sp>
+    </p:spTree>
+    <p:extLst>
+      <p:ext uri="{BB962C8B-B14F-4D97-AF65-F5344CB8AC3E}">
+        <p14:creationId xmlns:p14="http://schemas.microsoft.com/office/powerpoint/2010/main" val="201284415"/>
+      </p:ext>
+    </p:extLst>
+  </p:cSld>
+  <p:clrMapOvr>
+    <a:masterClrMapping/>
+  </p:clrMapOvr>
+</p:sld>
+</file>
+
+<file path=ppt/slides/slide12.xml><?xml version="1.0" encoding="utf-8"?>
+<p:sld xmlns:a="http://schemas.openxmlformats.org/drawingml/2006/main" xmlns:r="http://schemas.openxmlformats.org/officeDocument/2006/relationships" xmlns:p="http://schemas.openxmlformats.org/presentationml/2006/main">
+  <p:cSld>
+    <p:spTree>
+      <p:nvGrpSpPr>
+        <p:cNvPr id="1" name=""/>
+        <p:cNvGrpSpPr/>
+        <p:nvPr/>
+      </p:nvGrpSpPr>
+      <p:grpSpPr>
+        <a:xfrm>
+          <a:off x="0" y="0"/>
+          <a:ext cx="0" cy="0"/>
+          <a:chOff x="0" y="0"/>
+          <a:chExt cx="0" cy="0"/>
+        </a:xfrm>
+      </p:grpSpPr>
+      <p:sp>
+        <p:nvSpPr>
+          <p:cNvPr id="2" name="Title 1"/>
+          <p:cNvSpPr>
+            <a:spLocks noGrp="1"/>
+          </p:cNvSpPr>
+          <p:nvPr>
+            <p:ph type="title"/>
+          </p:nvPr>
+        </p:nvSpPr>
+        <p:spPr/>
+        <p:txBody>
+          <a:bodyPr/>
+          <a:lstStyle/>
+          <a:p>
+            <a:r>
+              <a:rPr lang="en-US" dirty="0" smtClean="0"/>
+              <a:t>Facebook Flow and Maybe &amp; Any Types</a:t>
+            </a:r>
+            <a:r>
+              <a:rPr lang="en-US" dirty="0"/>
+              <a:t/>
+            </a:r>
+            <a:br>
+              <a:rPr lang="en-US" dirty="0"/>
+            </a:br>
+            <a:endParaRPr lang="en-US" dirty="0"/>
+          </a:p>
+        </p:txBody>
+      </p:sp>
+      <p:sp>
+        <p:nvSpPr>
+          <p:cNvPr id="3" name="Text Placeholder 2"/>
+          <p:cNvSpPr>
+            <a:spLocks noGrp="1"/>
+          </p:cNvSpPr>
+          <p:nvPr>
+            <p:ph type="body" idx="1"/>
+          </p:nvPr>
+        </p:nvSpPr>
+        <p:spPr/>
+        <p:txBody>
+          <a:bodyPr/>
+          <a:lstStyle/>
+          <a:p>
+            <a:endParaRPr lang="en-US"/>
+          </a:p>
+        </p:txBody>
+      </p:sp>
+    </p:spTree>
+    <p:extLst>
+      <p:ext uri="{BB962C8B-B14F-4D97-AF65-F5344CB8AC3E}">
+        <p14:creationId xmlns:p14="http://schemas.microsoft.com/office/powerpoint/2010/main" val="13101342"/>
+      </p:ext>
+    </p:extLst>
+  </p:cSld>
+  <p:clrMapOvr>
+    <a:masterClrMapping/>
+  </p:clrMapOvr>
+</p:sld>
+</file>
+
+<file path=ppt/slides/slide13.xml><?xml version="1.0" encoding="utf-8"?>
+<p:sld xmlns:a="http://schemas.openxmlformats.org/drawingml/2006/main" xmlns:r="http://schemas.openxmlformats.org/officeDocument/2006/relationships" xmlns:p="http://schemas.openxmlformats.org/presentationml/2006/main">
+  <p:cSld>
+    <p:spTree>
+      <p:nvGrpSpPr>
         <p:cNvPr id="1" name="Shape 75"/>
         <p:cNvGrpSpPr/>
         <p:nvPr/>
@@ -7813,7 +7983,7 @@
 </p:sld>
 </file>
 
-<file path=ppt/slides/slide12.xml><?xml version="1.0" encoding="utf-8"?>
+<file path=ppt/slides/slide14.xml><?xml version="1.0" encoding="utf-8"?>
 <p:sld xmlns:a="http://schemas.openxmlformats.org/drawingml/2006/main" xmlns:r="http://schemas.openxmlformats.org/officeDocument/2006/relationships" xmlns:p="http://schemas.openxmlformats.org/presentationml/2006/main">
   <p:cSld>
     <p:spTree>
@@ -11714,7 +11884,7 @@
 </p:sld>
 </file>
 
-<file path=ppt/slides/slide13.xml><?xml version="1.0" encoding="utf-8"?>
+<file path=ppt/slides/slide15.xml><?xml version="1.0" encoding="utf-8"?>
 <p:sld xmlns:a="http://schemas.openxmlformats.org/drawingml/2006/main" xmlns:r="http://schemas.openxmlformats.org/officeDocument/2006/relationships" xmlns:p="http://schemas.openxmlformats.org/presentationml/2006/main">
   <p:cSld>
     <p:spTree>
@@ -12776,7 +12946,7 @@
 </p:sld>
 </file>
 
-<file path=ppt/slides/slide14.xml><?xml version="1.0" encoding="utf-8"?>
+<file path=ppt/slides/slide16.xml><?xml version="1.0" encoding="utf-8"?>
 <p:sld xmlns:a="http://schemas.openxmlformats.org/drawingml/2006/main" xmlns:r="http://schemas.openxmlformats.org/officeDocument/2006/relationships" xmlns:p="http://schemas.openxmlformats.org/presentationml/2006/main">
   <p:cSld>
     <p:spTree>
@@ -12881,7 +13051,7 @@
 </p:sld>
 </file>
 
-<file path=ppt/slides/slide15.xml><?xml version="1.0" encoding="utf-8"?>
+<file path=ppt/slides/slide17.xml><?xml version="1.0" encoding="utf-8"?>
 <p:sld xmlns:a="http://schemas.openxmlformats.org/drawingml/2006/main" xmlns:r="http://schemas.openxmlformats.org/officeDocument/2006/relationships" xmlns:p="http://schemas.openxmlformats.org/presentationml/2006/main">
   <p:cSld>
     <p:spTree>
@@ -12986,7 +13156,7 @@
 </p:sld>
 </file>
 
-<file path=ppt/slides/slide16.xml><?xml version="1.0" encoding="utf-8"?>
+<file path=ppt/slides/slide18.xml><?xml version="1.0" encoding="utf-8"?>
 <p:sld xmlns:a="http://schemas.openxmlformats.org/drawingml/2006/main" xmlns:r="http://schemas.openxmlformats.org/officeDocument/2006/relationships" xmlns:p="http://schemas.openxmlformats.org/presentationml/2006/main">
   <p:cSld>
     <p:spTree>
@@ -13091,7 +13261,7 @@
 </p:sld>
 </file>
 
-<file path=ppt/slides/slide17.xml><?xml version="1.0" encoding="utf-8"?>
+<file path=ppt/slides/slide19.xml><?xml version="1.0" encoding="utf-8"?>
 <p:sld xmlns:a="http://schemas.openxmlformats.org/drawingml/2006/main" xmlns:r="http://schemas.openxmlformats.org/officeDocument/2006/relationships" xmlns:p="http://schemas.openxmlformats.org/presentationml/2006/main">
   <p:cSld>
     <p:spTree>
@@ -13149,108 +13319,6 @@
       <p:sp>
         <p:nvSpPr>
           <p:cNvPr id="122" name="Shape 122"/>
-          <p:cNvSpPr txBox="1">
-            <a:spLocks noGrp="1"/>
-          </p:cNvSpPr>
-          <p:nvPr>
-            <p:ph type="body" idx="1"/>
-          </p:nvPr>
-        </p:nvSpPr>
-        <p:spPr>
-          <a:xfrm>
-            <a:off x="311700" y="1152475"/>
-            <a:ext cx="8520600" cy="3416400"/>
-          </a:xfrm>
-          <a:prstGeom prst="rect">
-            <a:avLst/>
-          </a:prstGeom>
-        </p:spPr>
-        <p:txBody>
-          <a:bodyPr lIns="91425" tIns="91425" rIns="91425" bIns="91425" anchor="t" anchorCtr="0">
-            <a:noAutofit/>
-          </a:bodyPr>
-          <a:lstStyle/>
-          <a:p>
-            <a:pPr lvl="0">
-              <a:spcBef>
-                <a:spcPts val="0"/>
-              </a:spcBef>
-              <a:buNone/>
-            </a:pPr>
-            <a:endParaRPr/>
-          </a:p>
-        </p:txBody>
-      </p:sp>
-    </p:spTree>
-  </p:cSld>
-  <p:clrMapOvr>
-    <a:masterClrMapping/>
-  </p:clrMapOvr>
-  <p:timing>
-    <p:tnLst>
-      <p:par>
-        <p:cTn id="1" dur="indefinite" restart="never" nodeType="tmRoot"/>
-      </p:par>
-    </p:tnLst>
-  </p:timing>
-</p:sld>
-</file>
-
-<file path=ppt/slides/slide18.xml><?xml version="1.0" encoding="utf-8"?>
-<p:sld xmlns:a="http://schemas.openxmlformats.org/drawingml/2006/main" xmlns:r="http://schemas.openxmlformats.org/officeDocument/2006/relationships" xmlns:p="http://schemas.openxmlformats.org/presentationml/2006/main">
-  <p:cSld>
-    <p:spTree>
-      <p:nvGrpSpPr>
-        <p:cNvPr id="1" name="Shape 126"/>
-        <p:cNvGrpSpPr/>
-        <p:nvPr/>
-      </p:nvGrpSpPr>
-      <p:grpSpPr>
-        <a:xfrm>
-          <a:off x="0" y="0"/>
-          <a:ext cx="0" cy="0"/>
-          <a:chOff x="0" y="0"/>
-          <a:chExt cx="0" cy="0"/>
-        </a:xfrm>
-      </p:grpSpPr>
-      <p:sp>
-        <p:nvSpPr>
-          <p:cNvPr id="127" name="Shape 127"/>
-          <p:cNvSpPr txBox="1">
-            <a:spLocks noGrp="1"/>
-          </p:cNvSpPr>
-          <p:nvPr>
-            <p:ph type="title"/>
-          </p:nvPr>
-        </p:nvSpPr>
-        <p:spPr>
-          <a:xfrm>
-            <a:off x="311700" y="445025"/>
-            <a:ext cx="8520600" cy="572700"/>
-          </a:xfrm>
-          <a:prstGeom prst="rect">
-            <a:avLst/>
-          </a:prstGeom>
-        </p:spPr>
-        <p:txBody>
-          <a:bodyPr lIns="91425" tIns="91425" rIns="91425" bIns="91425" anchor="t" anchorCtr="0">
-            <a:noAutofit/>
-          </a:bodyPr>
-          <a:lstStyle/>
-          <a:p>
-            <a:pPr lvl="0">
-              <a:spcBef>
-                <a:spcPts val="0"/>
-              </a:spcBef>
-              <a:buNone/>
-            </a:pPr>
-            <a:endParaRPr/>
-          </a:p>
-        </p:txBody>
-      </p:sp>
-      <p:sp>
-        <p:nvSpPr>
-          <p:cNvPr id="128" name="Shape 128"/>
           <p:cNvSpPr txBox="1">
             <a:spLocks noGrp="1"/>
           </p:cNvSpPr>
@@ -13448,6 +13516,108 @@
               <a:rPr lang="en" b="1"/>
               <a:t>Shout out to Carlo Flores, RIP</a:t>
             </a:r>
+          </a:p>
+        </p:txBody>
+      </p:sp>
+    </p:spTree>
+  </p:cSld>
+  <p:clrMapOvr>
+    <a:masterClrMapping/>
+  </p:clrMapOvr>
+  <p:timing>
+    <p:tnLst>
+      <p:par>
+        <p:cTn id="1" dur="indefinite" restart="never" nodeType="tmRoot"/>
+      </p:par>
+    </p:tnLst>
+  </p:timing>
+</p:sld>
+</file>
+
+<file path=ppt/slides/slide20.xml><?xml version="1.0" encoding="utf-8"?>
+<p:sld xmlns:a="http://schemas.openxmlformats.org/drawingml/2006/main" xmlns:r="http://schemas.openxmlformats.org/officeDocument/2006/relationships" xmlns:p="http://schemas.openxmlformats.org/presentationml/2006/main">
+  <p:cSld>
+    <p:spTree>
+      <p:nvGrpSpPr>
+        <p:cNvPr id="1" name="Shape 126"/>
+        <p:cNvGrpSpPr/>
+        <p:nvPr/>
+      </p:nvGrpSpPr>
+      <p:grpSpPr>
+        <a:xfrm>
+          <a:off x="0" y="0"/>
+          <a:ext cx="0" cy="0"/>
+          <a:chOff x="0" y="0"/>
+          <a:chExt cx="0" cy="0"/>
+        </a:xfrm>
+      </p:grpSpPr>
+      <p:sp>
+        <p:nvSpPr>
+          <p:cNvPr id="127" name="Shape 127"/>
+          <p:cNvSpPr txBox="1">
+            <a:spLocks noGrp="1"/>
+          </p:cNvSpPr>
+          <p:nvPr>
+            <p:ph type="title"/>
+          </p:nvPr>
+        </p:nvSpPr>
+        <p:spPr>
+          <a:xfrm>
+            <a:off x="311700" y="445025"/>
+            <a:ext cx="8520600" cy="572700"/>
+          </a:xfrm>
+          <a:prstGeom prst="rect">
+            <a:avLst/>
+          </a:prstGeom>
+        </p:spPr>
+        <p:txBody>
+          <a:bodyPr lIns="91425" tIns="91425" rIns="91425" bIns="91425" anchor="t" anchorCtr="0">
+            <a:noAutofit/>
+          </a:bodyPr>
+          <a:lstStyle/>
+          <a:p>
+            <a:pPr lvl="0">
+              <a:spcBef>
+                <a:spcPts val="0"/>
+              </a:spcBef>
+              <a:buNone/>
+            </a:pPr>
+            <a:endParaRPr/>
+          </a:p>
+        </p:txBody>
+      </p:sp>
+      <p:sp>
+        <p:nvSpPr>
+          <p:cNvPr id="128" name="Shape 128"/>
+          <p:cNvSpPr txBox="1">
+            <a:spLocks noGrp="1"/>
+          </p:cNvSpPr>
+          <p:nvPr>
+            <p:ph type="body" idx="1"/>
+          </p:nvPr>
+        </p:nvSpPr>
+        <p:spPr>
+          <a:xfrm>
+            <a:off x="311700" y="1152475"/>
+            <a:ext cx="8520600" cy="3416400"/>
+          </a:xfrm>
+          <a:prstGeom prst="rect">
+            <a:avLst/>
+          </a:prstGeom>
+        </p:spPr>
+        <p:txBody>
+          <a:bodyPr lIns="91425" tIns="91425" rIns="91425" bIns="91425" anchor="t" anchorCtr="0">
+            <a:noAutofit/>
+          </a:bodyPr>
+          <a:lstStyle/>
+          <a:p>
+            <a:pPr lvl="0">
+              <a:spcBef>
+                <a:spcPts val="0"/>
+              </a:spcBef>
+              <a:buNone/>
+            </a:pPr>
+            <a:endParaRPr/>
           </a:p>
         </p:txBody>
       </p:sp>

--- a/pptx/PureScript- JS.la presentation.pptx
+++ b/pptx/PureScript- JS.la presentation.pptx
@@ -5901,7 +5901,7 @@
           <a:bodyPr/>
           <a:lstStyle/>
           <a:p>
-            <a:endParaRPr lang="en-US"/>
+            <a:endParaRPr lang="en-US" dirty="0"/>
           </a:p>
         </p:txBody>
       </p:sp>
